--- a/FINAL DELIVERABLES/Veni System Report Apr 22.pptx
+++ b/FINAL DELIVERABLES/Veni System Report Apr 22.pptx
@@ -6,11 +6,17 @@
   </p:sldMasterIdLst>
   <p:sldIdLst>
     <p:sldId id="256" r:id="rId2"/>
-    <p:sldId id="263" r:id="rId3"/>
-    <p:sldId id="265" r:id="rId4"/>
-    <p:sldId id="270" r:id="rId5"/>
-    <p:sldId id="266" r:id="rId6"/>
+    <p:sldId id="272" r:id="rId3"/>
+    <p:sldId id="271" r:id="rId4"/>
+    <p:sldId id="265" r:id="rId5"/>
+    <p:sldId id="273" r:id="rId6"/>
     <p:sldId id="267" r:id="rId7"/>
+    <p:sldId id="274" r:id="rId8"/>
+    <p:sldId id="275" r:id="rId9"/>
+    <p:sldId id="276" r:id="rId10"/>
+    <p:sldId id="277" r:id="rId11"/>
+    <p:sldId id="270" r:id="rId12"/>
+    <p:sldId id="266" r:id="rId13"/>
   </p:sldIdLst>
   <p:sldSz cx="12192000" cy="6858000"/>
   <p:notesSz cx="6858000" cy="9144000"/>
@@ -8011,15 +8017,7 @@
           <a:p>
             <a:r>
               <a:rPr lang="en-US" dirty="0" smtClean="0"/>
-              <a:t>April</a:t>
-            </a:r>
-            <a:r>
-              <a:rPr lang="en-US" dirty="0" smtClean="0"/>
-              <a:t> </a:t>
-            </a:r>
-            <a:r>
-              <a:rPr lang="en-US" dirty="0" smtClean="0"/>
-              <a:t>22</a:t>
+              <a:t>April 22</a:t>
             </a:r>
             <a:r>
               <a:rPr lang="en-US" baseline="30000" dirty="0" smtClean="0"/>
@@ -8027,11 +8025,7 @@
             </a:r>
             <a:r>
               <a:rPr lang="en-US" dirty="0" smtClean="0"/>
-              <a:t> </a:t>
-            </a:r>
-            <a:r>
-              <a:rPr lang="en-US" dirty="0" smtClean="0"/>
-              <a:t>Class Meeting Report</a:t>
+              <a:t> Class Meeting Report</a:t>
             </a:r>
             <a:endParaRPr lang="en-US" dirty="0"/>
           </a:p>
@@ -8418,7 +8412,7 @@
 </p:sld>
 </file>
 
-<file path=ppt/slides/slide2.xml><?xml version="1.0" encoding="utf-8"?>
+<file path=ppt/slides/slide10.xml><?xml version="1.0" encoding="utf-8"?>
 <p:sld xmlns:a="http://schemas.openxmlformats.org/drawingml/2006/main" xmlns:r="http://schemas.openxmlformats.org/officeDocument/2006/relationships" xmlns:p="http://schemas.openxmlformats.org/presentationml/2006/main">
   <p:cSld>
     <p:spTree>
@@ -8452,822 +8446,99 @@
           <a:p>
             <a:r>
               <a:rPr lang="en-US" dirty="0" smtClean="0"/>
-              <a:t>The Physical Architecture</a:t>
+              <a:t>Security Analysis</a:t>
             </a:r>
             <a:endParaRPr lang="en-US" dirty="0"/>
           </a:p>
         </p:txBody>
       </p:sp>
-      <p:grpSp>
-        <p:nvGrpSpPr>
-          <p:cNvPr id="18" name="Group 17"/>
-          <p:cNvGrpSpPr/>
-          <p:nvPr/>
-        </p:nvGrpSpPr>
-        <p:grpSpPr>
-          <a:xfrm>
-            <a:off x="609600" y="1740310"/>
-            <a:ext cx="2664542" cy="1740309"/>
-            <a:chOff x="609600" y="1740310"/>
-            <a:chExt cx="2664542" cy="1740309"/>
-          </a:xfrm>
-        </p:grpSpPr>
-        <p:sp>
-          <p:nvSpPr>
-            <p:cNvPr id="4" name="Cloud 3"/>
-            <p:cNvSpPr/>
-            <p:nvPr/>
-          </p:nvSpPr>
-          <p:spPr>
-            <a:xfrm>
-              <a:off x="609600" y="1740310"/>
-              <a:ext cx="2664542" cy="1740309"/>
-            </a:xfrm>
-            <a:prstGeom prst="cloud">
-              <a:avLst/>
-            </a:prstGeom>
-          </p:spPr>
-          <p:style>
-            <a:lnRef idx="2">
-              <a:schemeClr val="accent1">
-                <a:shade val="50000"/>
-              </a:schemeClr>
-            </a:lnRef>
-            <a:fillRef idx="1">
-              <a:schemeClr val="accent1"/>
-            </a:fillRef>
-            <a:effectRef idx="0">
-              <a:schemeClr val="accent1"/>
-            </a:effectRef>
-            <a:fontRef idx="minor">
-              <a:schemeClr val="lt1"/>
-            </a:fontRef>
-          </p:style>
-          <p:txBody>
-            <a:bodyPr rtlCol="0" anchor="ctr"/>
-            <a:lstStyle/>
-            <a:p>
-              <a:pPr algn="ctr"/>
-              <a:endParaRPr lang="en-US"/>
-            </a:p>
-          </p:txBody>
-        </p:sp>
-        <p:sp>
-          <p:nvSpPr>
-            <p:cNvPr id="6" name="Rectangle 5"/>
-            <p:cNvSpPr/>
-            <p:nvPr/>
-          </p:nvSpPr>
-          <p:spPr>
-            <a:xfrm>
-              <a:off x="953731" y="2074606"/>
-              <a:ext cx="1976284" cy="943897"/>
-            </a:xfrm>
-            <a:prstGeom prst="rect">
-              <a:avLst/>
-            </a:prstGeom>
-          </p:spPr>
-          <p:style>
-            <a:lnRef idx="2">
-              <a:schemeClr val="accent3">
-                <a:shade val="50000"/>
-              </a:schemeClr>
-            </a:lnRef>
-            <a:fillRef idx="1">
-              <a:schemeClr val="accent3"/>
-            </a:fillRef>
-            <a:effectRef idx="0">
-              <a:schemeClr val="accent3"/>
-            </a:effectRef>
-            <a:fontRef idx="minor">
-              <a:schemeClr val="lt1"/>
-            </a:fontRef>
-          </p:style>
-          <p:txBody>
-            <a:bodyPr rtlCol="0" anchor="b" anchorCtr="1"/>
-            <a:lstStyle/>
-            <a:p>
-              <a:pPr algn="ctr"/>
-              <a:r>
-                <a:rPr lang="en-US" sz="1400" dirty="0" smtClean="0"/>
-                <a:t>Linux Virtual Machine</a:t>
-              </a:r>
-              <a:endParaRPr lang="en-US" sz="1400" dirty="0"/>
-            </a:p>
-          </p:txBody>
-        </p:sp>
-        <p:sp>
-          <p:nvSpPr>
-            <p:cNvPr id="7" name="Rectangle 6"/>
-            <p:cNvSpPr/>
-            <p:nvPr/>
-          </p:nvSpPr>
-          <p:spPr>
-            <a:xfrm>
-              <a:off x="1111047" y="2212258"/>
-              <a:ext cx="1710813" cy="511277"/>
-            </a:xfrm>
-            <a:prstGeom prst="rect">
-              <a:avLst/>
-            </a:prstGeom>
-          </p:spPr>
-          <p:style>
-            <a:lnRef idx="2">
-              <a:schemeClr val="accent1">
-                <a:shade val="50000"/>
-              </a:schemeClr>
-            </a:lnRef>
-            <a:fillRef idx="1">
-              <a:schemeClr val="accent1"/>
-            </a:fillRef>
-            <a:effectRef idx="0">
-              <a:schemeClr val="accent1"/>
-            </a:effectRef>
-            <a:fontRef idx="minor">
-              <a:schemeClr val="lt1"/>
-            </a:fontRef>
-          </p:style>
-          <p:txBody>
-            <a:bodyPr rtlCol="0" anchor="ctr"/>
-            <a:lstStyle/>
-            <a:p>
-              <a:pPr algn="ctr"/>
-              <a:r>
-                <a:rPr lang="en-US" sz="1600" dirty="0" err="1" smtClean="0"/>
-                <a:t>Veni</a:t>
-              </a:r>
-              <a:r>
-                <a:rPr lang="en-US" sz="1600" dirty="0" smtClean="0"/>
-                <a:t>-Specific </a:t>
-              </a:r>
-              <a:r>
-                <a:rPr lang="en-US" sz="1600" dirty="0" err="1" smtClean="0"/>
-                <a:t>VistA</a:t>
-              </a:r>
-              <a:r>
-                <a:rPr lang="en-US" sz="1600" dirty="0" smtClean="0"/>
-                <a:t> Instance</a:t>
-              </a:r>
-              <a:endParaRPr lang="en-US" sz="1600" dirty="0"/>
-            </a:p>
-          </p:txBody>
-        </p:sp>
-      </p:grpSp>
-      <p:grpSp>
-        <p:nvGrpSpPr>
-          <p:cNvPr id="50" name="Group 49"/>
-          <p:cNvGrpSpPr/>
-          <p:nvPr/>
-        </p:nvGrpSpPr>
-        <p:grpSpPr>
-          <a:xfrm>
-            <a:off x="2268746" y="3480619"/>
-            <a:ext cx="2664542" cy="1740309"/>
-            <a:chOff x="2268746" y="3480619"/>
-            <a:chExt cx="2664542" cy="1740309"/>
-          </a:xfrm>
-        </p:grpSpPr>
-        <p:sp>
-          <p:nvSpPr>
-            <p:cNvPr id="12" name="Cloud 11"/>
-            <p:cNvSpPr/>
-            <p:nvPr/>
-          </p:nvSpPr>
-          <p:spPr>
-            <a:xfrm>
-              <a:off x="2268746" y="3480619"/>
-              <a:ext cx="2664542" cy="1740309"/>
-            </a:xfrm>
-            <a:prstGeom prst="cloud">
-              <a:avLst/>
-            </a:prstGeom>
-          </p:spPr>
-          <p:style>
-            <a:lnRef idx="2">
-              <a:schemeClr val="accent1">
-                <a:shade val="50000"/>
-              </a:schemeClr>
-            </a:lnRef>
-            <a:fillRef idx="1">
-              <a:schemeClr val="accent1"/>
-            </a:fillRef>
-            <a:effectRef idx="0">
-              <a:schemeClr val="accent1"/>
-            </a:effectRef>
-            <a:fontRef idx="minor">
-              <a:schemeClr val="lt1"/>
-            </a:fontRef>
-          </p:style>
-          <p:txBody>
-            <a:bodyPr rtlCol="0" anchor="ctr"/>
-            <a:lstStyle/>
-            <a:p>
-              <a:pPr algn="ctr"/>
-              <a:endParaRPr lang="en-US"/>
-            </a:p>
-          </p:txBody>
-        </p:sp>
-        <p:sp>
-          <p:nvSpPr>
-            <p:cNvPr id="13" name="Rectangle 12"/>
-            <p:cNvSpPr/>
-            <p:nvPr/>
-          </p:nvSpPr>
-          <p:spPr>
-            <a:xfrm>
-              <a:off x="2612877" y="3814915"/>
-              <a:ext cx="1976284" cy="943897"/>
-            </a:xfrm>
-            <a:prstGeom prst="rect">
-              <a:avLst/>
-            </a:prstGeom>
-          </p:spPr>
-          <p:style>
-            <a:lnRef idx="2">
-              <a:schemeClr val="accent3">
-                <a:shade val="50000"/>
-              </a:schemeClr>
-            </a:lnRef>
-            <a:fillRef idx="1">
-              <a:schemeClr val="accent3"/>
-            </a:fillRef>
-            <a:effectRef idx="0">
-              <a:schemeClr val="accent3"/>
-            </a:effectRef>
-            <a:fontRef idx="minor">
-              <a:schemeClr val="lt1"/>
-            </a:fontRef>
-          </p:style>
-          <p:txBody>
-            <a:bodyPr rtlCol="0" anchor="b" anchorCtr="1"/>
-            <a:lstStyle/>
-            <a:p>
-              <a:pPr algn="ctr"/>
-              <a:r>
-                <a:rPr lang="en-US" sz="1400" dirty="0" smtClean="0"/>
-                <a:t>Virtual Machine</a:t>
-              </a:r>
-              <a:endParaRPr lang="en-US" sz="1400" dirty="0"/>
-            </a:p>
-          </p:txBody>
-        </p:sp>
-        <p:sp>
-          <p:nvSpPr>
-            <p:cNvPr id="14" name="Rectangle 13"/>
-            <p:cNvSpPr/>
-            <p:nvPr/>
-          </p:nvSpPr>
-          <p:spPr>
-            <a:xfrm>
-              <a:off x="2770193" y="3952567"/>
-              <a:ext cx="1710813" cy="511277"/>
-            </a:xfrm>
-            <a:prstGeom prst="rect">
-              <a:avLst/>
-            </a:prstGeom>
-          </p:spPr>
-          <p:style>
-            <a:lnRef idx="2">
-              <a:schemeClr val="accent1">
-                <a:shade val="50000"/>
-              </a:schemeClr>
-            </a:lnRef>
-            <a:fillRef idx="1">
-              <a:schemeClr val="accent1"/>
-            </a:fillRef>
-            <a:effectRef idx="0">
-              <a:schemeClr val="accent1"/>
-            </a:effectRef>
-            <a:fontRef idx="minor">
-              <a:schemeClr val="lt1"/>
-            </a:fontRef>
-          </p:style>
-          <p:txBody>
-            <a:bodyPr rtlCol="0" anchor="ctr"/>
-            <a:lstStyle/>
-            <a:p>
-              <a:pPr algn="ctr"/>
-              <a:r>
-                <a:rPr lang="en-US" sz="1600" dirty="0" smtClean="0"/>
-                <a:t>Web Service</a:t>
-              </a:r>
-              <a:endParaRPr lang="en-US" sz="1600" dirty="0"/>
-            </a:p>
-          </p:txBody>
-        </p:sp>
-      </p:grpSp>
-      <p:grpSp>
-        <p:nvGrpSpPr>
-          <p:cNvPr id="51" name="Group 50"/>
-          <p:cNvGrpSpPr/>
-          <p:nvPr/>
-        </p:nvGrpSpPr>
-        <p:grpSpPr>
-          <a:xfrm>
-            <a:off x="5436207" y="5060663"/>
-            <a:ext cx="2576381" cy="1554596"/>
-            <a:chOff x="5436207" y="5060663"/>
-            <a:chExt cx="2576381" cy="1554596"/>
-          </a:xfrm>
-        </p:grpSpPr>
-        <p:grpSp>
-          <p:nvGrpSpPr>
-            <p:cNvPr id="29" name="Group 28"/>
-            <p:cNvGrpSpPr/>
-            <p:nvPr/>
-          </p:nvGrpSpPr>
-          <p:grpSpPr>
-            <a:xfrm>
-              <a:off x="5436207" y="5060663"/>
-              <a:ext cx="935935" cy="1554596"/>
-              <a:chOff x="5063613" y="4847303"/>
-              <a:chExt cx="840562" cy="1396181"/>
-            </a:xfrm>
-          </p:grpSpPr>
-          <p:sp>
-            <p:nvSpPr>
-              <p:cNvPr id="22" name="Rounded Rectangle 21"/>
-              <p:cNvSpPr/>
-              <p:nvPr/>
-            </p:nvSpPr>
-            <p:spPr>
-              <a:xfrm>
-                <a:off x="5063613" y="4847303"/>
-                <a:ext cx="840562" cy="1396181"/>
-              </a:xfrm>
-              <a:prstGeom prst="roundRect">
-                <a:avLst/>
-              </a:prstGeom>
-            </p:spPr>
-            <p:style>
-              <a:lnRef idx="2">
-                <a:schemeClr val="accent3">
-                  <a:shade val="50000"/>
-                </a:schemeClr>
-              </a:lnRef>
-              <a:fillRef idx="1">
-                <a:schemeClr val="accent3"/>
-              </a:fillRef>
-              <a:effectRef idx="0">
-                <a:schemeClr val="accent3"/>
-              </a:effectRef>
-              <a:fontRef idx="minor">
-                <a:schemeClr val="lt1"/>
-              </a:fontRef>
-            </p:style>
-            <p:txBody>
-              <a:bodyPr rtlCol="0" anchor="ctr"/>
-              <a:lstStyle/>
-              <a:p>
-                <a:pPr algn="ctr"/>
-                <a:endParaRPr lang="en-US"/>
-              </a:p>
-            </p:txBody>
-          </p:sp>
-          <p:sp>
-            <p:nvSpPr>
-              <p:cNvPr id="24" name="Rectangle 23"/>
-              <p:cNvSpPr/>
-              <p:nvPr/>
-            </p:nvSpPr>
-            <p:spPr>
-              <a:xfrm>
-                <a:off x="5166852" y="4925961"/>
-                <a:ext cx="634085" cy="1140542"/>
-              </a:xfrm>
-              <a:prstGeom prst="rect">
-                <a:avLst/>
-              </a:prstGeom>
-            </p:spPr>
-            <p:style>
-              <a:lnRef idx="2">
-                <a:schemeClr val="accent1">
-                  <a:shade val="50000"/>
-                </a:schemeClr>
-              </a:lnRef>
-              <a:fillRef idx="1">
-                <a:schemeClr val="accent1"/>
-              </a:fillRef>
-              <a:effectRef idx="0">
-                <a:schemeClr val="accent1"/>
-              </a:effectRef>
-              <a:fontRef idx="minor">
-                <a:schemeClr val="lt1"/>
-              </a:fontRef>
-            </p:style>
-            <p:txBody>
-              <a:bodyPr rtlCol="0" anchor="ctr"/>
-              <a:lstStyle/>
-              <a:p>
-                <a:pPr algn="ctr"/>
-                <a:r>
-                  <a:rPr lang="en-US" dirty="0" smtClean="0"/>
-                  <a:t>iOS</a:t>
-                </a:r>
-                <a:endParaRPr lang="en-US" dirty="0"/>
-              </a:p>
-            </p:txBody>
-          </p:sp>
-          <p:sp>
-            <p:nvSpPr>
-              <p:cNvPr id="25" name="Oval 24"/>
-              <p:cNvSpPr/>
-              <p:nvPr/>
-            </p:nvSpPr>
-            <p:spPr>
-              <a:xfrm>
-                <a:off x="5424204" y="6098540"/>
-                <a:ext cx="119380" cy="119380"/>
-              </a:xfrm>
-              <a:prstGeom prst="ellipse">
-                <a:avLst/>
-              </a:prstGeom>
-            </p:spPr>
-            <p:style>
-              <a:lnRef idx="2">
-                <a:schemeClr val="accent1">
-                  <a:shade val="50000"/>
-                </a:schemeClr>
-              </a:lnRef>
-              <a:fillRef idx="1">
-                <a:schemeClr val="accent1"/>
-              </a:fillRef>
-              <a:effectRef idx="0">
-                <a:schemeClr val="accent1"/>
-              </a:effectRef>
-              <a:fontRef idx="minor">
-                <a:schemeClr val="lt1"/>
-              </a:fontRef>
-            </p:style>
-            <p:txBody>
-              <a:bodyPr rtlCol="0" anchor="ctr"/>
-              <a:lstStyle/>
-              <a:p>
-                <a:pPr algn="ctr"/>
-                <a:endParaRPr lang="en-US"/>
-              </a:p>
-            </p:txBody>
-          </p:sp>
-        </p:grpSp>
-        <p:grpSp>
-          <p:nvGrpSpPr>
-            <p:cNvPr id="30" name="Group 29"/>
-            <p:cNvGrpSpPr/>
-            <p:nvPr/>
-          </p:nvGrpSpPr>
-          <p:grpSpPr>
-            <a:xfrm>
-              <a:off x="7078182" y="5060663"/>
-              <a:ext cx="934406" cy="1552057"/>
-              <a:chOff x="6007414" y="4847303"/>
-              <a:chExt cx="840562" cy="1396181"/>
-            </a:xfrm>
-          </p:grpSpPr>
-          <p:sp>
-            <p:nvSpPr>
-              <p:cNvPr id="26" name="Rounded Rectangle 25"/>
-              <p:cNvSpPr/>
-              <p:nvPr/>
-            </p:nvSpPr>
-            <p:spPr>
-              <a:xfrm>
-                <a:off x="6007414" y="4847303"/>
-                <a:ext cx="840562" cy="1396181"/>
-              </a:xfrm>
-              <a:prstGeom prst="roundRect">
-                <a:avLst/>
-              </a:prstGeom>
-            </p:spPr>
-            <p:style>
-              <a:lnRef idx="2">
-                <a:schemeClr val="accent3">
-                  <a:shade val="50000"/>
-                </a:schemeClr>
-              </a:lnRef>
-              <a:fillRef idx="1">
-                <a:schemeClr val="accent3"/>
-              </a:fillRef>
-              <a:effectRef idx="0">
-                <a:schemeClr val="accent3"/>
-              </a:effectRef>
-              <a:fontRef idx="minor">
-                <a:schemeClr val="lt1"/>
-              </a:fontRef>
-            </p:style>
-            <p:txBody>
-              <a:bodyPr rtlCol="0" anchor="ctr"/>
-              <a:lstStyle/>
-              <a:p>
-                <a:pPr algn="ctr"/>
-                <a:endParaRPr lang="en-US"/>
-              </a:p>
-            </p:txBody>
-          </p:sp>
-          <p:sp>
-            <p:nvSpPr>
-              <p:cNvPr id="27" name="Rectangle 26"/>
-              <p:cNvSpPr/>
-              <p:nvPr/>
-            </p:nvSpPr>
-            <p:spPr>
-              <a:xfrm>
-                <a:off x="6110653" y="4925961"/>
-                <a:ext cx="634085" cy="1140542"/>
-              </a:xfrm>
-              <a:prstGeom prst="rect">
-                <a:avLst/>
-              </a:prstGeom>
-            </p:spPr>
-            <p:style>
-              <a:lnRef idx="2">
-                <a:schemeClr val="accent1">
-                  <a:shade val="50000"/>
-                </a:schemeClr>
-              </a:lnRef>
-              <a:fillRef idx="1">
-                <a:schemeClr val="accent1"/>
-              </a:fillRef>
-              <a:effectRef idx="0">
-                <a:schemeClr val="accent1"/>
-              </a:effectRef>
-              <a:fontRef idx="minor">
-                <a:schemeClr val="lt1"/>
-              </a:fontRef>
-            </p:style>
-            <p:txBody>
-              <a:bodyPr rtlCol="0" anchor="ctr"/>
-              <a:lstStyle/>
-              <a:p>
-                <a:pPr algn="ctr"/>
-                <a:r>
-                  <a:rPr lang="en-US" sz="1100" dirty="0" smtClean="0"/>
-                  <a:t>Android</a:t>
-                </a:r>
-                <a:endParaRPr lang="en-US" sz="1100" dirty="0"/>
-              </a:p>
-            </p:txBody>
-          </p:sp>
-          <p:sp>
-            <p:nvSpPr>
-              <p:cNvPr id="28" name="Oval 27"/>
-              <p:cNvSpPr/>
-              <p:nvPr/>
-            </p:nvSpPr>
-            <p:spPr>
-              <a:xfrm>
-                <a:off x="6368005" y="6098540"/>
-                <a:ext cx="119380" cy="119380"/>
-              </a:xfrm>
-              <a:prstGeom prst="ellipse">
-                <a:avLst/>
-              </a:prstGeom>
-            </p:spPr>
-            <p:style>
-              <a:lnRef idx="2">
-                <a:schemeClr val="accent1">
-                  <a:shade val="50000"/>
-                </a:schemeClr>
-              </a:lnRef>
-              <a:fillRef idx="1">
-                <a:schemeClr val="accent1"/>
-              </a:fillRef>
-              <a:effectRef idx="0">
-                <a:schemeClr val="accent1"/>
-              </a:effectRef>
-              <a:fontRef idx="minor">
-                <a:schemeClr val="lt1"/>
-              </a:fontRef>
-            </p:style>
-            <p:txBody>
-              <a:bodyPr rtlCol="0" anchor="ctr"/>
-              <a:lstStyle/>
-              <a:p>
-                <a:pPr algn="ctr"/>
-                <a:endParaRPr lang="en-US"/>
-              </a:p>
-            </p:txBody>
-          </p:sp>
-        </p:grpSp>
-      </p:grpSp>
-      <p:cxnSp>
-        <p:nvCxnSpPr>
-          <p:cNvPr id="32" name="Straight Connector 31"/>
-          <p:cNvCxnSpPr>
-            <a:endCxn id="13" idx="0"/>
-          </p:cNvCxnSpPr>
-          <p:nvPr/>
-        </p:nvCxnSpPr>
-        <p:spPr>
-          <a:xfrm>
-            <a:off x="1971040" y="3018503"/>
-            <a:ext cx="1629979" cy="796412"/>
-          </a:xfrm>
-          <a:prstGeom prst="line">
-            <a:avLst/>
-          </a:prstGeom>
-          <a:ln w="41275">
-            <a:solidFill>
-              <a:schemeClr val="accent3"/>
-            </a:solidFill>
-          </a:ln>
-        </p:spPr>
-        <p:style>
-          <a:lnRef idx="1">
-            <a:schemeClr val="accent1"/>
-          </a:lnRef>
-          <a:fillRef idx="0">
-            <a:schemeClr val="accent1"/>
-          </a:fillRef>
-          <a:effectRef idx="0">
-            <a:schemeClr val="accent1"/>
-          </a:effectRef>
-          <a:fontRef idx="minor">
-            <a:schemeClr val="tx1"/>
-          </a:fontRef>
-        </p:style>
-      </p:cxnSp>
-      <p:cxnSp>
-        <p:nvCxnSpPr>
-          <p:cNvPr id="33" name="Straight Connector 32"/>
-          <p:cNvCxnSpPr>
-            <a:stCxn id="13" idx="3"/>
-            <a:endCxn id="22" idx="0"/>
-          </p:cNvCxnSpPr>
-          <p:nvPr/>
-        </p:nvCxnSpPr>
-        <p:spPr>
-          <a:xfrm>
-            <a:off x="4589161" y="4286864"/>
-            <a:ext cx="1315014" cy="773799"/>
-          </a:xfrm>
-          <a:prstGeom prst="line">
-            <a:avLst/>
-          </a:prstGeom>
-          <a:ln w="41275">
-            <a:solidFill>
-              <a:schemeClr val="accent3"/>
-            </a:solidFill>
-          </a:ln>
-        </p:spPr>
-        <p:style>
-          <a:lnRef idx="1">
-            <a:schemeClr val="accent1"/>
-          </a:lnRef>
-          <a:fillRef idx="0">
-            <a:schemeClr val="accent1"/>
-          </a:fillRef>
-          <a:effectRef idx="0">
-            <a:schemeClr val="accent1"/>
-          </a:effectRef>
-          <a:fontRef idx="minor">
-            <a:schemeClr val="tx1"/>
-          </a:fontRef>
-        </p:style>
-      </p:cxnSp>
-      <p:cxnSp>
-        <p:nvCxnSpPr>
-          <p:cNvPr id="36" name="Straight Connector 35"/>
-          <p:cNvCxnSpPr>
-            <a:stCxn id="13" idx="3"/>
-            <a:endCxn id="26" idx="0"/>
-          </p:cNvCxnSpPr>
-          <p:nvPr/>
-        </p:nvCxnSpPr>
-        <p:spPr>
-          <a:xfrm>
-            <a:off x="4589161" y="4286864"/>
-            <a:ext cx="2956224" cy="773799"/>
-          </a:xfrm>
-          <a:prstGeom prst="line">
-            <a:avLst/>
-          </a:prstGeom>
-          <a:ln w="41275">
-            <a:solidFill>
-              <a:schemeClr val="accent3"/>
-            </a:solidFill>
-          </a:ln>
-        </p:spPr>
-        <p:style>
-          <a:lnRef idx="1">
-            <a:schemeClr val="accent1"/>
-          </a:lnRef>
-          <a:fillRef idx="0">
-            <a:schemeClr val="accent1"/>
-          </a:fillRef>
-          <a:effectRef idx="0">
-            <a:schemeClr val="accent1"/>
-          </a:effectRef>
-          <a:fontRef idx="minor">
-            <a:schemeClr val="tx1"/>
-          </a:fontRef>
-        </p:style>
-      </p:cxnSp>
-      <p:sp>
-        <p:nvSpPr>
-          <p:cNvPr id="47" name="TextBox 46"/>
-          <p:cNvSpPr txBox="1"/>
-          <p:nvPr/>
-        </p:nvSpPr>
-        <p:spPr>
-          <a:xfrm>
-            <a:off x="2428517" y="3093769"/>
-            <a:ext cx="1838633" cy="369332"/>
-          </a:xfrm>
-          <a:prstGeom prst="rect">
-            <a:avLst/>
-          </a:prstGeom>
-          <a:noFill/>
-        </p:spPr>
-        <p:txBody>
-          <a:bodyPr wrap="square" rtlCol="0">
-            <a:spAutoFit/>
-          </a:bodyPr>
+      <p:sp>
+        <p:nvSpPr>
+          <p:cNvPr id="3" name="Content Placeholder 2"/>
+          <p:cNvSpPr>
+            <a:spLocks noGrp="1"/>
+          </p:cNvSpPr>
+          <p:nvPr>
+            <p:ph idx="1"/>
+          </p:nvPr>
+        </p:nvSpPr>
+        <p:spPr>
+          <a:xfrm>
+            <a:off x="680321" y="2336873"/>
+            <a:ext cx="10086002" cy="3599316"/>
+          </a:xfrm>
+        </p:spPr>
+        <p:txBody>
+          <a:bodyPr/>
           <a:lstStyle/>
           <a:p>
             <a:r>
-              <a:rPr lang="en-US" dirty="0" err="1" smtClean="0"/>
-              <a:t>Remoting</a:t>
+              <a:rPr lang="en-US" dirty="0" smtClean="0"/>
+              <a:t>Design Principles</a:t>
             </a:r>
             <a:endParaRPr lang="en-US" dirty="0"/>
           </a:p>
-        </p:txBody>
-      </p:sp>
-      <p:sp>
-        <p:nvSpPr>
-          <p:cNvPr id="48" name="TextBox 47"/>
-          <p:cNvSpPr txBox="1"/>
-          <p:nvPr/>
-        </p:nvSpPr>
-        <p:spPr>
-          <a:xfrm>
-            <a:off x="4984857" y="4421746"/>
-            <a:ext cx="2374394" cy="646331"/>
-          </a:xfrm>
-          <a:prstGeom prst="rect">
-            <a:avLst/>
-          </a:prstGeom>
-          <a:noFill/>
-        </p:spPr>
-        <p:txBody>
-          <a:bodyPr wrap="square" rtlCol="0">
-            <a:spAutoFit/>
-          </a:bodyPr>
-          <a:lstStyle/>
-          <a:p>
+          <a:p>
+            <a:pPr lvl="1"/>
             <a:r>
               <a:rPr lang="en-US" dirty="0" smtClean="0"/>
-              <a:t>REST - via HTTPS</a:t>
-            </a:r>
-          </a:p>
-          <a:p>
+              <a:t>Separation of Duties</a:t>
+            </a:r>
+          </a:p>
+          <a:p>
+            <a:pPr lvl="1"/>
             <a:r>
               <a:rPr lang="en-US" dirty="0" smtClean="0"/>
-              <a:t>with JSON or XML</a:t>
-            </a:r>
-            <a:endParaRPr lang="en-US" dirty="0"/>
-          </a:p>
-        </p:txBody>
-      </p:sp>
-      <p:sp>
-        <p:nvSpPr>
-          <p:cNvPr id="49" name="TextBox 48"/>
-          <p:cNvSpPr txBox="1"/>
-          <p:nvPr/>
-        </p:nvSpPr>
-        <p:spPr>
-          <a:xfrm>
-            <a:off x="8096812" y="5220928"/>
-            <a:ext cx="2374394" cy="646331"/>
-          </a:xfrm>
-          <a:prstGeom prst="rect">
-            <a:avLst/>
-          </a:prstGeom>
-          <a:noFill/>
-        </p:spPr>
-        <p:txBody>
-          <a:bodyPr wrap="square" rtlCol="0">
-            <a:spAutoFit/>
-          </a:bodyPr>
-          <a:lstStyle/>
-          <a:p>
+              <a:t>Least Privilege</a:t>
+            </a:r>
+          </a:p>
+          <a:p>
+            <a:pPr lvl="1"/>
             <a:r>
               <a:rPr lang="en-US" dirty="0" smtClean="0"/>
-              <a:t>Intel, </a:t>
-            </a:r>
-            <a:r>
-              <a:rPr lang="en-US" dirty="0" err="1" smtClean="0"/>
-              <a:t>Xamarin</a:t>
-            </a:r>
+              <a:t>Unsuccessful Logon Attempts</a:t>
+            </a:r>
+          </a:p>
+          <a:p>
+            <a:pPr lvl="1"/>
             <a:r>
               <a:rPr lang="en-US" dirty="0" smtClean="0"/>
-              <a:t> or</a:t>
-            </a:r>
-            <a:br>
+              <a:t>System Use Notification</a:t>
+            </a:r>
+          </a:p>
+          <a:p>
+            <a:pPr lvl="1"/>
+            <a:r>
               <a:rPr lang="en-US" dirty="0" smtClean="0"/>
-            </a:br>
+              <a:t>Previous Logon (Access) Notification</a:t>
+            </a:r>
+          </a:p>
+          <a:p>
+            <a:pPr lvl="1"/>
             <a:r>
               <a:rPr lang="en-US" dirty="0" smtClean="0"/>
-              <a:t>Apache Cordova</a:t>
+              <a:t>Concurrent Session Control</a:t>
+            </a:r>
+          </a:p>
+          <a:p>
+            <a:pPr lvl="1"/>
+            <a:r>
+              <a:rPr lang="en-US" dirty="0" smtClean="0"/>
+              <a:t>Session Termination</a:t>
+            </a:r>
+          </a:p>
+          <a:p>
+            <a:pPr lvl="1"/>
+            <a:r>
+              <a:rPr lang="en-US" dirty="0" smtClean="0"/>
+              <a:t>Access Control for Mobile Devices</a:t>
+            </a:r>
+          </a:p>
+          <a:p>
+            <a:pPr lvl="1"/>
+            <a:r>
+              <a:rPr lang="en-US" dirty="0" smtClean="0"/>
+              <a:t>Non-Repudiation</a:t>
             </a:r>
           </a:p>
         </p:txBody>
@@ -9275,7 +8546,7 @@
     </p:spTree>
     <p:extLst>
       <p:ext uri="{BB962C8B-B14F-4D97-AF65-F5344CB8AC3E}">
-        <p14:creationId xmlns:p14="http://schemas.microsoft.com/office/powerpoint/2010/main" val="759789281"/>
+        <p14:creationId xmlns:p14="http://schemas.microsoft.com/office/powerpoint/2010/main" val="3226337046"/>
       </p:ext>
     </p:extLst>
   </p:cSld>
@@ -9285,188 +8556,10 @@
   <p:transition spd="slow">
     <p:wipe dir="r"/>
   </p:transition>
-  <p:timing>
-    <p:tnLst>
-      <p:par>
-        <p:cTn id="1" dur="indefinite" restart="never" nodeType="tmRoot"/>
-      </p:par>
-    </p:tnLst>
-  </p:timing>
 </p:sld>
 </file>
 
-<file path=ppt/slides/slide3.xml><?xml version="1.0" encoding="utf-8"?>
-<p:sld xmlns:a="http://schemas.openxmlformats.org/drawingml/2006/main" xmlns:r="http://schemas.openxmlformats.org/officeDocument/2006/relationships" xmlns:p="http://schemas.openxmlformats.org/presentationml/2006/main">
-  <p:cSld>
-    <p:spTree>
-      <p:nvGrpSpPr>
-        <p:cNvPr id="1" name=""/>
-        <p:cNvGrpSpPr/>
-        <p:nvPr/>
-      </p:nvGrpSpPr>
-      <p:grpSpPr>
-        <a:xfrm>
-          <a:off x="0" y="0"/>
-          <a:ext cx="0" cy="0"/>
-          <a:chOff x="0" y="0"/>
-          <a:chExt cx="0" cy="0"/>
-        </a:xfrm>
-      </p:grpSpPr>
-      <p:sp>
-        <p:nvSpPr>
-          <p:cNvPr id="2" name="Title 1"/>
-          <p:cNvSpPr>
-            <a:spLocks noGrp="1"/>
-          </p:cNvSpPr>
-          <p:nvPr>
-            <p:ph type="title"/>
-          </p:nvPr>
-        </p:nvSpPr>
-        <p:spPr/>
-        <p:txBody>
-          <a:bodyPr/>
-          <a:lstStyle/>
-          <a:p>
-            <a:r>
-              <a:rPr lang="en-US" dirty="0" smtClean="0"/>
-              <a:t>High Level Architecture</a:t>
-            </a:r>
-            <a:endParaRPr lang="en-US" dirty="0"/>
-          </a:p>
-        </p:txBody>
-      </p:sp>
-      <p:sp>
-        <p:nvSpPr>
-          <p:cNvPr id="3" name="Content Placeholder 2"/>
-          <p:cNvSpPr>
-            <a:spLocks noGrp="1"/>
-          </p:cNvSpPr>
-          <p:nvPr>
-            <p:ph idx="1"/>
-          </p:nvPr>
-        </p:nvSpPr>
-        <p:spPr/>
-        <p:txBody>
-          <a:bodyPr/>
-          <a:lstStyle/>
-          <a:p>
-            <a:r>
-              <a:rPr lang="en-US" dirty="0" smtClean="0"/>
-              <a:t>The high-level architecture remains</a:t>
-            </a:r>
-          </a:p>
-          <a:p>
-            <a:pPr lvl="1"/>
-            <a:r>
-              <a:rPr lang="en-US" dirty="0" smtClean="0"/>
-              <a:t>A VistA system (or systems)</a:t>
-            </a:r>
-          </a:p>
-          <a:p>
-            <a:pPr lvl="2"/>
-            <a:r>
-              <a:rPr lang="en-US" dirty="0" smtClean="0"/>
-              <a:t>We’ll set up a </a:t>
-            </a:r>
-            <a:r>
-              <a:rPr lang="en-US" dirty="0" err="1" smtClean="0"/>
-              <a:t>dev</a:t>
-            </a:r>
-            <a:r>
-              <a:rPr lang="en-US" dirty="0" smtClean="0"/>
-              <a:t>-sandboxed one in a cloud VM for this project</a:t>
-            </a:r>
-          </a:p>
-          <a:p>
-            <a:pPr lvl="1"/>
-            <a:r>
-              <a:rPr lang="en-US" dirty="0" smtClean="0"/>
-              <a:t>A middle tier web-service application running in a cloud VM</a:t>
-            </a:r>
-          </a:p>
-          <a:p>
-            <a:pPr lvl="1"/>
-            <a:r>
-              <a:rPr lang="en-US" dirty="0" smtClean="0"/>
-              <a:t>A phone application that includes logic and UI but no data</a:t>
-            </a:r>
-          </a:p>
-          <a:p>
-            <a:pPr lvl="2"/>
-            <a:r>
-              <a:rPr lang="en-US" dirty="0" smtClean="0"/>
-              <a:t>We are using a “write once – target all” development environment</a:t>
-            </a:r>
-          </a:p>
-          <a:p>
-            <a:pPr lvl="2"/>
-            <a:r>
-              <a:rPr lang="en-US" dirty="0" smtClean="0"/>
-              <a:t>The phone app will use the phone’s location services and calendar</a:t>
-            </a:r>
-          </a:p>
-          <a:p>
-            <a:pPr lvl="2"/>
-            <a:endParaRPr lang="en-US" dirty="0"/>
-          </a:p>
-          <a:p>
-            <a:pPr lvl="1"/>
-            <a:r>
-              <a:rPr lang="en-US" dirty="0" smtClean="0"/>
-              <a:t>See </a:t>
-            </a:r>
-            <a:r>
-              <a:rPr lang="en-US" dirty="0" smtClean="0"/>
-              <a:t>System Architecture Document</a:t>
-            </a:r>
-            <a:endParaRPr lang="en-US" dirty="0" smtClean="0"/>
-          </a:p>
-          <a:p>
-            <a:pPr lvl="2"/>
-            <a:r>
-              <a:rPr lang="en-US" dirty="0" smtClean="0"/>
-              <a:t>Package </a:t>
-            </a:r>
-            <a:r>
-              <a:rPr lang="en-US" dirty="0"/>
-              <a:t>l</a:t>
-            </a:r>
-            <a:r>
-              <a:rPr lang="en-US" dirty="0" smtClean="0"/>
-              <a:t>ayer diagram</a:t>
-            </a:r>
-            <a:r>
-              <a:rPr lang="en-US" dirty="0" smtClean="0"/>
-              <a:t>, component diagram, top level class diagram</a:t>
-            </a:r>
-            <a:endParaRPr lang="en-US" dirty="0"/>
-          </a:p>
-        </p:txBody>
-      </p:sp>
-    </p:spTree>
-    <p:extLst>
-      <p:ext uri="{BB962C8B-B14F-4D97-AF65-F5344CB8AC3E}">
-        <p14:creationId xmlns:p14="http://schemas.microsoft.com/office/powerpoint/2010/main" val="853126107"/>
-      </p:ext>
-    </p:extLst>
-  </p:cSld>
-  <p:clrMapOvr>
-    <a:masterClrMapping/>
-  </p:clrMapOvr>
-  <p:transition spd="slow">
-    <p:wipe dir="r"/>
-  </p:transition>
-  <p:timing>
-    <p:tnLst>
-      <p:par>
-        <p:cTn id="1" dur="indefinite" restart="never" nodeType="tmRoot"/>
-      </p:par>
-    </p:tnLst>
-  </p:timing>
-</p:sld>
-</file>
-
-<file path=ppt/slides/slide4.xml><?xml version="1.0" encoding="utf-8"?>
+<file path=ppt/slides/slide11.xml><?xml version="1.0" encoding="utf-8"?>
 <p:sld xmlns:a="http://schemas.openxmlformats.org/drawingml/2006/main" xmlns:r="http://schemas.openxmlformats.org/officeDocument/2006/relationships" xmlns:p="http://schemas.openxmlformats.org/presentationml/2006/main">
   <p:cSld>
     <p:spTree>
@@ -9675,11 +8768,7 @@
           <a:p>
             <a:r>
               <a:rPr lang="en-US" dirty="0" smtClean="0"/>
-              <a:t>Primary Use </a:t>
-            </a:r>
-            <a:r>
-              <a:rPr lang="en-US" dirty="0" smtClean="0"/>
-              <a:t>Case: Check-in at VA Facility</a:t>
+              <a:t>Primary Use Case: Check-in at VA Facility</a:t>
             </a:r>
             <a:endParaRPr lang="en-US" dirty="0"/>
           </a:p>
@@ -10483,7 +9572,7 @@
 </p:sld>
 </file>
 
-<file path=ppt/slides/slide5.xml><?xml version="1.0" encoding="utf-8"?>
+<file path=ppt/slides/slide12.xml><?xml version="1.0" encoding="utf-8"?>
 <p:sld xmlns:a="http://schemas.openxmlformats.org/drawingml/2006/main" xmlns:r="http://schemas.openxmlformats.org/officeDocument/2006/relationships" xmlns:p="http://schemas.openxmlformats.org/presentationml/2006/main">
   <p:cSld>
     <p:spTree>
@@ -10521,7 +9610,7 @@
             </a:r>
             <a:r>
               <a:rPr lang="en-US" dirty="0" smtClean="0"/>
-              <a:t>UI </a:t>
+              <a:t>Screens from UI </a:t>
             </a:r>
             <a:r>
               <a:rPr lang="en-US" dirty="0" smtClean="0"/>
@@ -11481,6 +10570,1885 @@
 </p:sld>
 </file>
 
+<file path=ppt/slides/slide2.xml><?xml version="1.0" encoding="utf-8"?>
+<p:sld xmlns:a="http://schemas.openxmlformats.org/drawingml/2006/main" xmlns:r="http://schemas.openxmlformats.org/officeDocument/2006/relationships" xmlns:p="http://schemas.openxmlformats.org/presentationml/2006/main">
+  <p:cSld>
+    <p:spTree>
+      <p:nvGrpSpPr>
+        <p:cNvPr id="1" name=""/>
+        <p:cNvGrpSpPr/>
+        <p:nvPr/>
+      </p:nvGrpSpPr>
+      <p:grpSpPr>
+        <a:xfrm>
+          <a:off x="0" y="0"/>
+          <a:ext cx="0" cy="0"/>
+          <a:chOff x="0" y="0"/>
+          <a:chExt cx="0" cy="0"/>
+        </a:xfrm>
+      </p:grpSpPr>
+      <p:sp>
+        <p:nvSpPr>
+          <p:cNvPr id="2" name="Title 1"/>
+          <p:cNvSpPr>
+            <a:spLocks noGrp="1"/>
+          </p:cNvSpPr>
+          <p:nvPr>
+            <p:ph type="title"/>
+          </p:nvPr>
+        </p:nvSpPr>
+        <p:spPr/>
+        <p:txBody>
+          <a:bodyPr/>
+          <a:lstStyle/>
+          <a:p>
+            <a:r>
+              <a:rPr lang="en-US" dirty="0" smtClean="0"/>
+              <a:t>Review</a:t>
+            </a:r>
+            <a:endParaRPr lang="en-US" dirty="0"/>
+          </a:p>
+        </p:txBody>
+      </p:sp>
+      <p:sp>
+        <p:nvSpPr>
+          <p:cNvPr id="3" name="Content Placeholder 2"/>
+          <p:cNvSpPr>
+            <a:spLocks noGrp="1"/>
+          </p:cNvSpPr>
+          <p:nvPr>
+            <p:ph idx="1"/>
+          </p:nvPr>
+        </p:nvSpPr>
+        <p:spPr>
+          <a:xfrm>
+            <a:off x="680321" y="2336872"/>
+            <a:ext cx="9613861" cy="4135047"/>
+          </a:xfrm>
+        </p:spPr>
+        <p:txBody>
+          <a:bodyPr>
+            <a:normAutofit/>
+          </a:bodyPr>
+          <a:lstStyle/>
+          <a:p>
+            <a:r>
+              <a:rPr lang="en-US" dirty="0"/>
+              <a:t>Recent news articles have documented the problems Veterans have had utilizing the medical benefits they have earned in combat </a:t>
+            </a:r>
+          </a:p>
+          <a:p>
+            <a:r>
+              <a:rPr lang="en-US" dirty="0"/>
+              <a:t>One obstacle to veterans in VA medical facilities is the check-in process</a:t>
+            </a:r>
+          </a:p>
+          <a:p>
+            <a:pPr lvl="1"/>
+            <a:r>
+              <a:rPr lang="en-US" sz="2400" dirty="0"/>
+              <a:t>It’s characterized by long line-ups to check in and receive directions to their appointment</a:t>
+            </a:r>
+          </a:p>
+          <a:p>
+            <a:r>
+              <a:rPr lang="en-US" dirty="0"/>
+              <a:t>This application aims to streamline that process</a:t>
+            </a:r>
+          </a:p>
+          <a:p>
+            <a:pPr lvl="1"/>
+            <a:r>
+              <a:rPr lang="en-US" sz="2400" dirty="0"/>
+              <a:t>Moving the </a:t>
+            </a:r>
+            <a:r>
+              <a:rPr lang="en-US" sz="2400" dirty="0" err="1"/>
+              <a:t>checkin</a:t>
+            </a:r>
+            <a:r>
+              <a:rPr lang="en-US" sz="2400" dirty="0"/>
+              <a:t> process away from the facility and to the patient using a mobile application on his or her smartphone</a:t>
+            </a:r>
+          </a:p>
+        </p:txBody>
+      </p:sp>
+    </p:spTree>
+    <p:extLst>
+      <p:ext uri="{BB962C8B-B14F-4D97-AF65-F5344CB8AC3E}">
+        <p14:creationId xmlns:p14="http://schemas.microsoft.com/office/powerpoint/2010/main" val="1117679793"/>
+      </p:ext>
+    </p:extLst>
+  </p:cSld>
+  <p:clrMapOvr>
+    <a:masterClrMapping/>
+  </p:clrMapOvr>
+  <p:transition spd="slow">
+    <p:wipe dir="r"/>
+  </p:transition>
+  <p:timing>
+    <p:tnLst>
+      <p:par>
+        <p:cTn id="1" dur="indefinite" restart="never" nodeType="tmRoot"/>
+      </p:par>
+    </p:tnLst>
+  </p:timing>
+</p:sld>
+</file>
+
+<file path=ppt/slides/slide3.xml><?xml version="1.0" encoding="utf-8"?>
+<p:sld xmlns:a="http://schemas.openxmlformats.org/drawingml/2006/main" xmlns:r="http://schemas.openxmlformats.org/officeDocument/2006/relationships" xmlns:p="http://schemas.openxmlformats.org/presentationml/2006/main">
+  <p:cSld>
+    <p:spTree>
+      <p:nvGrpSpPr>
+        <p:cNvPr id="1" name=""/>
+        <p:cNvGrpSpPr/>
+        <p:nvPr/>
+      </p:nvGrpSpPr>
+      <p:grpSpPr>
+        <a:xfrm>
+          <a:off x="0" y="0"/>
+          <a:ext cx="0" cy="0"/>
+          <a:chOff x="0" y="0"/>
+          <a:chExt cx="0" cy="0"/>
+        </a:xfrm>
+      </p:grpSpPr>
+      <p:sp>
+        <p:nvSpPr>
+          <p:cNvPr id="2" name="Title 1"/>
+          <p:cNvSpPr>
+            <a:spLocks noGrp="1"/>
+          </p:cNvSpPr>
+          <p:nvPr>
+            <p:ph type="title"/>
+          </p:nvPr>
+        </p:nvSpPr>
+        <p:spPr/>
+        <p:txBody>
+          <a:bodyPr/>
+          <a:lstStyle/>
+          <a:p>
+            <a:r>
+              <a:rPr lang="en-US" dirty="0" smtClean="0"/>
+              <a:t>The Physical Architecture</a:t>
+            </a:r>
+            <a:endParaRPr lang="en-US" dirty="0"/>
+          </a:p>
+        </p:txBody>
+      </p:sp>
+      <p:grpSp>
+        <p:nvGrpSpPr>
+          <p:cNvPr id="18" name="Group 17"/>
+          <p:cNvGrpSpPr/>
+          <p:nvPr/>
+        </p:nvGrpSpPr>
+        <p:grpSpPr>
+          <a:xfrm>
+            <a:off x="609600" y="1740310"/>
+            <a:ext cx="2664542" cy="1740309"/>
+            <a:chOff x="609600" y="1740310"/>
+            <a:chExt cx="2664542" cy="1740309"/>
+          </a:xfrm>
+        </p:grpSpPr>
+        <p:sp>
+          <p:nvSpPr>
+            <p:cNvPr id="4" name="Cloud 3"/>
+            <p:cNvSpPr/>
+            <p:nvPr/>
+          </p:nvSpPr>
+          <p:spPr>
+            <a:xfrm>
+              <a:off x="609600" y="1740310"/>
+              <a:ext cx="2664542" cy="1740309"/>
+            </a:xfrm>
+            <a:prstGeom prst="cloud">
+              <a:avLst/>
+            </a:prstGeom>
+          </p:spPr>
+          <p:style>
+            <a:lnRef idx="2">
+              <a:schemeClr val="accent1">
+                <a:shade val="50000"/>
+              </a:schemeClr>
+            </a:lnRef>
+            <a:fillRef idx="1">
+              <a:schemeClr val="accent1"/>
+            </a:fillRef>
+            <a:effectRef idx="0">
+              <a:schemeClr val="accent1"/>
+            </a:effectRef>
+            <a:fontRef idx="minor">
+              <a:schemeClr val="lt1"/>
+            </a:fontRef>
+          </p:style>
+          <p:txBody>
+            <a:bodyPr rtlCol="0" anchor="ctr"/>
+            <a:lstStyle/>
+            <a:p>
+              <a:pPr algn="ctr"/>
+              <a:endParaRPr lang="en-US"/>
+            </a:p>
+          </p:txBody>
+        </p:sp>
+        <p:sp>
+          <p:nvSpPr>
+            <p:cNvPr id="6" name="Rectangle 5"/>
+            <p:cNvSpPr/>
+            <p:nvPr/>
+          </p:nvSpPr>
+          <p:spPr>
+            <a:xfrm>
+              <a:off x="953731" y="2074606"/>
+              <a:ext cx="1976284" cy="943897"/>
+            </a:xfrm>
+            <a:prstGeom prst="rect">
+              <a:avLst/>
+            </a:prstGeom>
+          </p:spPr>
+          <p:style>
+            <a:lnRef idx="2">
+              <a:schemeClr val="accent3">
+                <a:shade val="50000"/>
+              </a:schemeClr>
+            </a:lnRef>
+            <a:fillRef idx="1">
+              <a:schemeClr val="accent3"/>
+            </a:fillRef>
+            <a:effectRef idx="0">
+              <a:schemeClr val="accent3"/>
+            </a:effectRef>
+            <a:fontRef idx="minor">
+              <a:schemeClr val="lt1"/>
+            </a:fontRef>
+          </p:style>
+          <p:txBody>
+            <a:bodyPr rtlCol="0" anchor="b" anchorCtr="1"/>
+            <a:lstStyle/>
+            <a:p>
+              <a:pPr algn="ctr"/>
+              <a:r>
+                <a:rPr lang="en-US" sz="1400" dirty="0" smtClean="0"/>
+                <a:t>Linux Virtual Machine</a:t>
+              </a:r>
+              <a:endParaRPr lang="en-US" sz="1400" dirty="0"/>
+            </a:p>
+          </p:txBody>
+        </p:sp>
+        <p:sp>
+          <p:nvSpPr>
+            <p:cNvPr id="7" name="Rectangle 6"/>
+            <p:cNvSpPr/>
+            <p:nvPr/>
+          </p:nvSpPr>
+          <p:spPr>
+            <a:xfrm>
+              <a:off x="1111047" y="2212258"/>
+              <a:ext cx="1710813" cy="511277"/>
+            </a:xfrm>
+            <a:prstGeom prst="rect">
+              <a:avLst/>
+            </a:prstGeom>
+          </p:spPr>
+          <p:style>
+            <a:lnRef idx="2">
+              <a:schemeClr val="accent1">
+                <a:shade val="50000"/>
+              </a:schemeClr>
+            </a:lnRef>
+            <a:fillRef idx="1">
+              <a:schemeClr val="accent1"/>
+            </a:fillRef>
+            <a:effectRef idx="0">
+              <a:schemeClr val="accent1"/>
+            </a:effectRef>
+            <a:fontRef idx="minor">
+              <a:schemeClr val="lt1"/>
+            </a:fontRef>
+          </p:style>
+          <p:txBody>
+            <a:bodyPr rtlCol="0" anchor="ctr"/>
+            <a:lstStyle/>
+            <a:p>
+              <a:pPr algn="ctr"/>
+              <a:r>
+                <a:rPr lang="en-US" sz="1600" dirty="0" err="1" smtClean="0"/>
+                <a:t>Veni</a:t>
+              </a:r>
+              <a:r>
+                <a:rPr lang="en-US" sz="1600" dirty="0" smtClean="0"/>
+                <a:t>-Specific </a:t>
+              </a:r>
+              <a:r>
+                <a:rPr lang="en-US" sz="1600" dirty="0" err="1" smtClean="0"/>
+                <a:t>VistA</a:t>
+              </a:r>
+              <a:r>
+                <a:rPr lang="en-US" sz="1600" dirty="0" smtClean="0"/>
+                <a:t> Instance</a:t>
+              </a:r>
+              <a:endParaRPr lang="en-US" sz="1600" dirty="0"/>
+            </a:p>
+          </p:txBody>
+        </p:sp>
+      </p:grpSp>
+      <p:grpSp>
+        <p:nvGrpSpPr>
+          <p:cNvPr id="50" name="Group 49"/>
+          <p:cNvGrpSpPr/>
+          <p:nvPr/>
+        </p:nvGrpSpPr>
+        <p:grpSpPr>
+          <a:xfrm>
+            <a:off x="2268746" y="3480619"/>
+            <a:ext cx="2664542" cy="1740309"/>
+            <a:chOff x="2268746" y="3480619"/>
+            <a:chExt cx="2664542" cy="1740309"/>
+          </a:xfrm>
+        </p:grpSpPr>
+        <p:sp>
+          <p:nvSpPr>
+            <p:cNvPr id="12" name="Cloud 11"/>
+            <p:cNvSpPr/>
+            <p:nvPr/>
+          </p:nvSpPr>
+          <p:spPr>
+            <a:xfrm>
+              <a:off x="2268746" y="3480619"/>
+              <a:ext cx="2664542" cy="1740309"/>
+            </a:xfrm>
+            <a:prstGeom prst="cloud">
+              <a:avLst/>
+            </a:prstGeom>
+          </p:spPr>
+          <p:style>
+            <a:lnRef idx="2">
+              <a:schemeClr val="accent1">
+                <a:shade val="50000"/>
+              </a:schemeClr>
+            </a:lnRef>
+            <a:fillRef idx="1">
+              <a:schemeClr val="accent1"/>
+            </a:fillRef>
+            <a:effectRef idx="0">
+              <a:schemeClr val="accent1"/>
+            </a:effectRef>
+            <a:fontRef idx="minor">
+              <a:schemeClr val="lt1"/>
+            </a:fontRef>
+          </p:style>
+          <p:txBody>
+            <a:bodyPr rtlCol="0" anchor="ctr"/>
+            <a:lstStyle/>
+            <a:p>
+              <a:pPr algn="ctr"/>
+              <a:endParaRPr lang="en-US"/>
+            </a:p>
+          </p:txBody>
+        </p:sp>
+        <p:sp>
+          <p:nvSpPr>
+            <p:cNvPr id="13" name="Rectangle 12"/>
+            <p:cNvSpPr/>
+            <p:nvPr/>
+          </p:nvSpPr>
+          <p:spPr>
+            <a:xfrm>
+              <a:off x="2612877" y="3814915"/>
+              <a:ext cx="1976284" cy="943897"/>
+            </a:xfrm>
+            <a:prstGeom prst="rect">
+              <a:avLst/>
+            </a:prstGeom>
+          </p:spPr>
+          <p:style>
+            <a:lnRef idx="2">
+              <a:schemeClr val="accent3">
+                <a:shade val="50000"/>
+              </a:schemeClr>
+            </a:lnRef>
+            <a:fillRef idx="1">
+              <a:schemeClr val="accent3"/>
+            </a:fillRef>
+            <a:effectRef idx="0">
+              <a:schemeClr val="accent3"/>
+            </a:effectRef>
+            <a:fontRef idx="minor">
+              <a:schemeClr val="lt1"/>
+            </a:fontRef>
+          </p:style>
+          <p:txBody>
+            <a:bodyPr rtlCol="0" anchor="b" anchorCtr="1"/>
+            <a:lstStyle/>
+            <a:p>
+              <a:pPr algn="ctr"/>
+              <a:r>
+                <a:rPr lang="en-US" sz="1400" dirty="0" smtClean="0"/>
+                <a:t>Virtual Machine</a:t>
+              </a:r>
+              <a:endParaRPr lang="en-US" sz="1400" dirty="0"/>
+            </a:p>
+          </p:txBody>
+        </p:sp>
+        <p:sp>
+          <p:nvSpPr>
+            <p:cNvPr id="14" name="Rectangle 13"/>
+            <p:cNvSpPr/>
+            <p:nvPr/>
+          </p:nvSpPr>
+          <p:spPr>
+            <a:xfrm>
+              <a:off x="2770193" y="3952567"/>
+              <a:ext cx="1710813" cy="511277"/>
+            </a:xfrm>
+            <a:prstGeom prst="rect">
+              <a:avLst/>
+            </a:prstGeom>
+          </p:spPr>
+          <p:style>
+            <a:lnRef idx="2">
+              <a:schemeClr val="accent1">
+                <a:shade val="50000"/>
+              </a:schemeClr>
+            </a:lnRef>
+            <a:fillRef idx="1">
+              <a:schemeClr val="accent1"/>
+            </a:fillRef>
+            <a:effectRef idx="0">
+              <a:schemeClr val="accent1"/>
+            </a:effectRef>
+            <a:fontRef idx="minor">
+              <a:schemeClr val="lt1"/>
+            </a:fontRef>
+          </p:style>
+          <p:txBody>
+            <a:bodyPr rtlCol="0" anchor="ctr"/>
+            <a:lstStyle/>
+            <a:p>
+              <a:pPr algn="ctr"/>
+              <a:r>
+                <a:rPr lang="en-US" sz="1600" dirty="0" smtClean="0"/>
+                <a:t>Web Service</a:t>
+              </a:r>
+              <a:endParaRPr lang="en-US" sz="1600" dirty="0"/>
+            </a:p>
+          </p:txBody>
+        </p:sp>
+      </p:grpSp>
+      <p:grpSp>
+        <p:nvGrpSpPr>
+          <p:cNvPr id="51" name="Group 50"/>
+          <p:cNvGrpSpPr/>
+          <p:nvPr/>
+        </p:nvGrpSpPr>
+        <p:grpSpPr>
+          <a:xfrm>
+            <a:off x="5436207" y="5060663"/>
+            <a:ext cx="2576381" cy="1554596"/>
+            <a:chOff x="5436207" y="5060663"/>
+            <a:chExt cx="2576381" cy="1554596"/>
+          </a:xfrm>
+        </p:grpSpPr>
+        <p:grpSp>
+          <p:nvGrpSpPr>
+            <p:cNvPr id="29" name="Group 28"/>
+            <p:cNvGrpSpPr/>
+            <p:nvPr/>
+          </p:nvGrpSpPr>
+          <p:grpSpPr>
+            <a:xfrm>
+              <a:off x="5436207" y="5060663"/>
+              <a:ext cx="935935" cy="1554596"/>
+              <a:chOff x="5063613" y="4847303"/>
+              <a:chExt cx="840562" cy="1396181"/>
+            </a:xfrm>
+          </p:grpSpPr>
+          <p:sp>
+            <p:nvSpPr>
+              <p:cNvPr id="22" name="Rounded Rectangle 21"/>
+              <p:cNvSpPr/>
+              <p:nvPr/>
+            </p:nvSpPr>
+            <p:spPr>
+              <a:xfrm>
+                <a:off x="5063613" y="4847303"/>
+                <a:ext cx="840562" cy="1396181"/>
+              </a:xfrm>
+              <a:prstGeom prst="roundRect">
+                <a:avLst/>
+              </a:prstGeom>
+            </p:spPr>
+            <p:style>
+              <a:lnRef idx="2">
+                <a:schemeClr val="accent3">
+                  <a:shade val="50000"/>
+                </a:schemeClr>
+              </a:lnRef>
+              <a:fillRef idx="1">
+                <a:schemeClr val="accent3"/>
+              </a:fillRef>
+              <a:effectRef idx="0">
+                <a:schemeClr val="accent3"/>
+              </a:effectRef>
+              <a:fontRef idx="minor">
+                <a:schemeClr val="lt1"/>
+              </a:fontRef>
+            </p:style>
+            <p:txBody>
+              <a:bodyPr rtlCol="0" anchor="ctr"/>
+              <a:lstStyle/>
+              <a:p>
+                <a:pPr algn="ctr"/>
+                <a:endParaRPr lang="en-US"/>
+              </a:p>
+            </p:txBody>
+          </p:sp>
+          <p:sp>
+            <p:nvSpPr>
+              <p:cNvPr id="24" name="Rectangle 23"/>
+              <p:cNvSpPr/>
+              <p:nvPr/>
+            </p:nvSpPr>
+            <p:spPr>
+              <a:xfrm>
+                <a:off x="5166852" y="4925961"/>
+                <a:ext cx="634085" cy="1140542"/>
+              </a:xfrm>
+              <a:prstGeom prst="rect">
+                <a:avLst/>
+              </a:prstGeom>
+            </p:spPr>
+            <p:style>
+              <a:lnRef idx="2">
+                <a:schemeClr val="accent1">
+                  <a:shade val="50000"/>
+                </a:schemeClr>
+              </a:lnRef>
+              <a:fillRef idx="1">
+                <a:schemeClr val="accent1"/>
+              </a:fillRef>
+              <a:effectRef idx="0">
+                <a:schemeClr val="accent1"/>
+              </a:effectRef>
+              <a:fontRef idx="minor">
+                <a:schemeClr val="lt1"/>
+              </a:fontRef>
+            </p:style>
+            <p:txBody>
+              <a:bodyPr rtlCol="0" anchor="ctr"/>
+              <a:lstStyle/>
+              <a:p>
+                <a:pPr algn="ctr"/>
+                <a:r>
+                  <a:rPr lang="en-US" dirty="0" smtClean="0"/>
+                  <a:t>iOS</a:t>
+                </a:r>
+                <a:endParaRPr lang="en-US" dirty="0"/>
+              </a:p>
+            </p:txBody>
+          </p:sp>
+          <p:sp>
+            <p:nvSpPr>
+              <p:cNvPr id="25" name="Oval 24"/>
+              <p:cNvSpPr/>
+              <p:nvPr/>
+            </p:nvSpPr>
+            <p:spPr>
+              <a:xfrm>
+                <a:off x="5424204" y="6098540"/>
+                <a:ext cx="119380" cy="119380"/>
+              </a:xfrm>
+              <a:prstGeom prst="ellipse">
+                <a:avLst/>
+              </a:prstGeom>
+            </p:spPr>
+            <p:style>
+              <a:lnRef idx="2">
+                <a:schemeClr val="accent1">
+                  <a:shade val="50000"/>
+                </a:schemeClr>
+              </a:lnRef>
+              <a:fillRef idx="1">
+                <a:schemeClr val="accent1"/>
+              </a:fillRef>
+              <a:effectRef idx="0">
+                <a:schemeClr val="accent1"/>
+              </a:effectRef>
+              <a:fontRef idx="minor">
+                <a:schemeClr val="lt1"/>
+              </a:fontRef>
+            </p:style>
+            <p:txBody>
+              <a:bodyPr rtlCol="0" anchor="ctr"/>
+              <a:lstStyle/>
+              <a:p>
+                <a:pPr algn="ctr"/>
+                <a:endParaRPr lang="en-US"/>
+              </a:p>
+            </p:txBody>
+          </p:sp>
+        </p:grpSp>
+        <p:grpSp>
+          <p:nvGrpSpPr>
+            <p:cNvPr id="30" name="Group 29"/>
+            <p:cNvGrpSpPr/>
+            <p:nvPr/>
+          </p:nvGrpSpPr>
+          <p:grpSpPr>
+            <a:xfrm>
+              <a:off x="7078182" y="5060663"/>
+              <a:ext cx="934406" cy="1552057"/>
+              <a:chOff x="6007414" y="4847303"/>
+              <a:chExt cx="840562" cy="1396181"/>
+            </a:xfrm>
+          </p:grpSpPr>
+          <p:sp>
+            <p:nvSpPr>
+              <p:cNvPr id="26" name="Rounded Rectangle 25"/>
+              <p:cNvSpPr/>
+              <p:nvPr/>
+            </p:nvSpPr>
+            <p:spPr>
+              <a:xfrm>
+                <a:off x="6007414" y="4847303"/>
+                <a:ext cx="840562" cy="1396181"/>
+              </a:xfrm>
+              <a:prstGeom prst="roundRect">
+                <a:avLst/>
+              </a:prstGeom>
+            </p:spPr>
+            <p:style>
+              <a:lnRef idx="2">
+                <a:schemeClr val="accent3">
+                  <a:shade val="50000"/>
+                </a:schemeClr>
+              </a:lnRef>
+              <a:fillRef idx="1">
+                <a:schemeClr val="accent3"/>
+              </a:fillRef>
+              <a:effectRef idx="0">
+                <a:schemeClr val="accent3"/>
+              </a:effectRef>
+              <a:fontRef idx="minor">
+                <a:schemeClr val="lt1"/>
+              </a:fontRef>
+            </p:style>
+            <p:txBody>
+              <a:bodyPr rtlCol="0" anchor="ctr"/>
+              <a:lstStyle/>
+              <a:p>
+                <a:pPr algn="ctr"/>
+                <a:endParaRPr lang="en-US"/>
+              </a:p>
+            </p:txBody>
+          </p:sp>
+          <p:sp>
+            <p:nvSpPr>
+              <p:cNvPr id="27" name="Rectangle 26"/>
+              <p:cNvSpPr/>
+              <p:nvPr/>
+            </p:nvSpPr>
+            <p:spPr>
+              <a:xfrm>
+                <a:off x="6110653" y="4925961"/>
+                <a:ext cx="634085" cy="1140542"/>
+              </a:xfrm>
+              <a:prstGeom prst="rect">
+                <a:avLst/>
+              </a:prstGeom>
+            </p:spPr>
+            <p:style>
+              <a:lnRef idx="2">
+                <a:schemeClr val="accent1">
+                  <a:shade val="50000"/>
+                </a:schemeClr>
+              </a:lnRef>
+              <a:fillRef idx="1">
+                <a:schemeClr val="accent1"/>
+              </a:fillRef>
+              <a:effectRef idx="0">
+                <a:schemeClr val="accent1"/>
+              </a:effectRef>
+              <a:fontRef idx="minor">
+                <a:schemeClr val="lt1"/>
+              </a:fontRef>
+            </p:style>
+            <p:txBody>
+              <a:bodyPr rtlCol="0" anchor="ctr"/>
+              <a:lstStyle/>
+              <a:p>
+                <a:pPr algn="ctr"/>
+                <a:r>
+                  <a:rPr lang="en-US" sz="1100" dirty="0" smtClean="0"/>
+                  <a:t>Android</a:t>
+                </a:r>
+                <a:endParaRPr lang="en-US" sz="1100" dirty="0"/>
+              </a:p>
+            </p:txBody>
+          </p:sp>
+          <p:sp>
+            <p:nvSpPr>
+              <p:cNvPr id="28" name="Oval 27"/>
+              <p:cNvSpPr/>
+              <p:nvPr/>
+            </p:nvSpPr>
+            <p:spPr>
+              <a:xfrm>
+                <a:off x="6368005" y="6098540"/>
+                <a:ext cx="119380" cy="119380"/>
+              </a:xfrm>
+              <a:prstGeom prst="ellipse">
+                <a:avLst/>
+              </a:prstGeom>
+            </p:spPr>
+            <p:style>
+              <a:lnRef idx="2">
+                <a:schemeClr val="accent1">
+                  <a:shade val="50000"/>
+                </a:schemeClr>
+              </a:lnRef>
+              <a:fillRef idx="1">
+                <a:schemeClr val="accent1"/>
+              </a:fillRef>
+              <a:effectRef idx="0">
+                <a:schemeClr val="accent1"/>
+              </a:effectRef>
+              <a:fontRef idx="minor">
+                <a:schemeClr val="lt1"/>
+              </a:fontRef>
+            </p:style>
+            <p:txBody>
+              <a:bodyPr rtlCol="0" anchor="ctr"/>
+              <a:lstStyle/>
+              <a:p>
+                <a:pPr algn="ctr"/>
+                <a:endParaRPr lang="en-US"/>
+              </a:p>
+            </p:txBody>
+          </p:sp>
+        </p:grpSp>
+      </p:grpSp>
+      <p:cxnSp>
+        <p:nvCxnSpPr>
+          <p:cNvPr id="32" name="Straight Connector 31"/>
+          <p:cNvCxnSpPr>
+            <a:endCxn id="13" idx="0"/>
+          </p:cNvCxnSpPr>
+          <p:nvPr/>
+        </p:nvCxnSpPr>
+        <p:spPr>
+          <a:xfrm>
+            <a:off x="1971040" y="3018503"/>
+            <a:ext cx="1629979" cy="796412"/>
+          </a:xfrm>
+          <a:prstGeom prst="line">
+            <a:avLst/>
+          </a:prstGeom>
+          <a:ln w="41275">
+            <a:solidFill>
+              <a:schemeClr val="accent3"/>
+            </a:solidFill>
+          </a:ln>
+        </p:spPr>
+        <p:style>
+          <a:lnRef idx="1">
+            <a:schemeClr val="accent1"/>
+          </a:lnRef>
+          <a:fillRef idx="0">
+            <a:schemeClr val="accent1"/>
+          </a:fillRef>
+          <a:effectRef idx="0">
+            <a:schemeClr val="accent1"/>
+          </a:effectRef>
+          <a:fontRef idx="minor">
+            <a:schemeClr val="tx1"/>
+          </a:fontRef>
+        </p:style>
+      </p:cxnSp>
+      <p:cxnSp>
+        <p:nvCxnSpPr>
+          <p:cNvPr id="33" name="Straight Connector 32"/>
+          <p:cNvCxnSpPr>
+            <a:stCxn id="13" idx="3"/>
+            <a:endCxn id="22" idx="0"/>
+          </p:cNvCxnSpPr>
+          <p:nvPr/>
+        </p:nvCxnSpPr>
+        <p:spPr>
+          <a:xfrm>
+            <a:off x="4589161" y="4286864"/>
+            <a:ext cx="1315014" cy="773799"/>
+          </a:xfrm>
+          <a:prstGeom prst="line">
+            <a:avLst/>
+          </a:prstGeom>
+          <a:ln w="41275">
+            <a:solidFill>
+              <a:schemeClr val="accent3"/>
+            </a:solidFill>
+          </a:ln>
+        </p:spPr>
+        <p:style>
+          <a:lnRef idx="1">
+            <a:schemeClr val="accent1"/>
+          </a:lnRef>
+          <a:fillRef idx="0">
+            <a:schemeClr val="accent1"/>
+          </a:fillRef>
+          <a:effectRef idx="0">
+            <a:schemeClr val="accent1"/>
+          </a:effectRef>
+          <a:fontRef idx="minor">
+            <a:schemeClr val="tx1"/>
+          </a:fontRef>
+        </p:style>
+      </p:cxnSp>
+      <p:cxnSp>
+        <p:nvCxnSpPr>
+          <p:cNvPr id="36" name="Straight Connector 35"/>
+          <p:cNvCxnSpPr>
+            <a:stCxn id="13" idx="3"/>
+            <a:endCxn id="26" idx="0"/>
+          </p:cNvCxnSpPr>
+          <p:nvPr/>
+        </p:nvCxnSpPr>
+        <p:spPr>
+          <a:xfrm>
+            <a:off x="4589161" y="4286864"/>
+            <a:ext cx="2956224" cy="773799"/>
+          </a:xfrm>
+          <a:prstGeom prst="line">
+            <a:avLst/>
+          </a:prstGeom>
+          <a:ln w="41275">
+            <a:solidFill>
+              <a:schemeClr val="accent3"/>
+            </a:solidFill>
+          </a:ln>
+        </p:spPr>
+        <p:style>
+          <a:lnRef idx="1">
+            <a:schemeClr val="accent1"/>
+          </a:lnRef>
+          <a:fillRef idx="0">
+            <a:schemeClr val="accent1"/>
+          </a:fillRef>
+          <a:effectRef idx="0">
+            <a:schemeClr val="accent1"/>
+          </a:effectRef>
+          <a:fontRef idx="minor">
+            <a:schemeClr val="tx1"/>
+          </a:fontRef>
+        </p:style>
+      </p:cxnSp>
+      <p:sp>
+        <p:nvSpPr>
+          <p:cNvPr id="47" name="TextBox 46"/>
+          <p:cNvSpPr txBox="1"/>
+          <p:nvPr/>
+        </p:nvSpPr>
+        <p:spPr>
+          <a:xfrm>
+            <a:off x="2428517" y="3093769"/>
+            <a:ext cx="1838633" cy="369332"/>
+          </a:xfrm>
+          <a:prstGeom prst="rect">
+            <a:avLst/>
+          </a:prstGeom>
+          <a:noFill/>
+        </p:spPr>
+        <p:txBody>
+          <a:bodyPr wrap="square" rtlCol="0">
+            <a:spAutoFit/>
+          </a:bodyPr>
+          <a:lstStyle/>
+          <a:p>
+            <a:r>
+              <a:rPr lang="en-US" dirty="0" err="1" smtClean="0"/>
+              <a:t>Remoting</a:t>
+            </a:r>
+            <a:endParaRPr lang="en-US" dirty="0"/>
+          </a:p>
+        </p:txBody>
+      </p:sp>
+      <p:sp>
+        <p:nvSpPr>
+          <p:cNvPr id="48" name="TextBox 47"/>
+          <p:cNvSpPr txBox="1"/>
+          <p:nvPr/>
+        </p:nvSpPr>
+        <p:spPr>
+          <a:xfrm>
+            <a:off x="4984857" y="4421746"/>
+            <a:ext cx="2374394" cy="646331"/>
+          </a:xfrm>
+          <a:prstGeom prst="rect">
+            <a:avLst/>
+          </a:prstGeom>
+          <a:noFill/>
+        </p:spPr>
+        <p:txBody>
+          <a:bodyPr wrap="square" rtlCol="0">
+            <a:spAutoFit/>
+          </a:bodyPr>
+          <a:lstStyle/>
+          <a:p>
+            <a:r>
+              <a:rPr lang="en-US" dirty="0" smtClean="0"/>
+              <a:t>REST - via HTTPS</a:t>
+            </a:r>
+          </a:p>
+          <a:p>
+            <a:r>
+              <a:rPr lang="en-US" dirty="0" smtClean="0"/>
+              <a:t>with JSON or XML</a:t>
+            </a:r>
+            <a:endParaRPr lang="en-US" dirty="0"/>
+          </a:p>
+        </p:txBody>
+      </p:sp>
+      <p:sp>
+        <p:nvSpPr>
+          <p:cNvPr id="49" name="TextBox 48"/>
+          <p:cNvSpPr txBox="1"/>
+          <p:nvPr/>
+        </p:nvSpPr>
+        <p:spPr>
+          <a:xfrm>
+            <a:off x="8096812" y="5220928"/>
+            <a:ext cx="2374394" cy="646331"/>
+          </a:xfrm>
+          <a:prstGeom prst="rect">
+            <a:avLst/>
+          </a:prstGeom>
+          <a:noFill/>
+        </p:spPr>
+        <p:txBody>
+          <a:bodyPr wrap="square" rtlCol="0">
+            <a:spAutoFit/>
+          </a:bodyPr>
+          <a:lstStyle/>
+          <a:p>
+            <a:r>
+              <a:rPr lang="en-US" dirty="0" smtClean="0"/>
+              <a:t>Intel, </a:t>
+            </a:r>
+            <a:r>
+              <a:rPr lang="en-US" dirty="0" err="1" smtClean="0"/>
+              <a:t>Xamarin</a:t>
+            </a:r>
+            <a:r>
+              <a:rPr lang="en-US" dirty="0" smtClean="0"/>
+              <a:t> or</a:t>
+            </a:r>
+            <a:br>
+              <a:rPr lang="en-US" dirty="0" smtClean="0"/>
+            </a:br>
+            <a:r>
+              <a:rPr lang="en-US" dirty="0" smtClean="0"/>
+              <a:t>Apache Cordova</a:t>
+            </a:r>
+          </a:p>
+        </p:txBody>
+      </p:sp>
+    </p:spTree>
+    <p:extLst>
+      <p:ext uri="{BB962C8B-B14F-4D97-AF65-F5344CB8AC3E}">
+        <p14:creationId xmlns:p14="http://schemas.microsoft.com/office/powerpoint/2010/main" val="3174461828"/>
+      </p:ext>
+    </p:extLst>
+  </p:cSld>
+  <p:clrMapOvr>
+    <a:masterClrMapping/>
+  </p:clrMapOvr>
+  <p:transition spd="slow">
+    <p:wipe dir="r"/>
+  </p:transition>
+  <p:timing>
+    <p:tnLst>
+      <p:par>
+        <p:cTn id="1" dur="indefinite" restart="never" nodeType="tmRoot"/>
+      </p:par>
+    </p:tnLst>
+  </p:timing>
+</p:sld>
+</file>
+
+<file path=ppt/slides/slide4.xml><?xml version="1.0" encoding="utf-8"?>
+<p:sld xmlns:a="http://schemas.openxmlformats.org/drawingml/2006/main" xmlns:r="http://schemas.openxmlformats.org/officeDocument/2006/relationships" xmlns:p="http://schemas.openxmlformats.org/presentationml/2006/main">
+  <p:cSld>
+    <p:spTree>
+      <p:nvGrpSpPr>
+        <p:cNvPr id="1" name=""/>
+        <p:cNvGrpSpPr/>
+        <p:nvPr/>
+      </p:nvGrpSpPr>
+      <p:grpSpPr>
+        <a:xfrm>
+          <a:off x="0" y="0"/>
+          <a:ext cx="0" cy="0"/>
+          <a:chOff x="0" y="0"/>
+          <a:chExt cx="0" cy="0"/>
+        </a:xfrm>
+      </p:grpSpPr>
+      <p:sp>
+        <p:nvSpPr>
+          <p:cNvPr id="2" name="Title 1"/>
+          <p:cNvSpPr>
+            <a:spLocks noGrp="1"/>
+          </p:cNvSpPr>
+          <p:nvPr>
+            <p:ph type="title"/>
+          </p:nvPr>
+        </p:nvSpPr>
+        <p:spPr/>
+        <p:txBody>
+          <a:bodyPr/>
+          <a:lstStyle/>
+          <a:p>
+            <a:r>
+              <a:rPr lang="en-US" dirty="0" smtClean="0"/>
+              <a:t>High Level Architecture</a:t>
+            </a:r>
+            <a:endParaRPr lang="en-US" dirty="0"/>
+          </a:p>
+        </p:txBody>
+      </p:sp>
+      <p:sp>
+        <p:nvSpPr>
+          <p:cNvPr id="3" name="Content Placeholder 2"/>
+          <p:cNvSpPr>
+            <a:spLocks noGrp="1"/>
+          </p:cNvSpPr>
+          <p:nvPr>
+            <p:ph idx="1"/>
+          </p:nvPr>
+        </p:nvSpPr>
+        <p:spPr/>
+        <p:txBody>
+          <a:bodyPr/>
+          <a:lstStyle/>
+          <a:p>
+            <a:r>
+              <a:rPr lang="en-US" dirty="0" smtClean="0"/>
+              <a:t>The high-level architecture remains</a:t>
+            </a:r>
+          </a:p>
+          <a:p>
+            <a:pPr lvl="1"/>
+            <a:r>
+              <a:rPr lang="en-US" dirty="0" smtClean="0"/>
+              <a:t>A VistA system (or systems)</a:t>
+            </a:r>
+          </a:p>
+          <a:p>
+            <a:pPr lvl="2"/>
+            <a:r>
+              <a:rPr lang="en-US" dirty="0" smtClean="0"/>
+              <a:t>We’ll set up a </a:t>
+            </a:r>
+            <a:r>
+              <a:rPr lang="en-US" dirty="0" err="1" smtClean="0"/>
+              <a:t>dev</a:t>
+            </a:r>
+            <a:r>
+              <a:rPr lang="en-US" dirty="0" smtClean="0"/>
+              <a:t>-sandboxed one in a cloud VM for this project</a:t>
+            </a:r>
+          </a:p>
+          <a:p>
+            <a:pPr lvl="1"/>
+            <a:r>
+              <a:rPr lang="en-US" dirty="0" smtClean="0"/>
+              <a:t>A middle tier web-service application running in a cloud VM</a:t>
+            </a:r>
+          </a:p>
+          <a:p>
+            <a:pPr lvl="1"/>
+            <a:r>
+              <a:rPr lang="en-US" dirty="0" smtClean="0"/>
+              <a:t>A phone application that includes logic and UI but no data</a:t>
+            </a:r>
+          </a:p>
+          <a:p>
+            <a:pPr lvl="2"/>
+            <a:r>
+              <a:rPr lang="en-US" dirty="0" smtClean="0"/>
+              <a:t>We are using a “write once – target all” development environment</a:t>
+            </a:r>
+          </a:p>
+          <a:p>
+            <a:pPr lvl="2"/>
+            <a:r>
+              <a:rPr lang="en-US" dirty="0" smtClean="0"/>
+              <a:t>The phone app will use the phone’s location services and calendar</a:t>
+            </a:r>
+          </a:p>
+          <a:p>
+            <a:pPr lvl="2"/>
+            <a:endParaRPr lang="en-US" dirty="0"/>
+          </a:p>
+          <a:p>
+            <a:pPr lvl="1"/>
+            <a:r>
+              <a:rPr lang="en-US" dirty="0" smtClean="0"/>
+              <a:t>See System Architecture Document</a:t>
+            </a:r>
+          </a:p>
+          <a:p>
+            <a:pPr lvl="2"/>
+            <a:r>
+              <a:rPr lang="en-US" dirty="0" smtClean="0"/>
+              <a:t>Package </a:t>
+            </a:r>
+            <a:r>
+              <a:rPr lang="en-US" dirty="0"/>
+              <a:t>l</a:t>
+            </a:r>
+            <a:r>
+              <a:rPr lang="en-US" dirty="0" smtClean="0"/>
+              <a:t>ayer diagram, component diagram, top level class diagram</a:t>
+            </a:r>
+            <a:endParaRPr lang="en-US" dirty="0"/>
+          </a:p>
+        </p:txBody>
+      </p:sp>
+    </p:spTree>
+    <p:extLst>
+      <p:ext uri="{BB962C8B-B14F-4D97-AF65-F5344CB8AC3E}">
+        <p14:creationId xmlns:p14="http://schemas.microsoft.com/office/powerpoint/2010/main" val="853126107"/>
+      </p:ext>
+    </p:extLst>
+  </p:cSld>
+  <p:clrMapOvr>
+    <a:masterClrMapping/>
+  </p:clrMapOvr>
+  <p:transition spd="slow">
+    <p:wipe dir="r"/>
+  </p:transition>
+  <p:timing>
+    <p:tnLst>
+      <p:par>
+        <p:cTn id="1" dur="indefinite" restart="never" nodeType="tmRoot"/>
+      </p:par>
+    </p:tnLst>
+  </p:timing>
+</p:sld>
+</file>
+
+<file path=ppt/slides/slide5.xml><?xml version="1.0" encoding="utf-8"?>
+<p:sld xmlns:a="http://schemas.openxmlformats.org/drawingml/2006/main" xmlns:r="http://schemas.openxmlformats.org/officeDocument/2006/relationships" xmlns:p="http://schemas.openxmlformats.org/presentationml/2006/main">
+  <p:cSld>
+    <p:spTree>
+      <p:nvGrpSpPr>
+        <p:cNvPr id="1" name=""/>
+        <p:cNvGrpSpPr/>
+        <p:nvPr/>
+      </p:nvGrpSpPr>
+      <p:grpSpPr>
+        <a:xfrm>
+          <a:off x="0" y="0"/>
+          <a:ext cx="0" cy="0"/>
+          <a:chOff x="0" y="0"/>
+          <a:chExt cx="0" cy="0"/>
+        </a:xfrm>
+      </p:grpSpPr>
+      <p:sp>
+        <p:nvSpPr>
+          <p:cNvPr id="26" name="Cloud 25"/>
+          <p:cNvSpPr/>
+          <p:nvPr/>
+        </p:nvSpPr>
+        <p:spPr>
+          <a:xfrm>
+            <a:off x="2705100" y="3322321"/>
+            <a:ext cx="7589082" cy="3642360"/>
+          </a:xfrm>
+          <a:prstGeom prst="cloud">
+            <a:avLst/>
+          </a:prstGeom>
+        </p:spPr>
+        <p:style>
+          <a:lnRef idx="2">
+            <a:schemeClr val="accent1">
+              <a:shade val="50000"/>
+            </a:schemeClr>
+          </a:lnRef>
+          <a:fillRef idx="1">
+            <a:schemeClr val="accent1"/>
+          </a:fillRef>
+          <a:effectRef idx="0">
+            <a:schemeClr val="accent1"/>
+          </a:effectRef>
+          <a:fontRef idx="minor">
+            <a:schemeClr val="lt1"/>
+          </a:fontRef>
+        </p:style>
+        <p:txBody>
+          <a:bodyPr rtlCol="0" anchor="ctr"/>
+          <a:lstStyle/>
+          <a:p>
+            <a:pPr algn="r"/>
+            <a:r>
+              <a:rPr lang="en-US" sz="2400" dirty="0" smtClean="0"/>
+              <a:t>AWS Cloud</a:t>
+            </a:r>
+            <a:endParaRPr lang="en-US" sz="2400" dirty="0"/>
+          </a:p>
+        </p:txBody>
+      </p:sp>
+      <p:sp>
+        <p:nvSpPr>
+          <p:cNvPr id="2" name="Title 1"/>
+          <p:cNvSpPr>
+            <a:spLocks noGrp="1"/>
+          </p:cNvSpPr>
+          <p:nvPr>
+            <p:ph type="title"/>
+          </p:nvPr>
+        </p:nvSpPr>
+        <p:spPr/>
+        <p:txBody>
+          <a:bodyPr/>
+          <a:lstStyle/>
+          <a:p>
+            <a:r>
+              <a:rPr lang="en-US" dirty="0" smtClean="0"/>
+              <a:t>A Little UML: A Package Diagram</a:t>
+            </a:r>
+            <a:endParaRPr lang="en-US" dirty="0"/>
+          </a:p>
+        </p:txBody>
+      </p:sp>
+      <p:pic>
+        <p:nvPicPr>
+          <p:cNvPr id="4" name="Picture 3"/>
+          <p:cNvPicPr>
+            <a:picLocks noChangeAspect="1"/>
+          </p:cNvPicPr>
+          <p:nvPr/>
+        </p:nvPicPr>
+        <p:blipFill>
+          <a:blip r:embed="rId2"/>
+          <a:stretch>
+            <a:fillRect/>
+          </a:stretch>
+        </p:blipFill>
+        <p:spPr>
+          <a:xfrm>
+            <a:off x="388761" y="2045110"/>
+            <a:ext cx="5068930" cy="1598189"/>
+          </a:xfrm>
+          <a:prstGeom prst="rect">
+            <a:avLst/>
+          </a:prstGeom>
+        </p:spPr>
+      </p:pic>
+      <p:pic>
+        <p:nvPicPr>
+          <p:cNvPr id="5" name="Picture 4"/>
+          <p:cNvPicPr>
+            <a:picLocks noChangeAspect="1"/>
+          </p:cNvPicPr>
+          <p:nvPr/>
+        </p:nvPicPr>
+        <p:blipFill>
+          <a:blip r:embed="rId3"/>
+          <a:stretch>
+            <a:fillRect/>
+          </a:stretch>
+        </p:blipFill>
+        <p:spPr>
+          <a:xfrm>
+            <a:off x="3047699" y="3643299"/>
+            <a:ext cx="4099875" cy="1626334"/>
+          </a:xfrm>
+          <a:prstGeom prst="rect">
+            <a:avLst/>
+          </a:prstGeom>
+        </p:spPr>
+      </p:pic>
+      <p:pic>
+        <p:nvPicPr>
+          <p:cNvPr id="6" name="Picture 5"/>
+          <p:cNvPicPr>
+            <a:picLocks noChangeAspect="1"/>
+          </p:cNvPicPr>
+          <p:nvPr/>
+        </p:nvPicPr>
+        <p:blipFill>
+          <a:blip r:embed="rId4"/>
+          <a:stretch>
+            <a:fillRect/>
+          </a:stretch>
+        </p:blipFill>
+        <p:spPr>
+          <a:xfrm>
+            <a:off x="4220106" y="5269633"/>
+            <a:ext cx="5442938" cy="1484667"/>
+          </a:xfrm>
+          <a:prstGeom prst="rect">
+            <a:avLst/>
+          </a:prstGeom>
+        </p:spPr>
+      </p:pic>
+      <p:sp>
+        <p:nvSpPr>
+          <p:cNvPr id="11" name="Freeform 10"/>
+          <p:cNvSpPr/>
+          <p:nvPr/>
+        </p:nvSpPr>
+        <p:spPr>
+          <a:xfrm>
+            <a:off x="1192544" y="3219983"/>
+            <a:ext cx="1287780" cy="342900"/>
+          </a:xfrm>
+          <a:custGeom>
+            <a:avLst/>
+            <a:gdLst>
+              <a:gd name="connsiteX0" fmla="*/ 0 w 1287780"/>
+              <a:gd name="connsiteY0" fmla="*/ 15240 h 556277"/>
+              <a:gd name="connsiteX1" fmla="*/ 685800 w 1287780"/>
+              <a:gd name="connsiteY1" fmla="*/ 556260 h 556277"/>
+              <a:gd name="connsiteX2" fmla="*/ 1287780 w 1287780"/>
+              <a:gd name="connsiteY2" fmla="*/ 0 h 556277"/>
+            </a:gdLst>
+            <a:ahLst/>
+            <a:cxnLst>
+              <a:cxn ang="0">
+                <a:pos x="connsiteX0" y="connsiteY0"/>
+              </a:cxn>
+              <a:cxn ang="0">
+                <a:pos x="connsiteX1" y="connsiteY1"/>
+              </a:cxn>
+              <a:cxn ang="0">
+                <a:pos x="connsiteX2" y="connsiteY2"/>
+              </a:cxn>
+            </a:cxnLst>
+            <a:rect l="l" t="t" r="r" b="b"/>
+            <a:pathLst>
+              <a:path w="1287780" h="556277">
+                <a:moveTo>
+                  <a:pt x="0" y="15240"/>
+                </a:moveTo>
+                <a:cubicBezTo>
+                  <a:pt x="235585" y="287020"/>
+                  <a:pt x="471170" y="558800"/>
+                  <a:pt x="685800" y="556260"/>
+                </a:cubicBezTo>
+                <a:cubicBezTo>
+                  <a:pt x="900430" y="553720"/>
+                  <a:pt x="1188720" y="93980"/>
+                  <a:pt x="1287780" y="0"/>
+                </a:cubicBezTo>
+              </a:path>
+            </a:pathLst>
+          </a:custGeom>
+          <a:ln w="31750">
+            <a:prstDash val="sysDash"/>
+            <a:tailEnd type="stealth" w="lg" len="lg"/>
+          </a:ln>
+        </p:spPr>
+        <p:style>
+          <a:lnRef idx="3">
+            <a:schemeClr val="accent3"/>
+          </a:lnRef>
+          <a:fillRef idx="0">
+            <a:schemeClr val="accent3"/>
+          </a:fillRef>
+          <a:effectRef idx="2">
+            <a:schemeClr val="accent3"/>
+          </a:effectRef>
+          <a:fontRef idx="minor">
+            <a:schemeClr val="tx1"/>
+          </a:fontRef>
+        </p:style>
+        <p:txBody>
+          <a:bodyPr rtlCol="0" anchor="ctr"/>
+          <a:lstStyle/>
+          <a:p>
+            <a:pPr algn="ctr"/>
+            <a:endParaRPr lang="en-US"/>
+          </a:p>
+        </p:txBody>
+      </p:sp>
+      <p:sp>
+        <p:nvSpPr>
+          <p:cNvPr id="12" name="Freeform 11"/>
+          <p:cNvSpPr/>
+          <p:nvPr/>
+        </p:nvSpPr>
+        <p:spPr>
+          <a:xfrm flipH="1">
+            <a:off x="4274820" y="4800601"/>
+            <a:ext cx="1424940" cy="320039"/>
+          </a:xfrm>
+          <a:custGeom>
+            <a:avLst/>
+            <a:gdLst>
+              <a:gd name="connsiteX0" fmla="*/ 0 w 1287780"/>
+              <a:gd name="connsiteY0" fmla="*/ 15240 h 556277"/>
+              <a:gd name="connsiteX1" fmla="*/ 685800 w 1287780"/>
+              <a:gd name="connsiteY1" fmla="*/ 556260 h 556277"/>
+              <a:gd name="connsiteX2" fmla="*/ 1287780 w 1287780"/>
+              <a:gd name="connsiteY2" fmla="*/ 0 h 556277"/>
+            </a:gdLst>
+            <a:ahLst/>
+            <a:cxnLst>
+              <a:cxn ang="0">
+                <a:pos x="connsiteX0" y="connsiteY0"/>
+              </a:cxn>
+              <a:cxn ang="0">
+                <a:pos x="connsiteX1" y="connsiteY1"/>
+              </a:cxn>
+              <a:cxn ang="0">
+                <a:pos x="connsiteX2" y="connsiteY2"/>
+              </a:cxn>
+            </a:cxnLst>
+            <a:rect l="l" t="t" r="r" b="b"/>
+            <a:pathLst>
+              <a:path w="1287780" h="556277">
+                <a:moveTo>
+                  <a:pt x="0" y="15240"/>
+                </a:moveTo>
+                <a:cubicBezTo>
+                  <a:pt x="235585" y="287020"/>
+                  <a:pt x="471170" y="558800"/>
+                  <a:pt x="685800" y="556260"/>
+                </a:cubicBezTo>
+                <a:cubicBezTo>
+                  <a:pt x="900430" y="553720"/>
+                  <a:pt x="1188720" y="93980"/>
+                  <a:pt x="1287780" y="0"/>
+                </a:cubicBezTo>
+              </a:path>
+            </a:pathLst>
+          </a:custGeom>
+          <a:ln w="31750">
+            <a:prstDash val="sysDash"/>
+            <a:tailEnd type="stealth" w="lg" len="lg"/>
+          </a:ln>
+        </p:spPr>
+        <p:style>
+          <a:lnRef idx="3">
+            <a:schemeClr val="accent3"/>
+          </a:lnRef>
+          <a:fillRef idx="0">
+            <a:schemeClr val="accent3"/>
+          </a:fillRef>
+          <a:effectRef idx="2">
+            <a:schemeClr val="accent3"/>
+          </a:effectRef>
+          <a:fontRef idx="minor">
+            <a:schemeClr val="tx1"/>
+          </a:fontRef>
+        </p:style>
+        <p:txBody>
+          <a:bodyPr rtlCol="0" anchor="ctr"/>
+          <a:lstStyle/>
+          <a:p>
+            <a:pPr algn="ctr"/>
+            <a:endParaRPr lang="en-US"/>
+          </a:p>
+        </p:txBody>
+      </p:sp>
+      <p:sp>
+        <p:nvSpPr>
+          <p:cNvPr id="13" name="Freeform 12"/>
+          <p:cNvSpPr/>
+          <p:nvPr/>
+        </p:nvSpPr>
+        <p:spPr>
+          <a:xfrm flipH="1">
+            <a:off x="7195065" y="6339841"/>
+            <a:ext cx="1424940" cy="320039"/>
+          </a:xfrm>
+          <a:custGeom>
+            <a:avLst/>
+            <a:gdLst>
+              <a:gd name="connsiteX0" fmla="*/ 0 w 1287780"/>
+              <a:gd name="connsiteY0" fmla="*/ 15240 h 556277"/>
+              <a:gd name="connsiteX1" fmla="*/ 685800 w 1287780"/>
+              <a:gd name="connsiteY1" fmla="*/ 556260 h 556277"/>
+              <a:gd name="connsiteX2" fmla="*/ 1287780 w 1287780"/>
+              <a:gd name="connsiteY2" fmla="*/ 0 h 556277"/>
+            </a:gdLst>
+            <a:ahLst/>
+            <a:cxnLst>
+              <a:cxn ang="0">
+                <a:pos x="connsiteX0" y="connsiteY0"/>
+              </a:cxn>
+              <a:cxn ang="0">
+                <a:pos x="connsiteX1" y="connsiteY1"/>
+              </a:cxn>
+              <a:cxn ang="0">
+                <a:pos x="connsiteX2" y="connsiteY2"/>
+              </a:cxn>
+            </a:cxnLst>
+            <a:rect l="l" t="t" r="r" b="b"/>
+            <a:pathLst>
+              <a:path w="1287780" h="556277">
+                <a:moveTo>
+                  <a:pt x="0" y="15240"/>
+                </a:moveTo>
+                <a:cubicBezTo>
+                  <a:pt x="235585" y="287020"/>
+                  <a:pt x="471170" y="558800"/>
+                  <a:pt x="685800" y="556260"/>
+                </a:cubicBezTo>
+                <a:cubicBezTo>
+                  <a:pt x="900430" y="553720"/>
+                  <a:pt x="1188720" y="93980"/>
+                  <a:pt x="1287780" y="0"/>
+                </a:cubicBezTo>
+              </a:path>
+            </a:pathLst>
+          </a:custGeom>
+          <a:ln w="31750">
+            <a:prstDash val="sysDash"/>
+            <a:tailEnd type="stealth" w="lg" len="lg"/>
+          </a:ln>
+        </p:spPr>
+        <p:style>
+          <a:lnRef idx="3">
+            <a:schemeClr val="accent3"/>
+          </a:lnRef>
+          <a:fillRef idx="0">
+            <a:schemeClr val="accent3"/>
+          </a:fillRef>
+          <a:effectRef idx="2">
+            <a:schemeClr val="accent3"/>
+          </a:effectRef>
+          <a:fontRef idx="minor">
+            <a:schemeClr val="tx1"/>
+          </a:fontRef>
+        </p:style>
+        <p:txBody>
+          <a:bodyPr rtlCol="0" anchor="ctr"/>
+          <a:lstStyle/>
+          <a:p>
+            <a:pPr algn="ctr"/>
+            <a:endParaRPr lang="en-US"/>
+          </a:p>
+        </p:txBody>
+      </p:sp>
+      <p:sp>
+        <p:nvSpPr>
+          <p:cNvPr id="14" name="Freeform 13"/>
+          <p:cNvSpPr/>
+          <p:nvPr/>
+        </p:nvSpPr>
+        <p:spPr>
+          <a:xfrm flipH="1">
+            <a:off x="5183922" y="6339841"/>
+            <a:ext cx="1424940" cy="320039"/>
+          </a:xfrm>
+          <a:custGeom>
+            <a:avLst/>
+            <a:gdLst>
+              <a:gd name="connsiteX0" fmla="*/ 0 w 1287780"/>
+              <a:gd name="connsiteY0" fmla="*/ 15240 h 556277"/>
+              <a:gd name="connsiteX1" fmla="*/ 685800 w 1287780"/>
+              <a:gd name="connsiteY1" fmla="*/ 556260 h 556277"/>
+              <a:gd name="connsiteX2" fmla="*/ 1287780 w 1287780"/>
+              <a:gd name="connsiteY2" fmla="*/ 0 h 556277"/>
+            </a:gdLst>
+            <a:ahLst/>
+            <a:cxnLst>
+              <a:cxn ang="0">
+                <a:pos x="connsiteX0" y="connsiteY0"/>
+              </a:cxn>
+              <a:cxn ang="0">
+                <a:pos x="connsiteX1" y="connsiteY1"/>
+              </a:cxn>
+              <a:cxn ang="0">
+                <a:pos x="connsiteX2" y="connsiteY2"/>
+              </a:cxn>
+            </a:cxnLst>
+            <a:rect l="l" t="t" r="r" b="b"/>
+            <a:pathLst>
+              <a:path w="1287780" h="556277">
+                <a:moveTo>
+                  <a:pt x="0" y="15240"/>
+                </a:moveTo>
+                <a:cubicBezTo>
+                  <a:pt x="235585" y="287020"/>
+                  <a:pt x="471170" y="558800"/>
+                  <a:pt x="685800" y="556260"/>
+                </a:cubicBezTo>
+                <a:cubicBezTo>
+                  <a:pt x="900430" y="553720"/>
+                  <a:pt x="1188720" y="93980"/>
+                  <a:pt x="1287780" y="0"/>
+                </a:cubicBezTo>
+              </a:path>
+            </a:pathLst>
+          </a:custGeom>
+          <a:ln w="31750">
+            <a:prstDash val="sysDash"/>
+            <a:tailEnd type="stealth" w="lg" len="lg"/>
+          </a:ln>
+        </p:spPr>
+        <p:style>
+          <a:lnRef idx="3">
+            <a:schemeClr val="accent3"/>
+          </a:lnRef>
+          <a:fillRef idx="0">
+            <a:schemeClr val="accent3"/>
+          </a:fillRef>
+          <a:effectRef idx="2">
+            <a:schemeClr val="accent3"/>
+          </a:effectRef>
+          <a:fontRef idx="minor">
+            <a:schemeClr val="tx1"/>
+          </a:fontRef>
+        </p:style>
+        <p:txBody>
+          <a:bodyPr rtlCol="0" anchor="ctr"/>
+          <a:lstStyle/>
+          <a:p>
+            <a:pPr algn="ctr"/>
+            <a:endParaRPr lang="en-US"/>
+          </a:p>
+        </p:txBody>
+      </p:sp>
+      <p:cxnSp>
+        <p:nvCxnSpPr>
+          <p:cNvPr id="16" name="Straight Arrow Connector 15"/>
+          <p:cNvCxnSpPr/>
+          <p:nvPr/>
+        </p:nvCxnSpPr>
+        <p:spPr>
+          <a:xfrm flipV="1">
+            <a:off x="3047699" y="2670113"/>
+            <a:ext cx="846121" cy="290835"/>
+          </a:xfrm>
+          <a:prstGeom prst="straightConnector1">
+            <a:avLst/>
+          </a:prstGeom>
+          <a:ln w="31750">
+            <a:prstDash val="sysDash"/>
+            <a:tailEnd type="stealth" w="lg" len="lg"/>
+          </a:ln>
+        </p:spPr>
+        <p:style>
+          <a:lnRef idx="3">
+            <a:schemeClr val="accent3"/>
+          </a:lnRef>
+          <a:fillRef idx="0">
+            <a:schemeClr val="accent3"/>
+          </a:fillRef>
+          <a:effectRef idx="2">
+            <a:schemeClr val="accent3"/>
+          </a:effectRef>
+          <a:fontRef idx="minor">
+            <a:schemeClr val="tx1"/>
+          </a:fontRef>
+        </p:style>
+      </p:cxnSp>
+      <p:cxnSp>
+        <p:nvCxnSpPr>
+          <p:cNvPr id="17" name="Straight Arrow Connector 16"/>
+          <p:cNvCxnSpPr/>
+          <p:nvPr/>
+        </p:nvCxnSpPr>
+        <p:spPr>
+          <a:xfrm>
+            <a:off x="3047699" y="2960948"/>
+            <a:ext cx="846121" cy="210944"/>
+          </a:xfrm>
+          <a:prstGeom prst="straightConnector1">
+            <a:avLst/>
+          </a:prstGeom>
+          <a:ln w="31750">
+            <a:prstDash val="sysDash"/>
+            <a:tailEnd type="stealth" w="lg" len="lg"/>
+          </a:ln>
+        </p:spPr>
+        <p:style>
+          <a:lnRef idx="3">
+            <a:schemeClr val="accent3"/>
+          </a:lnRef>
+          <a:fillRef idx="0">
+            <a:schemeClr val="accent3"/>
+          </a:fillRef>
+          <a:effectRef idx="2">
+            <a:schemeClr val="accent3"/>
+          </a:effectRef>
+          <a:fontRef idx="minor">
+            <a:schemeClr val="tx1"/>
+          </a:fontRef>
+        </p:style>
+      </p:cxnSp>
+      <p:cxnSp>
+        <p:nvCxnSpPr>
+          <p:cNvPr id="20" name="Straight Arrow Connector 19"/>
+          <p:cNvCxnSpPr/>
+          <p:nvPr/>
+        </p:nvCxnSpPr>
+        <p:spPr>
+          <a:xfrm>
+            <a:off x="2705100" y="3196652"/>
+            <a:ext cx="2689860" cy="1390630"/>
+          </a:xfrm>
+          <a:prstGeom prst="straightConnector1">
+            <a:avLst/>
+          </a:prstGeom>
+          <a:ln w="31750">
+            <a:prstDash val="sysDash"/>
+            <a:tailEnd type="stealth" w="lg" len="lg"/>
+          </a:ln>
+        </p:spPr>
+        <p:style>
+          <a:lnRef idx="3">
+            <a:schemeClr val="accent3"/>
+          </a:lnRef>
+          <a:fillRef idx="0">
+            <a:schemeClr val="accent3"/>
+          </a:fillRef>
+          <a:effectRef idx="2">
+            <a:schemeClr val="accent3"/>
+          </a:effectRef>
+          <a:fontRef idx="minor">
+            <a:schemeClr val="tx1"/>
+          </a:fontRef>
+        </p:style>
+      </p:cxnSp>
+      <p:cxnSp>
+        <p:nvCxnSpPr>
+          <p:cNvPr id="24" name="Straight Arrow Connector 23"/>
+          <p:cNvCxnSpPr/>
+          <p:nvPr/>
+        </p:nvCxnSpPr>
+        <p:spPr>
+          <a:xfrm>
+            <a:off x="6042660" y="4743512"/>
+            <a:ext cx="1973580" cy="1337248"/>
+          </a:xfrm>
+          <a:prstGeom prst="straightConnector1">
+            <a:avLst/>
+          </a:prstGeom>
+          <a:ln w="31750">
+            <a:prstDash val="sysDash"/>
+            <a:tailEnd type="stealth" w="lg" len="lg"/>
+          </a:ln>
+        </p:spPr>
+        <p:style>
+          <a:lnRef idx="3">
+            <a:schemeClr val="accent3"/>
+          </a:lnRef>
+          <a:fillRef idx="0">
+            <a:schemeClr val="accent3"/>
+          </a:fillRef>
+          <a:effectRef idx="2">
+            <a:schemeClr val="accent3"/>
+          </a:effectRef>
+          <a:fontRef idx="minor">
+            <a:schemeClr val="tx1"/>
+          </a:fontRef>
+        </p:style>
+      </p:cxnSp>
+    </p:spTree>
+    <p:extLst>
+      <p:ext uri="{BB962C8B-B14F-4D97-AF65-F5344CB8AC3E}">
+        <p14:creationId xmlns:p14="http://schemas.microsoft.com/office/powerpoint/2010/main" val="2581797375"/>
+      </p:ext>
+    </p:extLst>
+  </p:cSld>
+  <p:clrMapOvr>
+    <a:masterClrMapping/>
+  </p:clrMapOvr>
+  <p:transition spd="slow">
+    <p:wipe dir="r"/>
+  </p:transition>
+  <p:timing>
+    <p:tnLst>
+      <p:par>
+        <p:cTn id="1" dur="indefinite" restart="never" nodeType="tmRoot">
+          <p:childTnLst>
+            <p:seq concurrent="1" nextAc="seek">
+              <p:cTn id="2" dur="indefinite" nodeType="mainSeq">
+                <p:childTnLst>
+                  <p:par>
+                    <p:cTn id="3" fill="hold">
+                      <p:stCondLst>
+                        <p:cond delay="indefinite"/>
+                      </p:stCondLst>
+                      <p:childTnLst>
+                        <p:par>
+                          <p:cTn id="4" fill="hold">
+                            <p:stCondLst>
+                              <p:cond delay="0"/>
+                            </p:stCondLst>
+                            <p:childTnLst>
+                              <p:par>
+                                <p:cTn id="5" presetID="22" presetClass="entr" presetSubtype="4" fill="hold" grpId="0" nodeType="clickEffect">
+                                  <p:stCondLst>
+                                    <p:cond delay="0"/>
+                                  </p:stCondLst>
+                                  <p:childTnLst>
+                                    <p:set>
+                                      <p:cBhvr>
+                                        <p:cTn id="6" dur="1" fill="hold">
+                                          <p:stCondLst>
+                                            <p:cond delay="0"/>
+                                          </p:stCondLst>
+                                        </p:cTn>
+                                        <p:tgtEl>
+                                          <p:spTgt spid="26"/>
+                                        </p:tgtEl>
+                                        <p:attrNameLst>
+                                          <p:attrName>style.visibility</p:attrName>
+                                        </p:attrNameLst>
+                                      </p:cBhvr>
+                                      <p:to>
+                                        <p:strVal val="visible"/>
+                                      </p:to>
+                                    </p:set>
+                                    <p:animEffect transition="in" filter="wipe(down)">
+                                      <p:cBhvr>
+                                        <p:cTn id="7" dur="500"/>
+                                        <p:tgtEl>
+                                          <p:spTgt spid="26"/>
+                                        </p:tgtEl>
+                                      </p:cBhvr>
+                                    </p:animEffect>
+                                  </p:childTnLst>
+                                </p:cTn>
+                              </p:par>
+                            </p:childTnLst>
+                          </p:cTn>
+                        </p:par>
+                      </p:childTnLst>
+                    </p:cTn>
+                  </p:par>
+                </p:childTnLst>
+              </p:cTn>
+              <p:prevCondLst>
+                <p:cond evt="onPrev" delay="0">
+                  <p:tgtEl>
+                    <p:sldTgt/>
+                  </p:tgtEl>
+                </p:cond>
+              </p:prevCondLst>
+              <p:nextCondLst>
+                <p:cond evt="onNext" delay="0">
+                  <p:tgtEl>
+                    <p:sldTgt/>
+                  </p:tgtEl>
+                </p:cond>
+              </p:nextCondLst>
+            </p:seq>
+          </p:childTnLst>
+        </p:cTn>
+      </p:par>
+    </p:tnLst>
+    <p:bldLst>
+      <p:bldP spid="26" grpId="0" animBg="1"/>
+    </p:bldLst>
+  </p:timing>
+</p:sld>
+</file>
+
 <file path=ppt/slides/slide6.xml><?xml version="1.0" encoding="utf-8"?>
 <p:sld xmlns:a="http://schemas.openxmlformats.org/drawingml/2006/main" xmlns:r="http://schemas.openxmlformats.org/officeDocument/2006/relationships" xmlns:p="http://schemas.openxmlformats.org/presentationml/2006/main">
   <p:cSld>
@@ -11613,6 +12581,2356 @@
       </p:par>
     </p:tnLst>
   </p:timing>
+</p:sld>
+</file>
+
+<file path=ppt/slides/slide7.xml><?xml version="1.0" encoding="utf-8"?>
+<p:sld xmlns:a="http://schemas.openxmlformats.org/drawingml/2006/main" xmlns:r="http://schemas.openxmlformats.org/officeDocument/2006/relationships" xmlns:p="http://schemas.openxmlformats.org/presentationml/2006/main">
+  <p:cSld>
+    <p:spTree>
+      <p:nvGrpSpPr>
+        <p:cNvPr id="1" name=""/>
+        <p:cNvGrpSpPr/>
+        <p:nvPr/>
+      </p:nvGrpSpPr>
+      <p:grpSpPr>
+        <a:xfrm>
+          <a:off x="0" y="0"/>
+          <a:ext cx="0" cy="0"/>
+          <a:chOff x="0" y="0"/>
+          <a:chExt cx="0" cy="0"/>
+        </a:xfrm>
+      </p:grpSpPr>
+      <p:sp>
+        <p:nvSpPr>
+          <p:cNvPr id="2" name="Title 1"/>
+          <p:cNvSpPr>
+            <a:spLocks noGrp="1"/>
+          </p:cNvSpPr>
+          <p:nvPr>
+            <p:ph type="title"/>
+          </p:nvPr>
+        </p:nvSpPr>
+        <p:spPr/>
+        <p:txBody>
+          <a:bodyPr/>
+          <a:lstStyle/>
+          <a:p>
+            <a:r>
+              <a:rPr lang="en-US" dirty="0" smtClean="0"/>
+              <a:t>The View from the Cloud</a:t>
+            </a:r>
+            <a:endParaRPr lang="en-US" dirty="0"/>
+          </a:p>
+        </p:txBody>
+      </p:sp>
+      <p:sp>
+        <p:nvSpPr>
+          <p:cNvPr id="4" name="Cloud 3"/>
+          <p:cNvSpPr/>
+          <p:nvPr/>
+        </p:nvSpPr>
+        <p:spPr>
+          <a:xfrm>
+            <a:off x="796413" y="2035277"/>
+            <a:ext cx="7305368" cy="3687097"/>
+          </a:xfrm>
+          <a:prstGeom prst="cloud">
+            <a:avLst/>
+          </a:prstGeom>
+        </p:spPr>
+        <p:style>
+          <a:lnRef idx="2">
+            <a:schemeClr val="accent1">
+              <a:shade val="50000"/>
+            </a:schemeClr>
+          </a:lnRef>
+          <a:fillRef idx="1">
+            <a:schemeClr val="accent1"/>
+          </a:fillRef>
+          <a:effectRef idx="0">
+            <a:schemeClr val="accent1"/>
+          </a:effectRef>
+          <a:fontRef idx="minor">
+            <a:schemeClr val="lt1"/>
+          </a:fontRef>
+        </p:style>
+        <p:txBody>
+          <a:bodyPr rtlCol="0" anchor="t"/>
+          <a:lstStyle/>
+          <a:p>
+            <a:pPr algn="r"/>
+            <a:r>
+              <a:rPr lang="en-US" sz="2400" dirty="0" smtClean="0"/>
+              <a:t>AWS Cloud</a:t>
+            </a:r>
+            <a:endParaRPr lang="en-US" dirty="0"/>
+          </a:p>
+        </p:txBody>
+      </p:sp>
+      <p:grpSp>
+        <p:nvGrpSpPr>
+          <p:cNvPr id="6" name="Group 5"/>
+          <p:cNvGrpSpPr/>
+          <p:nvPr/>
+        </p:nvGrpSpPr>
+        <p:grpSpPr>
+          <a:xfrm>
+            <a:off x="470917" y="5060663"/>
+            <a:ext cx="935935" cy="1554596"/>
+            <a:chOff x="5063613" y="4847303"/>
+            <a:chExt cx="840562" cy="1396181"/>
+          </a:xfrm>
+        </p:grpSpPr>
+        <p:sp>
+          <p:nvSpPr>
+            <p:cNvPr id="11" name="Rounded Rectangle 10"/>
+            <p:cNvSpPr/>
+            <p:nvPr/>
+          </p:nvSpPr>
+          <p:spPr>
+            <a:xfrm>
+              <a:off x="5063613" y="4847303"/>
+              <a:ext cx="840562" cy="1396181"/>
+            </a:xfrm>
+            <a:prstGeom prst="roundRect">
+              <a:avLst/>
+            </a:prstGeom>
+          </p:spPr>
+          <p:style>
+            <a:lnRef idx="2">
+              <a:schemeClr val="accent3">
+                <a:shade val="50000"/>
+              </a:schemeClr>
+            </a:lnRef>
+            <a:fillRef idx="1">
+              <a:schemeClr val="accent3"/>
+            </a:fillRef>
+            <a:effectRef idx="0">
+              <a:schemeClr val="accent3"/>
+            </a:effectRef>
+            <a:fontRef idx="minor">
+              <a:schemeClr val="lt1"/>
+            </a:fontRef>
+          </p:style>
+          <p:txBody>
+            <a:bodyPr rtlCol="0" anchor="ctr"/>
+            <a:lstStyle/>
+            <a:p>
+              <a:pPr algn="ctr"/>
+              <a:endParaRPr lang="en-US"/>
+            </a:p>
+          </p:txBody>
+        </p:sp>
+        <p:sp>
+          <p:nvSpPr>
+            <p:cNvPr id="12" name="Rectangle 11"/>
+            <p:cNvSpPr/>
+            <p:nvPr/>
+          </p:nvSpPr>
+          <p:spPr>
+            <a:xfrm>
+              <a:off x="5166852" y="4925961"/>
+              <a:ext cx="634085" cy="1140542"/>
+            </a:xfrm>
+            <a:prstGeom prst="rect">
+              <a:avLst/>
+            </a:prstGeom>
+          </p:spPr>
+          <p:style>
+            <a:lnRef idx="2">
+              <a:schemeClr val="accent1">
+                <a:shade val="50000"/>
+              </a:schemeClr>
+            </a:lnRef>
+            <a:fillRef idx="1">
+              <a:schemeClr val="accent1"/>
+            </a:fillRef>
+            <a:effectRef idx="0">
+              <a:schemeClr val="accent1"/>
+            </a:effectRef>
+            <a:fontRef idx="minor">
+              <a:schemeClr val="lt1"/>
+            </a:fontRef>
+          </p:style>
+          <p:txBody>
+            <a:bodyPr rtlCol="0" anchor="ctr"/>
+            <a:lstStyle/>
+            <a:p>
+              <a:pPr algn="ctr"/>
+              <a:r>
+                <a:rPr lang="en-US" sz="1400" dirty="0" smtClean="0"/>
+                <a:t>Smart Phone</a:t>
+              </a:r>
+              <a:endParaRPr lang="en-US" sz="1400" dirty="0"/>
+            </a:p>
+          </p:txBody>
+        </p:sp>
+        <p:sp>
+          <p:nvSpPr>
+            <p:cNvPr id="13" name="Oval 12"/>
+            <p:cNvSpPr/>
+            <p:nvPr/>
+          </p:nvSpPr>
+          <p:spPr>
+            <a:xfrm>
+              <a:off x="5424204" y="6098540"/>
+              <a:ext cx="119380" cy="119380"/>
+            </a:xfrm>
+            <a:prstGeom prst="ellipse">
+              <a:avLst/>
+            </a:prstGeom>
+          </p:spPr>
+          <p:style>
+            <a:lnRef idx="2">
+              <a:schemeClr val="accent1">
+                <a:shade val="50000"/>
+              </a:schemeClr>
+            </a:lnRef>
+            <a:fillRef idx="1">
+              <a:schemeClr val="accent1"/>
+            </a:fillRef>
+            <a:effectRef idx="0">
+              <a:schemeClr val="accent1"/>
+            </a:effectRef>
+            <a:fontRef idx="minor">
+              <a:schemeClr val="lt1"/>
+            </a:fontRef>
+          </p:style>
+          <p:txBody>
+            <a:bodyPr rtlCol="0" anchor="ctr"/>
+            <a:lstStyle/>
+            <a:p>
+              <a:pPr algn="ctr"/>
+              <a:endParaRPr lang="en-US"/>
+            </a:p>
+          </p:txBody>
+        </p:sp>
+      </p:grpSp>
+      <p:sp>
+        <p:nvSpPr>
+          <p:cNvPr id="18" name="Rectangle 17"/>
+          <p:cNvSpPr/>
+          <p:nvPr/>
+        </p:nvSpPr>
+        <p:spPr>
+          <a:xfrm>
+            <a:off x="2118360" y="2583180"/>
+            <a:ext cx="1714500" cy="894980"/>
+          </a:xfrm>
+          <a:prstGeom prst="rect">
+            <a:avLst/>
+          </a:prstGeom>
+          <a:solidFill>
+            <a:schemeClr val="accent3"/>
+          </a:solidFill>
+        </p:spPr>
+        <p:style>
+          <a:lnRef idx="2">
+            <a:schemeClr val="accent1">
+              <a:shade val="50000"/>
+            </a:schemeClr>
+          </a:lnRef>
+          <a:fillRef idx="1">
+            <a:schemeClr val="accent1"/>
+          </a:fillRef>
+          <a:effectRef idx="0">
+            <a:schemeClr val="accent1"/>
+          </a:effectRef>
+          <a:fontRef idx="minor">
+            <a:schemeClr val="lt1"/>
+          </a:fontRef>
+        </p:style>
+        <p:txBody>
+          <a:bodyPr rtlCol="0" anchor="t"/>
+          <a:lstStyle/>
+          <a:p>
+            <a:pPr algn="r"/>
+            <a:r>
+              <a:rPr lang="en-US" dirty="0" smtClean="0"/>
+              <a:t>VistA</a:t>
+            </a:r>
+            <a:br>
+              <a:rPr lang="en-US" dirty="0" smtClean="0"/>
+            </a:br>
+            <a:r>
+              <a:rPr lang="en-US" sz="1200" dirty="0" smtClean="0"/>
+              <a:t>Linux</a:t>
+            </a:r>
+            <a:endParaRPr lang="en-US" sz="1200" dirty="0"/>
+          </a:p>
+        </p:txBody>
+      </p:sp>
+      <p:sp>
+        <p:nvSpPr>
+          <p:cNvPr id="19" name="Flowchart: Magnetic Disk 18"/>
+          <p:cNvSpPr/>
+          <p:nvPr/>
+        </p:nvSpPr>
+        <p:spPr>
+          <a:xfrm>
+            <a:off x="2225040" y="2804159"/>
+            <a:ext cx="632460" cy="531667"/>
+          </a:xfrm>
+          <a:prstGeom prst="flowChartMagneticDisk">
+            <a:avLst/>
+          </a:prstGeom>
+        </p:spPr>
+        <p:style>
+          <a:lnRef idx="2">
+            <a:schemeClr val="accent1">
+              <a:shade val="50000"/>
+            </a:schemeClr>
+          </a:lnRef>
+          <a:fillRef idx="1">
+            <a:schemeClr val="accent1"/>
+          </a:fillRef>
+          <a:effectRef idx="0">
+            <a:schemeClr val="accent1"/>
+          </a:effectRef>
+          <a:fontRef idx="minor">
+            <a:schemeClr val="lt1"/>
+          </a:fontRef>
+        </p:style>
+        <p:txBody>
+          <a:bodyPr rtlCol="0" anchor="ctr"/>
+          <a:lstStyle/>
+          <a:p>
+            <a:pPr algn="ctr"/>
+            <a:r>
+              <a:rPr lang="en-US" sz="1100" dirty="0" smtClean="0"/>
+              <a:t>Mumps</a:t>
+            </a:r>
+            <a:endParaRPr lang="en-US" sz="1100" dirty="0"/>
+          </a:p>
+        </p:txBody>
+      </p:sp>
+      <p:sp>
+        <p:nvSpPr>
+          <p:cNvPr id="20" name="Rectangle 19"/>
+          <p:cNvSpPr/>
+          <p:nvPr/>
+        </p:nvSpPr>
+        <p:spPr>
+          <a:xfrm>
+            <a:off x="3068043" y="3131820"/>
+            <a:ext cx="703857" cy="266700"/>
+          </a:xfrm>
+          <a:prstGeom prst="rect">
+            <a:avLst/>
+          </a:prstGeom>
+        </p:spPr>
+        <p:style>
+          <a:lnRef idx="2">
+            <a:schemeClr val="accent1">
+              <a:shade val="50000"/>
+            </a:schemeClr>
+          </a:lnRef>
+          <a:fillRef idx="1">
+            <a:schemeClr val="accent1"/>
+          </a:fillRef>
+          <a:effectRef idx="0">
+            <a:schemeClr val="accent1"/>
+          </a:effectRef>
+          <a:fontRef idx="minor">
+            <a:schemeClr val="lt1"/>
+          </a:fontRef>
+        </p:style>
+        <p:txBody>
+          <a:bodyPr rtlCol="0" anchor="ctr"/>
+          <a:lstStyle/>
+          <a:p>
+            <a:pPr algn="ctr"/>
+            <a:r>
+              <a:rPr lang="en-US" sz="1200" dirty="0" smtClean="0"/>
+              <a:t>EWD.js</a:t>
+            </a:r>
+            <a:endParaRPr lang="en-US" sz="1200" dirty="0"/>
+          </a:p>
+        </p:txBody>
+      </p:sp>
+      <p:sp>
+        <p:nvSpPr>
+          <p:cNvPr id="21" name="Rectangle 20"/>
+          <p:cNvSpPr/>
+          <p:nvPr/>
+        </p:nvSpPr>
+        <p:spPr>
+          <a:xfrm>
+            <a:off x="3068043" y="4270640"/>
+            <a:ext cx="2019300" cy="613533"/>
+          </a:xfrm>
+          <a:prstGeom prst="rect">
+            <a:avLst/>
+          </a:prstGeom>
+          <a:solidFill>
+            <a:schemeClr val="accent3"/>
+          </a:solidFill>
+        </p:spPr>
+        <p:style>
+          <a:lnRef idx="2">
+            <a:schemeClr val="accent1">
+              <a:shade val="50000"/>
+            </a:schemeClr>
+          </a:lnRef>
+          <a:fillRef idx="1">
+            <a:schemeClr val="accent1"/>
+          </a:fillRef>
+          <a:effectRef idx="0">
+            <a:schemeClr val="accent1"/>
+          </a:effectRef>
+          <a:fontRef idx="minor">
+            <a:schemeClr val="lt1"/>
+          </a:fontRef>
+        </p:style>
+        <p:txBody>
+          <a:bodyPr rtlCol="0" anchor="t"/>
+          <a:lstStyle/>
+          <a:p>
+            <a:pPr algn="ctr"/>
+            <a:r>
+              <a:rPr lang="en-US" dirty="0" smtClean="0"/>
+              <a:t>Veni Middle Tier</a:t>
+            </a:r>
+            <a:br>
+              <a:rPr lang="en-US" dirty="0" smtClean="0"/>
+            </a:br>
+            <a:r>
+              <a:rPr lang="en-US" sz="1200" dirty="0" smtClean="0"/>
+              <a:t>Windows/ASP.NET/</a:t>
+            </a:r>
+            <a:r>
+              <a:rPr lang="en-US" sz="1200" dirty="0" err="1" smtClean="0"/>
+              <a:t>WebAPI</a:t>
+            </a:r>
+            <a:endParaRPr lang="en-US" dirty="0"/>
+          </a:p>
+        </p:txBody>
+      </p:sp>
+      <p:sp>
+        <p:nvSpPr>
+          <p:cNvPr id="22" name="Rectangle 21"/>
+          <p:cNvSpPr/>
+          <p:nvPr/>
+        </p:nvSpPr>
+        <p:spPr>
+          <a:xfrm>
+            <a:off x="5417820" y="3099250"/>
+            <a:ext cx="1859526" cy="642170"/>
+          </a:xfrm>
+          <a:prstGeom prst="rect">
+            <a:avLst/>
+          </a:prstGeom>
+          <a:solidFill>
+            <a:schemeClr val="accent3"/>
+          </a:solidFill>
+        </p:spPr>
+        <p:style>
+          <a:lnRef idx="2">
+            <a:schemeClr val="accent1">
+              <a:shade val="50000"/>
+            </a:schemeClr>
+          </a:lnRef>
+          <a:fillRef idx="1">
+            <a:schemeClr val="accent1"/>
+          </a:fillRef>
+          <a:effectRef idx="0">
+            <a:schemeClr val="accent1"/>
+          </a:effectRef>
+          <a:fontRef idx="minor">
+            <a:schemeClr val="lt1"/>
+          </a:fontRef>
+        </p:style>
+        <p:txBody>
+          <a:bodyPr rtlCol="0" anchor="ctr"/>
+          <a:lstStyle/>
+          <a:p>
+            <a:pPr algn="r"/>
+            <a:r>
+              <a:rPr lang="en-US" dirty="0" smtClean="0"/>
+              <a:t>AWS RDB</a:t>
+            </a:r>
+            <a:br>
+              <a:rPr lang="en-US" dirty="0" smtClean="0"/>
+            </a:br>
+            <a:r>
+              <a:rPr lang="en-US" sz="1200" dirty="0" smtClean="0"/>
+              <a:t>Windows</a:t>
+            </a:r>
+            <a:endParaRPr lang="en-US" dirty="0"/>
+          </a:p>
+        </p:txBody>
+      </p:sp>
+      <p:sp>
+        <p:nvSpPr>
+          <p:cNvPr id="23" name="Flowchart: Magnetic Disk 22"/>
+          <p:cNvSpPr/>
+          <p:nvPr/>
+        </p:nvSpPr>
+        <p:spPr>
+          <a:xfrm>
+            <a:off x="5487251" y="3162755"/>
+            <a:ext cx="632460" cy="531667"/>
+          </a:xfrm>
+          <a:prstGeom prst="flowChartMagneticDisk">
+            <a:avLst/>
+          </a:prstGeom>
+        </p:spPr>
+        <p:style>
+          <a:lnRef idx="2">
+            <a:schemeClr val="accent1">
+              <a:shade val="50000"/>
+            </a:schemeClr>
+          </a:lnRef>
+          <a:fillRef idx="1">
+            <a:schemeClr val="accent1"/>
+          </a:fillRef>
+          <a:effectRef idx="0">
+            <a:schemeClr val="accent1"/>
+          </a:effectRef>
+          <a:fontRef idx="minor">
+            <a:schemeClr val="lt1"/>
+          </a:fontRef>
+        </p:style>
+        <p:txBody>
+          <a:bodyPr rtlCol="0" anchor="ctr"/>
+          <a:lstStyle/>
+          <a:p>
+            <a:pPr algn="ctr"/>
+            <a:r>
+              <a:rPr lang="en-US" sz="1100" dirty="0" smtClean="0"/>
+              <a:t>SQL Server</a:t>
+            </a:r>
+            <a:endParaRPr lang="en-US" sz="1100" dirty="0"/>
+          </a:p>
+        </p:txBody>
+      </p:sp>
+      <p:cxnSp>
+        <p:nvCxnSpPr>
+          <p:cNvPr id="25" name="Straight Connector 24"/>
+          <p:cNvCxnSpPr>
+            <a:stCxn id="11" idx="0"/>
+            <a:endCxn id="21" idx="1"/>
+          </p:cNvCxnSpPr>
+          <p:nvPr/>
+        </p:nvCxnSpPr>
+        <p:spPr>
+          <a:xfrm flipV="1">
+            <a:off x="938885" y="4577407"/>
+            <a:ext cx="2129158" cy="483256"/>
+          </a:xfrm>
+          <a:prstGeom prst="line">
+            <a:avLst/>
+          </a:prstGeom>
+          <a:ln w="31750"/>
+        </p:spPr>
+        <p:style>
+          <a:lnRef idx="3">
+            <a:schemeClr val="accent3"/>
+          </a:lnRef>
+          <a:fillRef idx="0">
+            <a:schemeClr val="accent3"/>
+          </a:fillRef>
+          <a:effectRef idx="2">
+            <a:schemeClr val="accent3"/>
+          </a:effectRef>
+          <a:fontRef idx="minor">
+            <a:schemeClr val="tx1"/>
+          </a:fontRef>
+        </p:style>
+      </p:cxnSp>
+      <p:cxnSp>
+        <p:nvCxnSpPr>
+          <p:cNvPr id="26" name="Straight Connector 25"/>
+          <p:cNvCxnSpPr/>
+          <p:nvPr/>
+        </p:nvCxnSpPr>
+        <p:spPr>
+          <a:xfrm flipV="1">
+            <a:off x="5087343" y="3709464"/>
+            <a:ext cx="716138" cy="928904"/>
+          </a:xfrm>
+          <a:prstGeom prst="line">
+            <a:avLst/>
+          </a:prstGeom>
+          <a:ln w="31750"/>
+        </p:spPr>
+        <p:style>
+          <a:lnRef idx="3">
+            <a:schemeClr val="accent3"/>
+          </a:lnRef>
+          <a:fillRef idx="0">
+            <a:schemeClr val="accent3"/>
+          </a:fillRef>
+          <a:effectRef idx="2">
+            <a:schemeClr val="accent3"/>
+          </a:effectRef>
+          <a:fontRef idx="minor">
+            <a:schemeClr val="tx1"/>
+          </a:fontRef>
+        </p:style>
+      </p:cxnSp>
+      <p:cxnSp>
+        <p:nvCxnSpPr>
+          <p:cNvPr id="30" name="Straight Connector 29"/>
+          <p:cNvCxnSpPr>
+            <a:stCxn id="21" idx="0"/>
+            <a:endCxn id="20" idx="2"/>
+          </p:cNvCxnSpPr>
+          <p:nvPr/>
+        </p:nvCxnSpPr>
+        <p:spPr>
+          <a:xfrm flipH="1" flipV="1">
+            <a:off x="3419972" y="3398520"/>
+            <a:ext cx="657721" cy="872120"/>
+          </a:xfrm>
+          <a:prstGeom prst="line">
+            <a:avLst/>
+          </a:prstGeom>
+          <a:ln w="31750"/>
+        </p:spPr>
+        <p:style>
+          <a:lnRef idx="3">
+            <a:schemeClr val="accent3"/>
+          </a:lnRef>
+          <a:fillRef idx="0">
+            <a:schemeClr val="accent3"/>
+          </a:fillRef>
+          <a:effectRef idx="2">
+            <a:schemeClr val="accent3"/>
+          </a:effectRef>
+          <a:fontRef idx="minor">
+            <a:schemeClr val="tx1"/>
+          </a:fontRef>
+        </p:style>
+      </p:cxnSp>
+      <p:sp>
+        <p:nvSpPr>
+          <p:cNvPr id="34" name="Oval 33"/>
+          <p:cNvSpPr/>
+          <p:nvPr/>
+        </p:nvSpPr>
+        <p:spPr>
+          <a:xfrm>
+            <a:off x="1813560" y="2339340"/>
+            <a:ext cx="2324100" cy="1402080"/>
+          </a:xfrm>
+          <a:prstGeom prst="ellipse">
+            <a:avLst/>
+          </a:prstGeom>
+          <a:noFill/>
+          <a:ln w="31750">
+            <a:solidFill>
+              <a:schemeClr val="accent6">
+                <a:lumMod val="75000"/>
+              </a:schemeClr>
+            </a:solidFill>
+          </a:ln>
+        </p:spPr>
+        <p:style>
+          <a:lnRef idx="2">
+            <a:schemeClr val="accent3"/>
+          </a:lnRef>
+          <a:fillRef idx="1">
+            <a:schemeClr val="lt1"/>
+          </a:fillRef>
+          <a:effectRef idx="0">
+            <a:schemeClr val="accent3"/>
+          </a:effectRef>
+          <a:fontRef idx="minor">
+            <a:schemeClr val="dk1"/>
+          </a:fontRef>
+        </p:style>
+        <p:txBody>
+          <a:bodyPr rtlCol="0" anchor="ctr"/>
+          <a:lstStyle/>
+          <a:p>
+            <a:pPr algn="ctr"/>
+            <a:endParaRPr lang="en-US"/>
+          </a:p>
+        </p:txBody>
+      </p:sp>
+      <p:sp>
+        <p:nvSpPr>
+          <p:cNvPr id="35" name="Oval 34"/>
+          <p:cNvSpPr/>
+          <p:nvPr/>
+        </p:nvSpPr>
+        <p:spPr>
+          <a:xfrm>
+            <a:off x="5197346" y="2743312"/>
+            <a:ext cx="2324100" cy="1402080"/>
+          </a:xfrm>
+          <a:prstGeom prst="ellipse">
+            <a:avLst/>
+          </a:prstGeom>
+          <a:noFill/>
+          <a:ln w="31750">
+            <a:solidFill>
+              <a:schemeClr val="accent6">
+                <a:lumMod val="75000"/>
+              </a:schemeClr>
+            </a:solidFill>
+          </a:ln>
+        </p:spPr>
+        <p:style>
+          <a:lnRef idx="2">
+            <a:schemeClr val="accent3"/>
+          </a:lnRef>
+          <a:fillRef idx="1">
+            <a:schemeClr val="lt1"/>
+          </a:fillRef>
+          <a:effectRef idx="0">
+            <a:schemeClr val="accent3"/>
+          </a:effectRef>
+          <a:fontRef idx="minor">
+            <a:schemeClr val="dk1"/>
+          </a:fontRef>
+        </p:style>
+        <p:txBody>
+          <a:bodyPr rtlCol="0" anchor="ctr"/>
+          <a:lstStyle/>
+          <a:p>
+            <a:pPr algn="ctr"/>
+            <a:endParaRPr lang="en-US"/>
+          </a:p>
+        </p:txBody>
+      </p:sp>
+      <p:sp>
+        <p:nvSpPr>
+          <p:cNvPr id="36" name="Oval 35"/>
+          <p:cNvSpPr/>
+          <p:nvPr/>
+        </p:nvSpPr>
+        <p:spPr>
+          <a:xfrm>
+            <a:off x="2915643" y="3878457"/>
+            <a:ext cx="2324100" cy="1402080"/>
+          </a:xfrm>
+          <a:prstGeom prst="ellipse">
+            <a:avLst/>
+          </a:prstGeom>
+          <a:noFill/>
+          <a:ln w="31750">
+            <a:solidFill>
+              <a:schemeClr val="accent6">
+                <a:lumMod val="75000"/>
+              </a:schemeClr>
+            </a:solidFill>
+          </a:ln>
+        </p:spPr>
+        <p:style>
+          <a:lnRef idx="2">
+            <a:schemeClr val="accent3"/>
+          </a:lnRef>
+          <a:fillRef idx="1">
+            <a:schemeClr val="lt1"/>
+          </a:fillRef>
+          <a:effectRef idx="0">
+            <a:schemeClr val="accent3"/>
+          </a:effectRef>
+          <a:fontRef idx="minor">
+            <a:schemeClr val="dk1"/>
+          </a:fontRef>
+        </p:style>
+        <p:txBody>
+          <a:bodyPr rtlCol="0" anchor="ctr"/>
+          <a:lstStyle/>
+          <a:p>
+            <a:pPr algn="ctr"/>
+            <a:endParaRPr lang="en-US"/>
+          </a:p>
+        </p:txBody>
+      </p:sp>
+      <p:grpSp>
+        <p:nvGrpSpPr>
+          <p:cNvPr id="59" name="Group 58"/>
+          <p:cNvGrpSpPr/>
+          <p:nvPr/>
+        </p:nvGrpSpPr>
+        <p:grpSpPr>
+          <a:xfrm>
+            <a:off x="3832860" y="3058506"/>
+            <a:ext cx="5181108" cy="3624045"/>
+            <a:chOff x="3832860" y="3058506"/>
+            <a:chExt cx="5181108" cy="3624045"/>
+          </a:xfrm>
+        </p:grpSpPr>
+        <p:sp>
+          <p:nvSpPr>
+            <p:cNvPr id="14" name="Rectangle 13"/>
+            <p:cNvSpPr/>
+            <p:nvPr/>
+          </p:nvSpPr>
+          <p:spPr>
+            <a:xfrm>
+              <a:off x="7384026" y="5288526"/>
+              <a:ext cx="1317522" cy="816077"/>
+            </a:xfrm>
+            <a:prstGeom prst="rect">
+              <a:avLst/>
+            </a:prstGeom>
+            <a:solidFill>
+              <a:schemeClr val="accent3"/>
+            </a:solidFill>
+          </p:spPr>
+          <p:style>
+            <a:lnRef idx="2">
+              <a:schemeClr val="accent1">
+                <a:shade val="50000"/>
+              </a:schemeClr>
+            </a:lnRef>
+            <a:fillRef idx="1">
+              <a:schemeClr val="accent1"/>
+            </a:fillRef>
+            <a:effectRef idx="0">
+              <a:schemeClr val="accent1"/>
+            </a:effectRef>
+            <a:fontRef idx="minor">
+              <a:schemeClr val="lt1"/>
+            </a:fontRef>
+          </p:style>
+          <p:txBody>
+            <a:bodyPr rtlCol="0" anchor="ctr"/>
+            <a:lstStyle/>
+            <a:p>
+              <a:pPr algn="ctr"/>
+              <a:endParaRPr lang="en-US"/>
+            </a:p>
+          </p:txBody>
+        </p:sp>
+        <p:sp>
+          <p:nvSpPr>
+            <p:cNvPr id="15" name="Rectangle 14"/>
+            <p:cNvSpPr/>
+            <p:nvPr/>
+          </p:nvSpPr>
+          <p:spPr>
+            <a:xfrm>
+              <a:off x="7185906" y="6162134"/>
+              <a:ext cx="1828062" cy="520417"/>
+            </a:xfrm>
+            <a:custGeom>
+              <a:avLst/>
+              <a:gdLst>
+                <a:gd name="connsiteX0" fmla="*/ 0 w 1317522"/>
+                <a:gd name="connsiteY0" fmla="*/ 0 h 520417"/>
+                <a:gd name="connsiteX1" fmla="*/ 1317522 w 1317522"/>
+                <a:gd name="connsiteY1" fmla="*/ 0 h 520417"/>
+                <a:gd name="connsiteX2" fmla="*/ 1317522 w 1317522"/>
+                <a:gd name="connsiteY2" fmla="*/ 520417 h 520417"/>
+                <a:gd name="connsiteX3" fmla="*/ 0 w 1317522"/>
+                <a:gd name="connsiteY3" fmla="*/ 520417 h 520417"/>
+                <a:gd name="connsiteX4" fmla="*/ 0 w 1317522"/>
+                <a:gd name="connsiteY4" fmla="*/ 0 h 520417"/>
+                <a:gd name="connsiteX0" fmla="*/ 198120 w 1515642"/>
+                <a:gd name="connsiteY0" fmla="*/ 0 h 520417"/>
+                <a:gd name="connsiteX1" fmla="*/ 1515642 w 1515642"/>
+                <a:gd name="connsiteY1" fmla="*/ 0 h 520417"/>
+                <a:gd name="connsiteX2" fmla="*/ 1515642 w 1515642"/>
+                <a:gd name="connsiteY2" fmla="*/ 520417 h 520417"/>
+                <a:gd name="connsiteX3" fmla="*/ 0 w 1515642"/>
+                <a:gd name="connsiteY3" fmla="*/ 520417 h 520417"/>
+                <a:gd name="connsiteX4" fmla="*/ 198120 w 1515642"/>
+                <a:gd name="connsiteY4" fmla="*/ 0 h 520417"/>
+                <a:gd name="connsiteX0" fmla="*/ 198120 w 1828062"/>
+                <a:gd name="connsiteY0" fmla="*/ 0 h 520417"/>
+                <a:gd name="connsiteX1" fmla="*/ 1515642 w 1828062"/>
+                <a:gd name="connsiteY1" fmla="*/ 0 h 520417"/>
+                <a:gd name="connsiteX2" fmla="*/ 1828062 w 1828062"/>
+                <a:gd name="connsiteY2" fmla="*/ 512797 h 520417"/>
+                <a:gd name="connsiteX3" fmla="*/ 0 w 1828062"/>
+                <a:gd name="connsiteY3" fmla="*/ 520417 h 520417"/>
+                <a:gd name="connsiteX4" fmla="*/ 198120 w 1828062"/>
+                <a:gd name="connsiteY4" fmla="*/ 0 h 520417"/>
+              </a:gdLst>
+              <a:ahLst/>
+              <a:cxnLst>
+                <a:cxn ang="0">
+                  <a:pos x="connsiteX0" y="connsiteY0"/>
+                </a:cxn>
+                <a:cxn ang="0">
+                  <a:pos x="connsiteX1" y="connsiteY1"/>
+                </a:cxn>
+                <a:cxn ang="0">
+                  <a:pos x="connsiteX2" y="connsiteY2"/>
+                </a:cxn>
+                <a:cxn ang="0">
+                  <a:pos x="connsiteX3" y="connsiteY3"/>
+                </a:cxn>
+                <a:cxn ang="0">
+                  <a:pos x="connsiteX4" y="connsiteY4"/>
+                </a:cxn>
+              </a:cxnLst>
+              <a:rect l="l" t="t" r="r" b="b"/>
+              <a:pathLst>
+                <a:path w="1828062" h="520417">
+                  <a:moveTo>
+                    <a:pt x="198120" y="0"/>
+                  </a:moveTo>
+                  <a:lnTo>
+                    <a:pt x="1515642" y="0"/>
+                  </a:lnTo>
+                  <a:lnTo>
+                    <a:pt x="1828062" y="512797"/>
+                  </a:lnTo>
+                  <a:lnTo>
+                    <a:pt x="0" y="520417"/>
+                  </a:lnTo>
+                  <a:lnTo>
+                    <a:pt x="198120" y="0"/>
+                  </a:lnTo>
+                  <a:close/>
+                </a:path>
+              </a:pathLst>
+            </a:custGeom>
+            <a:solidFill>
+              <a:schemeClr val="accent3"/>
+            </a:solidFill>
+          </p:spPr>
+          <p:style>
+            <a:lnRef idx="2">
+              <a:schemeClr val="accent1">
+                <a:shade val="50000"/>
+              </a:schemeClr>
+            </a:lnRef>
+            <a:fillRef idx="1">
+              <a:schemeClr val="accent1"/>
+            </a:fillRef>
+            <a:effectRef idx="0">
+              <a:schemeClr val="accent1"/>
+            </a:effectRef>
+            <a:fontRef idx="minor">
+              <a:schemeClr val="lt1"/>
+            </a:fontRef>
+          </p:style>
+          <p:txBody>
+            <a:bodyPr rtlCol="0" anchor="ctr"/>
+            <a:lstStyle/>
+            <a:p>
+              <a:pPr algn="ctr"/>
+              <a:endParaRPr lang="en-US"/>
+            </a:p>
+          </p:txBody>
+        </p:sp>
+        <p:sp>
+          <p:nvSpPr>
+            <p:cNvPr id="16" name="Rectangle 15"/>
+            <p:cNvSpPr/>
+            <p:nvPr/>
+          </p:nvSpPr>
+          <p:spPr>
+            <a:xfrm>
+              <a:off x="7498080" y="5410200"/>
+              <a:ext cx="1089660" cy="609601"/>
+            </a:xfrm>
+            <a:prstGeom prst="rect">
+              <a:avLst/>
+            </a:prstGeom>
+          </p:spPr>
+          <p:style>
+            <a:lnRef idx="2">
+              <a:schemeClr val="accent1">
+                <a:shade val="50000"/>
+              </a:schemeClr>
+            </a:lnRef>
+            <a:fillRef idx="1">
+              <a:schemeClr val="accent1"/>
+            </a:fillRef>
+            <a:effectRef idx="0">
+              <a:schemeClr val="accent1"/>
+            </a:effectRef>
+            <a:fontRef idx="minor">
+              <a:schemeClr val="lt1"/>
+            </a:fontRef>
+          </p:style>
+          <p:txBody>
+            <a:bodyPr rtlCol="0" anchor="ctr"/>
+            <a:lstStyle/>
+            <a:p>
+              <a:pPr algn="ctr"/>
+              <a:r>
+                <a:rPr lang="en-US" sz="1400" dirty="0" smtClean="0"/>
+                <a:t>Admin</a:t>
+              </a:r>
+            </a:p>
+            <a:p>
+              <a:pPr algn="ctr"/>
+              <a:r>
+                <a:rPr lang="en-US" sz="1400" dirty="0" smtClean="0"/>
+                <a:t>Terminal</a:t>
+              </a:r>
+              <a:r>
+                <a:rPr lang="en-US" sz="1050" dirty="0" smtClean="0"/>
+                <a:t/>
+              </a:r>
+              <a:br>
+                <a:rPr lang="en-US" sz="1050" dirty="0" smtClean="0"/>
+              </a:br>
+              <a:r>
+                <a:rPr lang="en-US" sz="800" dirty="0" smtClean="0"/>
+                <a:t>Specific IP Address</a:t>
+              </a:r>
+              <a:endParaRPr lang="en-US" sz="1400" dirty="0"/>
+            </a:p>
+          </p:txBody>
+        </p:sp>
+        <p:sp>
+          <p:nvSpPr>
+            <p:cNvPr id="17" name="Rectangle 14"/>
+            <p:cNvSpPr/>
+            <p:nvPr/>
+          </p:nvSpPr>
+          <p:spPr>
+            <a:xfrm>
+              <a:off x="7277346" y="6246055"/>
+              <a:ext cx="1599954" cy="340740"/>
+            </a:xfrm>
+            <a:custGeom>
+              <a:avLst/>
+              <a:gdLst>
+                <a:gd name="connsiteX0" fmla="*/ 0 w 1317522"/>
+                <a:gd name="connsiteY0" fmla="*/ 0 h 520417"/>
+                <a:gd name="connsiteX1" fmla="*/ 1317522 w 1317522"/>
+                <a:gd name="connsiteY1" fmla="*/ 0 h 520417"/>
+                <a:gd name="connsiteX2" fmla="*/ 1317522 w 1317522"/>
+                <a:gd name="connsiteY2" fmla="*/ 520417 h 520417"/>
+                <a:gd name="connsiteX3" fmla="*/ 0 w 1317522"/>
+                <a:gd name="connsiteY3" fmla="*/ 520417 h 520417"/>
+                <a:gd name="connsiteX4" fmla="*/ 0 w 1317522"/>
+                <a:gd name="connsiteY4" fmla="*/ 0 h 520417"/>
+                <a:gd name="connsiteX0" fmla="*/ 198120 w 1515642"/>
+                <a:gd name="connsiteY0" fmla="*/ 0 h 520417"/>
+                <a:gd name="connsiteX1" fmla="*/ 1515642 w 1515642"/>
+                <a:gd name="connsiteY1" fmla="*/ 0 h 520417"/>
+                <a:gd name="connsiteX2" fmla="*/ 1515642 w 1515642"/>
+                <a:gd name="connsiteY2" fmla="*/ 520417 h 520417"/>
+                <a:gd name="connsiteX3" fmla="*/ 0 w 1515642"/>
+                <a:gd name="connsiteY3" fmla="*/ 520417 h 520417"/>
+                <a:gd name="connsiteX4" fmla="*/ 198120 w 1515642"/>
+                <a:gd name="connsiteY4" fmla="*/ 0 h 520417"/>
+                <a:gd name="connsiteX0" fmla="*/ 198120 w 1828062"/>
+                <a:gd name="connsiteY0" fmla="*/ 0 h 520417"/>
+                <a:gd name="connsiteX1" fmla="*/ 1515642 w 1828062"/>
+                <a:gd name="connsiteY1" fmla="*/ 0 h 520417"/>
+                <a:gd name="connsiteX2" fmla="*/ 1828062 w 1828062"/>
+                <a:gd name="connsiteY2" fmla="*/ 512797 h 520417"/>
+                <a:gd name="connsiteX3" fmla="*/ 0 w 1828062"/>
+                <a:gd name="connsiteY3" fmla="*/ 520417 h 520417"/>
+                <a:gd name="connsiteX4" fmla="*/ 198120 w 1828062"/>
+                <a:gd name="connsiteY4" fmla="*/ 0 h 520417"/>
+              </a:gdLst>
+              <a:ahLst/>
+              <a:cxnLst>
+                <a:cxn ang="0">
+                  <a:pos x="connsiteX0" y="connsiteY0"/>
+                </a:cxn>
+                <a:cxn ang="0">
+                  <a:pos x="connsiteX1" y="connsiteY1"/>
+                </a:cxn>
+                <a:cxn ang="0">
+                  <a:pos x="connsiteX2" y="connsiteY2"/>
+                </a:cxn>
+                <a:cxn ang="0">
+                  <a:pos x="connsiteX3" y="connsiteY3"/>
+                </a:cxn>
+                <a:cxn ang="0">
+                  <a:pos x="connsiteX4" y="connsiteY4"/>
+                </a:cxn>
+              </a:cxnLst>
+              <a:rect l="l" t="t" r="r" b="b"/>
+              <a:pathLst>
+                <a:path w="1828062" h="520417">
+                  <a:moveTo>
+                    <a:pt x="198120" y="0"/>
+                  </a:moveTo>
+                  <a:lnTo>
+                    <a:pt x="1515642" y="0"/>
+                  </a:lnTo>
+                  <a:lnTo>
+                    <a:pt x="1828062" y="512797"/>
+                  </a:lnTo>
+                  <a:lnTo>
+                    <a:pt x="0" y="520417"/>
+                  </a:lnTo>
+                  <a:lnTo>
+                    <a:pt x="198120" y="0"/>
+                  </a:lnTo>
+                  <a:close/>
+                </a:path>
+              </a:pathLst>
+            </a:custGeom>
+          </p:spPr>
+          <p:style>
+            <a:lnRef idx="2">
+              <a:schemeClr val="accent1">
+                <a:shade val="50000"/>
+              </a:schemeClr>
+            </a:lnRef>
+            <a:fillRef idx="1">
+              <a:schemeClr val="accent1"/>
+            </a:fillRef>
+            <a:effectRef idx="0">
+              <a:schemeClr val="accent1"/>
+            </a:effectRef>
+            <a:fontRef idx="minor">
+              <a:schemeClr val="lt1"/>
+            </a:fontRef>
+          </p:style>
+          <p:txBody>
+            <a:bodyPr rtlCol="0" anchor="ctr"/>
+            <a:lstStyle/>
+            <a:p>
+              <a:pPr algn="ctr"/>
+              <a:endParaRPr lang="en-US"/>
+            </a:p>
+          </p:txBody>
+        </p:sp>
+        <p:cxnSp>
+          <p:nvCxnSpPr>
+            <p:cNvPr id="37" name="Straight Connector 36"/>
+            <p:cNvCxnSpPr>
+              <a:stCxn id="21" idx="2"/>
+              <a:endCxn id="14" idx="0"/>
+            </p:cNvCxnSpPr>
+            <p:nvPr/>
+          </p:nvCxnSpPr>
+          <p:spPr>
+            <a:xfrm>
+              <a:off x="4077693" y="4884173"/>
+              <a:ext cx="3965094" cy="404353"/>
+            </a:xfrm>
+            <a:prstGeom prst="line">
+              <a:avLst/>
+            </a:prstGeom>
+            <a:ln w="15875">
+              <a:solidFill>
+                <a:schemeClr val="accent3">
+                  <a:lumMod val="60000"/>
+                  <a:lumOff val="40000"/>
+                </a:schemeClr>
+              </a:solidFill>
+            </a:ln>
+          </p:spPr>
+          <p:style>
+            <a:lnRef idx="3">
+              <a:schemeClr val="accent3"/>
+            </a:lnRef>
+            <a:fillRef idx="0">
+              <a:schemeClr val="accent3"/>
+            </a:fillRef>
+            <a:effectRef idx="2">
+              <a:schemeClr val="accent3"/>
+            </a:effectRef>
+            <a:fontRef idx="minor">
+              <a:schemeClr val="tx1"/>
+            </a:fontRef>
+          </p:style>
+        </p:cxnSp>
+        <p:cxnSp>
+          <p:nvCxnSpPr>
+            <p:cNvPr id="40" name="Straight Connector 39"/>
+            <p:cNvCxnSpPr>
+              <a:endCxn id="14" idx="0"/>
+            </p:cNvCxnSpPr>
+            <p:nvPr/>
+          </p:nvCxnSpPr>
+          <p:spPr>
+            <a:xfrm>
+              <a:off x="3832860" y="3058506"/>
+              <a:ext cx="4209927" cy="2230020"/>
+            </a:xfrm>
+            <a:prstGeom prst="line">
+              <a:avLst/>
+            </a:prstGeom>
+            <a:ln w="15875">
+              <a:solidFill>
+                <a:schemeClr val="accent3">
+                  <a:lumMod val="60000"/>
+                  <a:lumOff val="40000"/>
+                </a:schemeClr>
+              </a:solidFill>
+            </a:ln>
+          </p:spPr>
+          <p:style>
+            <a:lnRef idx="3">
+              <a:schemeClr val="accent3"/>
+            </a:lnRef>
+            <a:fillRef idx="0">
+              <a:schemeClr val="accent3"/>
+            </a:fillRef>
+            <a:effectRef idx="2">
+              <a:schemeClr val="accent3"/>
+            </a:effectRef>
+            <a:fontRef idx="minor">
+              <a:schemeClr val="tx1"/>
+            </a:fontRef>
+          </p:style>
+        </p:cxnSp>
+        <p:cxnSp>
+          <p:nvCxnSpPr>
+            <p:cNvPr id="43" name="Straight Connector 42"/>
+            <p:cNvCxnSpPr>
+              <a:endCxn id="14" idx="0"/>
+            </p:cNvCxnSpPr>
+            <p:nvPr/>
+          </p:nvCxnSpPr>
+          <p:spPr>
+            <a:xfrm>
+              <a:off x="6296701" y="3751953"/>
+              <a:ext cx="1746086" cy="1536573"/>
+            </a:xfrm>
+            <a:prstGeom prst="line">
+              <a:avLst/>
+            </a:prstGeom>
+            <a:ln w="15875">
+              <a:solidFill>
+                <a:schemeClr val="accent3">
+                  <a:lumMod val="60000"/>
+                  <a:lumOff val="40000"/>
+                </a:schemeClr>
+              </a:solidFill>
+            </a:ln>
+          </p:spPr>
+          <p:style>
+            <a:lnRef idx="3">
+              <a:schemeClr val="accent3"/>
+            </a:lnRef>
+            <a:fillRef idx="0">
+              <a:schemeClr val="accent3"/>
+            </a:fillRef>
+            <a:effectRef idx="2">
+              <a:schemeClr val="accent3"/>
+            </a:effectRef>
+            <a:fontRef idx="minor">
+              <a:schemeClr val="tx1"/>
+            </a:fontRef>
+          </p:style>
+        </p:cxnSp>
+      </p:grpSp>
+      <p:sp>
+        <p:nvSpPr>
+          <p:cNvPr id="50" name="TextBox 49"/>
+          <p:cNvSpPr txBox="1"/>
+          <p:nvPr/>
+        </p:nvSpPr>
+        <p:spPr>
+          <a:xfrm>
+            <a:off x="1467812" y="4656778"/>
+            <a:ext cx="825628" cy="461665"/>
+          </a:xfrm>
+          <a:prstGeom prst="rect">
+            <a:avLst/>
+          </a:prstGeom>
+          <a:noFill/>
+        </p:spPr>
+        <p:txBody>
+          <a:bodyPr wrap="square" rtlCol="0">
+            <a:spAutoFit/>
+          </a:bodyPr>
+          <a:lstStyle/>
+          <a:p>
+            <a:r>
+              <a:rPr lang="en-US" sz="1200" dirty="0" smtClean="0"/>
+              <a:t>HTTPS</a:t>
+            </a:r>
+          </a:p>
+          <a:p>
+            <a:r>
+              <a:rPr lang="en-US" sz="1200" dirty="0" smtClean="0"/>
+              <a:t>/ 443</a:t>
+            </a:r>
+            <a:endParaRPr lang="en-US" sz="1200" dirty="0"/>
+          </a:p>
+        </p:txBody>
+      </p:sp>
+      <p:sp>
+        <p:nvSpPr>
+          <p:cNvPr id="51" name="TextBox 50"/>
+          <p:cNvSpPr txBox="1"/>
+          <p:nvPr/>
+        </p:nvSpPr>
+        <p:spPr>
+          <a:xfrm>
+            <a:off x="3407059" y="3566908"/>
+            <a:ext cx="825628" cy="461665"/>
+          </a:xfrm>
+          <a:prstGeom prst="rect">
+            <a:avLst/>
+          </a:prstGeom>
+          <a:noFill/>
+        </p:spPr>
+        <p:txBody>
+          <a:bodyPr wrap="square" rtlCol="0">
+            <a:spAutoFit/>
+          </a:bodyPr>
+          <a:lstStyle/>
+          <a:p>
+            <a:r>
+              <a:rPr lang="en-US" sz="1200" dirty="0" smtClean="0"/>
+              <a:t>HTTPS</a:t>
+            </a:r>
+          </a:p>
+          <a:p>
+            <a:r>
+              <a:rPr lang="en-US" sz="1200" dirty="0" smtClean="0"/>
+              <a:t>/ 443</a:t>
+            </a:r>
+            <a:endParaRPr lang="en-US" sz="1200" dirty="0"/>
+          </a:p>
+        </p:txBody>
+      </p:sp>
+      <p:sp>
+        <p:nvSpPr>
+          <p:cNvPr id="52" name="TextBox 51"/>
+          <p:cNvSpPr txBox="1"/>
+          <p:nvPr/>
+        </p:nvSpPr>
+        <p:spPr>
+          <a:xfrm>
+            <a:off x="5220833" y="4151978"/>
+            <a:ext cx="825628" cy="461665"/>
+          </a:xfrm>
+          <a:prstGeom prst="rect">
+            <a:avLst/>
+          </a:prstGeom>
+          <a:noFill/>
+        </p:spPr>
+        <p:txBody>
+          <a:bodyPr wrap="square" rtlCol="0">
+            <a:spAutoFit/>
+          </a:bodyPr>
+          <a:lstStyle/>
+          <a:p>
+            <a:r>
+              <a:rPr lang="en-US" sz="1200" dirty="0" smtClean="0"/>
+              <a:t>MS-SQL</a:t>
+            </a:r>
+          </a:p>
+          <a:p>
+            <a:r>
+              <a:rPr lang="en-US" sz="1200" dirty="0" smtClean="0"/>
+              <a:t>/ 1433</a:t>
+            </a:r>
+            <a:endParaRPr lang="en-US" sz="1200" dirty="0"/>
+          </a:p>
+        </p:txBody>
+      </p:sp>
+      <p:sp>
+        <p:nvSpPr>
+          <p:cNvPr id="53" name="TextBox 52"/>
+          <p:cNvSpPr txBox="1"/>
+          <p:nvPr/>
+        </p:nvSpPr>
+        <p:spPr>
+          <a:xfrm>
+            <a:off x="5761854" y="4860030"/>
+            <a:ext cx="825628" cy="461665"/>
+          </a:xfrm>
+          <a:prstGeom prst="rect">
+            <a:avLst/>
+          </a:prstGeom>
+          <a:noFill/>
+        </p:spPr>
+        <p:txBody>
+          <a:bodyPr wrap="square" rtlCol="0">
+            <a:spAutoFit/>
+          </a:bodyPr>
+          <a:lstStyle/>
+          <a:p>
+            <a:r>
+              <a:rPr lang="en-US" sz="1200" dirty="0" smtClean="0"/>
+              <a:t>MS-RDP</a:t>
+            </a:r>
+          </a:p>
+          <a:p>
+            <a:r>
+              <a:rPr lang="en-US" sz="1200" dirty="0" smtClean="0"/>
+              <a:t>/ 3389</a:t>
+            </a:r>
+            <a:endParaRPr lang="en-US" sz="1200" dirty="0"/>
+          </a:p>
+        </p:txBody>
+      </p:sp>
+      <p:sp>
+        <p:nvSpPr>
+          <p:cNvPr id="57" name="TextBox 56"/>
+          <p:cNvSpPr txBox="1"/>
+          <p:nvPr/>
+        </p:nvSpPr>
+        <p:spPr>
+          <a:xfrm>
+            <a:off x="4154627" y="3003371"/>
+            <a:ext cx="825628" cy="461665"/>
+          </a:xfrm>
+          <a:prstGeom prst="rect">
+            <a:avLst/>
+          </a:prstGeom>
+          <a:noFill/>
+        </p:spPr>
+        <p:txBody>
+          <a:bodyPr wrap="square" rtlCol="0">
+            <a:spAutoFit/>
+          </a:bodyPr>
+          <a:lstStyle/>
+          <a:p>
+            <a:r>
+              <a:rPr lang="en-US" sz="1200" dirty="0" smtClean="0"/>
+              <a:t>HTTPS</a:t>
+            </a:r>
+          </a:p>
+          <a:p>
+            <a:r>
+              <a:rPr lang="en-US" sz="1200" dirty="0" smtClean="0"/>
+              <a:t>/ 443</a:t>
+            </a:r>
+            <a:endParaRPr lang="en-US" sz="1200" dirty="0"/>
+          </a:p>
+        </p:txBody>
+      </p:sp>
+      <p:sp>
+        <p:nvSpPr>
+          <p:cNvPr id="58" name="TextBox 57"/>
+          <p:cNvSpPr txBox="1"/>
+          <p:nvPr/>
+        </p:nvSpPr>
+        <p:spPr>
+          <a:xfrm>
+            <a:off x="6669558" y="3985913"/>
+            <a:ext cx="825628" cy="461665"/>
+          </a:xfrm>
+          <a:prstGeom prst="rect">
+            <a:avLst/>
+          </a:prstGeom>
+          <a:noFill/>
+        </p:spPr>
+        <p:txBody>
+          <a:bodyPr wrap="square" rtlCol="0">
+            <a:spAutoFit/>
+          </a:bodyPr>
+          <a:lstStyle/>
+          <a:p>
+            <a:r>
+              <a:rPr lang="en-US" sz="1200" dirty="0" smtClean="0"/>
+              <a:t>MS-SQL</a:t>
+            </a:r>
+          </a:p>
+          <a:p>
+            <a:r>
+              <a:rPr lang="en-US" sz="1200" dirty="0" smtClean="0"/>
+              <a:t>/ 1433</a:t>
+            </a:r>
+            <a:endParaRPr lang="en-US" sz="1200" dirty="0"/>
+          </a:p>
+        </p:txBody>
+      </p:sp>
+    </p:spTree>
+    <p:extLst>
+      <p:ext uri="{BB962C8B-B14F-4D97-AF65-F5344CB8AC3E}">
+        <p14:creationId xmlns:p14="http://schemas.microsoft.com/office/powerpoint/2010/main" val="2462176674"/>
+      </p:ext>
+    </p:extLst>
+  </p:cSld>
+  <p:clrMapOvr>
+    <a:masterClrMapping/>
+  </p:clrMapOvr>
+  <p:transition spd="slow">
+    <p:wipe dir="r"/>
+  </p:transition>
+  <p:timing>
+    <p:tnLst>
+      <p:par>
+        <p:cTn id="1" dur="indefinite" restart="never" nodeType="tmRoot">
+          <p:childTnLst>
+            <p:seq concurrent="1" nextAc="seek">
+              <p:cTn id="2" dur="indefinite" nodeType="mainSeq">
+                <p:childTnLst>
+                  <p:par>
+                    <p:cTn id="3" fill="hold">
+                      <p:stCondLst>
+                        <p:cond delay="indefinite"/>
+                      </p:stCondLst>
+                      <p:childTnLst>
+                        <p:par>
+                          <p:cTn id="4" fill="hold">
+                            <p:stCondLst>
+                              <p:cond delay="0"/>
+                            </p:stCondLst>
+                            <p:childTnLst>
+                              <p:par>
+                                <p:cTn id="5" presetID="22" presetClass="entr" presetSubtype="1" fill="hold" grpId="0" nodeType="clickEffect">
+                                  <p:stCondLst>
+                                    <p:cond delay="0"/>
+                                  </p:stCondLst>
+                                  <p:childTnLst>
+                                    <p:set>
+                                      <p:cBhvr>
+                                        <p:cTn id="6" dur="1" fill="hold">
+                                          <p:stCondLst>
+                                            <p:cond delay="0"/>
+                                          </p:stCondLst>
+                                        </p:cTn>
+                                        <p:tgtEl>
+                                          <p:spTgt spid="22"/>
+                                        </p:tgtEl>
+                                        <p:attrNameLst>
+                                          <p:attrName>style.visibility</p:attrName>
+                                        </p:attrNameLst>
+                                      </p:cBhvr>
+                                      <p:to>
+                                        <p:strVal val="visible"/>
+                                      </p:to>
+                                    </p:set>
+                                    <p:animEffect transition="in" filter="wipe(up)">
+                                      <p:cBhvr>
+                                        <p:cTn id="7" dur="500"/>
+                                        <p:tgtEl>
+                                          <p:spTgt spid="22"/>
+                                        </p:tgtEl>
+                                      </p:cBhvr>
+                                    </p:animEffect>
+                                  </p:childTnLst>
+                                </p:cTn>
+                              </p:par>
+                              <p:par>
+                                <p:cTn id="8" presetID="22" presetClass="entr" presetSubtype="1" fill="hold" grpId="0" nodeType="withEffect">
+                                  <p:stCondLst>
+                                    <p:cond delay="0"/>
+                                  </p:stCondLst>
+                                  <p:childTnLst>
+                                    <p:set>
+                                      <p:cBhvr>
+                                        <p:cTn id="9" dur="1" fill="hold">
+                                          <p:stCondLst>
+                                            <p:cond delay="0"/>
+                                          </p:stCondLst>
+                                        </p:cTn>
+                                        <p:tgtEl>
+                                          <p:spTgt spid="23"/>
+                                        </p:tgtEl>
+                                        <p:attrNameLst>
+                                          <p:attrName>style.visibility</p:attrName>
+                                        </p:attrNameLst>
+                                      </p:cBhvr>
+                                      <p:to>
+                                        <p:strVal val="visible"/>
+                                      </p:to>
+                                    </p:set>
+                                    <p:animEffect transition="in" filter="wipe(up)">
+                                      <p:cBhvr>
+                                        <p:cTn id="10" dur="500"/>
+                                        <p:tgtEl>
+                                          <p:spTgt spid="23"/>
+                                        </p:tgtEl>
+                                      </p:cBhvr>
+                                    </p:animEffect>
+                                  </p:childTnLst>
+                                </p:cTn>
+                              </p:par>
+                              <p:par>
+                                <p:cTn id="11" presetID="22" presetClass="entr" presetSubtype="1" fill="hold" nodeType="withEffect">
+                                  <p:stCondLst>
+                                    <p:cond delay="0"/>
+                                  </p:stCondLst>
+                                  <p:childTnLst>
+                                    <p:set>
+                                      <p:cBhvr>
+                                        <p:cTn id="12" dur="1" fill="hold">
+                                          <p:stCondLst>
+                                            <p:cond delay="0"/>
+                                          </p:stCondLst>
+                                        </p:cTn>
+                                        <p:tgtEl>
+                                          <p:spTgt spid="26"/>
+                                        </p:tgtEl>
+                                        <p:attrNameLst>
+                                          <p:attrName>style.visibility</p:attrName>
+                                        </p:attrNameLst>
+                                      </p:cBhvr>
+                                      <p:to>
+                                        <p:strVal val="visible"/>
+                                      </p:to>
+                                    </p:set>
+                                    <p:animEffect transition="in" filter="wipe(up)">
+                                      <p:cBhvr>
+                                        <p:cTn id="13" dur="500"/>
+                                        <p:tgtEl>
+                                          <p:spTgt spid="26"/>
+                                        </p:tgtEl>
+                                      </p:cBhvr>
+                                    </p:animEffect>
+                                  </p:childTnLst>
+                                </p:cTn>
+                              </p:par>
+                            </p:childTnLst>
+                          </p:cTn>
+                        </p:par>
+                      </p:childTnLst>
+                    </p:cTn>
+                  </p:par>
+                  <p:par>
+                    <p:cTn id="14" fill="hold">
+                      <p:stCondLst>
+                        <p:cond delay="indefinite"/>
+                      </p:stCondLst>
+                      <p:childTnLst>
+                        <p:par>
+                          <p:cTn id="15" fill="hold">
+                            <p:stCondLst>
+                              <p:cond delay="0"/>
+                            </p:stCondLst>
+                            <p:childTnLst>
+                              <p:par>
+                                <p:cTn id="16" presetID="21" presetClass="entr" presetSubtype="1" fill="hold" grpId="0" nodeType="clickEffect">
+                                  <p:stCondLst>
+                                    <p:cond delay="0"/>
+                                  </p:stCondLst>
+                                  <p:childTnLst>
+                                    <p:set>
+                                      <p:cBhvr>
+                                        <p:cTn id="17" dur="1" fill="hold">
+                                          <p:stCondLst>
+                                            <p:cond delay="0"/>
+                                          </p:stCondLst>
+                                        </p:cTn>
+                                        <p:tgtEl>
+                                          <p:spTgt spid="34"/>
+                                        </p:tgtEl>
+                                        <p:attrNameLst>
+                                          <p:attrName>style.visibility</p:attrName>
+                                        </p:attrNameLst>
+                                      </p:cBhvr>
+                                      <p:to>
+                                        <p:strVal val="visible"/>
+                                      </p:to>
+                                    </p:set>
+                                    <p:animEffect transition="in" filter="wheel(1)">
+                                      <p:cBhvr>
+                                        <p:cTn id="18" dur="750"/>
+                                        <p:tgtEl>
+                                          <p:spTgt spid="34"/>
+                                        </p:tgtEl>
+                                      </p:cBhvr>
+                                    </p:animEffect>
+                                  </p:childTnLst>
+                                </p:cTn>
+                              </p:par>
+                            </p:childTnLst>
+                          </p:cTn>
+                        </p:par>
+                        <p:par>
+                          <p:cTn id="19" fill="hold">
+                            <p:stCondLst>
+                              <p:cond delay="750"/>
+                            </p:stCondLst>
+                            <p:childTnLst>
+                              <p:par>
+                                <p:cTn id="20" presetID="21" presetClass="entr" presetSubtype="1" fill="hold" grpId="0" nodeType="afterEffect">
+                                  <p:stCondLst>
+                                    <p:cond delay="0"/>
+                                  </p:stCondLst>
+                                  <p:childTnLst>
+                                    <p:set>
+                                      <p:cBhvr>
+                                        <p:cTn id="21" dur="1" fill="hold">
+                                          <p:stCondLst>
+                                            <p:cond delay="0"/>
+                                          </p:stCondLst>
+                                        </p:cTn>
+                                        <p:tgtEl>
+                                          <p:spTgt spid="35"/>
+                                        </p:tgtEl>
+                                        <p:attrNameLst>
+                                          <p:attrName>style.visibility</p:attrName>
+                                        </p:attrNameLst>
+                                      </p:cBhvr>
+                                      <p:to>
+                                        <p:strVal val="visible"/>
+                                      </p:to>
+                                    </p:set>
+                                    <p:animEffect transition="in" filter="wheel(1)">
+                                      <p:cBhvr>
+                                        <p:cTn id="22" dur="750"/>
+                                        <p:tgtEl>
+                                          <p:spTgt spid="35"/>
+                                        </p:tgtEl>
+                                      </p:cBhvr>
+                                    </p:animEffect>
+                                  </p:childTnLst>
+                                </p:cTn>
+                              </p:par>
+                            </p:childTnLst>
+                          </p:cTn>
+                        </p:par>
+                        <p:par>
+                          <p:cTn id="23" fill="hold">
+                            <p:stCondLst>
+                              <p:cond delay="1500"/>
+                            </p:stCondLst>
+                            <p:childTnLst>
+                              <p:par>
+                                <p:cTn id="24" presetID="21" presetClass="entr" presetSubtype="1" fill="hold" grpId="0" nodeType="afterEffect">
+                                  <p:stCondLst>
+                                    <p:cond delay="0"/>
+                                  </p:stCondLst>
+                                  <p:childTnLst>
+                                    <p:set>
+                                      <p:cBhvr>
+                                        <p:cTn id="25" dur="1" fill="hold">
+                                          <p:stCondLst>
+                                            <p:cond delay="0"/>
+                                          </p:stCondLst>
+                                        </p:cTn>
+                                        <p:tgtEl>
+                                          <p:spTgt spid="36"/>
+                                        </p:tgtEl>
+                                        <p:attrNameLst>
+                                          <p:attrName>style.visibility</p:attrName>
+                                        </p:attrNameLst>
+                                      </p:cBhvr>
+                                      <p:to>
+                                        <p:strVal val="visible"/>
+                                      </p:to>
+                                    </p:set>
+                                    <p:animEffect transition="in" filter="wheel(1)">
+                                      <p:cBhvr>
+                                        <p:cTn id="26" dur="750"/>
+                                        <p:tgtEl>
+                                          <p:spTgt spid="36"/>
+                                        </p:tgtEl>
+                                      </p:cBhvr>
+                                    </p:animEffect>
+                                  </p:childTnLst>
+                                </p:cTn>
+                              </p:par>
+                            </p:childTnLst>
+                          </p:cTn>
+                        </p:par>
+                      </p:childTnLst>
+                    </p:cTn>
+                  </p:par>
+                  <p:par>
+                    <p:cTn id="27" fill="hold">
+                      <p:stCondLst>
+                        <p:cond delay="indefinite"/>
+                      </p:stCondLst>
+                      <p:childTnLst>
+                        <p:par>
+                          <p:cTn id="28" fill="hold">
+                            <p:stCondLst>
+                              <p:cond delay="0"/>
+                            </p:stCondLst>
+                            <p:childTnLst>
+                              <p:par>
+                                <p:cTn id="29" presetID="22" presetClass="entr" presetSubtype="4" fill="hold" grpId="0" nodeType="clickEffect">
+                                  <p:stCondLst>
+                                    <p:cond delay="0"/>
+                                  </p:stCondLst>
+                                  <p:childTnLst>
+                                    <p:set>
+                                      <p:cBhvr>
+                                        <p:cTn id="30" dur="1" fill="hold">
+                                          <p:stCondLst>
+                                            <p:cond delay="0"/>
+                                          </p:stCondLst>
+                                        </p:cTn>
+                                        <p:tgtEl>
+                                          <p:spTgt spid="52"/>
+                                        </p:tgtEl>
+                                        <p:attrNameLst>
+                                          <p:attrName>style.visibility</p:attrName>
+                                        </p:attrNameLst>
+                                      </p:cBhvr>
+                                      <p:to>
+                                        <p:strVal val="visible"/>
+                                      </p:to>
+                                    </p:set>
+                                    <p:animEffect transition="in" filter="wipe(down)">
+                                      <p:cBhvr>
+                                        <p:cTn id="31" dur="500"/>
+                                        <p:tgtEl>
+                                          <p:spTgt spid="52"/>
+                                        </p:tgtEl>
+                                      </p:cBhvr>
+                                    </p:animEffect>
+                                  </p:childTnLst>
+                                </p:cTn>
+                              </p:par>
+                              <p:par>
+                                <p:cTn id="32" presetID="22" presetClass="entr" presetSubtype="1" fill="hold" grpId="0" nodeType="withEffect">
+                                  <p:stCondLst>
+                                    <p:cond delay="0"/>
+                                  </p:stCondLst>
+                                  <p:childTnLst>
+                                    <p:set>
+                                      <p:cBhvr>
+                                        <p:cTn id="33" dur="1" fill="hold">
+                                          <p:stCondLst>
+                                            <p:cond delay="0"/>
+                                          </p:stCondLst>
+                                        </p:cTn>
+                                        <p:tgtEl>
+                                          <p:spTgt spid="50"/>
+                                        </p:tgtEl>
+                                        <p:attrNameLst>
+                                          <p:attrName>style.visibility</p:attrName>
+                                        </p:attrNameLst>
+                                      </p:cBhvr>
+                                      <p:to>
+                                        <p:strVal val="visible"/>
+                                      </p:to>
+                                    </p:set>
+                                    <p:animEffect transition="in" filter="wipe(up)">
+                                      <p:cBhvr>
+                                        <p:cTn id="34" dur="500"/>
+                                        <p:tgtEl>
+                                          <p:spTgt spid="50"/>
+                                        </p:tgtEl>
+                                      </p:cBhvr>
+                                    </p:animEffect>
+                                  </p:childTnLst>
+                                </p:cTn>
+                              </p:par>
+                              <p:par>
+                                <p:cTn id="35" presetID="22" presetClass="entr" presetSubtype="1" fill="hold" grpId="0" nodeType="withEffect">
+                                  <p:stCondLst>
+                                    <p:cond delay="0"/>
+                                  </p:stCondLst>
+                                  <p:childTnLst>
+                                    <p:set>
+                                      <p:cBhvr>
+                                        <p:cTn id="36" dur="1" fill="hold">
+                                          <p:stCondLst>
+                                            <p:cond delay="0"/>
+                                          </p:stCondLst>
+                                        </p:cTn>
+                                        <p:tgtEl>
+                                          <p:spTgt spid="51"/>
+                                        </p:tgtEl>
+                                        <p:attrNameLst>
+                                          <p:attrName>style.visibility</p:attrName>
+                                        </p:attrNameLst>
+                                      </p:cBhvr>
+                                      <p:to>
+                                        <p:strVal val="visible"/>
+                                      </p:to>
+                                    </p:set>
+                                    <p:animEffect transition="in" filter="wipe(up)">
+                                      <p:cBhvr>
+                                        <p:cTn id="37" dur="500"/>
+                                        <p:tgtEl>
+                                          <p:spTgt spid="51"/>
+                                        </p:tgtEl>
+                                      </p:cBhvr>
+                                    </p:animEffect>
+                                  </p:childTnLst>
+                                </p:cTn>
+                              </p:par>
+                            </p:childTnLst>
+                          </p:cTn>
+                        </p:par>
+                      </p:childTnLst>
+                    </p:cTn>
+                  </p:par>
+                  <p:par>
+                    <p:cTn id="38" fill="hold">
+                      <p:stCondLst>
+                        <p:cond delay="indefinite"/>
+                      </p:stCondLst>
+                      <p:childTnLst>
+                        <p:par>
+                          <p:cTn id="39" fill="hold">
+                            <p:stCondLst>
+                              <p:cond delay="0"/>
+                            </p:stCondLst>
+                            <p:childTnLst>
+                              <p:par>
+                                <p:cTn id="40" presetID="22" presetClass="entr" presetSubtype="4" fill="hold" nodeType="clickEffect">
+                                  <p:stCondLst>
+                                    <p:cond delay="0"/>
+                                  </p:stCondLst>
+                                  <p:childTnLst>
+                                    <p:set>
+                                      <p:cBhvr>
+                                        <p:cTn id="41" dur="1" fill="hold">
+                                          <p:stCondLst>
+                                            <p:cond delay="0"/>
+                                          </p:stCondLst>
+                                        </p:cTn>
+                                        <p:tgtEl>
+                                          <p:spTgt spid="59"/>
+                                        </p:tgtEl>
+                                        <p:attrNameLst>
+                                          <p:attrName>style.visibility</p:attrName>
+                                        </p:attrNameLst>
+                                      </p:cBhvr>
+                                      <p:to>
+                                        <p:strVal val="visible"/>
+                                      </p:to>
+                                    </p:set>
+                                    <p:animEffect transition="in" filter="wipe(down)">
+                                      <p:cBhvr>
+                                        <p:cTn id="42" dur="500"/>
+                                        <p:tgtEl>
+                                          <p:spTgt spid="59"/>
+                                        </p:tgtEl>
+                                      </p:cBhvr>
+                                    </p:animEffect>
+                                  </p:childTnLst>
+                                </p:cTn>
+                              </p:par>
+                            </p:childTnLst>
+                          </p:cTn>
+                        </p:par>
+                      </p:childTnLst>
+                    </p:cTn>
+                  </p:par>
+                  <p:par>
+                    <p:cTn id="43" fill="hold">
+                      <p:stCondLst>
+                        <p:cond delay="indefinite"/>
+                      </p:stCondLst>
+                      <p:childTnLst>
+                        <p:par>
+                          <p:cTn id="44" fill="hold">
+                            <p:stCondLst>
+                              <p:cond delay="0"/>
+                            </p:stCondLst>
+                            <p:childTnLst>
+                              <p:par>
+                                <p:cTn id="45" presetID="22" presetClass="entr" presetSubtype="4" fill="hold" grpId="0" nodeType="clickEffect">
+                                  <p:stCondLst>
+                                    <p:cond delay="0"/>
+                                  </p:stCondLst>
+                                  <p:childTnLst>
+                                    <p:set>
+                                      <p:cBhvr>
+                                        <p:cTn id="46" dur="1" fill="hold">
+                                          <p:stCondLst>
+                                            <p:cond delay="0"/>
+                                          </p:stCondLst>
+                                        </p:cTn>
+                                        <p:tgtEl>
+                                          <p:spTgt spid="58"/>
+                                        </p:tgtEl>
+                                        <p:attrNameLst>
+                                          <p:attrName>style.visibility</p:attrName>
+                                        </p:attrNameLst>
+                                      </p:cBhvr>
+                                      <p:to>
+                                        <p:strVal val="visible"/>
+                                      </p:to>
+                                    </p:set>
+                                    <p:animEffect transition="in" filter="wipe(down)">
+                                      <p:cBhvr>
+                                        <p:cTn id="47" dur="500"/>
+                                        <p:tgtEl>
+                                          <p:spTgt spid="58"/>
+                                        </p:tgtEl>
+                                      </p:cBhvr>
+                                    </p:animEffect>
+                                  </p:childTnLst>
+                                </p:cTn>
+                              </p:par>
+                              <p:par>
+                                <p:cTn id="48" presetID="22" presetClass="entr" presetSubtype="4" fill="hold" grpId="0" nodeType="withEffect">
+                                  <p:stCondLst>
+                                    <p:cond delay="0"/>
+                                  </p:stCondLst>
+                                  <p:childTnLst>
+                                    <p:set>
+                                      <p:cBhvr>
+                                        <p:cTn id="49" dur="1" fill="hold">
+                                          <p:stCondLst>
+                                            <p:cond delay="0"/>
+                                          </p:stCondLst>
+                                        </p:cTn>
+                                        <p:tgtEl>
+                                          <p:spTgt spid="53"/>
+                                        </p:tgtEl>
+                                        <p:attrNameLst>
+                                          <p:attrName>style.visibility</p:attrName>
+                                        </p:attrNameLst>
+                                      </p:cBhvr>
+                                      <p:to>
+                                        <p:strVal val="visible"/>
+                                      </p:to>
+                                    </p:set>
+                                    <p:animEffect transition="in" filter="wipe(down)">
+                                      <p:cBhvr>
+                                        <p:cTn id="50" dur="500"/>
+                                        <p:tgtEl>
+                                          <p:spTgt spid="53"/>
+                                        </p:tgtEl>
+                                      </p:cBhvr>
+                                    </p:animEffect>
+                                  </p:childTnLst>
+                                </p:cTn>
+                              </p:par>
+                              <p:par>
+                                <p:cTn id="51" presetID="22" presetClass="entr" presetSubtype="1" fill="hold" grpId="0" nodeType="withEffect">
+                                  <p:stCondLst>
+                                    <p:cond delay="0"/>
+                                  </p:stCondLst>
+                                  <p:childTnLst>
+                                    <p:set>
+                                      <p:cBhvr>
+                                        <p:cTn id="52" dur="1" fill="hold">
+                                          <p:stCondLst>
+                                            <p:cond delay="0"/>
+                                          </p:stCondLst>
+                                        </p:cTn>
+                                        <p:tgtEl>
+                                          <p:spTgt spid="57"/>
+                                        </p:tgtEl>
+                                        <p:attrNameLst>
+                                          <p:attrName>style.visibility</p:attrName>
+                                        </p:attrNameLst>
+                                      </p:cBhvr>
+                                      <p:to>
+                                        <p:strVal val="visible"/>
+                                      </p:to>
+                                    </p:set>
+                                    <p:animEffect transition="in" filter="wipe(up)">
+                                      <p:cBhvr>
+                                        <p:cTn id="53" dur="500"/>
+                                        <p:tgtEl>
+                                          <p:spTgt spid="57"/>
+                                        </p:tgtEl>
+                                      </p:cBhvr>
+                                    </p:animEffect>
+                                  </p:childTnLst>
+                                </p:cTn>
+                              </p:par>
+                            </p:childTnLst>
+                          </p:cTn>
+                        </p:par>
+                      </p:childTnLst>
+                    </p:cTn>
+                  </p:par>
+                </p:childTnLst>
+              </p:cTn>
+              <p:prevCondLst>
+                <p:cond evt="onPrev" delay="0">
+                  <p:tgtEl>
+                    <p:sldTgt/>
+                  </p:tgtEl>
+                </p:cond>
+              </p:prevCondLst>
+              <p:nextCondLst>
+                <p:cond evt="onNext" delay="0">
+                  <p:tgtEl>
+                    <p:sldTgt/>
+                  </p:tgtEl>
+                </p:cond>
+              </p:nextCondLst>
+            </p:seq>
+          </p:childTnLst>
+        </p:cTn>
+      </p:par>
+    </p:tnLst>
+    <p:bldLst>
+      <p:bldP spid="22" grpId="0" animBg="1"/>
+      <p:bldP spid="23" grpId="0" animBg="1"/>
+      <p:bldP spid="34" grpId="0" animBg="1"/>
+      <p:bldP spid="35" grpId="0" animBg="1"/>
+      <p:bldP spid="36" grpId="0" animBg="1"/>
+      <p:bldP spid="50" grpId="0"/>
+      <p:bldP spid="51" grpId="0"/>
+      <p:bldP spid="52" grpId="0"/>
+      <p:bldP spid="53" grpId="0"/>
+      <p:bldP spid="57" grpId="0"/>
+      <p:bldP spid="58" grpId="0"/>
+    </p:bldLst>
+  </p:timing>
+</p:sld>
+</file>
+
+<file path=ppt/slides/slide8.xml><?xml version="1.0" encoding="utf-8"?>
+<p:sld xmlns:a="http://schemas.openxmlformats.org/drawingml/2006/main" xmlns:r="http://schemas.openxmlformats.org/officeDocument/2006/relationships" xmlns:p="http://schemas.openxmlformats.org/presentationml/2006/main">
+  <p:cSld>
+    <p:spTree>
+      <p:nvGrpSpPr>
+        <p:cNvPr id="1" name=""/>
+        <p:cNvGrpSpPr/>
+        <p:nvPr/>
+      </p:nvGrpSpPr>
+      <p:grpSpPr>
+        <a:xfrm>
+          <a:off x="0" y="0"/>
+          <a:ext cx="0" cy="0"/>
+          <a:chOff x="0" y="0"/>
+          <a:chExt cx="0" cy="0"/>
+        </a:xfrm>
+      </p:grpSpPr>
+      <p:sp>
+        <p:nvSpPr>
+          <p:cNvPr id="2" name="Title 1"/>
+          <p:cNvSpPr>
+            <a:spLocks noGrp="1"/>
+          </p:cNvSpPr>
+          <p:nvPr>
+            <p:ph type="title"/>
+          </p:nvPr>
+        </p:nvSpPr>
+        <p:spPr/>
+        <p:txBody>
+          <a:bodyPr/>
+          <a:lstStyle/>
+          <a:p>
+            <a:r>
+              <a:rPr lang="en-US" smtClean="0"/>
+              <a:t>RESTful Nirvana?</a:t>
+            </a:r>
+            <a:endParaRPr lang="en-US"/>
+          </a:p>
+        </p:txBody>
+      </p:sp>
+      <p:sp>
+        <p:nvSpPr>
+          <p:cNvPr id="3" name="Content Placeholder 2"/>
+          <p:cNvSpPr>
+            <a:spLocks noGrp="1"/>
+          </p:cNvSpPr>
+          <p:nvPr>
+            <p:ph idx="1"/>
+          </p:nvPr>
+        </p:nvSpPr>
+        <p:spPr>
+          <a:xfrm>
+            <a:off x="680321" y="2336873"/>
+            <a:ext cx="10086002" cy="3599316"/>
+          </a:xfrm>
+        </p:spPr>
+        <p:txBody>
+          <a:bodyPr/>
+          <a:lstStyle/>
+          <a:p>
+            <a:r>
+              <a:rPr lang="en-US" dirty="0" smtClean="0"/>
+              <a:t>All services use plain-old JSON to represent the state being transferred</a:t>
+            </a:r>
+          </a:p>
+          <a:p>
+            <a:r>
+              <a:rPr lang="en-US" dirty="0" smtClean="0"/>
+              <a:t>Everything is fully stateless</a:t>
+            </a:r>
+          </a:p>
+          <a:p>
+            <a:pPr lvl="1"/>
+            <a:r>
+              <a:rPr lang="en-US" dirty="0" smtClean="0"/>
+              <a:t>Only server-side state is authentication session – described by an opaque token</a:t>
+            </a:r>
+          </a:p>
+          <a:p>
+            <a:r>
+              <a:rPr lang="en-US" dirty="0" smtClean="0"/>
+              <a:t>State described as resources and collections of resources</a:t>
+            </a:r>
+          </a:p>
+          <a:p>
+            <a:pPr lvl="1"/>
+            <a:r>
+              <a:rPr lang="en-US" dirty="0" smtClean="0"/>
+              <a:t>Out of band information in HTTP headers</a:t>
+            </a:r>
+          </a:p>
+          <a:p>
+            <a:pPr lvl="1"/>
+            <a:r>
+              <a:rPr lang="en-US" dirty="0" smtClean="0"/>
+              <a:t>Queries to narrow state selection passed in query-strings</a:t>
+            </a:r>
+          </a:p>
+          <a:p>
+            <a:r>
+              <a:rPr lang="en-US" dirty="0" smtClean="0"/>
+              <a:t>Access by standard HTTP verbs: GET, POST, PUT, DELETE</a:t>
+            </a:r>
+          </a:p>
+          <a:p>
+            <a:r>
+              <a:rPr lang="en-US" dirty="0" smtClean="0"/>
+              <a:t>Use of hypermedia links where appropriate</a:t>
+            </a:r>
+            <a:endParaRPr lang="en-US" dirty="0"/>
+          </a:p>
+        </p:txBody>
+      </p:sp>
+    </p:spTree>
+    <p:extLst>
+      <p:ext uri="{BB962C8B-B14F-4D97-AF65-F5344CB8AC3E}">
+        <p14:creationId xmlns:p14="http://schemas.microsoft.com/office/powerpoint/2010/main" val="1040371199"/>
+      </p:ext>
+    </p:extLst>
+  </p:cSld>
+  <p:clrMapOvr>
+    <a:masterClrMapping/>
+  </p:clrMapOvr>
+  <p:transition spd="slow">
+    <p:wipe dir="r"/>
+  </p:transition>
+</p:sld>
+</file>
+
+<file path=ppt/slides/slide9.xml><?xml version="1.0" encoding="utf-8"?>
+<p:sld xmlns:a="http://schemas.openxmlformats.org/drawingml/2006/main" xmlns:r="http://schemas.openxmlformats.org/officeDocument/2006/relationships" xmlns:p="http://schemas.openxmlformats.org/presentationml/2006/main">
+  <p:cSld>
+    <p:spTree>
+      <p:nvGrpSpPr>
+        <p:cNvPr id="1" name=""/>
+        <p:cNvGrpSpPr/>
+        <p:nvPr/>
+      </p:nvGrpSpPr>
+      <p:grpSpPr>
+        <a:xfrm>
+          <a:off x="0" y="0"/>
+          <a:ext cx="0" cy="0"/>
+          <a:chOff x="0" y="0"/>
+          <a:chExt cx="0" cy="0"/>
+        </a:xfrm>
+      </p:grpSpPr>
+      <p:sp>
+        <p:nvSpPr>
+          <p:cNvPr id="2" name="Title 1"/>
+          <p:cNvSpPr>
+            <a:spLocks noGrp="1"/>
+          </p:cNvSpPr>
+          <p:nvPr>
+            <p:ph type="title"/>
+          </p:nvPr>
+        </p:nvSpPr>
+        <p:spPr/>
+        <p:txBody>
+          <a:bodyPr/>
+          <a:lstStyle/>
+          <a:p>
+            <a:r>
+              <a:rPr lang="en-US" dirty="0" smtClean="0"/>
+              <a:t>Security Analysis</a:t>
+            </a:r>
+            <a:endParaRPr lang="en-US" dirty="0"/>
+          </a:p>
+        </p:txBody>
+      </p:sp>
+      <p:sp>
+        <p:nvSpPr>
+          <p:cNvPr id="3" name="Content Placeholder 2"/>
+          <p:cNvSpPr>
+            <a:spLocks noGrp="1"/>
+          </p:cNvSpPr>
+          <p:nvPr>
+            <p:ph idx="1"/>
+          </p:nvPr>
+        </p:nvSpPr>
+        <p:spPr>
+          <a:xfrm>
+            <a:off x="680321" y="2336873"/>
+            <a:ext cx="10086002" cy="3599316"/>
+          </a:xfrm>
+        </p:spPr>
+        <p:txBody>
+          <a:bodyPr/>
+          <a:lstStyle/>
+          <a:p>
+            <a:r>
+              <a:rPr lang="en-US" dirty="0" smtClean="0"/>
+              <a:t>Required to protect PHI and PII</a:t>
+            </a:r>
+          </a:p>
+          <a:p>
+            <a:r>
+              <a:rPr lang="en-US" dirty="0" smtClean="0"/>
+              <a:t>Cloud Security – Security Groups</a:t>
+            </a:r>
+          </a:p>
+          <a:p>
+            <a:pPr lvl="1"/>
+            <a:r>
+              <a:rPr lang="en-US" dirty="0" err="1" smtClean="0"/>
+              <a:t>Veni</a:t>
+            </a:r>
+            <a:r>
+              <a:rPr lang="en-US" dirty="0" smtClean="0"/>
+              <a:t> Application Server Security Group</a:t>
+            </a:r>
+          </a:p>
+          <a:p>
+            <a:pPr lvl="1"/>
+            <a:r>
+              <a:rPr lang="en-US" dirty="0" err="1" smtClean="0"/>
+              <a:t>Veni</a:t>
+            </a:r>
+            <a:r>
+              <a:rPr lang="en-US" dirty="0" smtClean="0"/>
+              <a:t> Database Server Security Group</a:t>
+            </a:r>
+          </a:p>
+          <a:p>
+            <a:pPr lvl="1"/>
+            <a:r>
+              <a:rPr lang="en-US" dirty="0" err="1" smtClean="0"/>
+              <a:t>VistA</a:t>
+            </a:r>
+            <a:r>
+              <a:rPr lang="en-US" dirty="0" smtClean="0"/>
+              <a:t> System Security Group</a:t>
+            </a:r>
+            <a:endParaRPr lang="en-US" dirty="0" smtClean="0"/>
+          </a:p>
+          <a:p>
+            <a:r>
+              <a:rPr lang="en-US" dirty="0" smtClean="0"/>
+              <a:t>Security Tools</a:t>
+            </a:r>
+          </a:p>
+          <a:p>
+            <a:pPr lvl="1"/>
+            <a:r>
+              <a:rPr lang="en-US" dirty="0" smtClean="0"/>
+              <a:t>TSL – encrypt communications and provides </a:t>
+            </a:r>
+            <a:r>
+              <a:rPr lang="en-US" dirty="0" err="1" smtClean="0"/>
+              <a:t>authenitication</a:t>
+            </a:r>
+            <a:r>
+              <a:rPr lang="en-US" dirty="0" smtClean="0"/>
+              <a:t> of server to client</a:t>
+            </a:r>
+          </a:p>
+          <a:p>
+            <a:pPr lvl="1"/>
+            <a:r>
+              <a:rPr lang="en-US" dirty="0" smtClean="0"/>
+              <a:t>Only save salted password cryptographic hashes</a:t>
+            </a:r>
+          </a:p>
+          <a:p>
+            <a:pPr lvl="1"/>
+            <a:r>
+              <a:rPr lang="en-US" dirty="0" smtClean="0"/>
+              <a:t>Opaque Tokens</a:t>
+            </a:r>
+            <a:endParaRPr lang="en-US" dirty="0"/>
+          </a:p>
+        </p:txBody>
+      </p:sp>
+    </p:spTree>
+    <p:extLst>
+      <p:ext uri="{BB962C8B-B14F-4D97-AF65-F5344CB8AC3E}">
+        <p14:creationId xmlns:p14="http://schemas.microsoft.com/office/powerpoint/2010/main" val="2267319199"/>
+      </p:ext>
+    </p:extLst>
+  </p:cSld>
+  <p:clrMapOvr>
+    <a:masterClrMapping/>
+  </p:clrMapOvr>
+  <p:transition spd="slow">
+    <p:wipe dir="r"/>
+  </p:transition>
 </p:sld>
 </file>
 

--- a/FINAL DELIVERABLES/Veni System Report Apr 22.pptx
+++ b/FINAL DELIVERABLES/Veni System Report Apr 22.pptx
@@ -17,6 +17,7 @@
     <p:sldId id="277" r:id="rId11"/>
     <p:sldId id="270" r:id="rId12"/>
     <p:sldId id="266" r:id="rId13"/>
+    <p:sldId id="278" r:id="rId14"/>
   </p:sldIdLst>
   <p:sldSz cx="12192000" cy="6858000"/>
   <p:notesSz cx="6858000" cy="9144000"/>
@@ -9606,15 +9607,7 @@
           <a:p>
             <a:r>
               <a:rPr lang="en-US" dirty="0" smtClean="0"/>
-              <a:t>Phone </a:t>
-            </a:r>
-            <a:r>
-              <a:rPr lang="en-US" dirty="0" smtClean="0"/>
-              <a:t>Screens from UI </a:t>
-            </a:r>
-            <a:r>
-              <a:rPr lang="en-US" dirty="0" smtClean="0"/>
-              <a:t>Prototype</a:t>
+              <a:t>Phone Screens from UI Prototype</a:t>
             </a:r>
             <a:endParaRPr lang="en-US" dirty="0"/>
           </a:p>
@@ -10570,6 +10563,84 @@
 </p:sld>
 </file>
 
+<file path=ppt/slides/slide13.xml><?xml version="1.0" encoding="utf-8"?>
+<p:sld xmlns:a="http://schemas.openxmlformats.org/drawingml/2006/main" xmlns:r="http://schemas.openxmlformats.org/officeDocument/2006/relationships" xmlns:p="http://schemas.openxmlformats.org/presentationml/2006/main">
+  <p:cSld>
+    <p:spTree>
+      <p:nvGrpSpPr>
+        <p:cNvPr id="1" name=""/>
+        <p:cNvGrpSpPr/>
+        <p:nvPr/>
+      </p:nvGrpSpPr>
+      <p:grpSpPr>
+        <a:xfrm>
+          <a:off x="0" y="0"/>
+          <a:ext cx="0" cy="0"/>
+          <a:chOff x="0" y="0"/>
+          <a:chExt cx="0" cy="0"/>
+        </a:xfrm>
+      </p:grpSpPr>
+      <p:sp>
+        <p:nvSpPr>
+          <p:cNvPr id="2" name="Title 1"/>
+          <p:cNvSpPr>
+            <a:spLocks noGrp="1"/>
+          </p:cNvSpPr>
+          <p:nvPr>
+            <p:ph type="title"/>
+          </p:nvPr>
+        </p:nvSpPr>
+        <p:spPr/>
+        <p:txBody>
+          <a:bodyPr>
+            <a:normAutofit/>
+          </a:bodyPr>
+          <a:lstStyle/>
+          <a:p>
+            <a:pPr algn="ctr"/>
+            <a:r>
+              <a:rPr lang="en-US" sz="4400" dirty="0" smtClean="0"/>
+              <a:t>Prototype Demonstration</a:t>
+            </a:r>
+            <a:endParaRPr lang="en-US" sz="4400" dirty="0"/>
+          </a:p>
+        </p:txBody>
+      </p:sp>
+      <p:sp>
+        <p:nvSpPr>
+          <p:cNvPr id="3" name="Text Placeholder 2"/>
+          <p:cNvSpPr>
+            <a:spLocks noGrp="1"/>
+          </p:cNvSpPr>
+          <p:nvPr>
+            <p:ph type="body" idx="1"/>
+          </p:nvPr>
+        </p:nvSpPr>
+        <p:spPr/>
+        <p:txBody>
+          <a:bodyPr/>
+          <a:lstStyle/>
+          <a:p>
+            <a:endParaRPr lang="en-US"/>
+          </a:p>
+        </p:txBody>
+      </p:sp>
+    </p:spTree>
+    <p:extLst>
+      <p:ext uri="{BB962C8B-B14F-4D97-AF65-F5344CB8AC3E}">
+        <p14:creationId xmlns:p14="http://schemas.microsoft.com/office/powerpoint/2010/main" val="2683046310"/>
+      </p:ext>
+    </p:extLst>
+  </p:cSld>
+  <p:clrMapOvr>
+    <a:masterClrMapping/>
+  </p:clrMapOvr>
+  <p:transition spd="slow">
+    <p:wipe dir="r"/>
+  </p:transition>
+</p:sld>
+</file>
+
 <file path=ppt/slides/slide2.xml><?xml version="1.0" encoding="utf-8"?>
 <p:sld xmlns:a="http://schemas.openxmlformats.org/drawingml/2006/main" xmlns:r="http://schemas.openxmlformats.org/officeDocument/2006/relationships" xmlns:p="http://schemas.openxmlformats.org/presentationml/2006/main">
   <p:cSld>
@@ -14878,7 +14949,6 @@
               <a:rPr lang="en-US" dirty="0" smtClean="0"/>
               <a:t> System Security Group</a:t>
             </a:r>
-            <a:endParaRPr lang="en-US" dirty="0" smtClean="0"/>
           </a:p>
           <a:p>
             <a:r>

--- a/FINAL DELIVERABLES/Veni System Report Apr 22.pptx
+++ b/FINAL DELIVERABLES/Veni System Report Apr 22.pptx
@@ -7,17 +7,18 @@
   <p:sldIdLst>
     <p:sldId id="256" r:id="rId2"/>
     <p:sldId id="272" r:id="rId3"/>
-    <p:sldId id="271" r:id="rId4"/>
-    <p:sldId id="265" r:id="rId5"/>
-    <p:sldId id="273" r:id="rId6"/>
-    <p:sldId id="267" r:id="rId7"/>
-    <p:sldId id="274" r:id="rId8"/>
-    <p:sldId id="275" r:id="rId9"/>
-    <p:sldId id="276" r:id="rId10"/>
-    <p:sldId id="277" r:id="rId11"/>
-    <p:sldId id="270" r:id="rId12"/>
-    <p:sldId id="266" r:id="rId13"/>
-    <p:sldId id="278" r:id="rId14"/>
+    <p:sldId id="265" r:id="rId4"/>
+    <p:sldId id="273" r:id="rId5"/>
+    <p:sldId id="279" r:id="rId6"/>
+    <p:sldId id="271" r:id="rId7"/>
+    <p:sldId id="267" r:id="rId8"/>
+    <p:sldId id="274" r:id="rId9"/>
+    <p:sldId id="275" r:id="rId10"/>
+    <p:sldId id="276" r:id="rId11"/>
+    <p:sldId id="277" r:id="rId12"/>
+    <p:sldId id="270" r:id="rId13"/>
+    <p:sldId id="266" r:id="rId14"/>
+    <p:sldId id="278" r:id="rId15"/>
   </p:sldIdLst>
   <p:sldSz cx="12192000" cy="6858000"/>
   <p:notesSz cx="6858000" cy="9144000"/>
@@ -8475,6 +8476,164 @@
           <a:p>
             <a:r>
               <a:rPr lang="en-US" dirty="0" smtClean="0"/>
+              <a:t>Required to protect PHI and PII</a:t>
+            </a:r>
+          </a:p>
+          <a:p>
+            <a:r>
+              <a:rPr lang="en-US" dirty="0" smtClean="0"/>
+              <a:t>Cloud Security – Security Groups</a:t>
+            </a:r>
+          </a:p>
+          <a:p>
+            <a:pPr lvl="1"/>
+            <a:r>
+              <a:rPr lang="en-US" dirty="0" err="1" smtClean="0"/>
+              <a:t>Veni</a:t>
+            </a:r>
+            <a:r>
+              <a:rPr lang="en-US" dirty="0" smtClean="0"/>
+              <a:t> Application Server Security Group</a:t>
+            </a:r>
+          </a:p>
+          <a:p>
+            <a:pPr lvl="1"/>
+            <a:r>
+              <a:rPr lang="en-US" dirty="0" err="1" smtClean="0"/>
+              <a:t>Veni</a:t>
+            </a:r>
+            <a:r>
+              <a:rPr lang="en-US" dirty="0" smtClean="0"/>
+              <a:t> Database Server Security Group</a:t>
+            </a:r>
+          </a:p>
+          <a:p>
+            <a:pPr lvl="1"/>
+            <a:r>
+              <a:rPr lang="en-US" dirty="0" err="1" smtClean="0"/>
+              <a:t>VistA</a:t>
+            </a:r>
+            <a:r>
+              <a:rPr lang="en-US" dirty="0" smtClean="0"/>
+              <a:t> System Security Group</a:t>
+            </a:r>
+          </a:p>
+          <a:p>
+            <a:r>
+              <a:rPr lang="en-US" dirty="0" smtClean="0"/>
+              <a:t>Security Tools</a:t>
+            </a:r>
+          </a:p>
+          <a:p>
+            <a:pPr lvl="1"/>
+            <a:r>
+              <a:rPr lang="en-US" dirty="0" smtClean="0"/>
+              <a:t>TSL – encrypt communications and provides </a:t>
+            </a:r>
+            <a:r>
+              <a:rPr lang="en-US" dirty="0" err="1" smtClean="0"/>
+              <a:t>authenitication</a:t>
+            </a:r>
+            <a:r>
+              <a:rPr lang="en-US" dirty="0" smtClean="0"/>
+              <a:t> of server to client</a:t>
+            </a:r>
+          </a:p>
+          <a:p>
+            <a:pPr lvl="1"/>
+            <a:r>
+              <a:rPr lang="en-US" dirty="0" smtClean="0"/>
+              <a:t>Only save salted password cryptographic hashes</a:t>
+            </a:r>
+          </a:p>
+          <a:p>
+            <a:pPr lvl="1"/>
+            <a:r>
+              <a:rPr lang="en-US" dirty="0" smtClean="0"/>
+              <a:t>Opaque Tokens</a:t>
+            </a:r>
+            <a:endParaRPr lang="en-US" dirty="0"/>
+          </a:p>
+        </p:txBody>
+      </p:sp>
+    </p:spTree>
+    <p:extLst>
+      <p:ext uri="{BB962C8B-B14F-4D97-AF65-F5344CB8AC3E}">
+        <p14:creationId xmlns:p14="http://schemas.microsoft.com/office/powerpoint/2010/main" val="2267319199"/>
+      </p:ext>
+    </p:extLst>
+  </p:cSld>
+  <p:clrMapOvr>
+    <a:masterClrMapping/>
+  </p:clrMapOvr>
+  <p:transition spd="slow">
+    <p:wipe dir="r"/>
+  </p:transition>
+</p:sld>
+</file>
+
+<file path=ppt/slides/slide11.xml><?xml version="1.0" encoding="utf-8"?>
+<p:sld xmlns:a="http://schemas.openxmlformats.org/drawingml/2006/main" xmlns:r="http://schemas.openxmlformats.org/officeDocument/2006/relationships" xmlns:p="http://schemas.openxmlformats.org/presentationml/2006/main">
+  <p:cSld>
+    <p:spTree>
+      <p:nvGrpSpPr>
+        <p:cNvPr id="1" name=""/>
+        <p:cNvGrpSpPr/>
+        <p:nvPr/>
+      </p:nvGrpSpPr>
+      <p:grpSpPr>
+        <a:xfrm>
+          <a:off x="0" y="0"/>
+          <a:ext cx="0" cy="0"/>
+          <a:chOff x="0" y="0"/>
+          <a:chExt cx="0" cy="0"/>
+        </a:xfrm>
+      </p:grpSpPr>
+      <p:sp>
+        <p:nvSpPr>
+          <p:cNvPr id="2" name="Title 1"/>
+          <p:cNvSpPr>
+            <a:spLocks noGrp="1"/>
+          </p:cNvSpPr>
+          <p:nvPr>
+            <p:ph type="title"/>
+          </p:nvPr>
+        </p:nvSpPr>
+        <p:spPr/>
+        <p:txBody>
+          <a:bodyPr/>
+          <a:lstStyle/>
+          <a:p>
+            <a:r>
+              <a:rPr lang="en-US" dirty="0" smtClean="0"/>
+              <a:t>Security Analysis</a:t>
+            </a:r>
+            <a:endParaRPr lang="en-US" dirty="0"/>
+          </a:p>
+        </p:txBody>
+      </p:sp>
+      <p:sp>
+        <p:nvSpPr>
+          <p:cNvPr id="3" name="Content Placeholder 2"/>
+          <p:cNvSpPr>
+            <a:spLocks noGrp="1"/>
+          </p:cNvSpPr>
+          <p:nvPr>
+            <p:ph idx="1"/>
+          </p:nvPr>
+        </p:nvSpPr>
+        <p:spPr>
+          <a:xfrm>
+            <a:off x="680321" y="2336873"/>
+            <a:ext cx="10086002" cy="3599316"/>
+          </a:xfrm>
+        </p:spPr>
+        <p:txBody>
+          <a:bodyPr/>
+          <a:lstStyle/>
+          <a:p>
+            <a:r>
+              <a:rPr lang="en-US" dirty="0" smtClean="0"/>
               <a:t>Design Principles</a:t>
             </a:r>
             <a:endParaRPr lang="en-US" dirty="0"/>
@@ -8544,6 +8703,102 @@
           </a:p>
         </p:txBody>
       </p:sp>
+      <p:grpSp>
+        <p:nvGrpSpPr>
+          <p:cNvPr id="39" name="Group 38"/>
+          <p:cNvGrpSpPr/>
+          <p:nvPr/>
+        </p:nvGrpSpPr>
+        <p:grpSpPr>
+          <a:xfrm>
+            <a:off x="5953760" y="1834166"/>
+            <a:ext cx="4561840" cy="4165600"/>
+            <a:chOff x="5821680" y="2082800"/>
+            <a:chExt cx="4561840" cy="4165600"/>
+          </a:xfrm>
+        </p:grpSpPr>
+        <p:sp>
+          <p:nvSpPr>
+            <p:cNvPr id="38" name="Rectangle 37"/>
+            <p:cNvSpPr/>
+            <p:nvPr/>
+          </p:nvSpPr>
+          <p:spPr>
+            <a:xfrm>
+              <a:off x="5821680" y="2082800"/>
+              <a:ext cx="4561840" cy="4165600"/>
+            </a:xfrm>
+            <a:prstGeom prst="rect">
+              <a:avLst/>
+            </a:prstGeom>
+            <a:solidFill>
+              <a:schemeClr val="tx1"/>
+            </a:solidFill>
+            <a:ln>
+              <a:solidFill>
+                <a:srgbClr val="00B0F0"/>
+              </a:solidFill>
+            </a:ln>
+          </p:spPr>
+          <p:style>
+            <a:lnRef idx="2">
+              <a:schemeClr val="accent1">
+                <a:shade val="50000"/>
+              </a:schemeClr>
+            </a:lnRef>
+            <a:fillRef idx="1">
+              <a:schemeClr val="accent1"/>
+            </a:fillRef>
+            <a:effectRef idx="0">
+              <a:schemeClr val="accent1"/>
+            </a:effectRef>
+            <a:fontRef idx="minor">
+              <a:schemeClr val="lt1"/>
+            </a:fontRef>
+          </p:style>
+          <p:txBody>
+            <a:bodyPr rtlCol="0" anchor="ctr"/>
+            <a:lstStyle/>
+            <a:p>
+              <a:pPr algn="ctr"/>
+              <a:endParaRPr lang="en-US"/>
+            </a:p>
+          </p:txBody>
+        </p:sp>
+        <p:pic>
+          <p:nvPicPr>
+            <p:cNvPr id="37" name="Picture 36"/>
+            <p:cNvPicPr/>
+            <p:nvPr/>
+          </p:nvPicPr>
+          <p:blipFill>
+            <a:blip r:embed="rId2">
+              <a:extLst>
+                <a:ext uri="{28A0092B-C50C-407E-A947-70E740481C1C}">
+                  <a14:useLocalDpi xmlns:a14="http://schemas.microsoft.com/office/drawing/2010/main" val="0"/>
+                </a:ext>
+              </a:extLst>
+            </a:blip>
+            <a:srcRect/>
+            <a:stretch>
+              <a:fillRect/>
+            </a:stretch>
+          </p:blipFill>
+          <p:spPr bwMode="auto">
+            <a:xfrm>
+              <a:off x="5831522" y="2092961"/>
+              <a:ext cx="4531678" cy="4144962"/>
+            </a:xfrm>
+            <a:prstGeom prst="rect">
+              <a:avLst/>
+            </a:prstGeom>
+            <a:noFill/>
+            <a:ln>
+              <a:noFill/>
+            </a:ln>
+          </p:spPr>
+        </p:pic>
+      </p:grpSp>
     </p:spTree>
     <p:extLst>
       <p:ext uri="{BB962C8B-B14F-4D97-AF65-F5344CB8AC3E}">
@@ -8557,10 +8812,17 @@
   <p:transition spd="slow">
     <p:wipe dir="r"/>
   </p:transition>
+  <p:timing>
+    <p:tnLst>
+      <p:par>
+        <p:cTn id="1" dur="indefinite" restart="never" nodeType="tmRoot"/>
+      </p:par>
+    </p:tnLst>
+  </p:timing>
 </p:sld>
 </file>
 
-<file path=ppt/slides/slide11.xml><?xml version="1.0" encoding="utf-8"?>
+<file path=ppt/slides/slide12.xml><?xml version="1.0" encoding="utf-8"?>
 <p:sld xmlns:a="http://schemas.openxmlformats.org/drawingml/2006/main" xmlns:r="http://schemas.openxmlformats.org/officeDocument/2006/relationships" xmlns:p="http://schemas.openxmlformats.org/presentationml/2006/main">
   <p:cSld>
     <p:spTree>
@@ -9573,7 +9835,7 @@
 </p:sld>
 </file>
 
-<file path=ppt/slides/slide12.xml><?xml version="1.0" encoding="utf-8"?>
+<file path=ppt/slides/slide13.xml><?xml version="1.0" encoding="utf-8"?>
 <p:sld xmlns:a="http://schemas.openxmlformats.org/drawingml/2006/main" xmlns:r="http://schemas.openxmlformats.org/officeDocument/2006/relationships" xmlns:p="http://schemas.openxmlformats.org/presentationml/2006/main">
   <p:cSld>
     <p:spTree>
@@ -10563,7 +10825,7 @@
 </p:sld>
 </file>
 
-<file path=ppt/slides/slide13.xml><?xml version="1.0" encoding="utf-8"?>
+<file path=ppt/slides/slide14.xml><?xml version="1.0" encoding="utf-8"?>
 <p:sld xmlns:a="http://schemas.openxmlformats.org/drawingml/2006/main" xmlns:r="http://schemas.openxmlformats.org/officeDocument/2006/relationships" xmlns:p="http://schemas.openxmlformats.org/presentationml/2006/main">
   <p:cSld>
     <p:spTree>
@@ -10801,7 +11063,1030 @@
           <a:p>
             <a:r>
               <a:rPr lang="en-US" dirty="0" smtClean="0"/>
-              <a:t>The Physical Architecture</a:t>
+              <a:t>High Level Architecture</a:t>
+            </a:r>
+            <a:endParaRPr lang="en-US" dirty="0"/>
+          </a:p>
+        </p:txBody>
+      </p:sp>
+      <p:sp>
+        <p:nvSpPr>
+          <p:cNvPr id="3" name="Content Placeholder 2"/>
+          <p:cNvSpPr>
+            <a:spLocks noGrp="1"/>
+          </p:cNvSpPr>
+          <p:nvPr>
+            <p:ph idx="1"/>
+          </p:nvPr>
+        </p:nvSpPr>
+        <p:spPr/>
+        <p:txBody>
+          <a:bodyPr/>
+          <a:lstStyle/>
+          <a:p>
+            <a:r>
+              <a:rPr lang="en-US" dirty="0" smtClean="0"/>
+              <a:t>The high-level architecture remains</a:t>
+            </a:r>
+          </a:p>
+          <a:p>
+            <a:pPr lvl="1"/>
+            <a:r>
+              <a:rPr lang="en-US" dirty="0" smtClean="0"/>
+              <a:t>A VistA system (or systems)</a:t>
+            </a:r>
+          </a:p>
+          <a:p>
+            <a:pPr lvl="2"/>
+            <a:r>
+              <a:rPr lang="en-US" dirty="0" smtClean="0"/>
+              <a:t>Dev-sandboxed </a:t>
+            </a:r>
+            <a:r>
+              <a:rPr lang="en-US" dirty="0" err="1" smtClean="0"/>
+              <a:t>VistA</a:t>
+            </a:r>
+            <a:r>
+              <a:rPr lang="en-US" dirty="0" smtClean="0"/>
+              <a:t> system </a:t>
+            </a:r>
+            <a:r>
+              <a:rPr lang="en-US" dirty="0" smtClean="0"/>
+              <a:t>in a cloud VM for this project</a:t>
+            </a:r>
+          </a:p>
+          <a:p>
+            <a:pPr lvl="1"/>
+            <a:r>
+              <a:rPr lang="en-US" dirty="0" smtClean="0"/>
+              <a:t>A middle tier web-service application running in a cloud VM</a:t>
+            </a:r>
+          </a:p>
+          <a:p>
+            <a:pPr lvl="1"/>
+            <a:r>
+              <a:rPr lang="en-US" dirty="0" smtClean="0"/>
+              <a:t>A phone application that includes logic and UI but no data</a:t>
+            </a:r>
+          </a:p>
+          <a:p>
+            <a:pPr lvl="2"/>
+            <a:r>
+              <a:rPr lang="en-US" dirty="0" smtClean="0"/>
+              <a:t>We are using a “write once – target all” development environment</a:t>
+            </a:r>
+          </a:p>
+          <a:p>
+            <a:pPr lvl="2"/>
+            <a:r>
+              <a:rPr lang="en-US" dirty="0" smtClean="0"/>
+              <a:t>The phone app will use the phone’s location services and calendar</a:t>
+            </a:r>
+          </a:p>
+          <a:p>
+            <a:pPr lvl="2"/>
+            <a:endParaRPr lang="en-US" dirty="0"/>
+          </a:p>
+          <a:p>
+            <a:pPr lvl="1"/>
+            <a:r>
+              <a:rPr lang="en-US" dirty="0" smtClean="0"/>
+              <a:t>See System Architecture Document</a:t>
+            </a:r>
+          </a:p>
+          <a:p>
+            <a:pPr lvl="2"/>
+            <a:r>
+              <a:rPr lang="en-US" u="sng" dirty="0" smtClean="0"/>
+              <a:t>Package </a:t>
+            </a:r>
+            <a:r>
+              <a:rPr lang="en-US" u="sng" dirty="0"/>
+              <a:t>l</a:t>
+            </a:r>
+            <a:r>
+              <a:rPr lang="en-US" u="sng" dirty="0" smtClean="0"/>
+              <a:t>ayer diagram</a:t>
+            </a:r>
+            <a:r>
+              <a:rPr lang="en-US" dirty="0" smtClean="0"/>
+              <a:t>, component diagram, top level class diagram</a:t>
+            </a:r>
+            <a:endParaRPr lang="en-US" dirty="0"/>
+          </a:p>
+        </p:txBody>
+      </p:sp>
+    </p:spTree>
+    <p:extLst>
+      <p:ext uri="{BB962C8B-B14F-4D97-AF65-F5344CB8AC3E}">
+        <p14:creationId xmlns:p14="http://schemas.microsoft.com/office/powerpoint/2010/main" val="853126107"/>
+      </p:ext>
+    </p:extLst>
+  </p:cSld>
+  <p:clrMapOvr>
+    <a:masterClrMapping/>
+  </p:clrMapOvr>
+  <p:transition spd="slow">
+    <p:wipe dir="r"/>
+  </p:transition>
+  <p:timing>
+    <p:tnLst>
+      <p:par>
+        <p:cTn id="1" dur="indefinite" restart="never" nodeType="tmRoot"/>
+      </p:par>
+    </p:tnLst>
+  </p:timing>
+</p:sld>
+</file>
+
+<file path=ppt/slides/slide4.xml><?xml version="1.0" encoding="utf-8"?>
+<p:sld xmlns:a="http://schemas.openxmlformats.org/drawingml/2006/main" xmlns:r="http://schemas.openxmlformats.org/officeDocument/2006/relationships" xmlns:p="http://schemas.openxmlformats.org/presentationml/2006/main">
+  <p:cSld>
+    <p:spTree>
+      <p:nvGrpSpPr>
+        <p:cNvPr id="1" name=""/>
+        <p:cNvGrpSpPr/>
+        <p:nvPr/>
+      </p:nvGrpSpPr>
+      <p:grpSpPr>
+        <a:xfrm>
+          <a:off x="0" y="0"/>
+          <a:ext cx="0" cy="0"/>
+          <a:chOff x="0" y="0"/>
+          <a:chExt cx="0" cy="0"/>
+        </a:xfrm>
+      </p:grpSpPr>
+      <p:sp>
+        <p:nvSpPr>
+          <p:cNvPr id="26" name="Cloud 25"/>
+          <p:cNvSpPr/>
+          <p:nvPr/>
+        </p:nvSpPr>
+        <p:spPr>
+          <a:xfrm>
+            <a:off x="2705100" y="3322321"/>
+            <a:ext cx="7589082" cy="3642360"/>
+          </a:xfrm>
+          <a:prstGeom prst="cloud">
+            <a:avLst/>
+          </a:prstGeom>
+        </p:spPr>
+        <p:style>
+          <a:lnRef idx="2">
+            <a:schemeClr val="accent1">
+              <a:shade val="50000"/>
+            </a:schemeClr>
+          </a:lnRef>
+          <a:fillRef idx="1">
+            <a:schemeClr val="accent1"/>
+          </a:fillRef>
+          <a:effectRef idx="0">
+            <a:schemeClr val="accent1"/>
+          </a:effectRef>
+          <a:fontRef idx="minor">
+            <a:schemeClr val="lt1"/>
+          </a:fontRef>
+        </p:style>
+        <p:txBody>
+          <a:bodyPr rtlCol="0" anchor="ctr"/>
+          <a:lstStyle/>
+          <a:p>
+            <a:pPr algn="r"/>
+            <a:r>
+              <a:rPr lang="en-US" sz="2400" dirty="0" smtClean="0"/>
+              <a:t>AWS Cloud</a:t>
+            </a:r>
+            <a:endParaRPr lang="en-US" sz="2400" dirty="0"/>
+          </a:p>
+        </p:txBody>
+      </p:sp>
+      <p:sp>
+        <p:nvSpPr>
+          <p:cNvPr id="2" name="Title 1"/>
+          <p:cNvSpPr>
+            <a:spLocks noGrp="1"/>
+          </p:cNvSpPr>
+          <p:nvPr>
+            <p:ph type="title"/>
+          </p:nvPr>
+        </p:nvSpPr>
+        <p:spPr/>
+        <p:txBody>
+          <a:bodyPr/>
+          <a:lstStyle/>
+          <a:p>
+            <a:r>
+              <a:rPr lang="en-US" dirty="0" smtClean="0"/>
+              <a:t>A Little UML: A Package Diagram</a:t>
+            </a:r>
+            <a:endParaRPr lang="en-US" dirty="0"/>
+          </a:p>
+        </p:txBody>
+      </p:sp>
+      <p:pic>
+        <p:nvPicPr>
+          <p:cNvPr id="4" name="Picture 3"/>
+          <p:cNvPicPr>
+            <a:picLocks noChangeAspect="1"/>
+          </p:cNvPicPr>
+          <p:nvPr/>
+        </p:nvPicPr>
+        <p:blipFill>
+          <a:blip r:embed="rId2"/>
+          <a:stretch>
+            <a:fillRect/>
+          </a:stretch>
+        </p:blipFill>
+        <p:spPr>
+          <a:xfrm>
+            <a:off x="388761" y="2045110"/>
+            <a:ext cx="5068930" cy="1598189"/>
+          </a:xfrm>
+          <a:prstGeom prst="rect">
+            <a:avLst/>
+          </a:prstGeom>
+        </p:spPr>
+      </p:pic>
+      <p:pic>
+        <p:nvPicPr>
+          <p:cNvPr id="5" name="Picture 4"/>
+          <p:cNvPicPr>
+            <a:picLocks noChangeAspect="1"/>
+          </p:cNvPicPr>
+          <p:nvPr/>
+        </p:nvPicPr>
+        <p:blipFill>
+          <a:blip r:embed="rId3"/>
+          <a:stretch>
+            <a:fillRect/>
+          </a:stretch>
+        </p:blipFill>
+        <p:spPr>
+          <a:xfrm>
+            <a:off x="3047699" y="3643299"/>
+            <a:ext cx="4099875" cy="1626334"/>
+          </a:xfrm>
+          <a:prstGeom prst="rect">
+            <a:avLst/>
+          </a:prstGeom>
+        </p:spPr>
+      </p:pic>
+      <p:pic>
+        <p:nvPicPr>
+          <p:cNvPr id="6" name="Picture 5"/>
+          <p:cNvPicPr>
+            <a:picLocks noChangeAspect="1"/>
+          </p:cNvPicPr>
+          <p:nvPr/>
+        </p:nvPicPr>
+        <p:blipFill>
+          <a:blip r:embed="rId4"/>
+          <a:stretch>
+            <a:fillRect/>
+          </a:stretch>
+        </p:blipFill>
+        <p:spPr>
+          <a:xfrm>
+            <a:off x="4220106" y="5269633"/>
+            <a:ext cx="5442938" cy="1484667"/>
+          </a:xfrm>
+          <a:prstGeom prst="rect">
+            <a:avLst/>
+          </a:prstGeom>
+        </p:spPr>
+      </p:pic>
+      <p:sp>
+        <p:nvSpPr>
+          <p:cNvPr id="11" name="Freeform 10"/>
+          <p:cNvSpPr/>
+          <p:nvPr/>
+        </p:nvSpPr>
+        <p:spPr>
+          <a:xfrm>
+            <a:off x="1192544" y="3219983"/>
+            <a:ext cx="1287780" cy="342900"/>
+          </a:xfrm>
+          <a:custGeom>
+            <a:avLst/>
+            <a:gdLst>
+              <a:gd name="connsiteX0" fmla="*/ 0 w 1287780"/>
+              <a:gd name="connsiteY0" fmla="*/ 15240 h 556277"/>
+              <a:gd name="connsiteX1" fmla="*/ 685800 w 1287780"/>
+              <a:gd name="connsiteY1" fmla="*/ 556260 h 556277"/>
+              <a:gd name="connsiteX2" fmla="*/ 1287780 w 1287780"/>
+              <a:gd name="connsiteY2" fmla="*/ 0 h 556277"/>
+            </a:gdLst>
+            <a:ahLst/>
+            <a:cxnLst>
+              <a:cxn ang="0">
+                <a:pos x="connsiteX0" y="connsiteY0"/>
+              </a:cxn>
+              <a:cxn ang="0">
+                <a:pos x="connsiteX1" y="connsiteY1"/>
+              </a:cxn>
+              <a:cxn ang="0">
+                <a:pos x="connsiteX2" y="connsiteY2"/>
+              </a:cxn>
+            </a:cxnLst>
+            <a:rect l="l" t="t" r="r" b="b"/>
+            <a:pathLst>
+              <a:path w="1287780" h="556277">
+                <a:moveTo>
+                  <a:pt x="0" y="15240"/>
+                </a:moveTo>
+                <a:cubicBezTo>
+                  <a:pt x="235585" y="287020"/>
+                  <a:pt x="471170" y="558800"/>
+                  <a:pt x="685800" y="556260"/>
+                </a:cubicBezTo>
+                <a:cubicBezTo>
+                  <a:pt x="900430" y="553720"/>
+                  <a:pt x="1188720" y="93980"/>
+                  <a:pt x="1287780" y="0"/>
+                </a:cubicBezTo>
+              </a:path>
+            </a:pathLst>
+          </a:custGeom>
+          <a:ln w="31750">
+            <a:prstDash val="sysDash"/>
+            <a:tailEnd type="stealth" w="lg" len="lg"/>
+          </a:ln>
+        </p:spPr>
+        <p:style>
+          <a:lnRef idx="3">
+            <a:schemeClr val="accent3"/>
+          </a:lnRef>
+          <a:fillRef idx="0">
+            <a:schemeClr val="accent3"/>
+          </a:fillRef>
+          <a:effectRef idx="2">
+            <a:schemeClr val="accent3"/>
+          </a:effectRef>
+          <a:fontRef idx="minor">
+            <a:schemeClr val="tx1"/>
+          </a:fontRef>
+        </p:style>
+        <p:txBody>
+          <a:bodyPr rtlCol="0" anchor="ctr"/>
+          <a:lstStyle/>
+          <a:p>
+            <a:pPr algn="ctr"/>
+            <a:endParaRPr lang="en-US"/>
+          </a:p>
+        </p:txBody>
+      </p:sp>
+      <p:sp>
+        <p:nvSpPr>
+          <p:cNvPr id="12" name="Freeform 11"/>
+          <p:cNvSpPr/>
+          <p:nvPr/>
+        </p:nvSpPr>
+        <p:spPr>
+          <a:xfrm flipH="1">
+            <a:off x="4274820" y="4800601"/>
+            <a:ext cx="1424940" cy="320039"/>
+          </a:xfrm>
+          <a:custGeom>
+            <a:avLst/>
+            <a:gdLst>
+              <a:gd name="connsiteX0" fmla="*/ 0 w 1287780"/>
+              <a:gd name="connsiteY0" fmla="*/ 15240 h 556277"/>
+              <a:gd name="connsiteX1" fmla="*/ 685800 w 1287780"/>
+              <a:gd name="connsiteY1" fmla="*/ 556260 h 556277"/>
+              <a:gd name="connsiteX2" fmla="*/ 1287780 w 1287780"/>
+              <a:gd name="connsiteY2" fmla="*/ 0 h 556277"/>
+            </a:gdLst>
+            <a:ahLst/>
+            <a:cxnLst>
+              <a:cxn ang="0">
+                <a:pos x="connsiteX0" y="connsiteY0"/>
+              </a:cxn>
+              <a:cxn ang="0">
+                <a:pos x="connsiteX1" y="connsiteY1"/>
+              </a:cxn>
+              <a:cxn ang="0">
+                <a:pos x="connsiteX2" y="connsiteY2"/>
+              </a:cxn>
+            </a:cxnLst>
+            <a:rect l="l" t="t" r="r" b="b"/>
+            <a:pathLst>
+              <a:path w="1287780" h="556277">
+                <a:moveTo>
+                  <a:pt x="0" y="15240"/>
+                </a:moveTo>
+                <a:cubicBezTo>
+                  <a:pt x="235585" y="287020"/>
+                  <a:pt x="471170" y="558800"/>
+                  <a:pt x="685800" y="556260"/>
+                </a:cubicBezTo>
+                <a:cubicBezTo>
+                  <a:pt x="900430" y="553720"/>
+                  <a:pt x="1188720" y="93980"/>
+                  <a:pt x="1287780" y="0"/>
+                </a:cubicBezTo>
+              </a:path>
+            </a:pathLst>
+          </a:custGeom>
+          <a:ln w="31750">
+            <a:prstDash val="sysDash"/>
+            <a:tailEnd type="stealth" w="lg" len="lg"/>
+          </a:ln>
+        </p:spPr>
+        <p:style>
+          <a:lnRef idx="3">
+            <a:schemeClr val="accent3"/>
+          </a:lnRef>
+          <a:fillRef idx="0">
+            <a:schemeClr val="accent3"/>
+          </a:fillRef>
+          <a:effectRef idx="2">
+            <a:schemeClr val="accent3"/>
+          </a:effectRef>
+          <a:fontRef idx="minor">
+            <a:schemeClr val="tx1"/>
+          </a:fontRef>
+        </p:style>
+        <p:txBody>
+          <a:bodyPr rtlCol="0" anchor="ctr"/>
+          <a:lstStyle/>
+          <a:p>
+            <a:pPr algn="ctr"/>
+            <a:endParaRPr lang="en-US"/>
+          </a:p>
+        </p:txBody>
+      </p:sp>
+      <p:sp>
+        <p:nvSpPr>
+          <p:cNvPr id="13" name="Freeform 12"/>
+          <p:cNvSpPr/>
+          <p:nvPr/>
+        </p:nvSpPr>
+        <p:spPr>
+          <a:xfrm flipH="1">
+            <a:off x="7195065" y="6339841"/>
+            <a:ext cx="1424940" cy="320039"/>
+          </a:xfrm>
+          <a:custGeom>
+            <a:avLst/>
+            <a:gdLst>
+              <a:gd name="connsiteX0" fmla="*/ 0 w 1287780"/>
+              <a:gd name="connsiteY0" fmla="*/ 15240 h 556277"/>
+              <a:gd name="connsiteX1" fmla="*/ 685800 w 1287780"/>
+              <a:gd name="connsiteY1" fmla="*/ 556260 h 556277"/>
+              <a:gd name="connsiteX2" fmla="*/ 1287780 w 1287780"/>
+              <a:gd name="connsiteY2" fmla="*/ 0 h 556277"/>
+            </a:gdLst>
+            <a:ahLst/>
+            <a:cxnLst>
+              <a:cxn ang="0">
+                <a:pos x="connsiteX0" y="connsiteY0"/>
+              </a:cxn>
+              <a:cxn ang="0">
+                <a:pos x="connsiteX1" y="connsiteY1"/>
+              </a:cxn>
+              <a:cxn ang="0">
+                <a:pos x="connsiteX2" y="connsiteY2"/>
+              </a:cxn>
+            </a:cxnLst>
+            <a:rect l="l" t="t" r="r" b="b"/>
+            <a:pathLst>
+              <a:path w="1287780" h="556277">
+                <a:moveTo>
+                  <a:pt x="0" y="15240"/>
+                </a:moveTo>
+                <a:cubicBezTo>
+                  <a:pt x="235585" y="287020"/>
+                  <a:pt x="471170" y="558800"/>
+                  <a:pt x="685800" y="556260"/>
+                </a:cubicBezTo>
+                <a:cubicBezTo>
+                  <a:pt x="900430" y="553720"/>
+                  <a:pt x="1188720" y="93980"/>
+                  <a:pt x="1287780" y="0"/>
+                </a:cubicBezTo>
+              </a:path>
+            </a:pathLst>
+          </a:custGeom>
+          <a:ln w="31750">
+            <a:prstDash val="sysDash"/>
+            <a:tailEnd type="stealth" w="lg" len="lg"/>
+          </a:ln>
+        </p:spPr>
+        <p:style>
+          <a:lnRef idx="3">
+            <a:schemeClr val="accent3"/>
+          </a:lnRef>
+          <a:fillRef idx="0">
+            <a:schemeClr val="accent3"/>
+          </a:fillRef>
+          <a:effectRef idx="2">
+            <a:schemeClr val="accent3"/>
+          </a:effectRef>
+          <a:fontRef idx="minor">
+            <a:schemeClr val="tx1"/>
+          </a:fontRef>
+        </p:style>
+        <p:txBody>
+          <a:bodyPr rtlCol="0" anchor="ctr"/>
+          <a:lstStyle/>
+          <a:p>
+            <a:pPr algn="ctr"/>
+            <a:endParaRPr lang="en-US"/>
+          </a:p>
+        </p:txBody>
+      </p:sp>
+      <p:sp>
+        <p:nvSpPr>
+          <p:cNvPr id="14" name="Freeform 13"/>
+          <p:cNvSpPr/>
+          <p:nvPr/>
+        </p:nvSpPr>
+        <p:spPr>
+          <a:xfrm flipH="1">
+            <a:off x="5183922" y="6339841"/>
+            <a:ext cx="1424940" cy="320039"/>
+          </a:xfrm>
+          <a:custGeom>
+            <a:avLst/>
+            <a:gdLst>
+              <a:gd name="connsiteX0" fmla="*/ 0 w 1287780"/>
+              <a:gd name="connsiteY0" fmla="*/ 15240 h 556277"/>
+              <a:gd name="connsiteX1" fmla="*/ 685800 w 1287780"/>
+              <a:gd name="connsiteY1" fmla="*/ 556260 h 556277"/>
+              <a:gd name="connsiteX2" fmla="*/ 1287780 w 1287780"/>
+              <a:gd name="connsiteY2" fmla="*/ 0 h 556277"/>
+            </a:gdLst>
+            <a:ahLst/>
+            <a:cxnLst>
+              <a:cxn ang="0">
+                <a:pos x="connsiteX0" y="connsiteY0"/>
+              </a:cxn>
+              <a:cxn ang="0">
+                <a:pos x="connsiteX1" y="connsiteY1"/>
+              </a:cxn>
+              <a:cxn ang="0">
+                <a:pos x="connsiteX2" y="connsiteY2"/>
+              </a:cxn>
+            </a:cxnLst>
+            <a:rect l="l" t="t" r="r" b="b"/>
+            <a:pathLst>
+              <a:path w="1287780" h="556277">
+                <a:moveTo>
+                  <a:pt x="0" y="15240"/>
+                </a:moveTo>
+                <a:cubicBezTo>
+                  <a:pt x="235585" y="287020"/>
+                  <a:pt x="471170" y="558800"/>
+                  <a:pt x="685800" y="556260"/>
+                </a:cubicBezTo>
+                <a:cubicBezTo>
+                  <a:pt x="900430" y="553720"/>
+                  <a:pt x="1188720" y="93980"/>
+                  <a:pt x="1287780" y="0"/>
+                </a:cubicBezTo>
+              </a:path>
+            </a:pathLst>
+          </a:custGeom>
+          <a:ln w="31750">
+            <a:prstDash val="sysDash"/>
+            <a:tailEnd type="stealth" w="lg" len="lg"/>
+          </a:ln>
+        </p:spPr>
+        <p:style>
+          <a:lnRef idx="3">
+            <a:schemeClr val="accent3"/>
+          </a:lnRef>
+          <a:fillRef idx="0">
+            <a:schemeClr val="accent3"/>
+          </a:fillRef>
+          <a:effectRef idx="2">
+            <a:schemeClr val="accent3"/>
+          </a:effectRef>
+          <a:fontRef idx="minor">
+            <a:schemeClr val="tx1"/>
+          </a:fontRef>
+        </p:style>
+        <p:txBody>
+          <a:bodyPr rtlCol="0" anchor="ctr"/>
+          <a:lstStyle/>
+          <a:p>
+            <a:pPr algn="ctr"/>
+            <a:endParaRPr lang="en-US"/>
+          </a:p>
+        </p:txBody>
+      </p:sp>
+      <p:cxnSp>
+        <p:nvCxnSpPr>
+          <p:cNvPr id="16" name="Straight Arrow Connector 15"/>
+          <p:cNvCxnSpPr/>
+          <p:nvPr/>
+        </p:nvCxnSpPr>
+        <p:spPr>
+          <a:xfrm flipV="1">
+            <a:off x="3047699" y="2670113"/>
+            <a:ext cx="846121" cy="290835"/>
+          </a:xfrm>
+          <a:prstGeom prst="straightConnector1">
+            <a:avLst/>
+          </a:prstGeom>
+          <a:ln w="31750">
+            <a:prstDash val="sysDash"/>
+            <a:tailEnd type="stealth" w="lg" len="lg"/>
+          </a:ln>
+        </p:spPr>
+        <p:style>
+          <a:lnRef idx="3">
+            <a:schemeClr val="accent3"/>
+          </a:lnRef>
+          <a:fillRef idx="0">
+            <a:schemeClr val="accent3"/>
+          </a:fillRef>
+          <a:effectRef idx="2">
+            <a:schemeClr val="accent3"/>
+          </a:effectRef>
+          <a:fontRef idx="minor">
+            <a:schemeClr val="tx1"/>
+          </a:fontRef>
+        </p:style>
+      </p:cxnSp>
+      <p:cxnSp>
+        <p:nvCxnSpPr>
+          <p:cNvPr id="17" name="Straight Arrow Connector 16"/>
+          <p:cNvCxnSpPr/>
+          <p:nvPr/>
+        </p:nvCxnSpPr>
+        <p:spPr>
+          <a:xfrm>
+            <a:off x="3047699" y="2960948"/>
+            <a:ext cx="846121" cy="210944"/>
+          </a:xfrm>
+          <a:prstGeom prst="straightConnector1">
+            <a:avLst/>
+          </a:prstGeom>
+          <a:ln w="31750">
+            <a:prstDash val="sysDash"/>
+            <a:tailEnd type="stealth" w="lg" len="lg"/>
+          </a:ln>
+        </p:spPr>
+        <p:style>
+          <a:lnRef idx="3">
+            <a:schemeClr val="accent3"/>
+          </a:lnRef>
+          <a:fillRef idx="0">
+            <a:schemeClr val="accent3"/>
+          </a:fillRef>
+          <a:effectRef idx="2">
+            <a:schemeClr val="accent3"/>
+          </a:effectRef>
+          <a:fontRef idx="minor">
+            <a:schemeClr val="tx1"/>
+          </a:fontRef>
+        </p:style>
+      </p:cxnSp>
+      <p:cxnSp>
+        <p:nvCxnSpPr>
+          <p:cNvPr id="20" name="Straight Arrow Connector 19"/>
+          <p:cNvCxnSpPr/>
+          <p:nvPr/>
+        </p:nvCxnSpPr>
+        <p:spPr>
+          <a:xfrm>
+            <a:off x="2705100" y="3196652"/>
+            <a:ext cx="2689860" cy="1390630"/>
+          </a:xfrm>
+          <a:prstGeom prst="straightConnector1">
+            <a:avLst/>
+          </a:prstGeom>
+          <a:ln w="31750">
+            <a:prstDash val="sysDash"/>
+            <a:tailEnd type="stealth" w="lg" len="lg"/>
+          </a:ln>
+        </p:spPr>
+        <p:style>
+          <a:lnRef idx="3">
+            <a:schemeClr val="accent3"/>
+          </a:lnRef>
+          <a:fillRef idx="0">
+            <a:schemeClr val="accent3"/>
+          </a:fillRef>
+          <a:effectRef idx="2">
+            <a:schemeClr val="accent3"/>
+          </a:effectRef>
+          <a:fontRef idx="minor">
+            <a:schemeClr val="tx1"/>
+          </a:fontRef>
+        </p:style>
+      </p:cxnSp>
+      <p:cxnSp>
+        <p:nvCxnSpPr>
+          <p:cNvPr id="24" name="Straight Arrow Connector 23"/>
+          <p:cNvCxnSpPr/>
+          <p:nvPr/>
+        </p:nvCxnSpPr>
+        <p:spPr>
+          <a:xfrm>
+            <a:off x="6042660" y="4743512"/>
+            <a:ext cx="1973580" cy="1337248"/>
+          </a:xfrm>
+          <a:prstGeom prst="straightConnector1">
+            <a:avLst/>
+          </a:prstGeom>
+          <a:ln w="31750">
+            <a:prstDash val="sysDash"/>
+            <a:tailEnd type="stealth" w="lg" len="lg"/>
+          </a:ln>
+        </p:spPr>
+        <p:style>
+          <a:lnRef idx="3">
+            <a:schemeClr val="accent3"/>
+          </a:lnRef>
+          <a:fillRef idx="0">
+            <a:schemeClr val="accent3"/>
+          </a:fillRef>
+          <a:effectRef idx="2">
+            <a:schemeClr val="accent3"/>
+          </a:effectRef>
+          <a:fontRef idx="minor">
+            <a:schemeClr val="tx1"/>
+          </a:fontRef>
+        </p:style>
+      </p:cxnSp>
+    </p:spTree>
+    <p:extLst>
+      <p:ext uri="{BB962C8B-B14F-4D97-AF65-F5344CB8AC3E}">
+        <p14:creationId xmlns:p14="http://schemas.microsoft.com/office/powerpoint/2010/main" val="2581797375"/>
+      </p:ext>
+    </p:extLst>
+  </p:cSld>
+  <p:clrMapOvr>
+    <a:masterClrMapping/>
+  </p:clrMapOvr>
+  <p:transition spd="slow">
+    <p:wipe dir="r"/>
+  </p:transition>
+  <p:timing>
+    <p:tnLst>
+      <p:par>
+        <p:cTn id="1" dur="indefinite" restart="never" nodeType="tmRoot">
+          <p:childTnLst>
+            <p:seq concurrent="1" nextAc="seek">
+              <p:cTn id="2" dur="indefinite" nodeType="mainSeq">
+                <p:childTnLst>
+                  <p:par>
+                    <p:cTn id="3" fill="hold">
+                      <p:stCondLst>
+                        <p:cond delay="indefinite"/>
+                      </p:stCondLst>
+                      <p:childTnLst>
+                        <p:par>
+                          <p:cTn id="4" fill="hold">
+                            <p:stCondLst>
+                              <p:cond delay="0"/>
+                            </p:stCondLst>
+                            <p:childTnLst>
+                              <p:par>
+                                <p:cTn id="5" presetID="22" presetClass="entr" presetSubtype="4" fill="hold" grpId="0" nodeType="clickEffect">
+                                  <p:stCondLst>
+                                    <p:cond delay="0"/>
+                                  </p:stCondLst>
+                                  <p:childTnLst>
+                                    <p:set>
+                                      <p:cBhvr>
+                                        <p:cTn id="6" dur="1" fill="hold">
+                                          <p:stCondLst>
+                                            <p:cond delay="0"/>
+                                          </p:stCondLst>
+                                        </p:cTn>
+                                        <p:tgtEl>
+                                          <p:spTgt spid="26"/>
+                                        </p:tgtEl>
+                                        <p:attrNameLst>
+                                          <p:attrName>style.visibility</p:attrName>
+                                        </p:attrNameLst>
+                                      </p:cBhvr>
+                                      <p:to>
+                                        <p:strVal val="visible"/>
+                                      </p:to>
+                                    </p:set>
+                                    <p:animEffect transition="in" filter="wipe(down)">
+                                      <p:cBhvr>
+                                        <p:cTn id="7" dur="500"/>
+                                        <p:tgtEl>
+                                          <p:spTgt spid="26"/>
+                                        </p:tgtEl>
+                                      </p:cBhvr>
+                                    </p:animEffect>
+                                  </p:childTnLst>
+                                </p:cTn>
+                              </p:par>
+                            </p:childTnLst>
+                          </p:cTn>
+                        </p:par>
+                      </p:childTnLst>
+                    </p:cTn>
+                  </p:par>
+                </p:childTnLst>
+              </p:cTn>
+              <p:prevCondLst>
+                <p:cond evt="onPrev" delay="0">
+                  <p:tgtEl>
+                    <p:sldTgt/>
+                  </p:tgtEl>
+                </p:cond>
+              </p:prevCondLst>
+              <p:nextCondLst>
+                <p:cond evt="onNext" delay="0">
+                  <p:tgtEl>
+                    <p:sldTgt/>
+                  </p:tgtEl>
+                </p:cond>
+              </p:nextCondLst>
+            </p:seq>
+          </p:childTnLst>
+        </p:cTn>
+      </p:par>
+    </p:tnLst>
+    <p:bldLst>
+      <p:bldP spid="26" grpId="0" animBg="1"/>
+    </p:bldLst>
+  </p:timing>
+</p:sld>
+</file>
+
+<file path=ppt/slides/slide5.xml><?xml version="1.0" encoding="utf-8"?>
+<p:sld xmlns:a="http://schemas.openxmlformats.org/drawingml/2006/main" xmlns:r="http://schemas.openxmlformats.org/officeDocument/2006/relationships" xmlns:p="http://schemas.openxmlformats.org/presentationml/2006/main">
+  <p:cSld>
+    <p:spTree>
+      <p:nvGrpSpPr>
+        <p:cNvPr id="1" name=""/>
+        <p:cNvGrpSpPr/>
+        <p:nvPr/>
+      </p:nvGrpSpPr>
+      <p:grpSpPr>
+        <a:xfrm>
+          <a:off x="0" y="0"/>
+          <a:ext cx="0" cy="0"/>
+          <a:chOff x="0" y="0"/>
+          <a:chExt cx="0" cy="0"/>
+        </a:xfrm>
+      </p:grpSpPr>
+      <p:grpSp>
+        <p:nvGrpSpPr>
+          <p:cNvPr id="21" name="Group 20"/>
+          <p:cNvGrpSpPr/>
+          <p:nvPr/>
+        </p:nvGrpSpPr>
+        <p:grpSpPr>
+          <a:xfrm>
+            <a:off x="7054451" y="2220598"/>
+            <a:ext cx="2281084" cy="1248697"/>
+            <a:chOff x="7054451" y="2220598"/>
+            <a:chExt cx="2281084" cy="1248697"/>
+          </a:xfrm>
+        </p:grpSpPr>
+        <p:sp>
+          <p:nvSpPr>
+            <p:cNvPr id="17" name="Rectangle 16"/>
+            <p:cNvSpPr/>
+            <p:nvPr/>
+          </p:nvSpPr>
+          <p:spPr>
+            <a:xfrm>
+              <a:off x="7359251" y="2525398"/>
+              <a:ext cx="1976284" cy="943897"/>
+            </a:xfrm>
+            <a:prstGeom prst="rect">
+              <a:avLst/>
+            </a:prstGeom>
+          </p:spPr>
+          <p:style>
+            <a:lnRef idx="2">
+              <a:schemeClr val="accent3">
+                <a:shade val="50000"/>
+              </a:schemeClr>
+            </a:lnRef>
+            <a:fillRef idx="1">
+              <a:schemeClr val="accent3"/>
+            </a:fillRef>
+            <a:effectRef idx="0">
+              <a:schemeClr val="accent3"/>
+            </a:effectRef>
+            <a:fontRef idx="minor">
+              <a:schemeClr val="lt1"/>
+            </a:fontRef>
+          </p:style>
+          <p:txBody>
+            <a:bodyPr rtlCol="0" anchor="b" anchorCtr="1"/>
+            <a:lstStyle/>
+            <a:p>
+              <a:pPr algn="ctr"/>
+              <a:endParaRPr lang="en-US" sz="1400" dirty="0"/>
+            </a:p>
+          </p:txBody>
+        </p:sp>
+        <p:sp>
+          <p:nvSpPr>
+            <p:cNvPr id="16" name="Rectangle 15"/>
+            <p:cNvSpPr/>
+            <p:nvPr/>
+          </p:nvSpPr>
+          <p:spPr>
+            <a:xfrm>
+              <a:off x="7206851" y="2372998"/>
+              <a:ext cx="1976284" cy="943897"/>
+            </a:xfrm>
+            <a:prstGeom prst="rect">
+              <a:avLst/>
+            </a:prstGeom>
+          </p:spPr>
+          <p:style>
+            <a:lnRef idx="2">
+              <a:schemeClr val="accent3">
+                <a:shade val="50000"/>
+              </a:schemeClr>
+            </a:lnRef>
+            <a:fillRef idx="1">
+              <a:schemeClr val="accent3"/>
+            </a:fillRef>
+            <a:effectRef idx="0">
+              <a:schemeClr val="accent3"/>
+            </a:effectRef>
+            <a:fontRef idx="minor">
+              <a:schemeClr val="lt1"/>
+            </a:fontRef>
+          </p:style>
+          <p:txBody>
+            <a:bodyPr rtlCol="0" anchor="b" anchorCtr="1"/>
+            <a:lstStyle/>
+            <a:p>
+              <a:pPr algn="ctr"/>
+              <a:endParaRPr lang="en-US" sz="1400" dirty="0"/>
+            </a:p>
+          </p:txBody>
+        </p:sp>
+        <p:sp>
+          <p:nvSpPr>
+            <p:cNvPr id="15" name="Rectangle 14"/>
+            <p:cNvSpPr/>
+            <p:nvPr/>
+          </p:nvSpPr>
+          <p:spPr>
+            <a:xfrm>
+              <a:off x="7054451" y="2220598"/>
+              <a:ext cx="1976284" cy="943897"/>
+            </a:xfrm>
+            <a:prstGeom prst="rect">
+              <a:avLst/>
+            </a:prstGeom>
+          </p:spPr>
+          <p:style>
+            <a:lnRef idx="2">
+              <a:schemeClr val="accent3">
+                <a:shade val="50000"/>
+              </a:schemeClr>
+            </a:lnRef>
+            <a:fillRef idx="1">
+              <a:schemeClr val="accent3"/>
+            </a:fillRef>
+            <a:effectRef idx="0">
+              <a:schemeClr val="accent3"/>
+            </a:effectRef>
+            <a:fontRef idx="minor">
+              <a:schemeClr val="lt1"/>
+            </a:fontRef>
+          </p:style>
+          <p:txBody>
+            <a:bodyPr rtlCol="0" anchor="b" anchorCtr="1"/>
+            <a:lstStyle/>
+            <a:p>
+              <a:pPr algn="ctr"/>
+              <a:endParaRPr lang="en-US" sz="1400" dirty="0"/>
+            </a:p>
+          </p:txBody>
+        </p:sp>
+      </p:grpSp>
+      <p:sp>
+        <p:nvSpPr>
+          <p:cNvPr id="2" name="Title 1"/>
+          <p:cNvSpPr>
+            <a:spLocks noGrp="1"/>
+          </p:cNvSpPr>
+          <p:nvPr>
+            <p:ph type="title"/>
+          </p:nvPr>
+        </p:nvSpPr>
+        <p:spPr/>
+        <p:txBody>
+          <a:bodyPr/>
+          <a:lstStyle/>
+          <a:p>
+            <a:r>
+              <a:rPr lang="en-US" dirty="0" smtClean="0"/>
+              <a:t>The Physical </a:t>
+            </a:r>
+            <a:r>
+              <a:rPr lang="en-US" dirty="0" smtClean="0"/>
+              <a:t>Architecture – Initial Concept</a:t>
             </a:r>
             <a:endParaRPr lang="en-US" dirty="0"/>
           </a:p>
@@ -10964,6 +12249,228 @@
       </p:grpSp>
       <p:grpSp>
         <p:nvGrpSpPr>
+          <p:cNvPr id="19" name="Group 18"/>
+          <p:cNvGrpSpPr/>
+          <p:nvPr/>
+        </p:nvGrpSpPr>
+        <p:grpSpPr>
+          <a:xfrm>
+            <a:off x="3927891" y="2071402"/>
+            <a:ext cx="1976284" cy="943897"/>
+            <a:chOff x="3927891" y="2071402"/>
+            <a:chExt cx="1976284" cy="943897"/>
+          </a:xfrm>
+        </p:grpSpPr>
+        <p:sp>
+          <p:nvSpPr>
+            <p:cNvPr id="8" name="Rectangle 7"/>
+            <p:cNvSpPr/>
+            <p:nvPr/>
+          </p:nvSpPr>
+          <p:spPr>
+            <a:xfrm>
+              <a:off x="3927891" y="2071402"/>
+              <a:ext cx="1976284" cy="943897"/>
+            </a:xfrm>
+            <a:prstGeom prst="rect">
+              <a:avLst/>
+            </a:prstGeom>
+          </p:spPr>
+          <p:style>
+            <a:lnRef idx="2">
+              <a:schemeClr val="accent3">
+                <a:shade val="50000"/>
+              </a:schemeClr>
+            </a:lnRef>
+            <a:fillRef idx="1">
+              <a:schemeClr val="accent3"/>
+            </a:fillRef>
+            <a:effectRef idx="0">
+              <a:schemeClr val="accent3"/>
+            </a:effectRef>
+            <a:fontRef idx="minor">
+              <a:schemeClr val="lt1"/>
+            </a:fontRef>
+          </p:style>
+          <p:txBody>
+            <a:bodyPr rtlCol="0" anchor="b" anchorCtr="1"/>
+            <a:lstStyle/>
+            <a:p>
+              <a:pPr algn="ctr"/>
+              <a:r>
+                <a:rPr lang="en-US" sz="1400" dirty="0" smtClean="0"/>
+                <a:t>VA Data Center</a:t>
+              </a:r>
+              <a:endParaRPr lang="en-US" sz="1400" dirty="0"/>
+            </a:p>
+          </p:txBody>
+        </p:sp>
+        <p:sp>
+          <p:nvSpPr>
+            <p:cNvPr id="9" name="Rectangle 8"/>
+            <p:cNvSpPr/>
+            <p:nvPr/>
+          </p:nvSpPr>
+          <p:spPr>
+            <a:xfrm>
+              <a:off x="4085207" y="2209054"/>
+              <a:ext cx="1710813" cy="514481"/>
+            </a:xfrm>
+            <a:prstGeom prst="rect">
+              <a:avLst/>
+            </a:prstGeom>
+          </p:spPr>
+          <p:style>
+            <a:lnRef idx="2">
+              <a:schemeClr val="accent1">
+                <a:shade val="50000"/>
+              </a:schemeClr>
+            </a:lnRef>
+            <a:fillRef idx="1">
+              <a:schemeClr val="accent1"/>
+            </a:fillRef>
+            <a:effectRef idx="0">
+              <a:schemeClr val="accent1"/>
+            </a:effectRef>
+            <a:fontRef idx="minor">
+              <a:schemeClr val="lt1"/>
+            </a:fontRef>
+          </p:style>
+          <p:txBody>
+            <a:bodyPr rtlCol="0" anchor="ctr"/>
+            <a:lstStyle/>
+            <a:p>
+              <a:pPr algn="ctr"/>
+              <a:r>
+                <a:rPr lang="en-US" sz="1600" dirty="0" smtClean="0"/>
+                <a:t>Sandboxed Dev </a:t>
+              </a:r>
+              <a:r>
+                <a:rPr lang="en-US" sz="1600" dirty="0" err="1" smtClean="0"/>
+                <a:t>VistA</a:t>
+              </a:r>
+              <a:r>
+                <a:rPr lang="en-US" sz="1600" dirty="0" smtClean="0"/>
+                <a:t> Instance</a:t>
+              </a:r>
+              <a:endParaRPr lang="en-US" sz="1600" dirty="0"/>
+            </a:p>
+          </p:txBody>
+        </p:sp>
+      </p:grpSp>
+      <p:grpSp>
+        <p:nvGrpSpPr>
+          <p:cNvPr id="20" name="Group 19"/>
+          <p:cNvGrpSpPr/>
+          <p:nvPr/>
+        </p:nvGrpSpPr>
+        <p:grpSpPr>
+          <a:xfrm>
+            <a:off x="6902051" y="2068198"/>
+            <a:ext cx="1976284" cy="943897"/>
+            <a:chOff x="6902051" y="2068198"/>
+            <a:chExt cx="1976284" cy="943897"/>
+          </a:xfrm>
+        </p:grpSpPr>
+        <p:sp>
+          <p:nvSpPr>
+            <p:cNvPr id="10" name="Rectangle 9"/>
+            <p:cNvSpPr/>
+            <p:nvPr/>
+          </p:nvSpPr>
+          <p:spPr>
+            <a:xfrm>
+              <a:off x="6902051" y="2068198"/>
+              <a:ext cx="1976284" cy="943897"/>
+            </a:xfrm>
+            <a:prstGeom prst="rect">
+              <a:avLst/>
+            </a:prstGeom>
+          </p:spPr>
+          <p:style>
+            <a:lnRef idx="2">
+              <a:schemeClr val="accent3">
+                <a:shade val="50000"/>
+              </a:schemeClr>
+            </a:lnRef>
+            <a:fillRef idx="1">
+              <a:schemeClr val="accent3"/>
+            </a:fillRef>
+            <a:effectRef idx="0">
+              <a:schemeClr val="accent3"/>
+            </a:effectRef>
+            <a:fontRef idx="minor">
+              <a:schemeClr val="lt1"/>
+            </a:fontRef>
+          </p:style>
+          <p:txBody>
+            <a:bodyPr rtlCol="0" anchor="b" anchorCtr="1"/>
+            <a:lstStyle/>
+            <a:p>
+              <a:pPr algn="ctr"/>
+              <a:r>
+                <a:rPr lang="en-US" sz="1400" dirty="0" smtClean="0"/>
+                <a:t>VA Data Center</a:t>
+              </a:r>
+              <a:endParaRPr lang="en-US" sz="1400" dirty="0"/>
+            </a:p>
+          </p:txBody>
+        </p:sp>
+        <p:sp>
+          <p:nvSpPr>
+            <p:cNvPr id="11" name="Rectangle 10"/>
+            <p:cNvSpPr/>
+            <p:nvPr/>
+          </p:nvSpPr>
+          <p:spPr>
+            <a:xfrm>
+              <a:off x="7059367" y="2205850"/>
+              <a:ext cx="1710813" cy="517685"/>
+            </a:xfrm>
+            <a:prstGeom prst="rect">
+              <a:avLst/>
+            </a:prstGeom>
+          </p:spPr>
+          <p:style>
+            <a:lnRef idx="2">
+              <a:schemeClr val="accent1">
+                <a:shade val="50000"/>
+              </a:schemeClr>
+            </a:lnRef>
+            <a:fillRef idx="1">
+              <a:schemeClr val="accent1"/>
+            </a:fillRef>
+            <a:effectRef idx="0">
+              <a:schemeClr val="accent1"/>
+            </a:effectRef>
+            <a:fontRef idx="minor">
+              <a:schemeClr val="lt1"/>
+            </a:fontRef>
+          </p:style>
+          <p:txBody>
+            <a:bodyPr rtlCol="0" anchor="ctr"/>
+            <a:lstStyle/>
+            <a:p>
+              <a:pPr algn="ctr"/>
+              <a:r>
+                <a:rPr lang="en-US" sz="1600" dirty="0" smtClean="0"/>
+                <a:t>Production  </a:t>
+              </a:r>
+              <a:r>
+                <a:rPr lang="en-US" sz="1600" dirty="0" err="1" smtClean="0"/>
+                <a:t>VistA</a:t>
+              </a:r>
+              <a:r>
+                <a:rPr lang="en-US" sz="1600" dirty="0" smtClean="0"/>
+                <a:t> Instance</a:t>
+              </a:r>
+              <a:endParaRPr lang="en-US" sz="1600" dirty="0"/>
+            </a:p>
+          </p:txBody>
+        </p:sp>
+      </p:grpSp>
+      <p:grpSp>
+        <p:nvGrpSpPr>
           <p:cNvPr id="50" name="Group 49"/>
           <p:cNvGrpSpPr/>
           <p:nvPr/>
@@ -11054,7 +12561,7 @@
               <a:pPr algn="ctr"/>
               <a:r>
                 <a:rPr lang="en-US" sz="1400" dirty="0" smtClean="0"/>
-                <a:t>Virtual Machine</a:t>
+                <a:t>Linux Virtual Machine</a:t>
               </a:r>
               <a:endParaRPr lang="en-US" sz="1400" dirty="0"/>
             </a:p>
@@ -11098,7 +12605,14 @@
               <a:pPr algn="ctr"/>
               <a:r>
                 <a:rPr lang="en-US" sz="1600" dirty="0" smtClean="0"/>
-                <a:t>Web Service</a:t>
+                <a:t>Gateway</a:t>
+              </a:r>
+              <a:br>
+                <a:rPr lang="en-US" sz="1600" dirty="0" smtClean="0"/>
+              </a:br>
+              <a:r>
+                <a:rPr lang="en-US" sz="1600" dirty="0" smtClean="0"/>
+                <a:t>Java – J2EE</a:t>
               </a:r>
               <a:endParaRPr lang="en-US" sz="1600" dirty="0"/>
             </a:p>
@@ -11511,805 +13025,38 @@
           </a:fontRef>
         </p:style>
       </p:cxnSp>
-      <p:sp>
-        <p:nvSpPr>
-          <p:cNvPr id="47" name="TextBox 46"/>
-          <p:cNvSpPr txBox="1"/>
+      <p:cxnSp>
+        <p:nvCxnSpPr>
+          <p:cNvPr id="40" name="Straight Connector 39"/>
+          <p:cNvCxnSpPr>
+            <a:stCxn id="8" idx="2"/>
+            <a:endCxn id="13" idx="0"/>
+          </p:cNvCxnSpPr>
           <p:nvPr/>
-        </p:nvSpPr>
-        <p:spPr>
-          <a:xfrm>
-            <a:off x="2428517" y="3093769"/>
-            <a:ext cx="1838633" cy="369332"/>
-          </a:xfrm>
-          <a:prstGeom prst="rect">
+        </p:nvCxnSpPr>
+        <p:spPr>
+          <a:xfrm flipH="1">
+            <a:off x="3601019" y="3015299"/>
+            <a:ext cx="1315014" cy="799616"/>
+          </a:xfrm>
+          <a:prstGeom prst="line">
             <a:avLst/>
           </a:prstGeom>
-          <a:noFill/>
-        </p:spPr>
-        <p:txBody>
-          <a:bodyPr wrap="square" rtlCol="0">
-            <a:spAutoFit/>
-          </a:bodyPr>
-          <a:lstStyle/>
-          <a:p>
-            <a:r>
-              <a:rPr lang="en-US" dirty="0" err="1" smtClean="0"/>
-              <a:t>Remoting</a:t>
-            </a:r>
-            <a:endParaRPr lang="en-US" dirty="0"/>
-          </a:p>
-        </p:txBody>
-      </p:sp>
-      <p:sp>
-        <p:nvSpPr>
-          <p:cNvPr id="48" name="TextBox 47"/>
-          <p:cNvSpPr txBox="1"/>
-          <p:nvPr/>
-        </p:nvSpPr>
-        <p:spPr>
-          <a:xfrm>
-            <a:off x="4984857" y="4421746"/>
-            <a:ext cx="2374394" cy="646331"/>
-          </a:xfrm>
-          <a:prstGeom prst="rect">
-            <a:avLst/>
-          </a:prstGeom>
-          <a:noFill/>
-        </p:spPr>
-        <p:txBody>
-          <a:bodyPr wrap="square" rtlCol="0">
-            <a:spAutoFit/>
-          </a:bodyPr>
-          <a:lstStyle/>
-          <a:p>
-            <a:r>
-              <a:rPr lang="en-US" dirty="0" smtClean="0"/>
-              <a:t>REST - via HTTPS</a:t>
-            </a:r>
-          </a:p>
-          <a:p>
-            <a:r>
-              <a:rPr lang="en-US" dirty="0" smtClean="0"/>
-              <a:t>with JSON or XML</a:t>
-            </a:r>
-            <a:endParaRPr lang="en-US" dirty="0"/>
-          </a:p>
-        </p:txBody>
-      </p:sp>
-      <p:sp>
-        <p:nvSpPr>
-          <p:cNvPr id="49" name="TextBox 48"/>
-          <p:cNvSpPr txBox="1"/>
-          <p:nvPr/>
-        </p:nvSpPr>
-        <p:spPr>
-          <a:xfrm>
-            <a:off x="8096812" y="5220928"/>
-            <a:ext cx="2374394" cy="646331"/>
-          </a:xfrm>
-          <a:prstGeom prst="rect">
-            <a:avLst/>
-          </a:prstGeom>
-          <a:noFill/>
-        </p:spPr>
-        <p:txBody>
-          <a:bodyPr wrap="square" rtlCol="0">
-            <a:spAutoFit/>
-          </a:bodyPr>
-          <a:lstStyle/>
-          <a:p>
-            <a:r>
-              <a:rPr lang="en-US" dirty="0" smtClean="0"/>
-              <a:t>Intel, </a:t>
-            </a:r>
-            <a:r>
-              <a:rPr lang="en-US" dirty="0" err="1" smtClean="0"/>
-              <a:t>Xamarin</a:t>
-            </a:r>
-            <a:r>
-              <a:rPr lang="en-US" dirty="0" smtClean="0"/>
-              <a:t> or</a:t>
-            </a:r>
-            <a:br>
-              <a:rPr lang="en-US" dirty="0" smtClean="0"/>
-            </a:br>
-            <a:r>
-              <a:rPr lang="en-US" dirty="0" smtClean="0"/>
-              <a:t>Apache Cordova</a:t>
-            </a:r>
-          </a:p>
-        </p:txBody>
-      </p:sp>
-    </p:spTree>
-    <p:extLst>
-      <p:ext uri="{BB962C8B-B14F-4D97-AF65-F5344CB8AC3E}">
-        <p14:creationId xmlns:p14="http://schemas.microsoft.com/office/powerpoint/2010/main" val="3174461828"/>
-      </p:ext>
-    </p:extLst>
-  </p:cSld>
-  <p:clrMapOvr>
-    <a:masterClrMapping/>
-  </p:clrMapOvr>
-  <p:transition spd="slow">
-    <p:wipe dir="r"/>
-  </p:transition>
-  <p:timing>
-    <p:tnLst>
-      <p:par>
-        <p:cTn id="1" dur="indefinite" restart="never" nodeType="tmRoot"/>
-      </p:par>
-    </p:tnLst>
-  </p:timing>
-</p:sld>
-</file>
-
-<file path=ppt/slides/slide4.xml><?xml version="1.0" encoding="utf-8"?>
-<p:sld xmlns:a="http://schemas.openxmlformats.org/drawingml/2006/main" xmlns:r="http://schemas.openxmlformats.org/officeDocument/2006/relationships" xmlns:p="http://schemas.openxmlformats.org/presentationml/2006/main">
-  <p:cSld>
-    <p:spTree>
-      <p:nvGrpSpPr>
-        <p:cNvPr id="1" name=""/>
-        <p:cNvGrpSpPr/>
-        <p:nvPr/>
-      </p:nvGrpSpPr>
-      <p:grpSpPr>
-        <a:xfrm>
-          <a:off x="0" y="0"/>
-          <a:ext cx="0" cy="0"/>
-          <a:chOff x="0" y="0"/>
-          <a:chExt cx="0" cy="0"/>
-        </a:xfrm>
-      </p:grpSpPr>
-      <p:sp>
-        <p:nvSpPr>
-          <p:cNvPr id="2" name="Title 1"/>
-          <p:cNvSpPr>
-            <a:spLocks noGrp="1"/>
-          </p:cNvSpPr>
-          <p:nvPr>
-            <p:ph type="title"/>
-          </p:nvPr>
-        </p:nvSpPr>
-        <p:spPr/>
-        <p:txBody>
-          <a:bodyPr/>
-          <a:lstStyle/>
-          <a:p>
-            <a:r>
-              <a:rPr lang="en-US" dirty="0" smtClean="0"/>
-              <a:t>High Level Architecture</a:t>
-            </a:r>
-            <a:endParaRPr lang="en-US" dirty="0"/>
-          </a:p>
-        </p:txBody>
-      </p:sp>
-      <p:sp>
-        <p:nvSpPr>
-          <p:cNvPr id="3" name="Content Placeholder 2"/>
-          <p:cNvSpPr>
-            <a:spLocks noGrp="1"/>
-          </p:cNvSpPr>
-          <p:nvPr>
-            <p:ph idx="1"/>
-          </p:nvPr>
-        </p:nvSpPr>
-        <p:spPr/>
-        <p:txBody>
-          <a:bodyPr/>
-          <a:lstStyle/>
-          <a:p>
-            <a:r>
-              <a:rPr lang="en-US" dirty="0" smtClean="0"/>
-              <a:t>The high-level architecture remains</a:t>
-            </a:r>
-          </a:p>
-          <a:p>
-            <a:pPr lvl="1"/>
-            <a:r>
-              <a:rPr lang="en-US" dirty="0" smtClean="0"/>
-              <a:t>A VistA system (or systems)</a:t>
-            </a:r>
-          </a:p>
-          <a:p>
-            <a:pPr lvl="2"/>
-            <a:r>
-              <a:rPr lang="en-US" dirty="0" smtClean="0"/>
-              <a:t>We’ll set up a </a:t>
-            </a:r>
-            <a:r>
-              <a:rPr lang="en-US" dirty="0" err="1" smtClean="0"/>
-              <a:t>dev</a:t>
-            </a:r>
-            <a:r>
-              <a:rPr lang="en-US" dirty="0" smtClean="0"/>
-              <a:t>-sandboxed one in a cloud VM for this project</a:t>
-            </a:r>
-          </a:p>
-          <a:p>
-            <a:pPr lvl="1"/>
-            <a:r>
-              <a:rPr lang="en-US" dirty="0" smtClean="0"/>
-              <a:t>A middle tier web-service application running in a cloud VM</a:t>
-            </a:r>
-          </a:p>
-          <a:p>
-            <a:pPr lvl="1"/>
-            <a:r>
-              <a:rPr lang="en-US" dirty="0" smtClean="0"/>
-              <a:t>A phone application that includes logic and UI but no data</a:t>
-            </a:r>
-          </a:p>
-          <a:p>
-            <a:pPr lvl="2"/>
-            <a:r>
-              <a:rPr lang="en-US" dirty="0" smtClean="0"/>
-              <a:t>We are using a “write once – target all” development environment</a:t>
-            </a:r>
-          </a:p>
-          <a:p>
-            <a:pPr lvl="2"/>
-            <a:r>
-              <a:rPr lang="en-US" dirty="0" smtClean="0"/>
-              <a:t>The phone app will use the phone’s location services and calendar</a:t>
-            </a:r>
-          </a:p>
-          <a:p>
-            <a:pPr lvl="2"/>
-            <a:endParaRPr lang="en-US" dirty="0"/>
-          </a:p>
-          <a:p>
-            <a:pPr lvl="1"/>
-            <a:r>
-              <a:rPr lang="en-US" dirty="0" smtClean="0"/>
-              <a:t>See System Architecture Document</a:t>
-            </a:r>
-          </a:p>
-          <a:p>
-            <a:pPr lvl="2"/>
-            <a:r>
-              <a:rPr lang="en-US" dirty="0" smtClean="0"/>
-              <a:t>Package </a:t>
-            </a:r>
-            <a:r>
-              <a:rPr lang="en-US" dirty="0"/>
-              <a:t>l</a:t>
-            </a:r>
-            <a:r>
-              <a:rPr lang="en-US" dirty="0" smtClean="0"/>
-              <a:t>ayer diagram, component diagram, top level class diagram</a:t>
-            </a:r>
-            <a:endParaRPr lang="en-US" dirty="0"/>
-          </a:p>
-        </p:txBody>
-      </p:sp>
-    </p:spTree>
-    <p:extLst>
-      <p:ext uri="{BB962C8B-B14F-4D97-AF65-F5344CB8AC3E}">
-        <p14:creationId xmlns:p14="http://schemas.microsoft.com/office/powerpoint/2010/main" val="853126107"/>
-      </p:ext>
-    </p:extLst>
-  </p:cSld>
-  <p:clrMapOvr>
-    <a:masterClrMapping/>
-  </p:clrMapOvr>
-  <p:transition spd="slow">
-    <p:wipe dir="r"/>
-  </p:transition>
-  <p:timing>
-    <p:tnLst>
-      <p:par>
-        <p:cTn id="1" dur="indefinite" restart="never" nodeType="tmRoot"/>
-      </p:par>
-    </p:tnLst>
-  </p:timing>
-</p:sld>
-</file>
-
-<file path=ppt/slides/slide5.xml><?xml version="1.0" encoding="utf-8"?>
-<p:sld xmlns:a="http://schemas.openxmlformats.org/drawingml/2006/main" xmlns:r="http://schemas.openxmlformats.org/officeDocument/2006/relationships" xmlns:p="http://schemas.openxmlformats.org/presentationml/2006/main">
-  <p:cSld>
-    <p:spTree>
-      <p:nvGrpSpPr>
-        <p:cNvPr id="1" name=""/>
-        <p:cNvGrpSpPr/>
-        <p:nvPr/>
-      </p:nvGrpSpPr>
-      <p:grpSpPr>
-        <a:xfrm>
-          <a:off x="0" y="0"/>
-          <a:ext cx="0" cy="0"/>
-          <a:chOff x="0" y="0"/>
-          <a:chExt cx="0" cy="0"/>
-        </a:xfrm>
-      </p:grpSpPr>
-      <p:sp>
-        <p:nvSpPr>
-          <p:cNvPr id="26" name="Cloud 25"/>
-          <p:cNvSpPr/>
-          <p:nvPr/>
-        </p:nvSpPr>
-        <p:spPr>
-          <a:xfrm>
-            <a:off x="2705100" y="3322321"/>
-            <a:ext cx="7589082" cy="3642360"/>
-          </a:xfrm>
-          <a:prstGeom prst="cloud">
-            <a:avLst/>
-          </a:prstGeom>
+          <a:ln w="41275">
+            <a:solidFill>
+              <a:schemeClr val="accent3"/>
+            </a:solidFill>
+          </a:ln>
         </p:spPr>
         <p:style>
-          <a:lnRef idx="2">
-            <a:schemeClr val="accent1">
-              <a:shade val="50000"/>
-            </a:schemeClr>
+          <a:lnRef idx="1">
+            <a:schemeClr val="accent1"/>
           </a:lnRef>
-          <a:fillRef idx="1">
+          <a:fillRef idx="0">
             <a:schemeClr val="accent1"/>
           </a:fillRef>
           <a:effectRef idx="0">
             <a:schemeClr val="accent1"/>
-          </a:effectRef>
-          <a:fontRef idx="minor">
-            <a:schemeClr val="lt1"/>
-          </a:fontRef>
-        </p:style>
-        <p:txBody>
-          <a:bodyPr rtlCol="0" anchor="ctr"/>
-          <a:lstStyle/>
-          <a:p>
-            <a:pPr algn="r"/>
-            <a:r>
-              <a:rPr lang="en-US" sz="2400" dirty="0" smtClean="0"/>
-              <a:t>AWS Cloud</a:t>
-            </a:r>
-            <a:endParaRPr lang="en-US" sz="2400" dirty="0"/>
-          </a:p>
-        </p:txBody>
-      </p:sp>
-      <p:sp>
-        <p:nvSpPr>
-          <p:cNvPr id="2" name="Title 1"/>
-          <p:cNvSpPr>
-            <a:spLocks noGrp="1"/>
-          </p:cNvSpPr>
-          <p:nvPr>
-            <p:ph type="title"/>
-          </p:nvPr>
-        </p:nvSpPr>
-        <p:spPr/>
-        <p:txBody>
-          <a:bodyPr/>
-          <a:lstStyle/>
-          <a:p>
-            <a:r>
-              <a:rPr lang="en-US" dirty="0" smtClean="0"/>
-              <a:t>A Little UML: A Package Diagram</a:t>
-            </a:r>
-            <a:endParaRPr lang="en-US" dirty="0"/>
-          </a:p>
-        </p:txBody>
-      </p:sp>
-      <p:pic>
-        <p:nvPicPr>
-          <p:cNvPr id="4" name="Picture 3"/>
-          <p:cNvPicPr>
-            <a:picLocks noChangeAspect="1"/>
-          </p:cNvPicPr>
-          <p:nvPr/>
-        </p:nvPicPr>
-        <p:blipFill>
-          <a:blip r:embed="rId2"/>
-          <a:stretch>
-            <a:fillRect/>
-          </a:stretch>
-        </p:blipFill>
-        <p:spPr>
-          <a:xfrm>
-            <a:off x="388761" y="2045110"/>
-            <a:ext cx="5068930" cy="1598189"/>
-          </a:xfrm>
-          <a:prstGeom prst="rect">
-            <a:avLst/>
-          </a:prstGeom>
-        </p:spPr>
-      </p:pic>
-      <p:pic>
-        <p:nvPicPr>
-          <p:cNvPr id="5" name="Picture 4"/>
-          <p:cNvPicPr>
-            <a:picLocks noChangeAspect="1"/>
-          </p:cNvPicPr>
-          <p:nvPr/>
-        </p:nvPicPr>
-        <p:blipFill>
-          <a:blip r:embed="rId3"/>
-          <a:stretch>
-            <a:fillRect/>
-          </a:stretch>
-        </p:blipFill>
-        <p:spPr>
-          <a:xfrm>
-            <a:off x="3047699" y="3643299"/>
-            <a:ext cx="4099875" cy="1626334"/>
-          </a:xfrm>
-          <a:prstGeom prst="rect">
-            <a:avLst/>
-          </a:prstGeom>
-        </p:spPr>
-      </p:pic>
-      <p:pic>
-        <p:nvPicPr>
-          <p:cNvPr id="6" name="Picture 5"/>
-          <p:cNvPicPr>
-            <a:picLocks noChangeAspect="1"/>
-          </p:cNvPicPr>
-          <p:nvPr/>
-        </p:nvPicPr>
-        <p:blipFill>
-          <a:blip r:embed="rId4"/>
-          <a:stretch>
-            <a:fillRect/>
-          </a:stretch>
-        </p:blipFill>
-        <p:spPr>
-          <a:xfrm>
-            <a:off x="4220106" y="5269633"/>
-            <a:ext cx="5442938" cy="1484667"/>
-          </a:xfrm>
-          <a:prstGeom prst="rect">
-            <a:avLst/>
-          </a:prstGeom>
-        </p:spPr>
-      </p:pic>
-      <p:sp>
-        <p:nvSpPr>
-          <p:cNvPr id="11" name="Freeform 10"/>
-          <p:cNvSpPr/>
-          <p:nvPr/>
-        </p:nvSpPr>
-        <p:spPr>
-          <a:xfrm>
-            <a:off x="1192544" y="3219983"/>
-            <a:ext cx="1287780" cy="342900"/>
-          </a:xfrm>
-          <a:custGeom>
-            <a:avLst/>
-            <a:gdLst>
-              <a:gd name="connsiteX0" fmla="*/ 0 w 1287780"/>
-              <a:gd name="connsiteY0" fmla="*/ 15240 h 556277"/>
-              <a:gd name="connsiteX1" fmla="*/ 685800 w 1287780"/>
-              <a:gd name="connsiteY1" fmla="*/ 556260 h 556277"/>
-              <a:gd name="connsiteX2" fmla="*/ 1287780 w 1287780"/>
-              <a:gd name="connsiteY2" fmla="*/ 0 h 556277"/>
-            </a:gdLst>
-            <a:ahLst/>
-            <a:cxnLst>
-              <a:cxn ang="0">
-                <a:pos x="connsiteX0" y="connsiteY0"/>
-              </a:cxn>
-              <a:cxn ang="0">
-                <a:pos x="connsiteX1" y="connsiteY1"/>
-              </a:cxn>
-              <a:cxn ang="0">
-                <a:pos x="connsiteX2" y="connsiteY2"/>
-              </a:cxn>
-            </a:cxnLst>
-            <a:rect l="l" t="t" r="r" b="b"/>
-            <a:pathLst>
-              <a:path w="1287780" h="556277">
-                <a:moveTo>
-                  <a:pt x="0" y="15240"/>
-                </a:moveTo>
-                <a:cubicBezTo>
-                  <a:pt x="235585" y="287020"/>
-                  <a:pt x="471170" y="558800"/>
-                  <a:pt x="685800" y="556260"/>
-                </a:cubicBezTo>
-                <a:cubicBezTo>
-                  <a:pt x="900430" y="553720"/>
-                  <a:pt x="1188720" y="93980"/>
-                  <a:pt x="1287780" y="0"/>
-                </a:cubicBezTo>
-              </a:path>
-            </a:pathLst>
-          </a:custGeom>
-          <a:ln w="31750">
-            <a:prstDash val="sysDash"/>
-            <a:tailEnd type="stealth" w="lg" len="lg"/>
-          </a:ln>
-        </p:spPr>
-        <p:style>
-          <a:lnRef idx="3">
-            <a:schemeClr val="accent3"/>
-          </a:lnRef>
-          <a:fillRef idx="0">
-            <a:schemeClr val="accent3"/>
-          </a:fillRef>
-          <a:effectRef idx="2">
-            <a:schemeClr val="accent3"/>
-          </a:effectRef>
-          <a:fontRef idx="minor">
-            <a:schemeClr val="tx1"/>
-          </a:fontRef>
-        </p:style>
-        <p:txBody>
-          <a:bodyPr rtlCol="0" anchor="ctr"/>
-          <a:lstStyle/>
-          <a:p>
-            <a:pPr algn="ctr"/>
-            <a:endParaRPr lang="en-US"/>
-          </a:p>
-        </p:txBody>
-      </p:sp>
-      <p:sp>
-        <p:nvSpPr>
-          <p:cNvPr id="12" name="Freeform 11"/>
-          <p:cNvSpPr/>
-          <p:nvPr/>
-        </p:nvSpPr>
-        <p:spPr>
-          <a:xfrm flipH="1">
-            <a:off x="4274820" y="4800601"/>
-            <a:ext cx="1424940" cy="320039"/>
-          </a:xfrm>
-          <a:custGeom>
-            <a:avLst/>
-            <a:gdLst>
-              <a:gd name="connsiteX0" fmla="*/ 0 w 1287780"/>
-              <a:gd name="connsiteY0" fmla="*/ 15240 h 556277"/>
-              <a:gd name="connsiteX1" fmla="*/ 685800 w 1287780"/>
-              <a:gd name="connsiteY1" fmla="*/ 556260 h 556277"/>
-              <a:gd name="connsiteX2" fmla="*/ 1287780 w 1287780"/>
-              <a:gd name="connsiteY2" fmla="*/ 0 h 556277"/>
-            </a:gdLst>
-            <a:ahLst/>
-            <a:cxnLst>
-              <a:cxn ang="0">
-                <a:pos x="connsiteX0" y="connsiteY0"/>
-              </a:cxn>
-              <a:cxn ang="0">
-                <a:pos x="connsiteX1" y="connsiteY1"/>
-              </a:cxn>
-              <a:cxn ang="0">
-                <a:pos x="connsiteX2" y="connsiteY2"/>
-              </a:cxn>
-            </a:cxnLst>
-            <a:rect l="l" t="t" r="r" b="b"/>
-            <a:pathLst>
-              <a:path w="1287780" h="556277">
-                <a:moveTo>
-                  <a:pt x="0" y="15240"/>
-                </a:moveTo>
-                <a:cubicBezTo>
-                  <a:pt x="235585" y="287020"/>
-                  <a:pt x="471170" y="558800"/>
-                  <a:pt x="685800" y="556260"/>
-                </a:cubicBezTo>
-                <a:cubicBezTo>
-                  <a:pt x="900430" y="553720"/>
-                  <a:pt x="1188720" y="93980"/>
-                  <a:pt x="1287780" y="0"/>
-                </a:cubicBezTo>
-              </a:path>
-            </a:pathLst>
-          </a:custGeom>
-          <a:ln w="31750">
-            <a:prstDash val="sysDash"/>
-            <a:tailEnd type="stealth" w="lg" len="lg"/>
-          </a:ln>
-        </p:spPr>
-        <p:style>
-          <a:lnRef idx="3">
-            <a:schemeClr val="accent3"/>
-          </a:lnRef>
-          <a:fillRef idx="0">
-            <a:schemeClr val="accent3"/>
-          </a:fillRef>
-          <a:effectRef idx="2">
-            <a:schemeClr val="accent3"/>
-          </a:effectRef>
-          <a:fontRef idx="minor">
-            <a:schemeClr val="tx1"/>
-          </a:fontRef>
-        </p:style>
-        <p:txBody>
-          <a:bodyPr rtlCol="0" anchor="ctr"/>
-          <a:lstStyle/>
-          <a:p>
-            <a:pPr algn="ctr"/>
-            <a:endParaRPr lang="en-US"/>
-          </a:p>
-        </p:txBody>
-      </p:sp>
-      <p:sp>
-        <p:nvSpPr>
-          <p:cNvPr id="13" name="Freeform 12"/>
-          <p:cNvSpPr/>
-          <p:nvPr/>
-        </p:nvSpPr>
-        <p:spPr>
-          <a:xfrm flipH="1">
-            <a:off x="7195065" y="6339841"/>
-            <a:ext cx="1424940" cy="320039"/>
-          </a:xfrm>
-          <a:custGeom>
-            <a:avLst/>
-            <a:gdLst>
-              <a:gd name="connsiteX0" fmla="*/ 0 w 1287780"/>
-              <a:gd name="connsiteY0" fmla="*/ 15240 h 556277"/>
-              <a:gd name="connsiteX1" fmla="*/ 685800 w 1287780"/>
-              <a:gd name="connsiteY1" fmla="*/ 556260 h 556277"/>
-              <a:gd name="connsiteX2" fmla="*/ 1287780 w 1287780"/>
-              <a:gd name="connsiteY2" fmla="*/ 0 h 556277"/>
-            </a:gdLst>
-            <a:ahLst/>
-            <a:cxnLst>
-              <a:cxn ang="0">
-                <a:pos x="connsiteX0" y="connsiteY0"/>
-              </a:cxn>
-              <a:cxn ang="0">
-                <a:pos x="connsiteX1" y="connsiteY1"/>
-              </a:cxn>
-              <a:cxn ang="0">
-                <a:pos x="connsiteX2" y="connsiteY2"/>
-              </a:cxn>
-            </a:cxnLst>
-            <a:rect l="l" t="t" r="r" b="b"/>
-            <a:pathLst>
-              <a:path w="1287780" h="556277">
-                <a:moveTo>
-                  <a:pt x="0" y="15240"/>
-                </a:moveTo>
-                <a:cubicBezTo>
-                  <a:pt x="235585" y="287020"/>
-                  <a:pt x="471170" y="558800"/>
-                  <a:pt x="685800" y="556260"/>
-                </a:cubicBezTo>
-                <a:cubicBezTo>
-                  <a:pt x="900430" y="553720"/>
-                  <a:pt x="1188720" y="93980"/>
-                  <a:pt x="1287780" y="0"/>
-                </a:cubicBezTo>
-              </a:path>
-            </a:pathLst>
-          </a:custGeom>
-          <a:ln w="31750">
-            <a:prstDash val="sysDash"/>
-            <a:tailEnd type="stealth" w="lg" len="lg"/>
-          </a:ln>
-        </p:spPr>
-        <p:style>
-          <a:lnRef idx="3">
-            <a:schemeClr val="accent3"/>
-          </a:lnRef>
-          <a:fillRef idx="0">
-            <a:schemeClr val="accent3"/>
-          </a:fillRef>
-          <a:effectRef idx="2">
-            <a:schemeClr val="accent3"/>
-          </a:effectRef>
-          <a:fontRef idx="minor">
-            <a:schemeClr val="tx1"/>
-          </a:fontRef>
-        </p:style>
-        <p:txBody>
-          <a:bodyPr rtlCol="0" anchor="ctr"/>
-          <a:lstStyle/>
-          <a:p>
-            <a:pPr algn="ctr"/>
-            <a:endParaRPr lang="en-US"/>
-          </a:p>
-        </p:txBody>
-      </p:sp>
-      <p:sp>
-        <p:nvSpPr>
-          <p:cNvPr id="14" name="Freeform 13"/>
-          <p:cNvSpPr/>
-          <p:nvPr/>
-        </p:nvSpPr>
-        <p:spPr>
-          <a:xfrm flipH="1">
-            <a:off x="5183922" y="6339841"/>
-            <a:ext cx="1424940" cy="320039"/>
-          </a:xfrm>
-          <a:custGeom>
-            <a:avLst/>
-            <a:gdLst>
-              <a:gd name="connsiteX0" fmla="*/ 0 w 1287780"/>
-              <a:gd name="connsiteY0" fmla="*/ 15240 h 556277"/>
-              <a:gd name="connsiteX1" fmla="*/ 685800 w 1287780"/>
-              <a:gd name="connsiteY1" fmla="*/ 556260 h 556277"/>
-              <a:gd name="connsiteX2" fmla="*/ 1287780 w 1287780"/>
-              <a:gd name="connsiteY2" fmla="*/ 0 h 556277"/>
-            </a:gdLst>
-            <a:ahLst/>
-            <a:cxnLst>
-              <a:cxn ang="0">
-                <a:pos x="connsiteX0" y="connsiteY0"/>
-              </a:cxn>
-              <a:cxn ang="0">
-                <a:pos x="connsiteX1" y="connsiteY1"/>
-              </a:cxn>
-              <a:cxn ang="0">
-                <a:pos x="connsiteX2" y="connsiteY2"/>
-              </a:cxn>
-            </a:cxnLst>
-            <a:rect l="l" t="t" r="r" b="b"/>
-            <a:pathLst>
-              <a:path w="1287780" h="556277">
-                <a:moveTo>
-                  <a:pt x="0" y="15240"/>
-                </a:moveTo>
-                <a:cubicBezTo>
-                  <a:pt x="235585" y="287020"/>
-                  <a:pt x="471170" y="558800"/>
-                  <a:pt x="685800" y="556260"/>
-                </a:cubicBezTo>
-                <a:cubicBezTo>
-                  <a:pt x="900430" y="553720"/>
-                  <a:pt x="1188720" y="93980"/>
-                  <a:pt x="1287780" y="0"/>
-                </a:cubicBezTo>
-              </a:path>
-            </a:pathLst>
-          </a:custGeom>
-          <a:ln w="31750">
-            <a:prstDash val="sysDash"/>
-            <a:tailEnd type="stealth" w="lg" len="lg"/>
-          </a:ln>
-        </p:spPr>
-        <p:style>
-          <a:lnRef idx="3">
-            <a:schemeClr val="accent3"/>
-          </a:lnRef>
-          <a:fillRef idx="0">
-            <a:schemeClr val="accent3"/>
-          </a:fillRef>
-          <a:effectRef idx="2">
-            <a:schemeClr val="accent3"/>
-          </a:effectRef>
-          <a:fontRef idx="minor">
-            <a:schemeClr val="tx1"/>
-          </a:fontRef>
-        </p:style>
-        <p:txBody>
-          <a:bodyPr rtlCol="0" anchor="ctr"/>
-          <a:lstStyle/>
-          <a:p>
-            <a:pPr algn="ctr"/>
-            <a:endParaRPr lang="en-US"/>
-          </a:p>
-        </p:txBody>
-      </p:sp>
-      <p:cxnSp>
-        <p:nvCxnSpPr>
-          <p:cNvPr id="16" name="Straight Arrow Connector 15"/>
-          <p:cNvCxnSpPr/>
-          <p:nvPr/>
-        </p:nvCxnSpPr>
-        <p:spPr>
-          <a:xfrm flipV="1">
-            <a:off x="3047699" y="2670113"/>
-            <a:ext cx="846121" cy="290835"/>
-          </a:xfrm>
-          <a:prstGeom prst="straightConnector1">
-            <a:avLst/>
-          </a:prstGeom>
-          <a:ln w="31750">
-            <a:prstDash val="sysDash"/>
-            <a:tailEnd type="stealth" w="lg" len="lg"/>
-          </a:ln>
-        </p:spPr>
-        <p:style>
-          <a:lnRef idx="3">
-            <a:schemeClr val="accent3"/>
-          </a:lnRef>
-          <a:fillRef idx="0">
-            <a:schemeClr val="accent3"/>
-          </a:fillRef>
-          <a:effectRef idx="2">
-            <a:schemeClr val="accent3"/>
           </a:effectRef>
           <a:fontRef idx="minor">
             <a:schemeClr val="tx1"/>
@@ -12318,110 +13065,156 @@
       </p:cxnSp>
       <p:cxnSp>
         <p:nvCxnSpPr>
-          <p:cNvPr id="17" name="Straight Arrow Connector 16"/>
-          <p:cNvCxnSpPr/>
+          <p:cNvPr id="43" name="Straight Connector 42"/>
+          <p:cNvCxnSpPr>
+            <a:stCxn id="10" idx="2"/>
+            <a:endCxn id="13" idx="0"/>
+          </p:cNvCxnSpPr>
           <p:nvPr/>
         </p:nvCxnSpPr>
         <p:spPr>
-          <a:xfrm>
-            <a:off x="3047699" y="2960948"/>
-            <a:ext cx="846121" cy="210944"/>
-          </a:xfrm>
-          <a:prstGeom prst="straightConnector1">
+          <a:xfrm flipH="1">
+            <a:off x="3601019" y="3012095"/>
+            <a:ext cx="4289174" cy="802820"/>
+          </a:xfrm>
+          <a:prstGeom prst="line">
             <a:avLst/>
           </a:prstGeom>
-          <a:ln w="31750">
-            <a:prstDash val="sysDash"/>
-            <a:tailEnd type="stealth" w="lg" len="lg"/>
+          <a:ln w="41275">
+            <a:solidFill>
+              <a:schemeClr val="accent3"/>
+            </a:solidFill>
           </a:ln>
         </p:spPr>
         <p:style>
-          <a:lnRef idx="3">
-            <a:schemeClr val="accent3"/>
+          <a:lnRef idx="1">
+            <a:schemeClr val="accent1"/>
           </a:lnRef>
           <a:fillRef idx="0">
-            <a:schemeClr val="accent3"/>
+            <a:schemeClr val="accent1"/>
           </a:fillRef>
-          <a:effectRef idx="2">
-            <a:schemeClr val="accent3"/>
+          <a:effectRef idx="0">
+            <a:schemeClr val="accent1"/>
           </a:effectRef>
           <a:fontRef idx="minor">
             <a:schemeClr val="tx1"/>
           </a:fontRef>
         </p:style>
       </p:cxnSp>
-      <p:cxnSp>
-        <p:nvCxnSpPr>
-          <p:cNvPr id="20" name="Straight Arrow Connector 19"/>
-          <p:cNvCxnSpPr/>
+      <p:sp>
+        <p:nvSpPr>
+          <p:cNvPr id="47" name="TextBox 46"/>
+          <p:cNvSpPr txBox="1"/>
           <p:nvPr/>
-        </p:nvCxnSpPr>
-        <p:spPr>
-          <a:xfrm>
-            <a:off x="2705100" y="3196652"/>
-            <a:ext cx="2689860" cy="1390630"/>
-          </a:xfrm>
-          <a:prstGeom prst="straightConnector1">
+        </p:nvSpPr>
+        <p:spPr>
+          <a:xfrm>
+            <a:off x="2428517" y="3093769"/>
+            <a:ext cx="1838633" cy="369332"/>
+          </a:xfrm>
+          <a:prstGeom prst="rect">
             <a:avLst/>
           </a:prstGeom>
-          <a:ln w="31750">
-            <a:prstDash val="sysDash"/>
-            <a:tailEnd type="stealth" w="lg" len="lg"/>
-          </a:ln>
-        </p:spPr>
-        <p:style>
-          <a:lnRef idx="3">
-            <a:schemeClr val="accent3"/>
-          </a:lnRef>
-          <a:fillRef idx="0">
-            <a:schemeClr val="accent3"/>
-          </a:fillRef>
-          <a:effectRef idx="2">
-            <a:schemeClr val="accent3"/>
-          </a:effectRef>
-          <a:fontRef idx="minor">
-            <a:schemeClr val="tx1"/>
-          </a:fontRef>
-        </p:style>
-      </p:cxnSp>
-      <p:cxnSp>
-        <p:nvCxnSpPr>
-          <p:cNvPr id="24" name="Straight Arrow Connector 23"/>
-          <p:cNvCxnSpPr/>
+          <a:noFill/>
+        </p:spPr>
+        <p:txBody>
+          <a:bodyPr wrap="square" rtlCol="0">
+            <a:spAutoFit/>
+          </a:bodyPr>
+          <a:lstStyle/>
+          <a:p>
+            <a:r>
+              <a:rPr lang="en-US" dirty="0" smtClean="0"/>
+              <a:t>Java </a:t>
+            </a:r>
+            <a:r>
+              <a:rPr lang="en-US" dirty="0" err="1" smtClean="0"/>
+              <a:t>Remoting</a:t>
+            </a:r>
+            <a:endParaRPr lang="en-US" dirty="0"/>
+          </a:p>
+        </p:txBody>
+      </p:sp>
+      <p:sp>
+        <p:nvSpPr>
+          <p:cNvPr id="48" name="TextBox 47"/>
+          <p:cNvSpPr txBox="1"/>
           <p:nvPr/>
-        </p:nvCxnSpPr>
-        <p:spPr>
-          <a:xfrm>
-            <a:off x="6042660" y="4743512"/>
-            <a:ext cx="1973580" cy="1337248"/>
-          </a:xfrm>
-          <a:prstGeom prst="straightConnector1">
+        </p:nvSpPr>
+        <p:spPr>
+          <a:xfrm>
+            <a:off x="4984857" y="4421746"/>
+            <a:ext cx="2374394" cy="646331"/>
+          </a:xfrm>
+          <a:prstGeom prst="rect">
             <a:avLst/>
           </a:prstGeom>
-          <a:ln w="31750">
-            <a:prstDash val="sysDash"/>
-            <a:tailEnd type="stealth" w="lg" len="lg"/>
-          </a:ln>
-        </p:spPr>
-        <p:style>
-          <a:lnRef idx="3">
-            <a:schemeClr val="accent3"/>
-          </a:lnRef>
-          <a:fillRef idx="0">
-            <a:schemeClr val="accent3"/>
-          </a:fillRef>
-          <a:effectRef idx="2">
-            <a:schemeClr val="accent3"/>
-          </a:effectRef>
-          <a:fontRef idx="minor">
-            <a:schemeClr val="tx1"/>
-          </a:fontRef>
-        </p:style>
-      </p:cxnSp>
+          <a:noFill/>
+        </p:spPr>
+        <p:txBody>
+          <a:bodyPr wrap="square" rtlCol="0">
+            <a:spAutoFit/>
+          </a:bodyPr>
+          <a:lstStyle/>
+          <a:p>
+            <a:r>
+              <a:rPr lang="en-US" dirty="0" smtClean="0"/>
+              <a:t>REST - via HTTPS</a:t>
+            </a:r>
+          </a:p>
+          <a:p>
+            <a:r>
+              <a:rPr lang="en-US" dirty="0" smtClean="0"/>
+              <a:t>with JSON or XML</a:t>
+            </a:r>
+            <a:endParaRPr lang="en-US" dirty="0"/>
+          </a:p>
+        </p:txBody>
+      </p:sp>
+      <p:sp>
+        <p:nvSpPr>
+          <p:cNvPr id="49" name="TextBox 48"/>
+          <p:cNvSpPr txBox="1"/>
+          <p:nvPr/>
+        </p:nvSpPr>
+        <p:spPr>
+          <a:xfrm>
+            <a:off x="8096812" y="5220928"/>
+            <a:ext cx="2374394" cy="646331"/>
+          </a:xfrm>
+          <a:prstGeom prst="rect">
+            <a:avLst/>
+          </a:prstGeom>
+          <a:noFill/>
+        </p:spPr>
+        <p:txBody>
+          <a:bodyPr wrap="square" rtlCol="0">
+            <a:spAutoFit/>
+          </a:bodyPr>
+          <a:lstStyle/>
+          <a:p>
+            <a:r>
+              <a:rPr lang="en-US" dirty="0" err="1" smtClean="0"/>
+              <a:t>Xamarin</a:t>
+            </a:r>
+            <a:r>
+              <a:rPr lang="en-US" dirty="0" smtClean="0"/>
+              <a:t> or</a:t>
+            </a:r>
+            <a:br>
+              <a:rPr lang="en-US" dirty="0" smtClean="0"/>
+            </a:br>
+            <a:r>
+              <a:rPr lang="en-US" dirty="0" smtClean="0"/>
+              <a:t>Apache Cordova</a:t>
+            </a:r>
+          </a:p>
+        </p:txBody>
+      </p:sp>
     </p:spTree>
     <p:extLst>
       <p:ext uri="{BB962C8B-B14F-4D97-AF65-F5344CB8AC3E}">
-        <p14:creationId xmlns:p14="http://schemas.microsoft.com/office/powerpoint/2010/main" val="2581797375"/>
+        <p14:creationId xmlns:p14="http://schemas.microsoft.com/office/powerpoint/2010/main" val="847555590"/>
       </p:ext>
     </p:extLst>
   </p:cSld>
@@ -12452,7 +13245,7 @@
                             </p:stCondLst>
                             <p:childTnLst>
                               <p:par>
-                                <p:cTn id="5" presetID="22" presetClass="entr" presetSubtype="4" fill="hold" grpId="0" nodeType="clickEffect">
+                                <p:cTn id="5" presetID="22" presetClass="entr" presetSubtype="8" fill="hold" nodeType="clickEffect">
                                   <p:stCondLst>
                                     <p:cond delay="0"/>
                                   </p:stCondLst>
@@ -12465,7 +13258,7 @@
                                           </p:stCondLst>
                                         </p:cTn>
                                         <p:tgtEl>
-                                          <p:spTgt spid="26"/>
+                                          <p:spTgt spid="50"/>
                                         </p:tgtEl>
                                         <p:attrNameLst>
                                           <p:attrName>style.visibility</p:attrName>
@@ -12475,11 +13268,773 @@
                                         <p:strVal val="visible"/>
                                       </p:to>
                                     </p:set>
-                                    <p:animEffect transition="in" filter="wipe(down)">
+                                    <p:animEffect transition="in" filter="wipe(left)">
                                       <p:cBhvr>
                                         <p:cTn id="7" dur="500"/>
                                         <p:tgtEl>
-                                          <p:spTgt spid="26"/>
+                                          <p:spTgt spid="50"/>
+                                        </p:tgtEl>
+                                      </p:cBhvr>
+                                    </p:animEffect>
+                                  </p:childTnLst>
+                                </p:cTn>
+                              </p:par>
+                            </p:childTnLst>
+                          </p:cTn>
+                        </p:par>
+                        <p:par>
+                          <p:cTn id="8" fill="hold">
+                            <p:stCondLst>
+                              <p:cond delay="500"/>
+                            </p:stCondLst>
+                            <p:childTnLst>
+                              <p:par>
+                                <p:cTn id="9" presetID="22" presetClass="entr" presetSubtype="8" fill="hold" nodeType="afterEffect">
+                                  <p:stCondLst>
+                                    <p:cond delay="0"/>
+                                  </p:stCondLst>
+                                  <p:childTnLst>
+                                    <p:set>
+                                      <p:cBhvr>
+                                        <p:cTn id="10" dur="1" fill="hold">
+                                          <p:stCondLst>
+                                            <p:cond delay="0"/>
+                                          </p:stCondLst>
+                                        </p:cTn>
+                                        <p:tgtEl>
+                                          <p:spTgt spid="32"/>
+                                        </p:tgtEl>
+                                        <p:attrNameLst>
+                                          <p:attrName>style.visibility</p:attrName>
+                                        </p:attrNameLst>
+                                      </p:cBhvr>
+                                      <p:to>
+                                        <p:strVal val="visible"/>
+                                      </p:to>
+                                    </p:set>
+                                    <p:animEffect transition="in" filter="wipe(left)">
+                                      <p:cBhvr>
+                                        <p:cTn id="11" dur="500"/>
+                                        <p:tgtEl>
+                                          <p:spTgt spid="32"/>
+                                        </p:tgtEl>
+                                      </p:cBhvr>
+                                    </p:animEffect>
+                                  </p:childTnLst>
+                                </p:cTn>
+                              </p:par>
+                            </p:childTnLst>
+                          </p:cTn>
+                        </p:par>
+                        <p:par>
+                          <p:cTn id="12" fill="hold">
+                            <p:stCondLst>
+                              <p:cond delay="1000"/>
+                            </p:stCondLst>
+                            <p:childTnLst>
+                              <p:par>
+                                <p:cTn id="13" presetID="22" presetClass="entr" presetSubtype="8" fill="hold" grpId="0" nodeType="afterEffect">
+                                  <p:stCondLst>
+                                    <p:cond delay="0"/>
+                                  </p:stCondLst>
+                                  <p:childTnLst>
+                                    <p:set>
+                                      <p:cBhvr>
+                                        <p:cTn id="14" dur="1" fill="hold">
+                                          <p:stCondLst>
+                                            <p:cond delay="0"/>
+                                          </p:stCondLst>
+                                        </p:cTn>
+                                        <p:tgtEl>
+                                          <p:spTgt spid="47"/>
+                                        </p:tgtEl>
+                                        <p:attrNameLst>
+                                          <p:attrName>style.visibility</p:attrName>
+                                        </p:attrNameLst>
+                                      </p:cBhvr>
+                                      <p:to>
+                                        <p:strVal val="visible"/>
+                                      </p:to>
+                                    </p:set>
+                                    <p:animEffect transition="in" filter="wipe(left)">
+                                      <p:cBhvr>
+                                        <p:cTn id="15" dur="500"/>
+                                        <p:tgtEl>
+                                          <p:spTgt spid="47"/>
+                                        </p:tgtEl>
+                                      </p:cBhvr>
+                                    </p:animEffect>
+                                  </p:childTnLst>
+                                </p:cTn>
+                              </p:par>
+                            </p:childTnLst>
+                          </p:cTn>
+                        </p:par>
+                      </p:childTnLst>
+                    </p:cTn>
+                  </p:par>
+                  <p:par>
+                    <p:cTn id="16" fill="hold">
+                      <p:stCondLst>
+                        <p:cond delay="indefinite"/>
+                      </p:stCondLst>
+                      <p:childTnLst>
+                        <p:par>
+                          <p:cTn id="17" fill="hold">
+                            <p:stCondLst>
+                              <p:cond delay="0"/>
+                            </p:stCondLst>
+                            <p:childTnLst>
+                              <p:par>
+                                <p:cTn id="18" presetID="22" presetClass="entr" presetSubtype="8" fill="hold" nodeType="clickEffect">
+                                  <p:stCondLst>
+                                    <p:cond delay="0"/>
+                                  </p:stCondLst>
+                                  <p:childTnLst>
+                                    <p:set>
+                                      <p:cBhvr>
+                                        <p:cTn id="19" dur="1" fill="hold">
+                                          <p:stCondLst>
+                                            <p:cond delay="0"/>
+                                          </p:stCondLst>
+                                        </p:cTn>
+                                        <p:tgtEl>
+                                          <p:spTgt spid="51"/>
+                                        </p:tgtEl>
+                                        <p:attrNameLst>
+                                          <p:attrName>style.visibility</p:attrName>
+                                        </p:attrNameLst>
+                                      </p:cBhvr>
+                                      <p:to>
+                                        <p:strVal val="visible"/>
+                                      </p:to>
+                                    </p:set>
+                                    <p:animEffect transition="in" filter="wipe(left)">
+                                      <p:cBhvr>
+                                        <p:cTn id="20" dur="500"/>
+                                        <p:tgtEl>
+                                          <p:spTgt spid="51"/>
+                                        </p:tgtEl>
+                                      </p:cBhvr>
+                                    </p:animEffect>
+                                  </p:childTnLst>
+                                </p:cTn>
+                              </p:par>
+                            </p:childTnLst>
+                          </p:cTn>
+                        </p:par>
+                        <p:par>
+                          <p:cTn id="21" fill="hold">
+                            <p:stCondLst>
+                              <p:cond delay="500"/>
+                            </p:stCondLst>
+                            <p:childTnLst>
+                              <p:par>
+                                <p:cTn id="22" presetID="22" presetClass="entr" presetSubtype="8" fill="hold" nodeType="afterEffect">
+                                  <p:stCondLst>
+                                    <p:cond delay="0"/>
+                                  </p:stCondLst>
+                                  <p:childTnLst>
+                                    <p:set>
+                                      <p:cBhvr>
+                                        <p:cTn id="23" dur="1" fill="hold">
+                                          <p:stCondLst>
+                                            <p:cond delay="0"/>
+                                          </p:stCondLst>
+                                        </p:cTn>
+                                        <p:tgtEl>
+                                          <p:spTgt spid="36"/>
+                                        </p:tgtEl>
+                                        <p:attrNameLst>
+                                          <p:attrName>style.visibility</p:attrName>
+                                        </p:attrNameLst>
+                                      </p:cBhvr>
+                                      <p:to>
+                                        <p:strVal val="visible"/>
+                                      </p:to>
+                                    </p:set>
+                                    <p:animEffect transition="in" filter="wipe(left)">
+                                      <p:cBhvr>
+                                        <p:cTn id="24" dur="500"/>
+                                        <p:tgtEl>
+                                          <p:spTgt spid="36"/>
+                                        </p:tgtEl>
+                                      </p:cBhvr>
+                                    </p:animEffect>
+                                  </p:childTnLst>
+                                </p:cTn>
+                              </p:par>
+                            </p:childTnLst>
+                          </p:cTn>
+                        </p:par>
+                        <p:par>
+                          <p:cTn id="25" fill="hold">
+                            <p:stCondLst>
+                              <p:cond delay="1000"/>
+                            </p:stCondLst>
+                            <p:childTnLst>
+                              <p:par>
+                                <p:cTn id="26" presetID="22" presetClass="entr" presetSubtype="8" fill="hold" nodeType="afterEffect">
+                                  <p:stCondLst>
+                                    <p:cond delay="0"/>
+                                  </p:stCondLst>
+                                  <p:childTnLst>
+                                    <p:set>
+                                      <p:cBhvr>
+                                        <p:cTn id="27" dur="1" fill="hold">
+                                          <p:stCondLst>
+                                            <p:cond delay="0"/>
+                                          </p:stCondLst>
+                                        </p:cTn>
+                                        <p:tgtEl>
+                                          <p:spTgt spid="33"/>
+                                        </p:tgtEl>
+                                        <p:attrNameLst>
+                                          <p:attrName>style.visibility</p:attrName>
+                                        </p:attrNameLst>
+                                      </p:cBhvr>
+                                      <p:to>
+                                        <p:strVal val="visible"/>
+                                      </p:to>
+                                    </p:set>
+                                    <p:animEffect transition="in" filter="wipe(left)">
+                                      <p:cBhvr>
+                                        <p:cTn id="28" dur="500"/>
+                                        <p:tgtEl>
+                                          <p:spTgt spid="33"/>
+                                        </p:tgtEl>
+                                      </p:cBhvr>
+                                    </p:animEffect>
+                                  </p:childTnLst>
+                                </p:cTn>
+                              </p:par>
+                            </p:childTnLst>
+                          </p:cTn>
+                        </p:par>
+                        <p:par>
+                          <p:cTn id="29" fill="hold">
+                            <p:stCondLst>
+                              <p:cond delay="1500"/>
+                            </p:stCondLst>
+                            <p:childTnLst>
+                              <p:par>
+                                <p:cTn id="30" presetID="22" presetClass="entr" presetSubtype="8" fill="hold" grpId="0" nodeType="afterEffect">
+                                  <p:stCondLst>
+                                    <p:cond delay="0"/>
+                                  </p:stCondLst>
+                                  <p:childTnLst>
+                                    <p:set>
+                                      <p:cBhvr>
+                                        <p:cTn id="31" dur="1" fill="hold">
+                                          <p:stCondLst>
+                                            <p:cond delay="0"/>
+                                          </p:stCondLst>
+                                        </p:cTn>
+                                        <p:tgtEl>
+                                          <p:spTgt spid="48"/>
+                                        </p:tgtEl>
+                                        <p:attrNameLst>
+                                          <p:attrName>style.visibility</p:attrName>
+                                        </p:attrNameLst>
+                                      </p:cBhvr>
+                                      <p:to>
+                                        <p:strVal val="visible"/>
+                                      </p:to>
+                                    </p:set>
+                                    <p:animEffect transition="in" filter="wipe(left)">
+                                      <p:cBhvr>
+                                        <p:cTn id="32" dur="500"/>
+                                        <p:tgtEl>
+                                          <p:spTgt spid="48"/>
+                                        </p:tgtEl>
+                                      </p:cBhvr>
+                                    </p:animEffect>
+                                  </p:childTnLst>
+                                </p:cTn>
+                              </p:par>
+                            </p:childTnLst>
+                          </p:cTn>
+                        </p:par>
+                      </p:childTnLst>
+                    </p:cTn>
+                  </p:par>
+                  <p:par>
+                    <p:cTn id="33" fill="hold">
+                      <p:stCondLst>
+                        <p:cond delay="indefinite"/>
+                      </p:stCondLst>
+                      <p:childTnLst>
+                        <p:par>
+                          <p:cTn id="34" fill="hold">
+                            <p:stCondLst>
+                              <p:cond delay="0"/>
+                            </p:stCondLst>
+                            <p:childTnLst>
+                              <p:par>
+                                <p:cTn id="35" presetID="22" presetClass="entr" presetSubtype="8" fill="hold" grpId="0" nodeType="clickEffect">
+                                  <p:stCondLst>
+                                    <p:cond delay="0"/>
+                                  </p:stCondLst>
+                                  <p:childTnLst>
+                                    <p:set>
+                                      <p:cBhvr>
+                                        <p:cTn id="36" dur="1" fill="hold">
+                                          <p:stCondLst>
+                                            <p:cond delay="0"/>
+                                          </p:stCondLst>
+                                        </p:cTn>
+                                        <p:tgtEl>
+                                          <p:spTgt spid="49"/>
+                                        </p:tgtEl>
+                                        <p:attrNameLst>
+                                          <p:attrName>style.visibility</p:attrName>
+                                        </p:attrNameLst>
+                                      </p:cBhvr>
+                                      <p:to>
+                                        <p:strVal val="visible"/>
+                                      </p:to>
+                                    </p:set>
+                                    <p:animEffect transition="in" filter="wipe(left)">
+                                      <p:cBhvr>
+                                        <p:cTn id="37" dur="500"/>
+                                        <p:tgtEl>
+                                          <p:spTgt spid="49"/>
+                                        </p:tgtEl>
+                                      </p:cBhvr>
+                                    </p:animEffect>
+                                  </p:childTnLst>
+                                </p:cTn>
+                              </p:par>
+                            </p:childTnLst>
+                          </p:cTn>
+                        </p:par>
+                      </p:childTnLst>
+                    </p:cTn>
+                  </p:par>
+                  <p:par>
+                    <p:cTn id="38" fill="hold">
+                      <p:stCondLst>
+                        <p:cond delay="indefinite"/>
+                      </p:stCondLst>
+                      <p:childTnLst>
+                        <p:par>
+                          <p:cTn id="39" fill="hold">
+                            <p:stCondLst>
+                              <p:cond delay="0"/>
+                            </p:stCondLst>
+                            <p:childTnLst>
+                              <p:par>
+                                <p:cTn id="40" presetID="10" presetClass="exit" presetSubtype="0" fill="hold" nodeType="clickEffect">
+                                  <p:stCondLst>
+                                    <p:cond delay="0"/>
+                                  </p:stCondLst>
+                                  <p:childTnLst>
+                                    <p:animEffect transition="out" filter="fade">
+                                      <p:cBhvr>
+                                        <p:cTn id="41" dur="500"/>
+                                        <p:tgtEl>
+                                          <p:spTgt spid="32"/>
+                                        </p:tgtEl>
+                                      </p:cBhvr>
+                                    </p:animEffect>
+                                    <p:set>
+                                      <p:cBhvr>
+                                        <p:cTn id="42" dur="1" fill="hold">
+                                          <p:stCondLst>
+                                            <p:cond delay="499"/>
+                                          </p:stCondLst>
+                                        </p:cTn>
+                                        <p:tgtEl>
+                                          <p:spTgt spid="32"/>
+                                        </p:tgtEl>
+                                        <p:attrNameLst>
+                                          <p:attrName>style.visibility</p:attrName>
+                                        </p:attrNameLst>
+                                      </p:cBhvr>
+                                      <p:to>
+                                        <p:strVal val="hidden"/>
+                                      </p:to>
+                                    </p:set>
+                                  </p:childTnLst>
+                                </p:cTn>
+                              </p:par>
+                              <p:par>
+                                <p:cTn id="43" presetID="10" presetClass="exit" presetSubtype="0" fill="hold" nodeType="withEffect">
+                                  <p:stCondLst>
+                                    <p:cond delay="0"/>
+                                  </p:stCondLst>
+                                  <p:childTnLst>
+                                    <p:animEffect transition="out" filter="fade">
+                                      <p:cBhvr>
+                                        <p:cTn id="44" dur="500"/>
+                                        <p:tgtEl>
+                                          <p:spTgt spid="18"/>
+                                        </p:tgtEl>
+                                      </p:cBhvr>
+                                    </p:animEffect>
+                                    <p:set>
+                                      <p:cBhvr>
+                                        <p:cTn id="45" dur="1" fill="hold">
+                                          <p:stCondLst>
+                                            <p:cond delay="499"/>
+                                          </p:stCondLst>
+                                        </p:cTn>
+                                        <p:tgtEl>
+                                          <p:spTgt spid="18"/>
+                                        </p:tgtEl>
+                                        <p:attrNameLst>
+                                          <p:attrName>style.visibility</p:attrName>
+                                        </p:attrNameLst>
+                                      </p:cBhvr>
+                                      <p:to>
+                                        <p:strVal val="hidden"/>
+                                      </p:to>
+                                    </p:set>
+                                  </p:childTnLst>
+                                </p:cTn>
+                              </p:par>
+                            </p:childTnLst>
+                          </p:cTn>
+                        </p:par>
+                        <p:par>
+                          <p:cTn id="46" fill="hold">
+                            <p:stCondLst>
+                              <p:cond delay="500"/>
+                            </p:stCondLst>
+                            <p:childTnLst>
+                              <p:par>
+                                <p:cTn id="47" presetID="22" presetClass="entr" presetSubtype="1" fill="hold" nodeType="afterEffect">
+                                  <p:stCondLst>
+                                    <p:cond delay="0"/>
+                                  </p:stCondLst>
+                                  <p:childTnLst>
+                                    <p:set>
+                                      <p:cBhvr>
+                                        <p:cTn id="48" dur="1" fill="hold">
+                                          <p:stCondLst>
+                                            <p:cond delay="0"/>
+                                          </p:stCondLst>
+                                        </p:cTn>
+                                        <p:tgtEl>
+                                          <p:spTgt spid="19"/>
+                                        </p:tgtEl>
+                                        <p:attrNameLst>
+                                          <p:attrName>style.visibility</p:attrName>
+                                        </p:attrNameLst>
+                                      </p:cBhvr>
+                                      <p:to>
+                                        <p:strVal val="visible"/>
+                                      </p:to>
+                                    </p:set>
+                                    <p:animEffect transition="in" filter="wipe(up)">
+                                      <p:cBhvr>
+                                        <p:cTn id="49" dur="500"/>
+                                        <p:tgtEl>
+                                          <p:spTgt spid="19"/>
+                                        </p:tgtEl>
+                                      </p:cBhvr>
+                                    </p:animEffect>
+                                  </p:childTnLst>
+                                </p:cTn>
+                              </p:par>
+                            </p:childTnLst>
+                          </p:cTn>
+                        </p:par>
+                        <p:par>
+                          <p:cTn id="50" fill="hold">
+                            <p:stCondLst>
+                              <p:cond delay="1000"/>
+                            </p:stCondLst>
+                            <p:childTnLst>
+                              <p:par>
+                                <p:cTn id="51" presetID="22" presetClass="entr" presetSubtype="1" fill="hold" nodeType="afterEffect">
+                                  <p:stCondLst>
+                                    <p:cond delay="0"/>
+                                  </p:stCondLst>
+                                  <p:childTnLst>
+                                    <p:set>
+                                      <p:cBhvr>
+                                        <p:cTn id="52" dur="1" fill="hold">
+                                          <p:stCondLst>
+                                            <p:cond delay="0"/>
+                                          </p:stCondLst>
+                                        </p:cTn>
+                                        <p:tgtEl>
+                                          <p:spTgt spid="40"/>
+                                        </p:tgtEl>
+                                        <p:attrNameLst>
+                                          <p:attrName>style.visibility</p:attrName>
+                                        </p:attrNameLst>
+                                      </p:cBhvr>
+                                      <p:to>
+                                        <p:strVal val="visible"/>
+                                      </p:to>
+                                    </p:set>
+                                    <p:animEffect transition="in" filter="wipe(up)">
+                                      <p:cBhvr>
+                                        <p:cTn id="53" dur="500"/>
+                                        <p:tgtEl>
+                                          <p:spTgt spid="40"/>
+                                        </p:tgtEl>
+                                      </p:cBhvr>
+                                    </p:animEffect>
+                                  </p:childTnLst>
+                                </p:cTn>
+                              </p:par>
+                            </p:childTnLst>
+                          </p:cTn>
+                        </p:par>
+                        <p:par>
+                          <p:cTn id="54" fill="hold">
+                            <p:stCondLst>
+                              <p:cond delay="1500"/>
+                            </p:stCondLst>
+                            <p:childTnLst>
+                              <p:par>
+                                <p:cTn id="55" presetID="63" presetClass="path" presetSubtype="0" accel="50000" decel="50000" fill="hold" grpId="1" nodeType="afterEffect">
+                                  <p:stCondLst>
+                                    <p:cond delay="0"/>
+                                  </p:stCondLst>
+                                  <p:childTnLst>
+                                    <p:animMotion origin="layout" path="M 6.25E-7 7.40741E-7 L 0.17122 7.40741E-7 " pathEditMode="relative" rAng="0" ptsTypes="AA">
+                                      <p:cBhvr>
+                                        <p:cTn id="56" dur="750" fill="hold"/>
+                                        <p:tgtEl>
+                                          <p:spTgt spid="47"/>
+                                        </p:tgtEl>
+                                        <p:attrNameLst>
+                                          <p:attrName>ppt_x</p:attrName>
+                                          <p:attrName>ppt_y</p:attrName>
+                                        </p:attrNameLst>
+                                      </p:cBhvr>
+                                      <p:rCtr x="8555" y="0"/>
+                                    </p:animMotion>
+                                  </p:childTnLst>
+                                </p:cTn>
+                              </p:par>
+                            </p:childTnLst>
+                          </p:cTn>
+                        </p:par>
+                      </p:childTnLst>
+                    </p:cTn>
+                  </p:par>
+                  <p:par>
+                    <p:cTn id="57" fill="hold">
+                      <p:stCondLst>
+                        <p:cond delay="indefinite"/>
+                      </p:stCondLst>
+                      <p:childTnLst>
+                        <p:par>
+                          <p:cTn id="58" fill="hold">
+                            <p:stCondLst>
+                              <p:cond delay="0"/>
+                            </p:stCondLst>
+                            <p:childTnLst>
+                              <p:par>
+                                <p:cTn id="59" presetID="10" presetClass="exit" presetSubtype="0" fill="hold" nodeType="clickEffect">
+                                  <p:stCondLst>
+                                    <p:cond delay="0"/>
+                                  </p:stCondLst>
+                                  <p:childTnLst>
+                                    <p:animEffect transition="out" filter="fade">
+                                      <p:cBhvr>
+                                        <p:cTn id="60" dur="500"/>
+                                        <p:tgtEl>
+                                          <p:spTgt spid="19"/>
+                                        </p:tgtEl>
+                                      </p:cBhvr>
+                                    </p:animEffect>
+                                    <p:set>
+                                      <p:cBhvr>
+                                        <p:cTn id="61" dur="1" fill="hold">
+                                          <p:stCondLst>
+                                            <p:cond delay="499"/>
+                                          </p:stCondLst>
+                                        </p:cTn>
+                                        <p:tgtEl>
+                                          <p:spTgt spid="19"/>
+                                        </p:tgtEl>
+                                        <p:attrNameLst>
+                                          <p:attrName>style.visibility</p:attrName>
+                                        </p:attrNameLst>
+                                      </p:cBhvr>
+                                      <p:to>
+                                        <p:strVal val="hidden"/>
+                                      </p:to>
+                                    </p:set>
+                                  </p:childTnLst>
+                                </p:cTn>
+                              </p:par>
+                              <p:par>
+                                <p:cTn id="62" presetID="10" presetClass="exit" presetSubtype="0" fill="hold" nodeType="withEffect">
+                                  <p:stCondLst>
+                                    <p:cond delay="0"/>
+                                  </p:stCondLst>
+                                  <p:childTnLst>
+                                    <p:animEffect transition="out" filter="fade">
+                                      <p:cBhvr>
+                                        <p:cTn id="63" dur="500"/>
+                                        <p:tgtEl>
+                                          <p:spTgt spid="40"/>
+                                        </p:tgtEl>
+                                      </p:cBhvr>
+                                    </p:animEffect>
+                                    <p:set>
+                                      <p:cBhvr>
+                                        <p:cTn id="64" dur="1" fill="hold">
+                                          <p:stCondLst>
+                                            <p:cond delay="499"/>
+                                          </p:stCondLst>
+                                        </p:cTn>
+                                        <p:tgtEl>
+                                          <p:spTgt spid="40"/>
+                                        </p:tgtEl>
+                                        <p:attrNameLst>
+                                          <p:attrName>style.visibility</p:attrName>
+                                        </p:attrNameLst>
+                                      </p:cBhvr>
+                                      <p:to>
+                                        <p:strVal val="hidden"/>
+                                      </p:to>
+                                    </p:set>
+                                  </p:childTnLst>
+                                </p:cTn>
+                              </p:par>
+                            </p:childTnLst>
+                          </p:cTn>
+                        </p:par>
+                        <p:par>
+                          <p:cTn id="65" fill="hold">
+                            <p:stCondLst>
+                              <p:cond delay="500"/>
+                            </p:stCondLst>
+                            <p:childTnLst>
+                              <p:par>
+                                <p:cTn id="66" presetID="22" presetClass="entr" presetSubtype="1" fill="hold" nodeType="afterEffect">
+                                  <p:stCondLst>
+                                    <p:cond delay="0"/>
+                                  </p:stCondLst>
+                                  <p:childTnLst>
+                                    <p:set>
+                                      <p:cBhvr>
+                                        <p:cTn id="67" dur="1" fill="hold">
+                                          <p:stCondLst>
+                                            <p:cond delay="0"/>
+                                          </p:stCondLst>
+                                        </p:cTn>
+                                        <p:tgtEl>
+                                          <p:spTgt spid="20"/>
+                                        </p:tgtEl>
+                                        <p:attrNameLst>
+                                          <p:attrName>style.visibility</p:attrName>
+                                        </p:attrNameLst>
+                                      </p:cBhvr>
+                                      <p:to>
+                                        <p:strVal val="visible"/>
+                                      </p:to>
+                                    </p:set>
+                                    <p:animEffect transition="in" filter="wipe(up)">
+                                      <p:cBhvr>
+                                        <p:cTn id="68" dur="500"/>
+                                        <p:tgtEl>
+                                          <p:spTgt spid="20"/>
+                                        </p:tgtEl>
+                                      </p:cBhvr>
+                                    </p:animEffect>
+                                  </p:childTnLst>
+                                </p:cTn>
+                              </p:par>
+                            </p:childTnLst>
+                          </p:cTn>
+                        </p:par>
+                        <p:par>
+                          <p:cTn id="69" fill="hold">
+                            <p:stCondLst>
+                              <p:cond delay="1000"/>
+                            </p:stCondLst>
+                            <p:childTnLst>
+                              <p:par>
+                                <p:cTn id="70" presetID="22" presetClass="entr" presetSubtype="2" fill="hold" nodeType="afterEffect">
+                                  <p:stCondLst>
+                                    <p:cond delay="0"/>
+                                  </p:stCondLst>
+                                  <p:childTnLst>
+                                    <p:set>
+                                      <p:cBhvr>
+                                        <p:cTn id="71" dur="1" fill="hold">
+                                          <p:stCondLst>
+                                            <p:cond delay="0"/>
+                                          </p:stCondLst>
+                                        </p:cTn>
+                                        <p:tgtEl>
+                                          <p:spTgt spid="43"/>
+                                        </p:tgtEl>
+                                        <p:attrNameLst>
+                                          <p:attrName>style.visibility</p:attrName>
+                                        </p:attrNameLst>
+                                      </p:cBhvr>
+                                      <p:to>
+                                        <p:strVal val="visible"/>
+                                      </p:to>
+                                    </p:set>
+                                    <p:animEffect transition="in" filter="wipe(right)">
+                                      <p:cBhvr>
+                                        <p:cTn id="72" dur="500"/>
+                                        <p:tgtEl>
+                                          <p:spTgt spid="43"/>
+                                        </p:tgtEl>
+                                      </p:cBhvr>
+                                    </p:animEffect>
+                                  </p:childTnLst>
+                                </p:cTn>
+                              </p:par>
+                            </p:childTnLst>
+                          </p:cTn>
+                        </p:par>
+                      </p:childTnLst>
+                    </p:cTn>
+                  </p:par>
+                  <p:par>
+                    <p:cTn id="73" fill="hold">
+                      <p:stCondLst>
+                        <p:cond delay="indefinite"/>
+                      </p:stCondLst>
+                      <p:childTnLst>
+                        <p:par>
+                          <p:cTn id="74" fill="hold">
+                            <p:stCondLst>
+                              <p:cond delay="0"/>
+                            </p:stCondLst>
+                            <p:childTnLst>
+                              <p:par>
+                                <p:cTn id="75" presetID="22" presetClass="entr" presetSubtype="1" fill="hold" nodeType="clickEffect">
+                                  <p:stCondLst>
+                                    <p:cond delay="0"/>
+                                  </p:stCondLst>
+                                  <p:childTnLst>
+                                    <p:set>
+                                      <p:cBhvr>
+                                        <p:cTn id="76" dur="1" fill="hold">
+                                          <p:stCondLst>
+                                            <p:cond delay="0"/>
+                                          </p:stCondLst>
+                                        </p:cTn>
+                                        <p:tgtEl>
+                                          <p:spTgt spid="21"/>
+                                        </p:tgtEl>
+                                        <p:attrNameLst>
+                                          <p:attrName>style.visibility</p:attrName>
+                                        </p:attrNameLst>
+                                      </p:cBhvr>
+                                      <p:to>
+                                        <p:strVal val="visible"/>
+                                      </p:to>
+                                    </p:set>
+                                    <p:animEffect transition="in" filter="wipe(up)">
+                                      <p:cBhvr>
+                                        <p:cTn id="77" dur="500"/>
+                                        <p:tgtEl>
+                                          <p:spTgt spid="21"/>
                                         </p:tgtEl>
                                       </p:cBhvr>
                                     </p:animEffect>
@@ -12514,13 +14069,897 @@
       </p:par>
     </p:tnLst>
     <p:bldLst>
-      <p:bldP spid="26" grpId="0" animBg="1"/>
+      <p:bldP spid="47" grpId="0"/>
+      <p:bldP spid="47" grpId="1"/>
+      <p:bldP spid="48" grpId="0"/>
+      <p:bldP spid="49" grpId="0"/>
     </p:bldLst>
   </p:timing>
 </p:sld>
 </file>
 
 <file path=ppt/slides/slide6.xml><?xml version="1.0" encoding="utf-8"?>
+<p:sld xmlns:a="http://schemas.openxmlformats.org/drawingml/2006/main" xmlns:r="http://schemas.openxmlformats.org/officeDocument/2006/relationships" xmlns:p="http://schemas.openxmlformats.org/presentationml/2006/main">
+  <p:cSld>
+    <p:spTree>
+      <p:nvGrpSpPr>
+        <p:cNvPr id="1" name=""/>
+        <p:cNvGrpSpPr/>
+        <p:nvPr/>
+      </p:nvGrpSpPr>
+      <p:grpSpPr>
+        <a:xfrm>
+          <a:off x="0" y="0"/>
+          <a:ext cx="0" cy="0"/>
+          <a:chOff x="0" y="0"/>
+          <a:chExt cx="0" cy="0"/>
+        </a:xfrm>
+      </p:grpSpPr>
+      <p:sp>
+        <p:nvSpPr>
+          <p:cNvPr id="2" name="Title 1"/>
+          <p:cNvSpPr>
+            <a:spLocks noGrp="1"/>
+          </p:cNvSpPr>
+          <p:nvPr>
+            <p:ph type="title"/>
+          </p:nvPr>
+        </p:nvSpPr>
+        <p:spPr/>
+        <p:txBody>
+          <a:bodyPr/>
+          <a:lstStyle/>
+          <a:p>
+            <a:r>
+              <a:rPr lang="en-US" dirty="0" smtClean="0"/>
+              <a:t>The Physical </a:t>
+            </a:r>
+            <a:r>
+              <a:rPr lang="en-US" dirty="0" smtClean="0"/>
+              <a:t>Architecture Now</a:t>
+            </a:r>
+            <a:endParaRPr lang="en-US" dirty="0"/>
+          </a:p>
+        </p:txBody>
+      </p:sp>
+      <p:grpSp>
+        <p:nvGrpSpPr>
+          <p:cNvPr id="18" name="Group 17"/>
+          <p:cNvGrpSpPr/>
+          <p:nvPr/>
+        </p:nvGrpSpPr>
+        <p:grpSpPr>
+          <a:xfrm>
+            <a:off x="609600" y="1740310"/>
+            <a:ext cx="2664542" cy="1740309"/>
+            <a:chOff x="609600" y="1740310"/>
+            <a:chExt cx="2664542" cy="1740309"/>
+          </a:xfrm>
+        </p:grpSpPr>
+        <p:sp>
+          <p:nvSpPr>
+            <p:cNvPr id="4" name="Cloud 3"/>
+            <p:cNvSpPr/>
+            <p:nvPr/>
+          </p:nvSpPr>
+          <p:spPr>
+            <a:xfrm>
+              <a:off x="609600" y="1740310"/>
+              <a:ext cx="2664542" cy="1740309"/>
+            </a:xfrm>
+            <a:prstGeom prst="cloud">
+              <a:avLst/>
+            </a:prstGeom>
+          </p:spPr>
+          <p:style>
+            <a:lnRef idx="2">
+              <a:schemeClr val="accent1">
+                <a:shade val="50000"/>
+              </a:schemeClr>
+            </a:lnRef>
+            <a:fillRef idx="1">
+              <a:schemeClr val="accent1"/>
+            </a:fillRef>
+            <a:effectRef idx="0">
+              <a:schemeClr val="accent1"/>
+            </a:effectRef>
+            <a:fontRef idx="minor">
+              <a:schemeClr val="lt1"/>
+            </a:fontRef>
+          </p:style>
+          <p:txBody>
+            <a:bodyPr rtlCol="0" anchor="ctr"/>
+            <a:lstStyle/>
+            <a:p>
+              <a:pPr algn="ctr"/>
+              <a:endParaRPr lang="en-US"/>
+            </a:p>
+          </p:txBody>
+        </p:sp>
+        <p:sp>
+          <p:nvSpPr>
+            <p:cNvPr id="6" name="Rectangle 5"/>
+            <p:cNvSpPr/>
+            <p:nvPr/>
+          </p:nvSpPr>
+          <p:spPr>
+            <a:xfrm>
+              <a:off x="953731" y="2074606"/>
+              <a:ext cx="1976284" cy="943897"/>
+            </a:xfrm>
+            <a:prstGeom prst="rect">
+              <a:avLst/>
+            </a:prstGeom>
+          </p:spPr>
+          <p:style>
+            <a:lnRef idx="2">
+              <a:schemeClr val="accent3">
+                <a:shade val="50000"/>
+              </a:schemeClr>
+            </a:lnRef>
+            <a:fillRef idx="1">
+              <a:schemeClr val="accent3"/>
+            </a:fillRef>
+            <a:effectRef idx="0">
+              <a:schemeClr val="accent3"/>
+            </a:effectRef>
+            <a:fontRef idx="minor">
+              <a:schemeClr val="lt1"/>
+            </a:fontRef>
+          </p:style>
+          <p:txBody>
+            <a:bodyPr rtlCol="0" anchor="b" anchorCtr="1"/>
+            <a:lstStyle/>
+            <a:p>
+              <a:pPr algn="ctr"/>
+              <a:r>
+                <a:rPr lang="en-US" sz="1400" dirty="0" smtClean="0"/>
+                <a:t>Linux Virtual Machine</a:t>
+              </a:r>
+              <a:endParaRPr lang="en-US" sz="1400" dirty="0"/>
+            </a:p>
+          </p:txBody>
+        </p:sp>
+        <p:sp>
+          <p:nvSpPr>
+            <p:cNvPr id="7" name="Rectangle 6"/>
+            <p:cNvSpPr/>
+            <p:nvPr/>
+          </p:nvSpPr>
+          <p:spPr>
+            <a:xfrm>
+              <a:off x="1111047" y="2212258"/>
+              <a:ext cx="1710813" cy="511277"/>
+            </a:xfrm>
+            <a:prstGeom prst="rect">
+              <a:avLst/>
+            </a:prstGeom>
+          </p:spPr>
+          <p:style>
+            <a:lnRef idx="2">
+              <a:schemeClr val="accent1">
+                <a:shade val="50000"/>
+              </a:schemeClr>
+            </a:lnRef>
+            <a:fillRef idx="1">
+              <a:schemeClr val="accent1"/>
+            </a:fillRef>
+            <a:effectRef idx="0">
+              <a:schemeClr val="accent1"/>
+            </a:effectRef>
+            <a:fontRef idx="minor">
+              <a:schemeClr val="lt1"/>
+            </a:fontRef>
+          </p:style>
+          <p:txBody>
+            <a:bodyPr rtlCol="0" anchor="ctr"/>
+            <a:lstStyle/>
+            <a:p>
+              <a:pPr algn="ctr"/>
+              <a:r>
+                <a:rPr lang="en-US" sz="1600" dirty="0" err="1" smtClean="0"/>
+                <a:t>Veni</a:t>
+              </a:r>
+              <a:r>
+                <a:rPr lang="en-US" sz="1600" dirty="0" smtClean="0"/>
+                <a:t>-Specific </a:t>
+              </a:r>
+              <a:r>
+                <a:rPr lang="en-US" sz="1600" dirty="0" err="1" smtClean="0"/>
+                <a:t>VistA</a:t>
+              </a:r>
+              <a:r>
+                <a:rPr lang="en-US" sz="1600" dirty="0" smtClean="0"/>
+                <a:t> Instance</a:t>
+              </a:r>
+              <a:endParaRPr lang="en-US" sz="1600" dirty="0"/>
+            </a:p>
+          </p:txBody>
+        </p:sp>
+      </p:grpSp>
+      <p:grpSp>
+        <p:nvGrpSpPr>
+          <p:cNvPr id="50" name="Group 49"/>
+          <p:cNvGrpSpPr/>
+          <p:nvPr/>
+        </p:nvGrpSpPr>
+        <p:grpSpPr>
+          <a:xfrm>
+            <a:off x="2268746" y="3480619"/>
+            <a:ext cx="2664542" cy="1740309"/>
+            <a:chOff x="2268746" y="3480619"/>
+            <a:chExt cx="2664542" cy="1740309"/>
+          </a:xfrm>
+        </p:grpSpPr>
+        <p:sp>
+          <p:nvSpPr>
+            <p:cNvPr id="12" name="Cloud 11"/>
+            <p:cNvSpPr/>
+            <p:nvPr/>
+          </p:nvSpPr>
+          <p:spPr>
+            <a:xfrm>
+              <a:off x="2268746" y="3480619"/>
+              <a:ext cx="2664542" cy="1740309"/>
+            </a:xfrm>
+            <a:prstGeom prst="cloud">
+              <a:avLst/>
+            </a:prstGeom>
+          </p:spPr>
+          <p:style>
+            <a:lnRef idx="2">
+              <a:schemeClr val="accent1">
+                <a:shade val="50000"/>
+              </a:schemeClr>
+            </a:lnRef>
+            <a:fillRef idx="1">
+              <a:schemeClr val="accent1"/>
+            </a:fillRef>
+            <a:effectRef idx="0">
+              <a:schemeClr val="accent1"/>
+            </a:effectRef>
+            <a:fontRef idx="minor">
+              <a:schemeClr val="lt1"/>
+            </a:fontRef>
+          </p:style>
+          <p:txBody>
+            <a:bodyPr rtlCol="0" anchor="ctr"/>
+            <a:lstStyle/>
+            <a:p>
+              <a:pPr algn="ctr"/>
+              <a:endParaRPr lang="en-US"/>
+            </a:p>
+          </p:txBody>
+        </p:sp>
+        <p:sp>
+          <p:nvSpPr>
+            <p:cNvPr id="13" name="Rectangle 12"/>
+            <p:cNvSpPr/>
+            <p:nvPr/>
+          </p:nvSpPr>
+          <p:spPr>
+            <a:xfrm>
+              <a:off x="2612877" y="3814915"/>
+              <a:ext cx="1976284" cy="943897"/>
+            </a:xfrm>
+            <a:prstGeom prst="rect">
+              <a:avLst/>
+            </a:prstGeom>
+          </p:spPr>
+          <p:style>
+            <a:lnRef idx="2">
+              <a:schemeClr val="accent3">
+                <a:shade val="50000"/>
+              </a:schemeClr>
+            </a:lnRef>
+            <a:fillRef idx="1">
+              <a:schemeClr val="accent3"/>
+            </a:fillRef>
+            <a:effectRef idx="0">
+              <a:schemeClr val="accent3"/>
+            </a:effectRef>
+            <a:fontRef idx="minor">
+              <a:schemeClr val="lt1"/>
+            </a:fontRef>
+          </p:style>
+          <p:txBody>
+            <a:bodyPr rtlCol="0" anchor="b" anchorCtr="1"/>
+            <a:lstStyle/>
+            <a:p>
+              <a:pPr algn="ctr"/>
+              <a:r>
+                <a:rPr lang="en-US" sz="1400" dirty="0" smtClean="0"/>
+                <a:t>Virtual Machine</a:t>
+              </a:r>
+              <a:endParaRPr lang="en-US" sz="1400" dirty="0"/>
+            </a:p>
+          </p:txBody>
+        </p:sp>
+        <p:sp>
+          <p:nvSpPr>
+            <p:cNvPr id="14" name="Rectangle 13"/>
+            <p:cNvSpPr/>
+            <p:nvPr/>
+          </p:nvSpPr>
+          <p:spPr>
+            <a:xfrm>
+              <a:off x="2770193" y="3952567"/>
+              <a:ext cx="1710813" cy="511277"/>
+            </a:xfrm>
+            <a:prstGeom prst="rect">
+              <a:avLst/>
+            </a:prstGeom>
+          </p:spPr>
+          <p:style>
+            <a:lnRef idx="2">
+              <a:schemeClr val="accent1">
+                <a:shade val="50000"/>
+              </a:schemeClr>
+            </a:lnRef>
+            <a:fillRef idx="1">
+              <a:schemeClr val="accent1"/>
+            </a:fillRef>
+            <a:effectRef idx="0">
+              <a:schemeClr val="accent1"/>
+            </a:effectRef>
+            <a:fontRef idx="minor">
+              <a:schemeClr val="lt1"/>
+            </a:fontRef>
+          </p:style>
+          <p:txBody>
+            <a:bodyPr rtlCol="0" anchor="ctr"/>
+            <a:lstStyle/>
+            <a:p>
+              <a:pPr algn="ctr"/>
+              <a:r>
+                <a:rPr lang="en-US" sz="1600" dirty="0" smtClean="0"/>
+                <a:t>Web Service</a:t>
+              </a:r>
+              <a:endParaRPr lang="en-US" sz="1600" dirty="0"/>
+            </a:p>
+          </p:txBody>
+        </p:sp>
+      </p:grpSp>
+      <p:grpSp>
+        <p:nvGrpSpPr>
+          <p:cNvPr id="51" name="Group 50"/>
+          <p:cNvGrpSpPr/>
+          <p:nvPr/>
+        </p:nvGrpSpPr>
+        <p:grpSpPr>
+          <a:xfrm>
+            <a:off x="5436207" y="5060663"/>
+            <a:ext cx="2576381" cy="1554596"/>
+            <a:chOff x="5436207" y="5060663"/>
+            <a:chExt cx="2576381" cy="1554596"/>
+          </a:xfrm>
+        </p:grpSpPr>
+        <p:grpSp>
+          <p:nvGrpSpPr>
+            <p:cNvPr id="29" name="Group 28"/>
+            <p:cNvGrpSpPr/>
+            <p:nvPr/>
+          </p:nvGrpSpPr>
+          <p:grpSpPr>
+            <a:xfrm>
+              <a:off x="5436207" y="5060663"/>
+              <a:ext cx="935935" cy="1554596"/>
+              <a:chOff x="5063613" y="4847303"/>
+              <a:chExt cx="840562" cy="1396181"/>
+            </a:xfrm>
+          </p:grpSpPr>
+          <p:sp>
+            <p:nvSpPr>
+              <p:cNvPr id="22" name="Rounded Rectangle 21"/>
+              <p:cNvSpPr/>
+              <p:nvPr/>
+            </p:nvSpPr>
+            <p:spPr>
+              <a:xfrm>
+                <a:off x="5063613" y="4847303"/>
+                <a:ext cx="840562" cy="1396181"/>
+              </a:xfrm>
+              <a:prstGeom prst="roundRect">
+                <a:avLst/>
+              </a:prstGeom>
+            </p:spPr>
+            <p:style>
+              <a:lnRef idx="2">
+                <a:schemeClr val="accent3">
+                  <a:shade val="50000"/>
+                </a:schemeClr>
+              </a:lnRef>
+              <a:fillRef idx="1">
+                <a:schemeClr val="accent3"/>
+              </a:fillRef>
+              <a:effectRef idx="0">
+                <a:schemeClr val="accent3"/>
+              </a:effectRef>
+              <a:fontRef idx="minor">
+                <a:schemeClr val="lt1"/>
+              </a:fontRef>
+            </p:style>
+            <p:txBody>
+              <a:bodyPr rtlCol="0" anchor="ctr"/>
+              <a:lstStyle/>
+              <a:p>
+                <a:pPr algn="ctr"/>
+                <a:endParaRPr lang="en-US"/>
+              </a:p>
+            </p:txBody>
+          </p:sp>
+          <p:sp>
+            <p:nvSpPr>
+              <p:cNvPr id="24" name="Rectangle 23"/>
+              <p:cNvSpPr/>
+              <p:nvPr/>
+            </p:nvSpPr>
+            <p:spPr>
+              <a:xfrm>
+                <a:off x="5166852" y="4925961"/>
+                <a:ext cx="634085" cy="1140542"/>
+              </a:xfrm>
+              <a:prstGeom prst="rect">
+                <a:avLst/>
+              </a:prstGeom>
+            </p:spPr>
+            <p:style>
+              <a:lnRef idx="2">
+                <a:schemeClr val="accent1">
+                  <a:shade val="50000"/>
+                </a:schemeClr>
+              </a:lnRef>
+              <a:fillRef idx="1">
+                <a:schemeClr val="accent1"/>
+              </a:fillRef>
+              <a:effectRef idx="0">
+                <a:schemeClr val="accent1"/>
+              </a:effectRef>
+              <a:fontRef idx="minor">
+                <a:schemeClr val="lt1"/>
+              </a:fontRef>
+            </p:style>
+            <p:txBody>
+              <a:bodyPr rtlCol="0" anchor="ctr"/>
+              <a:lstStyle/>
+              <a:p>
+                <a:pPr algn="ctr"/>
+                <a:r>
+                  <a:rPr lang="en-US" dirty="0" smtClean="0"/>
+                  <a:t>iOS</a:t>
+                </a:r>
+                <a:endParaRPr lang="en-US" dirty="0"/>
+              </a:p>
+            </p:txBody>
+          </p:sp>
+          <p:sp>
+            <p:nvSpPr>
+              <p:cNvPr id="25" name="Oval 24"/>
+              <p:cNvSpPr/>
+              <p:nvPr/>
+            </p:nvSpPr>
+            <p:spPr>
+              <a:xfrm>
+                <a:off x="5424204" y="6098540"/>
+                <a:ext cx="119380" cy="119380"/>
+              </a:xfrm>
+              <a:prstGeom prst="ellipse">
+                <a:avLst/>
+              </a:prstGeom>
+            </p:spPr>
+            <p:style>
+              <a:lnRef idx="2">
+                <a:schemeClr val="accent1">
+                  <a:shade val="50000"/>
+                </a:schemeClr>
+              </a:lnRef>
+              <a:fillRef idx="1">
+                <a:schemeClr val="accent1"/>
+              </a:fillRef>
+              <a:effectRef idx="0">
+                <a:schemeClr val="accent1"/>
+              </a:effectRef>
+              <a:fontRef idx="minor">
+                <a:schemeClr val="lt1"/>
+              </a:fontRef>
+            </p:style>
+            <p:txBody>
+              <a:bodyPr rtlCol="0" anchor="ctr"/>
+              <a:lstStyle/>
+              <a:p>
+                <a:pPr algn="ctr"/>
+                <a:endParaRPr lang="en-US"/>
+              </a:p>
+            </p:txBody>
+          </p:sp>
+        </p:grpSp>
+        <p:grpSp>
+          <p:nvGrpSpPr>
+            <p:cNvPr id="30" name="Group 29"/>
+            <p:cNvGrpSpPr/>
+            <p:nvPr/>
+          </p:nvGrpSpPr>
+          <p:grpSpPr>
+            <a:xfrm>
+              <a:off x="7078182" y="5060663"/>
+              <a:ext cx="934406" cy="1552057"/>
+              <a:chOff x="6007414" y="4847303"/>
+              <a:chExt cx="840562" cy="1396181"/>
+            </a:xfrm>
+          </p:grpSpPr>
+          <p:sp>
+            <p:nvSpPr>
+              <p:cNvPr id="26" name="Rounded Rectangle 25"/>
+              <p:cNvSpPr/>
+              <p:nvPr/>
+            </p:nvSpPr>
+            <p:spPr>
+              <a:xfrm>
+                <a:off x="6007414" y="4847303"/>
+                <a:ext cx="840562" cy="1396181"/>
+              </a:xfrm>
+              <a:prstGeom prst="roundRect">
+                <a:avLst/>
+              </a:prstGeom>
+            </p:spPr>
+            <p:style>
+              <a:lnRef idx="2">
+                <a:schemeClr val="accent3">
+                  <a:shade val="50000"/>
+                </a:schemeClr>
+              </a:lnRef>
+              <a:fillRef idx="1">
+                <a:schemeClr val="accent3"/>
+              </a:fillRef>
+              <a:effectRef idx="0">
+                <a:schemeClr val="accent3"/>
+              </a:effectRef>
+              <a:fontRef idx="minor">
+                <a:schemeClr val="lt1"/>
+              </a:fontRef>
+            </p:style>
+            <p:txBody>
+              <a:bodyPr rtlCol="0" anchor="ctr"/>
+              <a:lstStyle/>
+              <a:p>
+                <a:pPr algn="ctr"/>
+                <a:endParaRPr lang="en-US"/>
+              </a:p>
+            </p:txBody>
+          </p:sp>
+          <p:sp>
+            <p:nvSpPr>
+              <p:cNvPr id="27" name="Rectangle 26"/>
+              <p:cNvSpPr/>
+              <p:nvPr/>
+            </p:nvSpPr>
+            <p:spPr>
+              <a:xfrm>
+                <a:off x="6110653" y="4925961"/>
+                <a:ext cx="634085" cy="1140542"/>
+              </a:xfrm>
+              <a:prstGeom prst="rect">
+                <a:avLst/>
+              </a:prstGeom>
+            </p:spPr>
+            <p:style>
+              <a:lnRef idx="2">
+                <a:schemeClr val="accent1">
+                  <a:shade val="50000"/>
+                </a:schemeClr>
+              </a:lnRef>
+              <a:fillRef idx="1">
+                <a:schemeClr val="accent1"/>
+              </a:fillRef>
+              <a:effectRef idx="0">
+                <a:schemeClr val="accent1"/>
+              </a:effectRef>
+              <a:fontRef idx="minor">
+                <a:schemeClr val="lt1"/>
+              </a:fontRef>
+            </p:style>
+            <p:txBody>
+              <a:bodyPr rtlCol="0" anchor="ctr"/>
+              <a:lstStyle/>
+              <a:p>
+                <a:pPr algn="ctr"/>
+                <a:r>
+                  <a:rPr lang="en-US" sz="1100" dirty="0" smtClean="0"/>
+                  <a:t>Android</a:t>
+                </a:r>
+                <a:endParaRPr lang="en-US" sz="1100" dirty="0"/>
+              </a:p>
+            </p:txBody>
+          </p:sp>
+          <p:sp>
+            <p:nvSpPr>
+              <p:cNvPr id="28" name="Oval 27"/>
+              <p:cNvSpPr/>
+              <p:nvPr/>
+            </p:nvSpPr>
+            <p:spPr>
+              <a:xfrm>
+                <a:off x="6368005" y="6098540"/>
+                <a:ext cx="119380" cy="119380"/>
+              </a:xfrm>
+              <a:prstGeom prst="ellipse">
+                <a:avLst/>
+              </a:prstGeom>
+            </p:spPr>
+            <p:style>
+              <a:lnRef idx="2">
+                <a:schemeClr val="accent1">
+                  <a:shade val="50000"/>
+                </a:schemeClr>
+              </a:lnRef>
+              <a:fillRef idx="1">
+                <a:schemeClr val="accent1"/>
+              </a:fillRef>
+              <a:effectRef idx="0">
+                <a:schemeClr val="accent1"/>
+              </a:effectRef>
+              <a:fontRef idx="minor">
+                <a:schemeClr val="lt1"/>
+              </a:fontRef>
+            </p:style>
+            <p:txBody>
+              <a:bodyPr rtlCol="0" anchor="ctr"/>
+              <a:lstStyle/>
+              <a:p>
+                <a:pPr algn="ctr"/>
+                <a:endParaRPr lang="en-US"/>
+              </a:p>
+            </p:txBody>
+          </p:sp>
+        </p:grpSp>
+      </p:grpSp>
+      <p:cxnSp>
+        <p:nvCxnSpPr>
+          <p:cNvPr id="32" name="Straight Connector 31"/>
+          <p:cNvCxnSpPr>
+            <a:endCxn id="13" idx="0"/>
+          </p:cNvCxnSpPr>
+          <p:nvPr/>
+        </p:nvCxnSpPr>
+        <p:spPr>
+          <a:xfrm>
+            <a:off x="1971040" y="3018503"/>
+            <a:ext cx="1629979" cy="796412"/>
+          </a:xfrm>
+          <a:prstGeom prst="line">
+            <a:avLst/>
+          </a:prstGeom>
+          <a:ln w="41275">
+            <a:solidFill>
+              <a:schemeClr val="accent3"/>
+            </a:solidFill>
+          </a:ln>
+        </p:spPr>
+        <p:style>
+          <a:lnRef idx="1">
+            <a:schemeClr val="accent1"/>
+          </a:lnRef>
+          <a:fillRef idx="0">
+            <a:schemeClr val="accent1"/>
+          </a:fillRef>
+          <a:effectRef idx="0">
+            <a:schemeClr val="accent1"/>
+          </a:effectRef>
+          <a:fontRef idx="minor">
+            <a:schemeClr val="tx1"/>
+          </a:fontRef>
+        </p:style>
+      </p:cxnSp>
+      <p:cxnSp>
+        <p:nvCxnSpPr>
+          <p:cNvPr id="33" name="Straight Connector 32"/>
+          <p:cNvCxnSpPr>
+            <a:stCxn id="13" idx="3"/>
+            <a:endCxn id="22" idx="0"/>
+          </p:cNvCxnSpPr>
+          <p:nvPr/>
+        </p:nvCxnSpPr>
+        <p:spPr>
+          <a:xfrm>
+            <a:off x="4589161" y="4286864"/>
+            <a:ext cx="1315014" cy="773799"/>
+          </a:xfrm>
+          <a:prstGeom prst="line">
+            <a:avLst/>
+          </a:prstGeom>
+          <a:ln w="41275">
+            <a:solidFill>
+              <a:schemeClr val="accent3"/>
+            </a:solidFill>
+          </a:ln>
+        </p:spPr>
+        <p:style>
+          <a:lnRef idx="1">
+            <a:schemeClr val="accent1"/>
+          </a:lnRef>
+          <a:fillRef idx="0">
+            <a:schemeClr val="accent1"/>
+          </a:fillRef>
+          <a:effectRef idx="0">
+            <a:schemeClr val="accent1"/>
+          </a:effectRef>
+          <a:fontRef idx="minor">
+            <a:schemeClr val="tx1"/>
+          </a:fontRef>
+        </p:style>
+      </p:cxnSp>
+      <p:cxnSp>
+        <p:nvCxnSpPr>
+          <p:cNvPr id="36" name="Straight Connector 35"/>
+          <p:cNvCxnSpPr>
+            <a:stCxn id="13" idx="3"/>
+            <a:endCxn id="26" idx="0"/>
+          </p:cNvCxnSpPr>
+          <p:nvPr/>
+        </p:nvCxnSpPr>
+        <p:spPr>
+          <a:xfrm>
+            <a:off x="4589161" y="4286864"/>
+            <a:ext cx="2956224" cy="773799"/>
+          </a:xfrm>
+          <a:prstGeom prst="line">
+            <a:avLst/>
+          </a:prstGeom>
+          <a:ln w="41275">
+            <a:solidFill>
+              <a:schemeClr val="accent3"/>
+            </a:solidFill>
+          </a:ln>
+        </p:spPr>
+        <p:style>
+          <a:lnRef idx="1">
+            <a:schemeClr val="accent1"/>
+          </a:lnRef>
+          <a:fillRef idx="0">
+            <a:schemeClr val="accent1"/>
+          </a:fillRef>
+          <a:effectRef idx="0">
+            <a:schemeClr val="accent1"/>
+          </a:effectRef>
+          <a:fontRef idx="minor">
+            <a:schemeClr val="tx1"/>
+          </a:fontRef>
+        </p:style>
+      </p:cxnSp>
+      <p:sp>
+        <p:nvSpPr>
+          <p:cNvPr id="47" name="TextBox 46"/>
+          <p:cNvSpPr txBox="1"/>
+          <p:nvPr/>
+        </p:nvSpPr>
+        <p:spPr>
+          <a:xfrm>
+            <a:off x="2428517" y="3093769"/>
+            <a:ext cx="1838633" cy="369332"/>
+          </a:xfrm>
+          <a:prstGeom prst="rect">
+            <a:avLst/>
+          </a:prstGeom>
+          <a:noFill/>
+        </p:spPr>
+        <p:txBody>
+          <a:bodyPr wrap="square" rtlCol="0">
+            <a:spAutoFit/>
+          </a:bodyPr>
+          <a:lstStyle/>
+          <a:p>
+            <a:r>
+              <a:rPr lang="en-US" dirty="0" err="1" smtClean="0"/>
+              <a:t>Remoting</a:t>
+            </a:r>
+            <a:endParaRPr lang="en-US" dirty="0"/>
+          </a:p>
+        </p:txBody>
+      </p:sp>
+      <p:sp>
+        <p:nvSpPr>
+          <p:cNvPr id="48" name="TextBox 47"/>
+          <p:cNvSpPr txBox="1"/>
+          <p:nvPr/>
+        </p:nvSpPr>
+        <p:spPr>
+          <a:xfrm>
+            <a:off x="4984857" y="4421746"/>
+            <a:ext cx="2374394" cy="646331"/>
+          </a:xfrm>
+          <a:prstGeom prst="rect">
+            <a:avLst/>
+          </a:prstGeom>
+          <a:noFill/>
+        </p:spPr>
+        <p:txBody>
+          <a:bodyPr wrap="square" rtlCol="0">
+            <a:spAutoFit/>
+          </a:bodyPr>
+          <a:lstStyle/>
+          <a:p>
+            <a:r>
+              <a:rPr lang="en-US" dirty="0" smtClean="0"/>
+              <a:t>REST - via HTTPS</a:t>
+            </a:r>
+          </a:p>
+          <a:p>
+            <a:r>
+              <a:rPr lang="en-US" dirty="0" smtClean="0"/>
+              <a:t>with JSON or XML</a:t>
+            </a:r>
+            <a:endParaRPr lang="en-US" dirty="0"/>
+          </a:p>
+        </p:txBody>
+      </p:sp>
+      <p:sp>
+        <p:nvSpPr>
+          <p:cNvPr id="49" name="TextBox 48"/>
+          <p:cNvSpPr txBox="1"/>
+          <p:nvPr/>
+        </p:nvSpPr>
+        <p:spPr>
+          <a:xfrm>
+            <a:off x="8096812" y="5220928"/>
+            <a:ext cx="2374394" cy="646331"/>
+          </a:xfrm>
+          <a:prstGeom prst="rect">
+            <a:avLst/>
+          </a:prstGeom>
+          <a:noFill/>
+        </p:spPr>
+        <p:txBody>
+          <a:bodyPr wrap="square" rtlCol="0">
+            <a:spAutoFit/>
+          </a:bodyPr>
+          <a:lstStyle/>
+          <a:p>
+            <a:r>
+              <a:rPr lang="en-US" dirty="0" smtClean="0"/>
+              <a:t>Intel, </a:t>
+            </a:r>
+            <a:r>
+              <a:rPr lang="en-US" dirty="0" err="1" smtClean="0"/>
+              <a:t>Xamarin</a:t>
+            </a:r>
+            <a:r>
+              <a:rPr lang="en-US" dirty="0" smtClean="0"/>
+              <a:t> or</a:t>
+            </a:r>
+            <a:br>
+              <a:rPr lang="en-US" dirty="0" smtClean="0"/>
+            </a:br>
+            <a:r>
+              <a:rPr lang="en-US" dirty="0" smtClean="0"/>
+              <a:t>Apache Cordova</a:t>
+            </a:r>
+          </a:p>
+        </p:txBody>
+      </p:sp>
+    </p:spTree>
+    <p:extLst>
+      <p:ext uri="{BB962C8B-B14F-4D97-AF65-F5344CB8AC3E}">
+        <p14:creationId xmlns:p14="http://schemas.microsoft.com/office/powerpoint/2010/main" val="3174461828"/>
+      </p:ext>
+    </p:extLst>
+  </p:cSld>
+  <p:clrMapOvr>
+    <a:masterClrMapping/>
+  </p:clrMapOvr>
+  <p:transition spd="slow">
+    <p:wipe dir="r"/>
+  </p:transition>
+  <p:timing>
+    <p:tnLst>
+      <p:par>
+        <p:cTn id="1" dur="indefinite" restart="never" nodeType="tmRoot"/>
+      </p:par>
+    </p:tnLst>
+  </p:timing>
+</p:sld>
+</file>
+
+<file path=ppt/slides/slide7.xml><?xml version="1.0" encoding="utf-8"?>
 <p:sld xmlns:a="http://schemas.openxmlformats.org/drawingml/2006/main" xmlns:r="http://schemas.openxmlformats.org/officeDocument/2006/relationships" xmlns:p="http://schemas.openxmlformats.org/presentationml/2006/main">
   <p:cSld>
     <p:spTree>
@@ -12655,7 +15094,7 @@
 </p:sld>
 </file>
 
-<file path=ppt/slides/slide7.xml><?xml version="1.0" encoding="utf-8"?>
+<file path=ppt/slides/slide8.xml><?xml version="1.0" encoding="utf-8"?>
 <p:sld xmlns:a="http://schemas.openxmlformats.org/drawingml/2006/main" xmlns:r="http://schemas.openxmlformats.org/officeDocument/2006/relationships" xmlns:p="http://schemas.openxmlformats.org/presentationml/2006/main">
   <p:cSld>
     <p:spTree>
@@ -14717,135 +17156,6 @@
 </p:sld>
 </file>
 
-<file path=ppt/slides/slide8.xml><?xml version="1.0" encoding="utf-8"?>
-<p:sld xmlns:a="http://schemas.openxmlformats.org/drawingml/2006/main" xmlns:r="http://schemas.openxmlformats.org/officeDocument/2006/relationships" xmlns:p="http://schemas.openxmlformats.org/presentationml/2006/main">
-  <p:cSld>
-    <p:spTree>
-      <p:nvGrpSpPr>
-        <p:cNvPr id="1" name=""/>
-        <p:cNvGrpSpPr/>
-        <p:nvPr/>
-      </p:nvGrpSpPr>
-      <p:grpSpPr>
-        <a:xfrm>
-          <a:off x="0" y="0"/>
-          <a:ext cx="0" cy="0"/>
-          <a:chOff x="0" y="0"/>
-          <a:chExt cx="0" cy="0"/>
-        </a:xfrm>
-      </p:grpSpPr>
-      <p:sp>
-        <p:nvSpPr>
-          <p:cNvPr id="2" name="Title 1"/>
-          <p:cNvSpPr>
-            <a:spLocks noGrp="1"/>
-          </p:cNvSpPr>
-          <p:nvPr>
-            <p:ph type="title"/>
-          </p:nvPr>
-        </p:nvSpPr>
-        <p:spPr/>
-        <p:txBody>
-          <a:bodyPr/>
-          <a:lstStyle/>
-          <a:p>
-            <a:r>
-              <a:rPr lang="en-US" smtClean="0"/>
-              <a:t>RESTful Nirvana?</a:t>
-            </a:r>
-            <a:endParaRPr lang="en-US"/>
-          </a:p>
-        </p:txBody>
-      </p:sp>
-      <p:sp>
-        <p:nvSpPr>
-          <p:cNvPr id="3" name="Content Placeholder 2"/>
-          <p:cNvSpPr>
-            <a:spLocks noGrp="1"/>
-          </p:cNvSpPr>
-          <p:nvPr>
-            <p:ph idx="1"/>
-          </p:nvPr>
-        </p:nvSpPr>
-        <p:spPr>
-          <a:xfrm>
-            <a:off x="680321" y="2336873"/>
-            <a:ext cx="10086002" cy="3599316"/>
-          </a:xfrm>
-        </p:spPr>
-        <p:txBody>
-          <a:bodyPr/>
-          <a:lstStyle/>
-          <a:p>
-            <a:r>
-              <a:rPr lang="en-US" dirty="0" smtClean="0"/>
-              <a:t>All services use plain-old JSON to represent the state being transferred</a:t>
-            </a:r>
-          </a:p>
-          <a:p>
-            <a:r>
-              <a:rPr lang="en-US" dirty="0" smtClean="0"/>
-              <a:t>Everything is fully stateless</a:t>
-            </a:r>
-          </a:p>
-          <a:p>
-            <a:pPr lvl="1"/>
-            <a:r>
-              <a:rPr lang="en-US" dirty="0" smtClean="0"/>
-              <a:t>Only server-side state is authentication session – described by an opaque token</a:t>
-            </a:r>
-          </a:p>
-          <a:p>
-            <a:r>
-              <a:rPr lang="en-US" dirty="0" smtClean="0"/>
-              <a:t>State described as resources and collections of resources</a:t>
-            </a:r>
-          </a:p>
-          <a:p>
-            <a:pPr lvl="1"/>
-            <a:r>
-              <a:rPr lang="en-US" dirty="0" smtClean="0"/>
-              <a:t>Out of band information in HTTP headers</a:t>
-            </a:r>
-          </a:p>
-          <a:p>
-            <a:pPr lvl="1"/>
-            <a:r>
-              <a:rPr lang="en-US" dirty="0" smtClean="0"/>
-              <a:t>Queries to narrow state selection passed in query-strings</a:t>
-            </a:r>
-          </a:p>
-          <a:p>
-            <a:r>
-              <a:rPr lang="en-US" dirty="0" smtClean="0"/>
-              <a:t>Access by standard HTTP verbs: GET, POST, PUT, DELETE</a:t>
-            </a:r>
-          </a:p>
-          <a:p>
-            <a:r>
-              <a:rPr lang="en-US" dirty="0" smtClean="0"/>
-              <a:t>Use of hypermedia links where appropriate</a:t>
-            </a:r>
-            <a:endParaRPr lang="en-US" dirty="0"/>
-          </a:p>
-        </p:txBody>
-      </p:sp>
-    </p:spTree>
-    <p:extLst>
-      <p:ext uri="{BB962C8B-B14F-4D97-AF65-F5344CB8AC3E}">
-        <p14:creationId xmlns:p14="http://schemas.microsoft.com/office/powerpoint/2010/main" val="1040371199"/>
-      </p:ext>
-    </p:extLst>
-  </p:cSld>
-  <p:clrMapOvr>
-    <a:masterClrMapping/>
-  </p:clrMapOvr>
-  <p:transition spd="slow">
-    <p:wipe dir="r"/>
-  </p:transition>
-</p:sld>
-</file>
-
 <file path=ppt/slides/slide9.xml><?xml version="1.0" encoding="utf-8"?>
 <p:sld xmlns:a="http://schemas.openxmlformats.org/drawingml/2006/main" xmlns:r="http://schemas.openxmlformats.org/officeDocument/2006/relationships" xmlns:p="http://schemas.openxmlformats.org/presentationml/2006/main">
   <p:cSld>
@@ -14879,10 +17189,10 @@
           <a:lstStyle/>
           <a:p>
             <a:r>
-              <a:rPr lang="en-US" dirty="0" smtClean="0"/>
-              <a:t>Security Analysis</a:t>
-            </a:r>
-            <a:endParaRPr lang="en-US" dirty="0"/>
+              <a:rPr lang="en-US" smtClean="0"/>
+              <a:t>RESTful Nirvana?</a:t>
+            </a:r>
+            <a:endParaRPr lang="en-US"/>
           </a:p>
         </p:txBody>
       </p:sp>
@@ -14908,81 +17218,52 @@
           <a:p>
             <a:r>
               <a:rPr lang="en-US" dirty="0" smtClean="0"/>
-              <a:t>Required to protect PHI and PII</a:t>
+              <a:t>All services use plain-old JSON to represent the state being transferred</a:t>
             </a:r>
           </a:p>
           <a:p>
             <a:r>
               <a:rPr lang="en-US" dirty="0" smtClean="0"/>
-              <a:t>Cloud Security – Security Groups</a:t>
+              <a:t>Everything is fully stateless</a:t>
             </a:r>
           </a:p>
           <a:p>
             <a:pPr lvl="1"/>
             <a:r>
-              <a:rPr lang="en-US" dirty="0" err="1" smtClean="0"/>
-              <a:t>Veni</a:t>
-            </a:r>
-            <a:r>
               <a:rPr lang="en-US" dirty="0" smtClean="0"/>
-              <a:t> Application Server Security Group</a:t>
+              <a:t>Only server-side state is authentication session – described by an opaque token</a:t>
+            </a:r>
+          </a:p>
+          <a:p>
+            <a:r>
+              <a:rPr lang="en-US" dirty="0" smtClean="0"/>
+              <a:t>State described as resources and collections of resources</a:t>
             </a:r>
           </a:p>
           <a:p>
             <a:pPr lvl="1"/>
             <a:r>
-              <a:rPr lang="en-US" dirty="0" err="1" smtClean="0"/>
-              <a:t>Veni</a:t>
-            </a:r>
-            <a:r>
               <a:rPr lang="en-US" dirty="0" smtClean="0"/>
-              <a:t> Database Server Security Group</a:t>
+              <a:t>Out of band information in HTTP headers</a:t>
             </a:r>
           </a:p>
           <a:p>
             <a:pPr lvl="1"/>
             <a:r>
-              <a:rPr lang="en-US" dirty="0" err="1" smtClean="0"/>
-              <a:t>VistA</a:t>
-            </a:r>
-            <a:r>
               <a:rPr lang="en-US" dirty="0" smtClean="0"/>
-              <a:t> System Security Group</a:t>
+              <a:t>Queries to narrow state selection passed in query-strings</a:t>
             </a:r>
           </a:p>
           <a:p>
             <a:r>
               <a:rPr lang="en-US" dirty="0" smtClean="0"/>
-              <a:t>Security Tools</a:t>
-            </a:r>
-          </a:p>
-          <a:p>
-            <a:pPr lvl="1"/>
+              <a:t>Access by standard HTTP verbs: GET, POST, PUT, DELETE</a:t>
+            </a:r>
+          </a:p>
+          <a:p>
             <a:r>
               <a:rPr lang="en-US" dirty="0" smtClean="0"/>
-              <a:t>TSL – encrypt communications and provides </a:t>
-            </a:r>
-            <a:r>
-              <a:rPr lang="en-US" dirty="0" err="1" smtClean="0"/>
-              <a:t>authenitication</a:t>
-            </a:r>
-            <a:r>
-              <a:rPr lang="en-US" dirty="0" smtClean="0"/>
-              <a:t> of server to client</a:t>
-            </a:r>
-          </a:p>
-          <a:p>
-            <a:pPr lvl="1"/>
-            <a:r>
-              <a:rPr lang="en-US" dirty="0" smtClean="0"/>
-              <a:t>Only save salted password cryptographic hashes</a:t>
-            </a:r>
-          </a:p>
-          <a:p>
-            <a:pPr lvl="1"/>
-            <a:r>
-              <a:rPr lang="en-US" dirty="0" smtClean="0"/>
-              <a:t>Opaque Tokens</a:t>
+              <a:t>Use of hypermedia links where appropriate</a:t>
             </a:r>
             <a:endParaRPr lang="en-US" dirty="0"/>
           </a:p>
@@ -14991,7 +17272,7 @@
     </p:spTree>
     <p:extLst>
       <p:ext uri="{BB962C8B-B14F-4D97-AF65-F5344CB8AC3E}">
-        <p14:creationId xmlns:p14="http://schemas.microsoft.com/office/powerpoint/2010/main" val="2267319199"/>
+        <p14:creationId xmlns:p14="http://schemas.microsoft.com/office/powerpoint/2010/main" val="1040371199"/>
       </p:ext>
     </p:extLst>
   </p:cSld>

--- a/FINAL DELIVERABLES/Veni System Report Apr 22.pptx
+++ b/FINAL DELIVERABLES/Veni System Report Apr 22.pptx
@@ -11,14 +11,13 @@
     <p:sldId id="273" r:id="rId5"/>
     <p:sldId id="279" r:id="rId6"/>
     <p:sldId id="271" r:id="rId7"/>
-    <p:sldId id="267" r:id="rId8"/>
-    <p:sldId id="274" r:id="rId9"/>
-    <p:sldId id="275" r:id="rId10"/>
-    <p:sldId id="276" r:id="rId11"/>
-    <p:sldId id="277" r:id="rId12"/>
-    <p:sldId id="270" r:id="rId13"/>
-    <p:sldId id="266" r:id="rId14"/>
-    <p:sldId id="278" r:id="rId15"/>
+    <p:sldId id="270" r:id="rId8"/>
+    <p:sldId id="267" r:id="rId9"/>
+    <p:sldId id="274" r:id="rId10"/>
+    <p:sldId id="275" r:id="rId11"/>
+    <p:sldId id="276" r:id="rId12"/>
+    <p:sldId id="277" r:id="rId13"/>
+    <p:sldId id="278" r:id="rId14"/>
   </p:sldIdLst>
   <p:sldSz cx="12192000" cy="6858000"/>
   <p:notesSz cx="6858000" cy="9144000"/>
@@ -399,7 +398,7 @@
           <a:p>
             <a:fld id="{AF239A9A-B4B0-4B32-B8CD-2E25E95134C4}" type="datetimeFigureOut">
               <a:rPr lang="en-US" smtClean="0"/>
-              <a:t>4/19/2015</a:t>
+              <a:t>4/21/2015</a:t>
             </a:fld>
             <a:endParaRPr lang="en-US" dirty="0"/>
           </a:p>
@@ -823,7 +822,7 @@
           <a:p>
             <a:fld id="{F25518A9-B687-4302-9395-2322403C6656}" type="datetimeFigureOut">
               <a:rPr lang="en-US" smtClean="0"/>
-              <a:t>4/19/2015</a:t>
+              <a:t>4/21/2015</a:t>
             </a:fld>
             <a:endParaRPr lang="en-US" dirty="0"/>
           </a:p>
@@ -1169,7 +1168,7 @@
           <a:p>
             <a:fld id="{1A99A684-0CB7-41E9-A4DF-5D1C2CA5BF6F}" type="datetimeFigureOut">
               <a:rPr lang="en-US" smtClean="0"/>
-              <a:t>4/19/2015</a:t>
+              <a:t>4/21/2015</a:t>
             </a:fld>
             <a:endParaRPr lang="en-US" dirty="0"/>
           </a:p>
@@ -1584,7 +1583,7 @@
           <a:p>
             <a:fld id="{FEDD7C35-9E19-4518-A4B2-3B09CD8CC756}" type="datetimeFigureOut">
               <a:rPr lang="en-US" smtClean="0"/>
-              <a:t>4/19/2015</a:t>
+              <a:t>4/21/2015</a:t>
             </a:fld>
             <a:endParaRPr lang="en-US" dirty="0"/>
           </a:p>
@@ -2162,7 +2161,7 @@
           <a:p>
             <a:fld id="{26196DA8-8897-4DDF-BFB6-5D83863C837A}" type="datetimeFigureOut">
               <a:rPr lang="en-US" smtClean="0"/>
-              <a:t>4/19/2015</a:t>
+              <a:t>4/21/2015</a:t>
             </a:fld>
             <a:endParaRPr lang="en-US" dirty="0"/>
           </a:p>
@@ -2853,7 +2852,7 @@
           <a:p>
             <a:fld id="{DCBBA708-C5F0-412D-90E2-1919F0D196AE}" type="datetimeFigureOut">
               <a:rPr lang="en-US" smtClean="0"/>
-              <a:t>4/19/2015</a:t>
+              <a:t>4/21/2015</a:t>
             </a:fld>
             <a:endParaRPr lang="en-US" dirty="0"/>
           </a:p>
@@ -3776,7 +3775,7 @@
           <a:p>
             <a:fld id="{A9C8F8FA-EF43-4642-9368-3F4E33039BD9}" type="datetimeFigureOut">
               <a:rPr lang="en-US" smtClean="0"/>
-              <a:t>4/19/2015</a:t>
+              <a:t>4/21/2015</a:t>
             </a:fld>
             <a:endParaRPr lang="en-US" dirty="0"/>
           </a:p>
@@ -4099,7 +4098,7 @@
           <a:p>
             <a:fld id="{6B61E721-B01C-4D5D-A3CA-2E5518383F10}" type="datetimeFigureOut">
               <a:rPr lang="en-US" smtClean="0"/>
-              <a:t>4/19/2015</a:t>
+              <a:t>4/21/2015</a:t>
             </a:fld>
             <a:endParaRPr lang="en-US" dirty="0"/>
           </a:p>
@@ -4373,7 +4372,7 @@
           <a:p>
             <a:fld id="{6513FEF9-69D0-4F8C-A336-59491FBEDC47}" type="datetimeFigureOut">
               <a:rPr lang="en-US" smtClean="0"/>
-              <a:t>4/19/2015</a:t>
+              <a:t>4/21/2015</a:t>
             </a:fld>
             <a:endParaRPr lang="en-US" dirty="0"/>
           </a:p>
@@ -4707,7 +4706,7 @@
           <a:p>
             <a:fld id="{A91E21DC-8981-44E6-BC8C-2BA8F673FFBB}" type="datetimeFigureOut">
               <a:rPr lang="en-US" smtClean="0"/>
-              <a:t>4/19/2015</a:t>
+              <a:t>4/21/2015</a:t>
             </a:fld>
             <a:endParaRPr lang="en-US" dirty="0"/>
           </a:p>
@@ -5130,7 +5129,7 @@
           <a:p>
             <a:fld id="{AEB9C5D3-0140-4E75-8D7F-C0623D06DFD7}" type="datetimeFigureOut">
               <a:rPr lang="en-US" smtClean="0"/>
-              <a:t>4/19/2015</a:t>
+              <a:t>4/21/2015</a:t>
             </a:fld>
             <a:endParaRPr lang="en-US" dirty="0"/>
           </a:p>
@@ -5516,7 +5515,7 @@
           <a:p>
             <a:fld id="{3A5666F9-5B40-48E0-8DFD-99EF944CDD22}" type="datetimeFigureOut">
               <a:rPr lang="en-US" smtClean="0"/>
-              <a:t>4/19/2015</a:t>
+              <a:t>4/21/2015</a:t>
             </a:fld>
             <a:endParaRPr lang="en-US" dirty="0"/>
           </a:p>
@@ -6032,7 +6031,7 @@
           <a:p>
             <a:fld id="{2A698D6B-2C72-4E21-9893-A649C6E2A47D}" type="datetimeFigureOut">
               <a:rPr lang="en-US" smtClean="0"/>
-              <a:t>4/19/2015</a:t>
+              <a:t>4/21/2015</a:t>
             </a:fld>
             <a:endParaRPr lang="en-US" dirty="0"/>
           </a:p>
@@ -6299,7 +6298,7 @@
           <a:p>
             <a:fld id="{C86811C9-A66C-49F0-970E-F7B68D9109A0}" type="datetimeFigureOut">
               <a:rPr lang="en-US" smtClean="0"/>
-              <a:t>4/19/2015</a:t>
+              <a:t>4/21/2015</a:t>
             </a:fld>
             <a:endParaRPr lang="en-US" dirty="0"/>
           </a:p>
@@ -6472,7 +6471,7 @@
           <a:p>
             <a:fld id="{6C01AE78-96A2-4A23-B183-3B6DB4374FE7}" type="datetimeFigureOut">
               <a:rPr lang="en-US" smtClean="0"/>
-              <a:t>4/19/2015</a:t>
+              <a:t>4/21/2015</a:t>
             </a:fld>
             <a:endParaRPr lang="en-US" dirty="0"/>
           </a:p>
@@ -6872,7 +6871,7 @@
           <a:p>
             <a:fld id="{73AE0757-B101-4811-9189-10EB2F458E2D}" type="datetimeFigureOut">
               <a:rPr lang="en-US" smtClean="0"/>
-              <a:t>4/19/2015</a:t>
+              <a:t>4/21/2015</a:t>
             </a:fld>
             <a:endParaRPr lang="en-US" dirty="0"/>
           </a:p>
@@ -7291,7 +7290,7 @@
           <a:p>
             <a:fld id="{7EBDC078-589F-40E3-816C-EE21D62B5BBA}" type="datetimeFigureOut">
               <a:rPr lang="en-US" smtClean="0"/>
-              <a:t>4/19/2015</a:t>
+              <a:t>4/21/2015</a:t>
             </a:fld>
             <a:endParaRPr lang="en-US" dirty="0"/>
           </a:p>
@@ -7545,7 +7544,7 @@
           <a:p>
             <a:fld id="{C7004436-CA73-4D53-89B4-2A5C7347BF2F}" type="datetimeFigureOut">
               <a:rPr lang="en-US" smtClean="0"/>
-              <a:t>4/19/2015</a:t>
+              <a:t>4/21/2015</a:t>
             </a:fld>
             <a:endParaRPr lang="en-US" dirty="0"/>
           </a:p>
@@ -8447,6 +8446,135 @@
           <a:lstStyle/>
           <a:p>
             <a:r>
+              <a:rPr lang="en-US" smtClean="0"/>
+              <a:t>RESTful Nirvana?</a:t>
+            </a:r>
+            <a:endParaRPr lang="en-US"/>
+          </a:p>
+        </p:txBody>
+      </p:sp>
+      <p:sp>
+        <p:nvSpPr>
+          <p:cNvPr id="3" name="Content Placeholder 2"/>
+          <p:cNvSpPr>
+            <a:spLocks noGrp="1"/>
+          </p:cNvSpPr>
+          <p:nvPr>
+            <p:ph idx="1"/>
+          </p:nvPr>
+        </p:nvSpPr>
+        <p:spPr>
+          <a:xfrm>
+            <a:off x="680321" y="2336873"/>
+            <a:ext cx="10086002" cy="3599316"/>
+          </a:xfrm>
+        </p:spPr>
+        <p:txBody>
+          <a:bodyPr/>
+          <a:lstStyle/>
+          <a:p>
+            <a:r>
+              <a:rPr lang="en-US" dirty="0" smtClean="0"/>
+              <a:t>All services use plain-old JSON to represent the state being transferred</a:t>
+            </a:r>
+          </a:p>
+          <a:p>
+            <a:r>
+              <a:rPr lang="en-US" dirty="0" smtClean="0"/>
+              <a:t>Everything is fully stateless</a:t>
+            </a:r>
+          </a:p>
+          <a:p>
+            <a:pPr lvl="1"/>
+            <a:r>
+              <a:rPr lang="en-US" dirty="0" smtClean="0"/>
+              <a:t>Only server-side state is authentication session – described by an opaque token</a:t>
+            </a:r>
+          </a:p>
+          <a:p>
+            <a:r>
+              <a:rPr lang="en-US" dirty="0" smtClean="0"/>
+              <a:t>State described as resources and collections of resources</a:t>
+            </a:r>
+          </a:p>
+          <a:p>
+            <a:pPr lvl="1"/>
+            <a:r>
+              <a:rPr lang="en-US" dirty="0" smtClean="0"/>
+              <a:t>Out of band information in HTTP headers</a:t>
+            </a:r>
+          </a:p>
+          <a:p>
+            <a:pPr lvl="1"/>
+            <a:r>
+              <a:rPr lang="en-US" dirty="0" smtClean="0"/>
+              <a:t>Queries to narrow state selection passed in query-strings</a:t>
+            </a:r>
+          </a:p>
+          <a:p>
+            <a:r>
+              <a:rPr lang="en-US" dirty="0" smtClean="0"/>
+              <a:t>Access by standard HTTP verbs: GET, POST, PUT, DELETE</a:t>
+            </a:r>
+          </a:p>
+          <a:p>
+            <a:r>
+              <a:rPr lang="en-US" dirty="0" smtClean="0"/>
+              <a:t>Use of hypermedia links where appropriate</a:t>
+            </a:r>
+            <a:endParaRPr lang="en-US" dirty="0"/>
+          </a:p>
+        </p:txBody>
+      </p:sp>
+    </p:spTree>
+    <p:extLst>
+      <p:ext uri="{BB962C8B-B14F-4D97-AF65-F5344CB8AC3E}">
+        <p14:creationId xmlns:p14="http://schemas.microsoft.com/office/powerpoint/2010/main" val="1040371199"/>
+      </p:ext>
+    </p:extLst>
+  </p:cSld>
+  <p:clrMapOvr>
+    <a:masterClrMapping/>
+  </p:clrMapOvr>
+  <p:transition spd="slow">
+    <p:wipe dir="r"/>
+  </p:transition>
+</p:sld>
+</file>
+
+<file path=ppt/slides/slide11.xml><?xml version="1.0" encoding="utf-8"?>
+<p:sld xmlns:a="http://schemas.openxmlformats.org/drawingml/2006/main" xmlns:r="http://schemas.openxmlformats.org/officeDocument/2006/relationships" xmlns:p="http://schemas.openxmlformats.org/presentationml/2006/main">
+  <p:cSld>
+    <p:spTree>
+      <p:nvGrpSpPr>
+        <p:cNvPr id="1" name=""/>
+        <p:cNvGrpSpPr/>
+        <p:nvPr/>
+      </p:nvGrpSpPr>
+      <p:grpSpPr>
+        <a:xfrm>
+          <a:off x="0" y="0"/>
+          <a:ext cx="0" cy="0"/>
+          <a:chOff x="0" y="0"/>
+          <a:chExt cx="0" cy="0"/>
+        </a:xfrm>
+      </p:grpSpPr>
+      <p:sp>
+        <p:nvSpPr>
+          <p:cNvPr id="2" name="Title 1"/>
+          <p:cNvSpPr>
+            <a:spLocks noGrp="1"/>
+          </p:cNvSpPr>
+          <p:nvPr>
+            <p:ph type="title"/>
+          </p:nvPr>
+        </p:nvSpPr>
+        <p:spPr/>
+        <p:txBody>
+          <a:bodyPr/>
+          <a:lstStyle/>
+          <a:p>
+            <a:r>
               <a:rPr lang="en-US" dirty="0" smtClean="0"/>
               <a:t>Security Analysis</a:t>
             </a:r>
@@ -8572,7 +8700,7 @@
 </p:sld>
 </file>
 
-<file path=ppt/slides/slide11.xml><?xml version="1.0" encoding="utf-8"?>
+<file path=ppt/slides/slide12.xml><?xml version="1.0" encoding="utf-8"?>
 <p:sld xmlns:a="http://schemas.openxmlformats.org/drawingml/2006/main" xmlns:r="http://schemas.openxmlformats.org/officeDocument/2006/relationships" xmlns:p="http://schemas.openxmlformats.org/presentationml/2006/main">
   <p:cSld>
     <p:spTree>
@@ -8822,2010 +8950,7 @@
 </p:sld>
 </file>
 
-<file path=ppt/slides/slide12.xml><?xml version="1.0" encoding="utf-8"?>
-<p:sld xmlns:a="http://schemas.openxmlformats.org/drawingml/2006/main" xmlns:r="http://schemas.openxmlformats.org/officeDocument/2006/relationships" xmlns:p="http://schemas.openxmlformats.org/presentationml/2006/main">
-  <p:cSld>
-    <p:spTree>
-      <p:nvGrpSpPr>
-        <p:cNvPr id="1" name=""/>
-        <p:cNvGrpSpPr/>
-        <p:nvPr/>
-      </p:nvGrpSpPr>
-      <p:grpSpPr>
-        <a:xfrm>
-          <a:off x="0" y="0"/>
-          <a:ext cx="0" cy="0"/>
-          <a:chOff x="0" y="0"/>
-          <a:chExt cx="0" cy="0"/>
-        </a:xfrm>
-      </p:grpSpPr>
-      <p:cxnSp>
-        <p:nvCxnSpPr>
-          <p:cNvPr id="10" name="Straight Connector 9"/>
-          <p:cNvCxnSpPr/>
-          <p:nvPr/>
-        </p:nvCxnSpPr>
-        <p:spPr>
-          <a:xfrm>
-            <a:off x="2330245" y="3011532"/>
-            <a:ext cx="3629961" cy="262610"/>
-          </a:xfrm>
-          <a:prstGeom prst="line">
-            <a:avLst/>
-          </a:prstGeom>
-          <a:ln>
-            <a:solidFill>
-              <a:schemeClr val="accent4"/>
-            </a:solidFill>
-          </a:ln>
-        </p:spPr>
-        <p:style>
-          <a:lnRef idx="1">
-            <a:schemeClr val="accent1"/>
-          </a:lnRef>
-          <a:fillRef idx="0">
-            <a:schemeClr val="accent1"/>
-          </a:fillRef>
-          <a:effectRef idx="0">
-            <a:schemeClr val="accent1"/>
-          </a:effectRef>
-          <a:fontRef idx="minor">
-            <a:schemeClr val="tx1"/>
-          </a:fontRef>
-        </p:style>
-      </p:cxnSp>
-      <p:cxnSp>
-        <p:nvCxnSpPr>
-          <p:cNvPr id="13" name="Straight Connector 12"/>
-          <p:cNvCxnSpPr/>
-          <p:nvPr/>
-        </p:nvCxnSpPr>
-        <p:spPr>
-          <a:xfrm>
-            <a:off x="6558116" y="3362632"/>
-            <a:ext cx="2831690" cy="1336852"/>
-          </a:xfrm>
-          <a:prstGeom prst="line">
-            <a:avLst/>
-          </a:prstGeom>
-          <a:ln>
-            <a:solidFill>
-              <a:schemeClr val="accent4"/>
-            </a:solidFill>
-          </a:ln>
-        </p:spPr>
-        <p:style>
-          <a:lnRef idx="1">
-            <a:schemeClr val="accent1"/>
-          </a:lnRef>
-          <a:fillRef idx="0">
-            <a:schemeClr val="accent1"/>
-          </a:fillRef>
-          <a:effectRef idx="0">
-            <a:schemeClr val="accent1"/>
-          </a:effectRef>
-          <a:fontRef idx="minor">
-            <a:schemeClr val="tx1"/>
-          </a:fontRef>
-        </p:style>
-      </p:cxnSp>
-      <p:cxnSp>
-        <p:nvCxnSpPr>
-          <p:cNvPr id="16" name="Straight Connector 15"/>
-          <p:cNvCxnSpPr/>
-          <p:nvPr/>
-        </p:nvCxnSpPr>
-        <p:spPr>
-          <a:xfrm flipV="1">
-            <a:off x="6449961" y="3138843"/>
-            <a:ext cx="2782529" cy="189090"/>
-          </a:xfrm>
-          <a:prstGeom prst="line">
-            <a:avLst/>
-          </a:prstGeom>
-          <a:ln>
-            <a:solidFill>
-              <a:schemeClr val="accent4"/>
-            </a:solidFill>
-          </a:ln>
-        </p:spPr>
-        <p:style>
-          <a:lnRef idx="1">
-            <a:schemeClr val="accent1"/>
-          </a:lnRef>
-          <a:fillRef idx="0">
-            <a:schemeClr val="accent1"/>
-          </a:fillRef>
-          <a:effectRef idx="0">
-            <a:schemeClr val="accent1"/>
-          </a:effectRef>
-          <a:fontRef idx="minor">
-            <a:schemeClr val="tx1"/>
-          </a:fontRef>
-        </p:style>
-      </p:cxnSp>
-      <p:cxnSp>
-        <p:nvCxnSpPr>
-          <p:cNvPr id="21" name="Straight Connector 20"/>
-          <p:cNvCxnSpPr/>
-          <p:nvPr/>
-        </p:nvCxnSpPr>
-        <p:spPr>
-          <a:xfrm>
-            <a:off x="2482645" y="3163932"/>
-            <a:ext cx="2229614" cy="1189922"/>
-          </a:xfrm>
-          <a:prstGeom prst="line">
-            <a:avLst/>
-          </a:prstGeom>
-          <a:ln>
-            <a:solidFill>
-              <a:schemeClr val="accent4"/>
-            </a:solidFill>
-          </a:ln>
-        </p:spPr>
-        <p:style>
-          <a:lnRef idx="1">
-            <a:schemeClr val="accent1"/>
-          </a:lnRef>
-          <a:fillRef idx="0">
-            <a:schemeClr val="accent1"/>
-          </a:fillRef>
-          <a:effectRef idx="0">
-            <a:schemeClr val="accent1"/>
-          </a:effectRef>
-          <a:fontRef idx="minor">
-            <a:schemeClr val="tx1"/>
-          </a:fontRef>
-        </p:style>
-      </p:cxnSp>
-      <p:cxnSp>
-        <p:nvCxnSpPr>
-          <p:cNvPr id="23" name="Straight Connector 22"/>
-          <p:cNvCxnSpPr/>
-          <p:nvPr/>
-        </p:nvCxnSpPr>
-        <p:spPr>
-          <a:xfrm flipV="1">
-            <a:off x="7000568" y="4707948"/>
-            <a:ext cx="2231922" cy="553861"/>
-          </a:xfrm>
-          <a:prstGeom prst="line">
-            <a:avLst/>
-          </a:prstGeom>
-          <a:ln>
-            <a:solidFill>
-              <a:schemeClr val="accent4"/>
-            </a:solidFill>
-          </a:ln>
-        </p:spPr>
-        <p:style>
-          <a:lnRef idx="1">
-            <a:schemeClr val="accent1"/>
-          </a:lnRef>
-          <a:fillRef idx="0">
-            <a:schemeClr val="accent1"/>
-          </a:fillRef>
-          <a:effectRef idx="0">
-            <a:schemeClr val="accent1"/>
-          </a:effectRef>
-          <a:fontRef idx="minor">
-            <a:schemeClr val="tx1"/>
-          </a:fontRef>
-        </p:style>
-      </p:cxnSp>
-      <p:sp>
-        <p:nvSpPr>
-          <p:cNvPr id="2" name="Title 1"/>
-          <p:cNvSpPr>
-            <a:spLocks noGrp="1"/>
-          </p:cNvSpPr>
-          <p:nvPr>
-            <p:ph type="title"/>
-          </p:nvPr>
-        </p:nvSpPr>
-        <p:spPr/>
-        <p:txBody>
-          <a:bodyPr/>
-          <a:lstStyle/>
-          <a:p>
-            <a:r>
-              <a:rPr lang="en-US" dirty="0" smtClean="0"/>
-              <a:t>Primary Use Case: Check-in at VA Facility</a:t>
-            </a:r>
-            <a:endParaRPr lang="en-US" dirty="0"/>
-          </a:p>
-        </p:txBody>
-      </p:sp>
-      <p:sp>
-        <p:nvSpPr>
-          <p:cNvPr id="3" name="Rectangle 2"/>
-          <p:cNvSpPr/>
-          <p:nvPr/>
-        </p:nvSpPr>
-        <p:spPr>
-          <a:xfrm>
-            <a:off x="3303639" y="2231923"/>
-            <a:ext cx="4798142" cy="4149212"/>
-          </a:xfrm>
-          <a:prstGeom prst="rect">
-            <a:avLst/>
-          </a:prstGeom>
-          <a:noFill/>
-          <a:ln w="19050">
-            <a:solidFill>
-              <a:srgbClr val="FFC000"/>
-            </a:solidFill>
-          </a:ln>
-        </p:spPr>
-        <p:style>
-          <a:lnRef idx="2">
-            <a:schemeClr val="accent1">
-              <a:shade val="50000"/>
-            </a:schemeClr>
-          </a:lnRef>
-          <a:fillRef idx="1">
-            <a:schemeClr val="accent1"/>
-          </a:fillRef>
-          <a:effectRef idx="0">
-            <a:schemeClr val="accent1"/>
-          </a:effectRef>
-          <a:fontRef idx="minor">
-            <a:schemeClr val="lt1"/>
-          </a:fontRef>
-        </p:style>
-        <p:txBody>
-          <a:bodyPr rtlCol="0" anchor="ctr"/>
-          <a:lstStyle/>
-          <a:p>
-            <a:pPr algn="ctr"/>
-            <a:endParaRPr lang="en-US"/>
-          </a:p>
-        </p:txBody>
-      </p:sp>
-      <p:pic>
-        <p:nvPicPr>
-          <p:cNvPr id="4" name="Picture 3"/>
-          <p:cNvPicPr>
-            <a:picLocks noChangeAspect="1"/>
-          </p:cNvPicPr>
-          <p:nvPr/>
-        </p:nvPicPr>
-        <p:blipFill>
-          <a:blip r:embed="rId2"/>
-          <a:stretch>
-            <a:fillRect/>
-          </a:stretch>
-        </p:blipFill>
-        <p:spPr>
-          <a:xfrm>
-            <a:off x="1968861" y="2533235"/>
-            <a:ext cx="703086" cy="1382173"/>
-          </a:xfrm>
-          <a:prstGeom prst="rect">
-            <a:avLst/>
-          </a:prstGeom>
-        </p:spPr>
-      </p:pic>
-      <p:pic>
-        <p:nvPicPr>
-          <p:cNvPr id="5" name="Picture 4"/>
-          <p:cNvPicPr>
-            <a:picLocks noChangeAspect="1"/>
-          </p:cNvPicPr>
-          <p:nvPr/>
-        </p:nvPicPr>
-        <p:blipFill>
-          <a:blip r:embed="rId3"/>
-          <a:stretch>
-            <a:fillRect/>
-          </a:stretch>
-        </p:blipFill>
-        <p:spPr>
-          <a:xfrm>
-            <a:off x="5568562" y="3011532"/>
-            <a:ext cx="1549984" cy="632802"/>
-          </a:xfrm>
-          <a:prstGeom prst="rect">
-            <a:avLst/>
-          </a:prstGeom>
-        </p:spPr>
-      </p:pic>
-      <p:pic>
-        <p:nvPicPr>
-          <p:cNvPr id="6" name="Picture 5"/>
-          <p:cNvPicPr>
-            <a:picLocks noChangeAspect="1"/>
-          </p:cNvPicPr>
-          <p:nvPr/>
-        </p:nvPicPr>
-        <p:blipFill>
-          <a:blip r:embed="rId4"/>
-          <a:stretch>
-            <a:fillRect/>
-          </a:stretch>
-        </p:blipFill>
-        <p:spPr>
-          <a:xfrm>
-            <a:off x="5960206" y="4845492"/>
-            <a:ext cx="1549986" cy="832635"/>
-          </a:xfrm>
-          <a:prstGeom prst="rect">
-            <a:avLst/>
-          </a:prstGeom>
-        </p:spPr>
-      </p:pic>
-      <p:pic>
-        <p:nvPicPr>
-          <p:cNvPr id="7" name="Picture 6"/>
-          <p:cNvPicPr>
-            <a:picLocks noChangeAspect="1"/>
-          </p:cNvPicPr>
-          <p:nvPr/>
-        </p:nvPicPr>
-        <p:blipFill>
-          <a:blip r:embed="rId5"/>
-          <a:stretch>
-            <a:fillRect/>
-          </a:stretch>
-        </p:blipFill>
-        <p:spPr>
-          <a:xfrm>
-            <a:off x="3937267" y="4066682"/>
-            <a:ext cx="1549984" cy="632802"/>
-          </a:xfrm>
-          <a:prstGeom prst="rect">
-            <a:avLst/>
-          </a:prstGeom>
-        </p:spPr>
-      </p:pic>
-      <p:pic>
-        <p:nvPicPr>
-          <p:cNvPr id="8" name="Picture 7"/>
-          <p:cNvPicPr>
-            <a:picLocks noChangeAspect="1"/>
-          </p:cNvPicPr>
-          <p:nvPr/>
-        </p:nvPicPr>
-        <p:blipFill>
-          <a:blip r:embed="rId6"/>
-          <a:stretch>
-            <a:fillRect/>
-          </a:stretch>
-        </p:blipFill>
-        <p:spPr>
-          <a:xfrm>
-            <a:off x="8864539" y="4291494"/>
-            <a:ext cx="1070608" cy="815981"/>
-          </a:xfrm>
-          <a:prstGeom prst="rect">
-            <a:avLst/>
-          </a:prstGeom>
-        </p:spPr>
-      </p:pic>
-      <p:pic>
-        <p:nvPicPr>
-          <p:cNvPr id="9" name="Picture 8"/>
-          <p:cNvPicPr>
-            <a:picLocks noChangeAspect="1"/>
-          </p:cNvPicPr>
-          <p:nvPr/>
-        </p:nvPicPr>
-        <p:blipFill>
-          <a:blip r:embed="rId7"/>
-          <a:stretch>
-            <a:fillRect/>
-          </a:stretch>
-        </p:blipFill>
-        <p:spPr>
-          <a:xfrm>
-            <a:off x="8848165" y="2533235"/>
-            <a:ext cx="1070608" cy="1115729"/>
-          </a:xfrm>
-          <a:prstGeom prst="rect">
-            <a:avLst/>
-          </a:prstGeom>
-        </p:spPr>
-      </p:pic>
-      <p:cxnSp>
-        <p:nvCxnSpPr>
-          <p:cNvPr id="26" name="Straight Connector 25"/>
-          <p:cNvCxnSpPr/>
-          <p:nvPr/>
-        </p:nvCxnSpPr>
-        <p:spPr>
-          <a:xfrm flipH="1">
-            <a:off x="5133464" y="3570322"/>
-            <a:ext cx="1051460" cy="526890"/>
-          </a:xfrm>
-          <a:prstGeom prst="line">
-            <a:avLst/>
-          </a:prstGeom>
-          <a:ln w="12700">
-            <a:solidFill>
-              <a:schemeClr val="accent4"/>
-            </a:solidFill>
-            <a:prstDash val="dash"/>
-            <a:tailEnd type="arrow" w="lg" len="lg"/>
-          </a:ln>
-        </p:spPr>
-        <p:style>
-          <a:lnRef idx="1">
-            <a:schemeClr val="accent1"/>
-          </a:lnRef>
-          <a:fillRef idx="0">
-            <a:schemeClr val="accent1"/>
-          </a:fillRef>
-          <a:effectRef idx="0">
-            <a:schemeClr val="accent1"/>
-          </a:effectRef>
-          <a:fontRef idx="minor">
-            <a:schemeClr val="tx1"/>
-          </a:fontRef>
-        </p:style>
-      </p:cxnSp>
-      <p:sp>
-        <p:nvSpPr>
-          <p:cNvPr id="27" name="TextBox 26"/>
-          <p:cNvSpPr txBox="1"/>
-          <p:nvPr/>
-        </p:nvSpPr>
-        <p:spPr>
-          <a:xfrm>
-            <a:off x="5092974" y="3709821"/>
-            <a:ext cx="983226" cy="246221"/>
-          </a:xfrm>
-          <a:prstGeom prst="rect">
-            <a:avLst/>
-          </a:prstGeom>
-          <a:noFill/>
-        </p:spPr>
-        <p:txBody>
-          <a:bodyPr wrap="square" rtlCol="0">
-            <a:spAutoFit/>
-          </a:bodyPr>
-          <a:lstStyle/>
-          <a:p>
-            <a:pPr algn="ctr"/>
-            <a:r>
-              <a:rPr lang="en-US" sz="1000" dirty="0" smtClean="0">
-                <a:solidFill>
-                  <a:srgbClr val="FFFF00"/>
-                </a:solidFill>
-              </a:rPr>
-              <a:t>&lt;&lt;include&gt;&gt;</a:t>
-            </a:r>
-            <a:endParaRPr lang="en-US" sz="1000" dirty="0">
-              <a:solidFill>
-                <a:srgbClr val="FFFF00"/>
-              </a:solidFill>
-            </a:endParaRPr>
-          </a:p>
-        </p:txBody>
-      </p:sp>
-      <p:cxnSp>
-        <p:nvCxnSpPr>
-          <p:cNvPr id="29" name="Straight Connector 28"/>
-          <p:cNvCxnSpPr>
-            <a:endCxn id="6" idx="0"/>
-          </p:cNvCxnSpPr>
-          <p:nvPr/>
-        </p:nvCxnSpPr>
-        <p:spPr>
-          <a:xfrm>
-            <a:off x="6558116" y="3592003"/>
-            <a:ext cx="177083" cy="1253489"/>
-          </a:xfrm>
-          <a:prstGeom prst="line">
-            <a:avLst/>
-          </a:prstGeom>
-          <a:ln w="12700">
-            <a:solidFill>
-              <a:schemeClr val="accent4"/>
-            </a:solidFill>
-            <a:prstDash val="dash"/>
-            <a:tailEnd type="arrow" w="lg" len="lg"/>
-          </a:ln>
-        </p:spPr>
-        <p:style>
-          <a:lnRef idx="1">
-            <a:schemeClr val="accent1"/>
-          </a:lnRef>
-          <a:fillRef idx="0">
-            <a:schemeClr val="accent1"/>
-          </a:fillRef>
-          <a:effectRef idx="0">
-            <a:schemeClr val="accent1"/>
-          </a:effectRef>
-          <a:fontRef idx="minor">
-            <a:schemeClr val="tx1"/>
-          </a:fontRef>
-        </p:style>
-      </p:cxnSp>
-      <p:sp>
-        <p:nvSpPr>
-          <p:cNvPr id="30" name="TextBox 29"/>
-          <p:cNvSpPr txBox="1"/>
-          <p:nvPr/>
-        </p:nvSpPr>
-        <p:spPr>
-          <a:xfrm>
-            <a:off x="6114197" y="4045816"/>
-            <a:ext cx="983226" cy="246221"/>
-          </a:xfrm>
-          <a:prstGeom prst="rect">
-            <a:avLst/>
-          </a:prstGeom>
-          <a:noFill/>
-        </p:spPr>
-        <p:txBody>
-          <a:bodyPr wrap="square" rtlCol="0">
-            <a:spAutoFit/>
-          </a:bodyPr>
-          <a:lstStyle/>
-          <a:p>
-            <a:pPr algn="ctr"/>
-            <a:r>
-              <a:rPr lang="en-US" sz="1000" dirty="0" smtClean="0">
-                <a:solidFill>
-                  <a:srgbClr val="FFFF00"/>
-                </a:solidFill>
-              </a:rPr>
-              <a:t>&lt;&lt;include&gt;&gt;</a:t>
-            </a:r>
-            <a:endParaRPr lang="en-US" sz="1000" dirty="0">
-              <a:solidFill>
-                <a:srgbClr val="FFFF00"/>
-              </a:solidFill>
-            </a:endParaRPr>
-          </a:p>
-        </p:txBody>
-      </p:sp>
-    </p:spTree>
-    <p:extLst>
-      <p:ext uri="{BB962C8B-B14F-4D97-AF65-F5344CB8AC3E}">
-        <p14:creationId xmlns:p14="http://schemas.microsoft.com/office/powerpoint/2010/main" val="2473677034"/>
-      </p:ext>
-    </p:extLst>
-  </p:cSld>
-  <p:clrMapOvr>
-    <a:masterClrMapping/>
-  </p:clrMapOvr>
-  <p:transition spd="slow">
-    <p:wipe dir="r"/>
-  </p:transition>
-  <p:timing>
-    <p:tnLst>
-      <p:par>
-        <p:cTn id="1" dur="indefinite" restart="never" nodeType="tmRoot">
-          <p:childTnLst>
-            <p:seq concurrent="1" nextAc="seek">
-              <p:cTn id="2" dur="indefinite" nodeType="mainSeq">
-                <p:childTnLst>
-                  <p:par>
-                    <p:cTn id="3" fill="hold">
-                      <p:stCondLst>
-                        <p:cond delay="indefinite"/>
-                      </p:stCondLst>
-                      <p:childTnLst>
-                        <p:par>
-                          <p:cTn id="4" fill="hold">
-                            <p:stCondLst>
-                              <p:cond delay="0"/>
-                            </p:stCondLst>
-                            <p:childTnLst>
-                              <p:par>
-                                <p:cTn id="5" presetID="22" presetClass="entr" presetSubtype="8" fill="hold" nodeType="clickEffect">
-                                  <p:stCondLst>
-                                    <p:cond delay="0"/>
-                                  </p:stCondLst>
-                                  <p:childTnLst>
-                                    <p:set>
-                                      <p:cBhvr>
-                                        <p:cTn id="6" dur="1" fill="hold">
-                                          <p:stCondLst>
-                                            <p:cond delay="0"/>
-                                          </p:stCondLst>
-                                        </p:cTn>
-                                        <p:tgtEl>
-                                          <p:spTgt spid="21"/>
-                                        </p:tgtEl>
-                                        <p:attrNameLst>
-                                          <p:attrName>style.visibility</p:attrName>
-                                        </p:attrNameLst>
-                                      </p:cBhvr>
-                                      <p:to>
-                                        <p:strVal val="visible"/>
-                                      </p:to>
-                                    </p:set>
-                                    <p:animEffect transition="in" filter="wipe(left)">
-                                      <p:cBhvr>
-                                        <p:cTn id="7" dur="500"/>
-                                        <p:tgtEl>
-                                          <p:spTgt spid="21"/>
-                                        </p:tgtEl>
-                                      </p:cBhvr>
-                                    </p:animEffect>
-                                  </p:childTnLst>
-                                </p:cTn>
-                              </p:par>
-                              <p:par>
-                                <p:cTn id="8" presetID="22" presetClass="entr" presetSubtype="8" fill="hold" nodeType="withEffect">
-                                  <p:stCondLst>
-                                    <p:cond delay="0"/>
-                                  </p:stCondLst>
-                                  <p:childTnLst>
-                                    <p:set>
-                                      <p:cBhvr>
-                                        <p:cTn id="9" dur="1" fill="hold">
-                                          <p:stCondLst>
-                                            <p:cond delay="0"/>
-                                          </p:stCondLst>
-                                        </p:cTn>
-                                        <p:tgtEl>
-                                          <p:spTgt spid="7"/>
-                                        </p:tgtEl>
-                                        <p:attrNameLst>
-                                          <p:attrName>style.visibility</p:attrName>
-                                        </p:attrNameLst>
-                                      </p:cBhvr>
-                                      <p:to>
-                                        <p:strVal val="visible"/>
-                                      </p:to>
-                                    </p:set>
-                                    <p:animEffect transition="in" filter="wipe(left)">
-                                      <p:cBhvr>
-                                        <p:cTn id="10" dur="500"/>
-                                        <p:tgtEl>
-                                          <p:spTgt spid="7"/>
-                                        </p:tgtEl>
-                                      </p:cBhvr>
-                                    </p:animEffect>
-                                  </p:childTnLst>
-                                </p:cTn>
-                              </p:par>
-                              <p:par>
-                                <p:cTn id="11" presetID="22" presetClass="entr" presetSubtype="8" fill="hold" grpId="0" nodeType="withEffect">
-                                  <p:stCondLst>
-                                    <p:cond delay="0"/>
-                                  </p:stCondLst>
-                                  <p:childTnLst>
-                                    <p:set>
-                                      <p:cBhvr>
-                                        <p:cTn id="12" dur="1" fill="hold">
-                                          <p:stCondLst>
-                                            <p:cond delay="0"/>
-                                          </p:stCondLst>
-                                        </p:cTn>
-                                        <p:tgtEl>
-                                          <p:spTgt spid="27"/>
-                                        </p:tgtEl>
-                                        <p:attrNameLst>
-                                          <p:attrName>style.visibility</p:attrName>
-                                        </p:attrNameLst>
-                                      </p:cBhvr>
-                                      <p:to>
-                                        <p:strVal val="visible"/>
-                                      </p:to>
-                                    </p:set>
-                                    <p:animEffect transition="in" filter="wipe(left)">
-                                      <p:cBhvr>
-                                        <p:cTn id="13" dur="500"/>
-                                        <p:tgtEl>
-                                          <p:spTgt spid="27"/>
-                                        </p:tgtEl>
-                                      </p:cBhvr>
-                                    </p:animEffect>
-                                  </p:childTnLst>
-                                </p:cTn>
-                              </p:par>
-                              <p:par>
-                                <p:cTn id="14" presetID="22" presetClass="entr" presetSubtype="8" fill="hold" nodeType="withEffect">
-                                  <p:stCondLst>
-                                    <p:cond delay="0"/>
-                                  </p:stCondLst>
-                                  <p:childTnLst>
-                                    <p:set>
-                                      <p:cBhvr>
-                                        <p:cTn id="15" dur="1" fill="hold">
-                                          <p:stCondLst>
-                                            <p:cond delay="0"/>
-                                          </p:stCondLst>
-                                        </p:cTn>
-                                        <p:tgtEl>
-                                          <p:spTgt spid="26"/>
-                                        </p:tgtEl>
-                                        <p:attrNameLst>
-                                          <p:attrName>style.visibility</p:attrName>
-                                        </p:attrNameLst>
-                                      </p:cBhvr>
-                                      <p:to>
-                                        <p:strVal val="visible"/>
-                                      </p:to>
-                                    </p:set>
-                                    <p:animEffect transition="in" filter="wipe(left)">
-                                      <p:cBhvr>
-                                        <p:cTn id="16" dur="500"/>
-                                        <p:tgtEl>
-                                          <p:spTgt spid="26"/>
-                                        </p:tgtEl>
-                                      </p:cBhvr>
-                                    </p:animEffect>
-                                  </p:childTnLst>
-                                </p:cTn>
-                              </p:par>
-                            </p:childTnLst>
-                          </p:cTn>
-                        </p:par>
-                      </p:childTnLst>
-                    </p:cTn>
-                  </p:par>
-                  <p:par>
-                    <p:cTn id="17" fill="hold">
-                      <p:stCondLst>
-                        <p:cond delay="indefinite"/>
-                      </p:stCondLst>
-                      <p:childTnLst>
-                        <p:par>
-                          <p:cTn id="18" fill="hold">
-                            <p:stCondLst>
-                              <p:cond delay="0"/>
-                            </p:stCondLst>
-                            <p:childTnLst>
-                              <p:par>
-                                <p:cTn id="19" presetID="22" presetClass="entr" presetSubtype="8" fill="hold" nodeType="clickEffect">
-                                  <p:stCondLst>
-                                    <p:cond delay="0"/>
-                                  </p:stCondLst>
-                                  <p:childTnLst>
-                                    <p:set>
-                                      <p:cBhvr>
-                                        <p:cTn id="20" dur="1" fill="hold">
-                                          <p:stCondLst>
-                                            <p:cond delay="0"/>
-                                          </p:stCondLst>
-                                        </p:cTn>
-                                        <p:tgtEl>
-                                          <p:spTgt spid="29"/>
-                                        </p:tgtEl>
-                                        <p:attrNameLst>
-                                          <p:attrName>style.visibility</p:attrName>
-                                        </p:attrNameLst>
-                                      </p:cBhvr>
-                                      <p:to>
-                                        <p:strVal val="visible"/>
-                                      </p:to>
-                                    </p:set>
-                                    <p:animEffect transition="in" filter="wipe(left)">
-                                      <p:cBhvr>
-                                        <p:cTn id="21" dur="500"/>
-                                        <p:tgtEl>
-                                          <p:spTgt spid="29"/>
-                                        </p:tgtEl>
-                                      </p:cBhvr>
-                                    </p:animEffect>
-                                  </p:childTnLst>
-                                </p:cTn>
-                              </p:par>
-                              <p:par>
-                                <p:cTn id="22" presetID="22" presetClass="entr" presetSubtype="8" fill="hold" grpId="0" nodeType="withEffect">
-                                  <p:stCondLst>
-                                    <p:cond delay="0"/>
-                                  </p:stCondLst>
-                                  <p:childTnLst>
-                                    <p:set>
-                                      <p:cBhvr>
-                                        <p:cTn id="23" dur="1" fill="hold">
-                                          <p:stCondLst>
-                                            <p:cond delay="0"/>
-                                          </p:stCondLst>
-                                        </p:cTn>
-                                        <p:tgtEl>
-                                          <p:spTgt spid="30"/>
-                                        </p:tgtEl>
-                                        <p:attrNameLst>
-                                          <p:attrName>style.visibility</p:attrName>
-                                        </p:attrNameLst>
-                                      </p:cBhvr>
-                                      <p:to>
-                                        <p:strVal val="visible"/>
-                                      </p:to>
-                                    </p:set>
-                                    <p:animEffect transition="in" filter="wipe(left)">
-                                      <p:cBhvr>
-                                        <p:cTn id="24" dur="500"/>
-                                        <p:tgtEl>
-                                          <p:spTgt spid="30"/>
-                                        </p:tgtEl>
-                                      </p:cBhvr>
-                                    </p:animEffect>
-                                  </p:childTnLst>
-                                </p:cTn>
-                              </p:par>
-                              <p:par>
-                                <p:cTn id="25" presetID="22" presetClass="entr" presetSubtype="8" fill="hold" nodeType="withEffect">
-                                  <p:stCondLst>
-                                    <p:cond delay="0"/>
-                                  </p:stCondLst>
-                                  <p:childTnLst>
-                                    <p:set>
-                                      <p:cBhvr>
-                                        <p:cTn id="26" dur="1" fill="hold">
-                                          <p:stCondLst>
-                                            <p:cond delay="0"/>
-                                          </p:stCondLst>
-                                        </p:cTn>
-                                        <p:tgtEl>
-                                          <p:spTgt spid="6"/>
-                                        </p:tgtEl>
-                                        <p:attrNameLst>
-                                          <p:attrName>style.visibility</p:attrName>
-                                        </p:attrNameLst>
-                                      </p:cBhvr>
-                                      <p:to>
-                                        <p:strVal val="visible"/>
-                                      </p:to>
-                                    </p:set>
-                                    <p:animEffect transition="in" filter="wipe(left)">
-                                      <p:cBhvr>
-                                        <p:cTn id="27" dur="500"/>
-                                        <p:tgtEl>
-                                          <p:spTgt spid="6"/>
-                                        </p:tgtEl>
-                                      </p:cBhvr>
-                                    </p:animEffect>
-                                  </p:childTnLst>
-                                </p:cTn>
-                              </p:par>
-                              <p:par>
-                                <p:cTn id="28" presetID="22" presetClass="entr" presetSubtype="8" fill="hold" nodeType="withEffect">
-                                  <p:stCondLst>
-                                    <p:cond delay="0"/>
-                                  </p:stCondLst>
-                                  <p:childTnLst>
-                                    <p:set>
-                                      <p:cBhvr>
-                                        <p:cTn id="29" dur="1" fill="hold">
-                                          <p:stCondLst>
-                                            <p:cond delay="0"/>
-                                          </p:stCondLst>
-                                        </p:cTn>
-                                        <p:tgtEl>
-                                          <p:spTgt spid="23"/>
-                                        </p:tgtEl>
-                                        <p:attrNameLst>
-                                          <p:attrName>style.visibility</p:attrName>
-                                        </p:attrNameLst>
-                                      </p:cBhvr>
-                                      <p:to>
-                                        <p:strVal val="visible"/>
-                                      </p:to>
-                                    </p:set>
-                                    <p:animEffect transition="in" filter="wipe(left)">
-                                      <p:cBhvr>
-                                        <p:cTn id="30" dur="500"/>
-                                        <p:tgtEl>
-                                          <p:spTgt spid="23"/>
-                                        </p:tgtEl>
-                                      </p:cBhvr>
-                                    </p:animEffect>
-                                  </p:childTnLst>
-                                </p:cTn>
-                              </p:par>
-                            </p:childTnLst>
-                          </p:cTn>
-                        </p:par>
-                      </p:childTnLst>
-                    </p:cTn>
-                  </p:par>
-                  <p:par>
-                    <p:cTn id="31" fill="hold">
-                      <p:stCondLst>
-                        <p:cond delay="indefinite"/>
-                      </p:stCondLst>
-                      <p:childTnLst>
-                        <p:par>
-                          <p:cTn id="32" fill="hold">
-                            <p:stCondLst>
-                              <p:cond delay="0"/>
-                            </p:stCondLst>
-                            <p:childTnLst>
-                              <p:par>
-                                <p:cTn id="33" presetID="22" presetClass="entr" presetSubtype="8" fill="hold" nodeType="clickEffect">
-                                  <p:stCondLst>
-                                    <p:cond delay="0"/>
-                                  </p:stCondLst>
-                                  <p:childTnLst>
-                                    <p:set>
-                                      <p:cBhvr>
-                                        <p:cTn id="34" dur="1" fill="hold">
-                                          <p:stCondLst>
-                                            <p:cond delay="0"/>
-                                          </p:stCondLst>
-                                        </p:cTn>
-                                        <p:tgtEl>
-                                          <p:spTgt spid="16"/>
-                                        </p:tgtEl>
-                                        <p:attrNameLst>
-                                          <p:attrName>style.visibility</p:attrName>
-                                        </p:attrNameLst>
-                                      </p:cBhvr>
-                                      <p:to>
-                                        <p:strVal val="visible"/>
-                                      </p:to>
-                                    </p:set>
-                                    <p:animEffect transition="in" filter="wipe(left)">
-                                      <p:cBhvr>
-                                        <p:cTn id="35" dur="500"/>
-                                        <p:tgtEl>
-                                          <p:spTgt spid="16"/>
-                                        </p:tgtEl>
-                                      </p:cBhvr>
-                                    </p:animEffect>
-                                  </p:childTnLst>
-                                </p:cTn>
-                              </p:par>
-                              <p:par>
-                                <p:cTn id="36" presetID="22" presetClass="entr" presetSubtype="8" fill="hold" nodeType="withEffect">
-                                  <p:stCondLst>
-                                    <p:cond delay="0"/>
-                                  </p:stCondLst>
-                                  <p:childTnLst>
-                                    <p:set>
-                                      <p:cBhvr>
-                                        <p:cTn id="37" dur="1" fill="hold">
-                                          <p:stCondLst>
-                                            <p:cond delay="0"/>
-                                          </p:stCondLst>
-                                        </p:cTn>
-                                        <p:tgtEl>
-                                          <p:spTgt spid="9"/>
-                                        </p:tgtEl>
-                                        <p:attrNameLst>
-                                          <p:attrName>style.visibility</p:attrName>
-                                        </p:attrNameLst>
-                                      </p:cBhvr>
-                                      <p:to>
-                                        <p:strVal val="visible"/>
-                                      </p:to>
-                                    </p:set>
-                                    <p:animEffect transition="in" filter="wipe(left)">
-                                      <p:cBhvr>
-                                        <p:cTn id="38" dur="500"/>
-                                        <p:tgtEl>
-                                          <p:spTgt spid="9"/>
-                                        </p:tgtEl>
-                                      </p:cBhvr>
-                                    </p:animEffect>
-                                  </p:childTnLst>
-                                </p:cTn>
-                              </p:par>
-                            </p:childTnLst>
-                          </p:cTn>
-                        </p:par>
-                      </p:childTnLst>
-                    </p:cTn>
-                  </p:par>
-                </p:childTnLst>
-              </p:cTn>
-              <p:prevCondLst>
-                <p:cond evt="onPrev" delay="0">
-                  <p:tgtEl>
-                    <p:sldTgt/>
-                  </p:tgtEl>
-                </p:cond>
-              </p:prevCondLst>
-              <p:nextCondLst>
-                <p:cond evt="onNext" delay="0">
-                  <p:tgtEl>
-                    <p:sldTgt/>
-                  </p:tgtEl>
-                </p:cond>
-              </p:nextCondLst>
-            </p:seq>
-          </p:childTnLst>
-        </p:cTn>
-      </p:par>
-    </p:tnLst>
-    <p:bldLst>
-      <p:bldP spid="27" grpId="0"/>
-      <p:bldP spid="30" grpId="0"/>
-    </p:bldLst>
-  </p:timing>
-</p:sld>
-</file>
-
 <file path=ppt/slides/slide13.xml><?xml version="1.0" encoding="utf-8"?>
-<p:sld xmlns:a="http://schemas.openxmlformats.org/drawingml/2006/main" xmlns:r="http://schemas.openxmlformats.org/officeDocument/2006/relationships" xmlns:p="http://schemas.openxmlformats.org/presentationml/2006/main">
-  <p:cSld>
-    <p:spTree>
-      <p:nvGrpSpPr>
-        <p:cNvPr id="1" name=""/>
-        <p:cNvGrpSpPr/>
-        <p:nvPr/>
-      </p:nvGrpSpPr>
-      <p:grpSpPr>
-        <a:xfrm>
-          <a:off x="0" y="0"/>
-          <a:ext cx="0" cy="0"/>
-          <a:chOff x="0" y="0"/>
-          <a:chExt cx="0" cy="0"/>
-        </a:xfrm>
-      </p:grpSpPr>
-      <p:sp>
-        <p:nvSpPr>
-          <p:cNvPr id="2" name="Title 1"/>
-          <p:cNvSpPr>
-            <a:spLocks noGrp="1"/>
-          </p:cNvSpPr>
-          <p:nvPr>
-            <p:ph type="title"/>
-          </p:nvPr>
-        </p:nvSpPr>
-        <p:spPr/>
-        <p:txBody>
-          <a:bodyPr/>
-          <a:lstStyle/>
-          <a:p>
-            <a:r>
-              <a:rPr lang="en-US" dirty="0" smtClean="0"/>
-              <a:t>Phone Screens from UI Prototype</a:t>
-            </a:r>
-            <a:endParaRPr lang="en-US" dirty="0"/>
-          </a:p>
-        </p:txBody>
-      </p:sp>
-      <p:sp>
-        <p:nvSpPr>
-          <p:cNvPr id="8" name="TextBox 7"/>
-          <p:cNvSpPr txBox="1"/>
-          <p:nvPr/>
-        </p:nvSpPr>
-        <p:spPr>
-          <a:xfrm>
-            <a:off x="680321" y="2779776"/>
-            <a:ext cx="2050687" cy="461665"/>
-          </a:xfrm>
-          <a:prstGeom prst="rect">
-            <a:avLst/>
-          </a:prstGeom>
-          <a:noFill/>
-        </p:spPr>
-        <p:txBody>
-          <a:bodyPr wrap="square" rtlCol="0">
-            <a:spAutoFit/>
-          </a:bodyPr>
-          <a:lstStyle/>
-          <a:p>
-            <a:pPr algn="ctr"/>
-            <a:r>
-              <a:rPr lang="en-US" sz="2400" dirty="0" smtClean="0"/>
-              <a:t>Splash Screen</a:t>
-            </a:r>
-            <a:endParaRPr lang="en-US" sz="2400" dirty="0"/>
-          </a:p>
-        </p:txBody>
-      </p:sp>
-      <p:sp>
-        <p:nvSpPr>
-          <p:cNvPr id="10" name="TextBox 9"/>
-          <p:cNvSpPr txBox="1"/>
-          <p:nvPr/>
-        </p:nvSpPr>
-        <p:spPr>
-          <a:xfrm>
-            <a:off x="3055202" y="2779776"/>
-            <a:ext cx="2050687" cy="461665"/>
-          </a:xfrm>
-          <a:prstGeom prst="rect">
-            <a:avLst/>
-          </a:prstGeom>
-          <a:noFill/>
-        </p:spPr>
-        <p:txBody>
-          <a:bodyPr wrap="square" rtlCol="0">
-            <a:spAutoFit/>
-          </a:bodyPr>
-          <a:lstStyle/>
-          <a:p>
-            <a:pPr algn="ctr"/>
-            <a:r>
-              <a:rPr lang="en-US" sz="2400" dirty="0" smtClean="0"/>
-              <a:t>Logon Screen</a:t>
-            </a:r>
-            <a:endParaRPr lang="en-US" sz="2400" dirty="0"/>
-          </a:p>
-        </p:txBody>
-      </p:sp>
-      <p:sp>
-        <p:nvSpPr>
-          <p:cNvPr id="11" name="TextBox 10"/>
-          <p:cNvSpPr txBox="1"/>
-          <p:nvPr/>
-        </p:nvSpPr>
-        <p:spPr>
-          <a:xfrm>
-            <a:off x="5430083" y="2779776"/>
-            <a:ext cx="2050687" cy="461665"/>
-          </a:xfrm>
-          <a:prstGeom prst="rect">
-            <a:avLst/>
-          </a:prstGeom>
-          <a:noFill/>
-        </p:spPr>
-        <p:txBody>
-          <a:bodyPr wrap="square" rtlCol="0">
-            <a:spAutoFit/>
-          </a:bodyPr>
-          <a:lstStyle/>
-          <a:p>
-            <a:pPr algn="ctr"/>
-            <a:r>
-              <a:rPr lang="en-US" sz="2400" dirty="0" smtClean="0"/>
-              <a:t>Register User</a:t>
-            </a:r>
-            <a:endParaRPr lang="en-US" sz="2400" dirty="0"/>
-          </a:p>
-        </p:txBody>
-      </p:sp>
-      <p:sp>
-        <p:nvSpPr>
-          <p:cNvPr id="12" name="TextBox 11"/>
-          <p:cNvSpPr txBox="1"/>
-          <p:nvPr/>
-        </p:nvSpPr>
-        <p:spPr>
-          <a:xfrm>
-            <a:off x="7804963" y="2779776"/>
-            <a:ext cx="2050687" cy="461665"/>
-          </a:xfrm>
-          <a:prstGeom prst="rect">
-            <a:avLst/>
-          </a:prstGeom>
-          <a:noFill/>
-        </p:spPr>
-        <p:txBody>
-          <a:bodyPr wrap="square" rtlCol="0">
-            <a:spAutoFit/>
-          </a:bodyPr>
-          <a:lstStyle/>
-          <a:p>
-            <a:pPr algn="ctr"/>
-            <a:r>
-              <a:rPr lang="en-US" sz="2400" dirty="0" smtClean="0"/>
-              <a:t>Main Menu</a:t>
-            </a:r>
-            <a:endParaRPr lang="en-US" sz="2400" dirty="0"/>
-          </a:p>
-        </p:txBody>
-      </p:sp>
-      <p:pic>
-        <p:nvPicPr>
-          <p:cNvPr id="4" name="Picture 3"/>
-          <p:cNvPicPr/>
-          <p:nvPr/>
-        </p:nvPicPr>
-        <p:blipFill>
-          <a:blip r:embed="rId2">
-            <a:extLst>
-              <a:ext uri="{28A0092B-C50C-407E-A947-70E740481C1C}">
-                <a14:useLocalDpi xmlns:a14="http://schemas.microsoft.com/office/drawing/2010/main" val="0"/>
-              </a:ext>
-            </a:extLst>
-          </a:blip>
-          <a:srcRect/>
-          <a:stretch>
-            <a:fillRect/>
-          </a:stretch>
-        </p:blipFill>
-        <p:spPr bwMode="auto">
-          <a:xfrm>
-            <a:off x="660151" y="2494247"/>
-            <a:ext cx="2101293" cy="3946924"/>
-          </a:xfrm>
-          <a:prstGeom prst="rect">
-            <a:avLst/>
-          </a:prstGeom>
-          <a:noFill/>
-          <a:ln>
-            <a:noFill/>
-          </a:ln>
-        </p:spPr>
-      </p:pic>
-      <p:pic>
-        <p:nvPicPr>
-          <p:cNvPr id="5" name="Picture 4"/>
-          <p:cNvPicPr>
-            <a:picLocks/>
-          </p:cNvPicPr>
-          <p:nvPr/>
-        </p:nvPicPr>
-        <p:blipFill>
-          <a:blip r:embed="rId3">
-            <a:extLst>
-              <a:ext uri="{28A0092B-C50C-407E-A947-70E740481C1C}">
-                <a14:useLocalDpi xmlns:a14="http://schemas.microsoft.com/office/drawing/2010/main" val="0"/>
-              </a:ext>
-            </a:extLst>
-          </a:blip>
-          <a:srcRect/>
-          <a:stretch>
-            <a:fillRect/>
-          </a:stretch>
-        </p:blipFill>
-        <p:spPr bwMode="auto">
-          <a:xfrm>
-            <a:off x="3057608" y="2491970"/>
-            <a:ext cx="2064000" cy="3930183"/>
-          </a:xfrm>
-          <a:prstGeom prst="rect">
-            <a:avLst/>
-          </a:prstGeom>
-          <a:noFill/>
-          <a:ln>
-            <a:noFill/>
-          </a:ln>
-        </p:spPr>
-      </p:pic>
-      <p:pic>
-        <p:nvPicPr>
-          <p:cNvPr id="6" name="Picture 5"/>
-          <p:cNvPicPr>
-            <a:picLocks noChangeAspect="1"/>
-          </p:cNvPicPr>
-          <p:nvPr/>
-        </p:nvPicPr>
-        <p:blipFill>
-          <a:blip r:embed="rId4">
-            <a:extLst>
-              <a:ext uri="{28A0092B-C50C-407E-A947-70E740481C1C}">
-                <a14:useLocalDpi xmlns:a14="http://schemas.microsoft.com/office/drawing/2010/main" val="0"/>
-              </a:ext>
-            </a:extLst>
-          </a:blip>
-          <a:srcRect/>
-          <a:stretch>
-            <a:fillRect/>
-          </a:stretch>
-        </p:blipFill>
-        <p:spPr bwMode="auto">
-          <a:xfrm>
-            <a:off x="5417772" y="2491970"/>
-            <a:ext cx="2070857" cy="3908571"/>
-          </a:xfrm>
-          <a:prstGeom prst="rect">
-            <a:avLst/>
-          </a:prstGeom>
-          <a:noFill/>
-          <a:ln>
-            <a:noFill/>
-          </a:ln>
-        </p:spPr>
-      </p:pic>
-      <p:pic>
-        <p:nvPicPr>
-          <p:cNvPr id="7" name="Picture 6"/>
-          <p:cNvPicPr>
-            <a:picLocks noChangeAspect="1"/>
-          </p:cNvPicPr>
-          <p:nvPr/>
-        </p:nvPicPr>
-        <p:blipFill>
-          <a:blip r:embed="rId5">
-            <a:extLst>
-              <a:ext uri="{28A0092B-C50C-407E-A947-70E740481C1C}">
-                <a14:useLocalDpi xmlns:a14="http://schemas.microsoft.com/office/drawing/2010/main" val="0"/>
-              </a:ext>
-            </a:extLst>
-          </a:blip>
-          <a:srcRect/>
-          <a:stretch>
-            <a:fillRect/>
-          </a:stretch>
-        </p:blipFill>
-        <p:spPr bwMode="auto">
-          <a:xfrm>
-            <a:off x="7784793" y="2484077"/>
-            <a:ext cx="2070857" cy="3916464"/>
-          </a:xfrm>
-          <a:prstGeom prst="rect">
-            <a:avLst/>
-          </a:prstGeom>
-          <a:noFill/>
-          <a:ln>
-            <a:noFill/>
-          </a:ln>
-        </p:spPr>
-      </p:pic>
-    </p:spTree>
-    <p:extLst>
-      <p:ext uri="{BB962C8B-B14F-4D97-AF65-F5344CB8AC3E}">
-        <p14:creationId xmlns:p14="http://schemas.microsoft.com/office/powerpoint/2010/main" val="2823644504"/>
-      </p:ext>
-    </p:extLst>
-  </p:cSld>
-  <p:clrMapOvr>
-    <a:masterClrMapping/>
-  </p:clrMapOvr>
-  <p:transition spd="slow">
-    <p:wipe dir="r"/>
-  </p:transition>
-  <p:timing>
-    <p:tnLst>
-      <p:par>
-        <p:cTn id="1" dur="indefinite" restart="never" nodeType="tmRoot">
-          <p:childTnLst>
-            <p:seq concurrent="1" nextAc="seek">
-              <p:cTn id="2" dur="indefinite" nodeType="mainSeq">
-                <p:childTnLst>
-                  <p:par>
-                    <p:cTn id="3" fill="hold">
-                      <p:stCondLst>
-                        <p:cond delay="indefinite"/>
-                      </p:stCondLst>
-                      <p:childTnLst>
-                        <p:par>
-                          <p:cTn id="4" fill="hold">
-                            <p:stCondLst>
-                              <p:cond delay="0"/>
-                            </p:stCondLst>
-                            <p:childTnLst>
-                              <p:par>
-                                <p:cTn id="5" presetID="2" presetClass="entr" presetSubtype="4" fill="hold" nodeType="clickEffect">
-                                  <p:stCondLst>
-                                    <p:cond delay="0"/>
-                                  </p:stCondLst>
-                                  <p:childTnLst>
-                                    <p:set>
-                                      <p:cBhvr>
-                                        <p:cTn id="6" dur="1" fill="hold">
-                                          <p:stCondLst>
-                                            <p:cond delay="0"/>
-                                          </p:stCondLst>
-                                        </p:cTn>
-                                        <p:tgtEl>
-                                          <p:spTgt spid="4"/>
-                                        </p:tgtEl>
-                                        <p:attrNameLst>
-                                          <p:attrName>style.visibility</p:attrName>
-                                        </p:attrNameLst>
-                                      </p:cBhvr>
-                                      <p:to>
-                                        <p:strVal val="visible"/>
-                                      </p:to>
-                                    </p:set>
-                                    <p:anim calcmode="lin" valueType="num">
-                                      <p:cBhvr additive="base">
-                                        <p:cTn id="7" dur="500" fill="hold"/>
-                                        <p:tgtEl>
-                                          <p:spTgt spid="4"/>
-                                        </p:tgtEl>
-                                        <p:attrNameLst>
-                                          <p:attrName>ppt_x</p:attrName>
-                                        </p:attrNameLst>
-                                      </p:cBhvr>
-                                      <p:tavLst>
-                                        <p:tav tm="0">
-                                          <p:val>
-                                            <p:strVal val="#ppt_x"/>
-                                          </p:val>
-                                        </p:tav>
-                                        <p:tav tm="100000">
-                                          <p:val>
-                                            <p:strVal val="#ppt_x"/>
-                                          </p:val>
-                                        </p:tav>
-                                      </p:tavLst>
-                                    </p:anim>
-                                    <p:anim calcmode="lin" valueType="num">
-                                      <p:cBhvr additive="base">
-                                        <p:cTn id="8" dur="500" fill="hold"/>
-                                        <p:tgtEl>
-                                          <p:spTgt spid="4"/>
-                                        </p:tgtEl>
-                                        <p:attrNameLst>
-                                          <p:attrName>ppt_y</p:attrName>
-                                        </p:attrNameLst>
-                                      </p:cBhvr>
-                                      <p:tavLst>
-                                        <p:tav tm="0">
-                                          <p:val>
-                                            <p:strVal val="1+#ppt_h/2"/>
-                                          </p:val>
-                                        </p:tav>
-                                        <p:tav tm="100000">
-                                          <p:val>
-                                            <p:strVal val="#ppt_y"/>
-                                          </p:val>
-                                        </p:tav>
-                                      </p:tavLst>
-                                    </p:anim>
-                                  </p:childTnLst>
-                                </p:cTn>
-                              </p:par>
-                            </p:childTnLst>
-                          </p:cTn>
-                        </p:par>
-                      </p:childTnLst>
-                    </p:cTn>
-                  </p:par>
-                  <p:par>
-                    <p:cTn id="9" fill="hold">
-                      <p:stCondLst>
-                        <p:cond delay="indefinite"/>
-                      </p:stCondLst>
-                      <p:childTnLst>
-                        <p:par>
-                          <p:cTn id="10" fill="hold">
-                            <p:stCondLst>
-                              <p:cond delay="0"/>
-                            </p:stCondLst>
-                            <p:childTnLst>
-                              <p:par>
-                                <p:cTn id="11" presetID="2" presetClass="entr" presetSubtype="4" fill="hold" grpId="0" nodeType="clickEffect">
-                                  <p:stCondLst>
-                                    <p:cond delay="0"/>
-                                  </p:stCondLst>
-                                  <p:childTnLst>
-                                    <p:set>
-                                      <p:cBhvr>
-                                        <p:cTn id="12" dur="1" fill="hold">
-                                          <p:stCondLst>
-                                            <p:cond delay="0"/>
-                                          </p:stCondLst>
-                                        </p:cTn>
-                                        <p:tgtEl>
-                                          <p:spTgt spid="10"/>
-                                        </p:tgtEl>
-                                        <p:attrNameLst>
-                                          <p:attrName>style.visibility</p:attrName>
-                                        </p:attrNameLst>
-                                      </p:cBhvr>
-                                      <p:to>
-                                        <p:strVal val="visible"/>
-                                      </p:to>
-                                    </p:set>
-                                    <p:anim calcmode="lin" valueType="num">
-                                      <p:cBhvr additive="base">
-                                        <p:cTn id="13" dur="500" fill="hold"/>
-                                        <p:tgtEl>
-                                          <p:spTgt spid="10"/>
-                                        </p:tgtEl>
-                                        <p:attrNameLst>
-                                          <p:attrName>ppt_x</p:attrName>
-                                        </p:attrNameLst>
-                                      </p:cBhvr>
-                                      <p:tavLst>
-                                        <p:tav tm="0">
-                                          <p:val>
-                                            <p:strVal val="#ppt_x"/>
-                                          </p:val>
-                                        </p:tav>
-                                        <p:tav tm="100000">
-                                          <p:val>
-                                            <p:strVal val="#ppt_x"/>
-                                          </p:val>
-                                        </p:tav>
-                                      </p:tavLst>
-                                    </p:anim>
-                                    <p:anim calcmode="lin" valueType="num">
-                                      <p:cBhvr additive="base">
-                                        <p:cTn id="14" dur="500" fill="hold"/>
-                                        <p:tgtEl>
-                                          <p:spTgt spid="10"/>
-                                        </p:tgtEl>
-                                        <p:attrNameLst>
-                                          <p:attrName>ppt_y</p:attrName>
-                                        </p:attrNameLst>
-                                      </p:cBhvr>
-                                      <p:tavLst>
-                                        <p:tav tm="0">
-                                          <p:val>
-                                            <p:strVal val="1+#ppt_h/2"/>
-                                          </p:val>
-                                        </p:tav>
-                                        <p:tav tm="100000">
-                                          <p:val>
-                                            <p:strVal val="#ppt_y"/>
-                                          </p:val>
-                                        </p:tav>
-                                      </p:tavLst>
-                                    </p:anim>
-                                  </p:childTnLst>
-                                </p:cTn>
-                              </p:par>
-                            </p:childTnLst>
-                          </p:cTn>
-                        </p:par>
-                      </p:childTnLst>
-                    </p:cTn>
-                  </p:par>
-                  <p:par>
-                    <p:cTn id="15" fill="hold">
-                      <p:stCondLst>
-                        <p:cond delay="indefinite"/>
-                      </p:stCondLst>
-                      <p:childTnLst>
-                        <p:par>
-                          <p:cTn id="16" fill="hold">
-                            <p:stCondLst>
-                              <p:cond delay="0"/>
-                            </p:stCondLst>
-                            <p:childTnLst>
-                              <p:par>
-                                <p:cTn id="17" presetID="2" presetClass="entr" presetSubtype="4" fill="hold" nodeType="clickEffect">
-                                  <p:stCondLst>
-                                    <p:cond delay="0"/>
-                                  </p:stCondLst>
-                                  <p:childTnLst>
-                                    <p:set>
-                                      <p:cBhvr>
-                                        <p:cTn id="18" dur="1" fill="hold">
-                                          <p:stCondLst>
-                                            <p:cond delay="0"/>
-                                          </p:stCondLst>
-                                        </p:cTn>
-                                        <p:tgtEl>
-                                          <p:spTgt spid="5"/>
-                                        </p:tgtEl>
-                                        <p:attrNameLst>
-                                          <p:attrName>style.visibility</p:attrName>
-                                        </p:attrNameLst>
-                                      </p:cBhvr>
-                                      <p:to>
-                                        <p:strVal val="visible"/>
-                                      </p:to>
-                                    </p:set>
-                                    <p:anim calcmode="lin" valueType="num">
-                                      <p:cBhvr additive="base">
-                                        <p:cTn id="19" dur="500" fill="hold"/>
-                                        <p:tgtEl>
-                                          <p:spTgt spid="5"/>
-                                        </p:tgtEl>
-                                        <p:attrNameLst>
-                                          <p:attrName>ppt_x</p:attrName>
-                                        </p:attrNameLst>
-                                      </p:cBhvr>
-                                      <p:tavLst>
-                                        <p:tav tm="0">
-                                          <p:val>
-                                            <p:strVal val="#ppt_x"/>
-                                          </p:val>
-                                        </p:tav>
-                                        <p:tav tm="100000">
-                                          <p:val>
-                                            <p:strVal val="#ppt_x"/>
-                                          </p:val>
-                                        </p:tav>
-                                      </p:tavLst>
-                                    </p:anim>
-                                    <p:anim calcmode="lin" valueType="num">
-                                      <p:cBhvr additive="base">
-                                        <p:cTn id="20" dur="500" fill="hold"/>
-                                        <p:tgtEl>
-                                          <p:spTgt spid="5"/>
-                                        </p:tgtEl>
-                                        <p:attrNameLst>
-                                          <p:attrName>ppt_y</p:attrName>
-                                        </p:attrNameLst>
-                                      </p:cBhvr>
-                                      <p:tavLst>
-                                        <p:tav tm="0">
-                                          <p:val>
-                                            <p:strVal val="1+#ppt_h/2"/>
-                                          </p:val>
-                                        </p:tav>
-                                        <p:tav tm="100000">
-                                          <p:val>
-                                            <p:strVal val="#ppt_y"/>
-                                          </p:val>
-                                        </p:tav>
-                                      </p:tavLst>
-                                    </p:anim>
-                                  </p:childTnLst>
-                                </p:cTn>
-                              </p:par>
-                            </p:childTnLst>
-                          </p:cTn>
-                        </p:par>
-                      </p:childTnLst>
-                    </p:cTn>
-                  </p:par>
-                  <p:par>
-                    <p:cTn id="21" fill="hold">
-                      <p:stCondLst>
-                        <p:cond delay="indefinite"/>
-                      </p:stCondLst>
-                      <p:childTnLst>
-                        <p:par>
-                          <p:cTn id="22" fill="hold">
-                            <p:stCondLst>
-                              <p:cond delay="0"/>
-                            </p:stCondLst>
-                            <p:childTnLst>
-                              <p:par>
-                                <p:cTn id="23" presetID="2" presetClass="entr" presetSubtype="4" fill="hold" grpId="0" nodeType="clickEffect">
-                                  <p:stCondLst>
-                                    <p:cond delay="0"/>
-                                  </p:stCondLst>
-                                  <p:childTnLst>
-                                    <p:set>
-                                      <p:cBhvr>
-                                        <p:cTn id="24" dur="1" fill="hold">
-                                          <p:stCondLst>
-                                            <p:cond delay="0"/>
-                                          </p:stCondLst>
-                                        </p:cTn>
-                                        <p:tgtEl>
-                                          <p:spTgt spid="11"/>
-                                        </p:tgtEl>
-                                        <p:attrNameLst>
-                                          <p:attrName>style.visibility</p:attrName>
-                                        </p:attrNameLst>
-                                      </p:cBhvr>
-                                      <p:to>
-                                        <p:strVal val="visible"/>
-                                      </p:to>
-                                    </p:set>
-                                    <p:anim calcmode="lin" valueType="num">
-                                      <p:cBhvr additive="base">
-                                        <p:cTn id="25" dur="500" fill="hold"/>
-                                        <p:tgtEl>
-                                          <p:spTgt spid="11"/>
-                                        </p:tgtEl>
-                                        <p:attrNameLst>
-                                          <p:attrName>ppt_x</p:attrName>
-                                        </p:attrNameLst>
-                                      </p:cBhvr>
-                                      <p:tavLst>
-                                        <p:tav tm="0">
-                                          <p:val>
-                                            <p:strVal val="#ppt_x"/>
-                                          </p:val>
-                                        </p:tav>
-                                        <p:tav tm="100000">
-                                          <p:val>
-                                            <p:strVal val="#ppt_x"/>
-                                          </p:val>
-                                        </p:tav>
-                                      </p:tavLst>
-                                    </p:anim>
-                                    <p:anim calcmode="lin" valueType="num">
-                                      <p:cBhvr additive="base">
-                                        <p:cTn id="26" dur="500" fill="hold"/>
-                                        <p:tgtEl>
-                                          <p:spTgt spid="11"/>
-                                        </p:tgtEl>
-                                        <p:attrNameLst>
-                                          <p:attrName>ppt_y</p:attrName>
-                                        </p:attrNameLst>
-                                      </p:cBhvr>
-                                      <p:tavLst>
-                                        <p:tav tm="0">
-                                          <p:val>
-                                            <p:strVal val="1+#ppt_h/2"/>
-                                          </p:val>
-                                        </p:tav>
-                                        <p:tav tm="100000">
-                                          <p:val>
-                                            <p:strVal val="#ppt_y"/>
-                                          </p:val>
-                                        </p:tav>
-                                      </p:tavLst>
-                                    </p:anim>
-                                  </p:childTnLst>
-                                </p:cTn>
-                              </p:par>
-                            </p:childTnLst>
-                          </p:cTn>
-                        </p:par>
-                      </p:childTnLst>
-                    </p:cTn>
-                  </p:par>
-                  <p:par>
-                    <p:cTn id="27" fill="hold">
-                      <p:stCondLst>
-                        <p:cond delay="indefinite"/>
-                      </p:stCondLst>
-                      <p:childTnLst>
-                        <p:par>
-                          <p:cTn id="28" fill="hold">
-                            <p:stCondLst>
-                              <p:cond delay="0"/>
-                            </p:stCondLst>
-                            <p:childTnLst>
-                              <p:par>
-                                <p:cTn id="29" presetID="2" presetClass="entr" presetSubtype="4" fill="hold" nodeType="clickEffect">
-                                  <p:stCondLst>
-                                    <p:cond delay="0"/>
-                                  </p:stCondLst>
-                                  <p:childTnLst>
-                                    <p:set>
-                                      <p:cBhvr>
-                                        <p:cTn id="30" dur="1" fill="hold">
-                                          <p:stCondLst>
-                                            <p:cond delay="0"/>
-                                          </p:stCondLst>
-                                        </p:cTn>
-                                        <p:tgtEl>
-                                          <p:spTgt spid="6"/>
-                                        </p:tgtEl>
-                                        <p:attrNameLst>
-                                          <p:attrName>style.visibility</p:attrName>
-                                        </p:attrNameLst>
-                                      </p:cBhvr>
-                                      <p:to>
-                                        <p:strVal val="visible"/>
-                                      </p:to>
-                                    </p:set>
-                                    <p:anim calcmode="lin" valueType="num">
-                                      <p:cBhvr additive="base">
-                                        <p:cTn id="31" dur="500" fill="hold"/>
-                                        <p:tgtEl>
-                                          <p:spTgt spid="6"/>
-                                        </p:tgtEl>
-                                        <p:attrNameLst>
-                                          <p:attrName>ppt_x</p:attrName>
-                                        </p:attrNameLst>
-                                      </p:cBhvr>
-                                      <p:tavLst>
-                                        <p:tav tm="0">
-                                          <p:val>
-                                            <p:strVal val="#ppt_x"/>
-                                          </p:val>
-                                        </p:tav>
-                                        <p:tav tm="100000">
-                                          <p:val>
-                                            <p:strVal val="#ppt_x"/>
-                                          </p:val>
-                                        </p:tav>
-                                      </p:tavLst>
-                                    </p:anim>
-                                    <p:anim calcmode="lin" valueType="num">
-                                      <p:cBhvr additive="base">
-                                        <p:cTn id="32" dur="500" fill="hold"/>
-                                        <p:tgtEl>
-                                          <p:spTgt spid="6"/>
-                                        </p:tgtEl>
-                                        <p:attrNameLst>
-                                          <p:attrName>ppt_y</p:attrName>
-                                        </p:attrNameLst>
-                                      </p:cBhvr>
-                                      <p:tavLst>
-                                        <p:tav tm="0">
-                                          <p:val>
-                                            <p:strVal val="1+#ppt_h/2"/>
-                                          </p:val>
-                                        </p:tav>
-                                        <p:tav tm="100000">
-                                          <p:val>
-                                            <p:strVal val="#ppt_y"/>
-                                          </p:val>
-                                        </p:tav>
-                                      </p:tavLst>
-                                    </p:anim>
-                                  </p:childTnLst>
-                                </p:cTn>
-                              </p:par>
-                            </p:childTnLst>
-                          </p:cTn>
-                        </p:par>
-                      </p:childTnLst>
-                    </p:cTn>
-                  </p:par>
-                  <p:par>
-                    <p:cTn id="33" fill="hold">
-                      <p:stCondLst>
-                        <p:cond delay="indefinite"/>
-                      </p:stCondLst>
-                      <p:childTnLst>
-                        <p:par>
-                          <p:cTn id="34" fill="hold">
-                            <p:stCondLst>
-                              <p:cond delay="0"/>
-                            </p:stCondLst>
-                            <p:childTnLst>
-                              <p:par>
-                                <p:cTn id="35" presetID="2" presetClass="entr" presetSubtype="4" fill="hold" grpId="0" nodeType="clickEffect">
-                                  <p:stCondLst>
-                                    <p:cond delay="0"/>
-                                  </p:stCondLst>
-                                  <p:childTnLst>
-                                    <p:set>
-                                      <p:cBhvr>
-                                        <p:cTn id="36" dur="1" fill="hold">
-                                          <p:stCondLst>
-                                            <p:cond delay="0"/>
-                                          </p:stCondLst>
-                                        </p:cTn>
-                                        <p:tgtEl>
-                                          <p:spTgt spid="12"/>
-                                        </p:tgtEl>
-                                        <p:attrNameLst>
-                                          <p:attrName>style.visibility</p:attrName>
-                                        </p:attrNameLst>
-                                      </p:cBhvr>
-                                      <p:to>
-                                        <p:strVal val="visible"/>
-                                      </p:to>
-                                    </p:set>
-                                    <p:anim calcmode="lin" valueType="num">
-                                      <p:cBhvr additive="base">
-                                        <p:cTn id="37" dur="500" fill="hold"/>
-                                        <p:tgtEl>
-                                          <p:spTgt spid="12"/>
-                                        </p:tgtEl>
-                                        <p:attrNameLst>
-                                          <p:attrName>ppt_x</p:attrName>
-                                        </p:attrNameLst>
-                                      </p:cBhvr>
-                                      <p:tavLst>
-                                        <p:tav tm="0">
-                                          <p:val>
-                                            <p:strVal val="#ppt_x"/>
-                                          </p:val>
-                                        </p:tav>
-                                        <p:tav tm="100000">
-                                          <p:val>
-                                            <p:strVal val="#ppt_x"/>
-                                          </p:val>
-                                        </p:tav>
-                                      </p:tavLst>
-                                    </p:anim>
-                                    <p:anim calcmode="lin" valueType="num">
-                                      <p:cBhvr additive="base">
-                                        <p:cTn id="38" dur="500" fill="hold"/>
-                                        <p:tgtEl>
-                                          <p:spTgt spid="12"/>
-                                        </p:tgtEl>
-                                        <p:attrNameLst>
-                                          <p:attrName>ppt_y</p:attrName>
-                                        </p:attrNameLst>
-                                      </p:cBhvr>
-                                      <p:tavLst>
-                                        <p:tav tm="0">
-                                          <p:val>
-                                            <p:strVal val="1+#ppt_h/2"/>
-                                          </p:val>
-                                        </p:tav>
-                                        <p:tav tm="100000">
-                                          <p:val>
-                                            <p:strVal val="#ppt_y"/>
-                                          </p:val>
-                                        </p:tav>
-                                      </p:tavLst>
-                                    </p:anim>
-                                  </p:childTnLst>
-                                </p:cTn>
-                              </p:par>
-                            </p:childTnLst>
-                          </p:cTn>
-                        </p:par>
-                      </p:childTnLst>
-                    </p:cTn>
-                  </p:par>
-                  <p:par>
-                    <p:cTn id="39" fill="hold">
-                      <p:stCondLst>
-                        <p:cond delay="indefinite"/>
-                      </p:stCondLst>
-                      <p:childTnLst>
-                        <p:par>
-                          <p:cTn id="40" fill="hold">
-                            <p:stCondLst>
-                              <p:cond delay="0"/>
-                            </p:stCondLst>
-                            <p:childTnLst>
-                              <p:par>
-                                <p:cTn id="41" presetID="2" presetClass="entr" presetSubtype="4" fill="hold" nodeType="clickEffect">
-                                  <p:stCondLst>
-                                    <p:cond delay="0"/>
-                                  </p:stCondLst>
-                                  <p:childTnLst>
-                                    <p:set>
-                                      <p:cBhvr>
-                                        <p:cTn id="42" dur="1" fill="hold">
-                                          <p:stCondLst>
-                                            <p:cond delay="0"/>
-                                          </p:stCondLst>
-                                        </p:cTn>
-                                        <p:tgtEl>
-                                          <p:spTgt spid="7"/>
-                                        </p:tgtEl>
-                                        <p:attrNameLst>
-                                          <p:attrName>style.visibility</p:attrName>
-                                        </p:attrNameLst>
-                                      </p:cBhvr>
-                                      <p:to>
-                                        <p:strVal val="visible"/>
-                                      </p:to>
-                                    </p:set>
-                                    <p:anim calcmode="lin" valueType="num">
-                                      <p:cBhvr additive="base">
-                                        <p:cTn id="43" dur="500" fill="hold"/>
-                                        <p:tgtEl>
-                                          <p:spTgt spid="7"/>
-                                        </p:tgtEl>
-                                        <p:attrNameLst>
-                                          <p:attrName>ppt_x</p:attrName>
-                                        </p:attrNameLst>
-                                      </p:cBhvr>
-                                      <p:tavLst>
-                                        <p:tav tm="0">
-                                          <p:val>
-                                            <p:strVal val="#ppt_x"/>
-                                          </p:val>
-                                        </p:tav>
-                                        <p:tav tm="100000">
-                                          <p:val>
-                                            <p:strVal val="#ppt_x"/>
-                                          </p:val>
-                                        </p:tav>
-                                      </p:tavLst>
-                                    </p:anim>
-                                    <p:anim calcmode="lin" valueType="num">
-                                      <p:cBhvr additive="base">
-                                        <p:cTn id="44" dur="500" fill="hold"/>
-                                        <p:tgtEl>
-                                          <p:spTgt spid="7"/>
-                                        </p:tgtEl>
-                                        <p:attrNameLst>
-                                          <p:attrName>ppt_y</p:attrName>
-                                        </p:attrNameLst>
-                                      </p:cBhvr>
-                                      <p:tavLst>
-                                        <p:tav tm="0">
-                                          <p:val>
-                                            <p:strVal val="1+#ppt_h/2"/>
-                                          </p:val>
-                                        </p:tav>
-                                        <p:tav tm="100000">
-                                          <p:val>
-                                            <p:strVal val="#ppt_y"/>
-                                          </p:val>
-                                        </p:tav>
-                                      </p:tavLst>
-                                    </p:anim>
-                                  </p:childTnLst>
-                                </p:cTn>
-                              </p:par>
-                            </p:childTnLst>
-                          </p:cTn>
-                        </p:par>
-                      </p:childTnLst>
-                    </p:cTn>
-                  </p:par>
-                </p:childTnLst>
-              </p:cTn>
-              <p:prevCondLst>
-                <p:cond evt="onPrev" delay="0">
-                  <p:tgtEl>
-                    <p:sldTgt/>
-                  </p:tgtEl>
-                </p:cond>
-              </p:prevCondLst>
-              <p:nextCondLst>
-                <p:cond evt="onNext" delay="0">
-                  <p:tgtEl>
-                    <p:sldTgt/>
-                  </p:tgtEl>
-                </p:cond>
-              </p:nextCondLst>
-            </p:seq>
-          </p:childTnLst>
-        </p:cTn>
-      </p:par>
-    </p:tnLst>
-    <p:bldLst>
-      <p:bldP spid="10" grpId="0"/>
-      <p:bldP spid="11" grpId="0"/>
-      <p:bldP spid="12" grpId="0"/>
-    </p:bldLst>
-  </p:timing>
-</p:sld>
-</file>
-
-<file path=ppt/slides/slide14.xml><?xml version="1.0" encoding="utf-8"?>
 <p:sld xmlns:a="http://schemas.openxmlformats.org/drawingml/2006/main" xmlns:r="http://schemas.openxmlformats.org/officeDocument/2006/relationships" xmlns:p="http://schemas.openxmlformats.org/presentationml/2006/main">
   <p:cSld>
     <p:spTree>
@@ -11108,11 +9233,7 @@
             </a:r>
             <a:r>
               <a:rPr lang="en-US" dirty="0" smtClean="0"/>
-              <a:t> system </a:t>
-            </a:r>
-            <a:r>
-              <a:rPr lang="en-US" dirty="0" smtClean="0"/>
-              <a:t>in a cloud VM for this project</a:t>
+              <a:t> system in a cloud VM for this project</a:t>
             </a:r>
           </a:p>
           <a:p>
@@ -12082,11 +10203,7 @@
           <a:p>
             <a:r>
               <a:rPr lang="en-US" dirty="0" smtClean="0"/>
-              <a:t>The Physical </a:t>
-            </a:r>
-            <a:r>
-              <a:rPr lang="en-US" dirty="0" smtClean="0"/>
-              <a:t>Architecture – Initial Concept</a:t>
+              <a:t>The Physical Architecture – Initial Concept</a:t>
             </a:r>
             <a:endParaRPr lang="en-US" dirty="0"/>
           </a:p>
@@ -14112,11 +12229,7 @@
           <a:p>
             <a:r>
               <a:rPr lang="en-US" dirty="0" smtClean="0"/>
-              <a:t>The Physical </a:t>
-            </a:r>
-            <a:r>
-              <a:rPr lang="en-US" dirty="0" smtClean="0"/>
-              <a:t>Architecture Now</a:t>
+              <a:t>The Physical Architecture Now</a:t>
             </a:r>
             <a:endParaRPr lang="en-US" dirty="0"/>
           </a:p>
@@ -14976,6 +13089,1019 @@
           <a:chExt cx="0" cy="0"/>
         </a:xfrm>
       </p:grpSpPr>
+      <p:cxnSp>
+        <p:nvCxnSpPr>
+          <p:cNvPr id="10" name="Straight Connector 9"/>
+          <p:cNvCxnSpPr/>
+          <p:nvPr/>
+        </p:nvCxnSpPr>
+        <p:spPr>
+          <a:xfrm>
+            <a:off x="2330245" y="3011532"/>
+            <a:ext cx="3629961" cy="262610"/>
+          </a:xfrm>
+          <a:prstGeom prst="line">
+            <a:avLst/>
+          </a:prstGeom>
+          <a:ln>
+            <a:solidFill>
+              <a:schemeClr val="accent4"/>
+            </a:solidFill>
+          </a:ln>
+        </p:spPr>
+        <p:style>
+          <a:lnRef idx="1">
+            <a:schemeClr val="accent1"/>
+          </a:lnRef>
+          <a:fillRef idx="0">
+            <a:schemeClr val="accent1"/>
+          </a:fillRef>
+          <a:effectRef idx="0">
+            <a:schemeClr val="accent1"/>
+          </a:effectRef>
+          <a:fontRef idx="minor">
+            <a:schemeClr val="tx1"/>
+          </a:fontRef>
+        </p:style>
+      </p:cxnSp>
+      <p:cxnSp>
+        <p:nvCxnSpPr>
+          <p:cNvPr id="13" name="Straight Connector 12"/>
+          <p:cNvCxnSpPr/>
+          <p:nvPr/>
+        </p:nvCxnSpPr>
+        <p:spPr>
+          <a:xfrm>
+            <a:off x="6558116" y="3362632"/>
+            <a:ext cx="2831690" cy="1336852"/>
+          </a:xfrm>
+          <a:prstGeom prst="line">
+            <a:avLst/>
+          </a:prstGeom>
+          <a:ln>
+            <a:solidFill>
+              <a:schemeClr val="accent4"/>
+            </a:solidFill>
+          </a:ln>
+        </p:spPr>
+        <p:style>
+          <a:lnRef idx="1">
+            <a:schemeClr val="accent1"/>
+          </a:lnRef>
+          <a:fillRef idx="0">
+            <a:schemeClr val="accent1"/>
+          </a:fillRef>
+          <a:effectRef idx="0">
+            <a:schemeClr val="accent1"/>
+          </a:effectRef>
+          <a:fontRef idx="minor">
+            <a:schemeClr val="tx1"/>
+          </a:fontRef>
+        </p:style>
+      </p:cxnSp>
+      <p:cxnSp>
+        <p:nvCxnSpPr>
+          <p:cNvPr id="16" name="Straight Connector 15"/>
+          <p:cNvCxnSpPr/>
+          <p:nvPr/>
+        </p:nvCxnSpPr>
+        <p:spPr>
+          <a:xfrm flipV="1">
+            <a:off x="6449961" y="3138843"/>
+            <a:ext cx="2782529" cy="189090"/>
+          </a:xfrm>
+          <a:prstGeom prst="line">
+            <a:avLst/>
+          </a:prstGeom>
+          <a:ln>
+            <a:solidFill>
+              <a:schemeClr val="accent4"/>
+            </a:solidFill>
+          </a:ln>
+        </p:spPr>
+        <p:style>
+          <a:lnRef idx="1">
+            <a:schemeClr val="accent1"/>
+          </a:lnRef>
+          <a:fillRef idx="0">
+            <a:schemeClr val="accent1"/>
+          </a:fillRef>
+          <a:effectRef idx="0">
+            <a:schemeClr val="accent1"/>
+          </a:effectRef>
+          <a:fontRef idx="minor">
+            <a:schemeClr val="tx1"/>
+          </a:fontRef>
+        </p:style>
+      </p:cxnSp>
+      <p:cxnSp>
+        <p:nvCxnSpPr>
+          <p:cNvPr id="21" name="Straight Connector 20"/>
+          <p:cNvCxnSpPr/>
+          <p:nvPr/>
+        </p:nvCxnSpPr>
+        <p:spPr>
+          <a:xfrm>
+            <a:off x="2482645" y="3163932"/>
+            <a:ext cx="2229614" cy="1189922"/>
+          </a:xfrm>
+          <a:prstGeom prst="line">
+            <a:avLst/>
+          </a:prstGeom>
+          <a:ln>
+            <a:solidFill>
+              <a:schemeClr val="accent4"/>
+            </a:solidFill>
+          </a:ln>
+        </p:spPr>
+        <p:style>
+          <a:lnRef idx="1">
+            <a:schemeClr val="accent1"/>
+          </a:lnRef>
+          <a:fillRef idx="0">
+            <a:schemeClr val="accent1"/>
+          </a:fillRef>
+          <a:effectRef idx="0">
+            <a:schemeClr val="accent1"/>
+          </a:effectRef>
+          <a:fontRef idx="minor">
+            <a:schemeClr val="tx1"/>
+          </a:fontRef>
+        </p:style>
+      </p:cxnSp>
+      <p:cxnSp>
+        <p:nvCxnSpPr>
+          <p:cNvPr id="23" name="Straight Connector 22"/>
+          <p:cNvCxnSpPr/>
+          <p:nvPr/>
+        </p:nvCxnSpPr>
+        <p:spPr>
+          <a:xfrm flipV="1">
+            <a:off x="7000568" y="4707948"/>
+            <a:ext cx="2231922" cy="553861"/>
+          </a:xfrm>
+          <a:prstGeom prst="line">
+            <a:avLst/>
+          </a:prstGeom>
+          <a:ln>
+            <a:solidFill>
+              <a:schemeClr val="accent4"/>
+            </a:solidFill>
+          </a:ln>
+        </p:spPr>
+        <p:style>
+          <a:lnRef idx="1">
+            <a:schemeClr val="accent1"/>
+          </a:lnRef>
+          <a:fillRef idx="0">
+            <a:schemeClr val="accent1"/>
+          </a:fillRef>
+          <a:effectRef idx="0">
+            <a:schemeClr val="accent1"/>
+          </a:effectRef>
+          <a:fontRef idx="minor">
+            <a:schemeClr val="tx1"/>
+          </a:fontRef>
+        </p:style>
+      </p:cxnSp>
+      <p:sp>
+        <p:nvSpPr>
+          <p:cNvPr id="2" name="Title 1"/>
+          <p:cNvSpPr>
+            <a:spLocks noGrp="1"/>
+          </p:cNvSpPr>
+          <p:nvPr>
+            <p:ph type="title"/>
+          </p:nvPr>
+        </p:nvSpPr>
+        <p:spPr/>
+        <p:txBody>
+          <a:bodyPr/>
+          <a:lstStyle/>
+          <a:p>
+            <a:r>
+              <a:rPr lang="en-US" dirty="0" smtClean="0"/>
+              <a:t>Primary Use Case: Check-in at VA Facility</a:t>
+            </a:r>
+            <a:endParaRPr lang="en-US" dirty="0"/>
+          </a:p>
+        </p:txBody>
+      </p:sp>
+      <p:sp>
+        <p:nvSpPr>
+          <p:cNvPr id="3" name="Rectangle 2"/>
+          <p:cNvSpPr/>
+          <p:nvPr/>
+        </p:nvSpPr>
+        <p:spPr>
+          <a:xfrm>
+            <a:off x="3303639" y="2231923"/>
+            <a:ext cx="4798142" cy="4149212"/>
+          </a:xfrm>
+          <a:prstGeom prst="rect">
+            <a:avLst/>
+          </a:prstGeom>
+          <a:noFill/>
+          <a:ln w="19050">
+            <a:solidFill>
+              <a:srgbClr val="FFC000"/>
+            </a:solidFill>
+          </a:ln>
+        </p:spPr>
+        <p:style>
+          <a:lnRef idx="2">
+            <a:schemeClr val="accent1">
+              <a:shade val="50000"/>
+            </a:schemeClr>
+          </a:lnRef>
+          <a:fillRef idx="1">
+            <a:schemeClr val="accent1"/>
+          </a:fillRef>
+          <a:effectRef idx="0">
+            <a:schemeClr val="accent1"/>
+          </a:effectRef>
+          <a:fontRef idx="minor">
+            <a:schemeClr val="lt1"/>
+          </a:fontRef>
+        </p:style>
+        <p:txBody>
+          <a:bodyPr rtlCol="0" anchor="ctr"/>
+          <a:lstStyle/>
+          <a:p>
+            <a:pPr algn="ctr"/>
+            <a:endParaRPr lang="en-US"/>
+          </a:p>
+        </p:txBody>
+      </p:sp>
+      <p:pic>
+        <p:nvPicPr>
+          <p:cNvPr id="4" name="Picture 3"/>
+          <p:cNvPicPr>
+            <a:picLocks noChangeAspect="1"/>
+          </p:cNvPicPr>
+          <p:nvPr/>
+        </p:nvPicPr>
+        <p:blipFill>
+          <a:blip r:embed="rId2"/>
+          <a:stretch>
+            <a:fillRect/>
+          </a:stretch>
+        </p:blipFill>
+        <p:spPr>
+          <a:xfrm>
+            <a:off x="1968861" y="2533235"/>
+            <a:ext cx="703086" cy="1382173"/>
+          </a:xfrm>
+          <a:prstGeom prst="rect">
+            <a:avLst/>
+          </a:prstGeom>
+        </p:spPr>
+      </p:pic>
+      <p:pic>
+        <p:nvPicPr>
+          <p:cNvPr id="5" name="Picture 4"/>
+          <p:cNvPicPr>
+            <a:picLocks noChangeAspect="1"/>
+          </p:cNvPicPr>
+          <p:nvPr/>
+        </p:nvPicPr>
+        <p:blipFill>
+          <a:blip r:embed="rId3"/>
+          <a:stretch>
+            <a:fillRect/>
+          </a:stretch>
+        </p:blipFill>
+        <p:spPr>
+          <a:xfrm>
+            <a:off x="5568562" y="3011532"/>
+            <a:ext cx="1549984" cy="632802"/>
+          </a:xfrm>
+          <a:prstGeom prst="rect">
+            <a:avLst/>
+          </a:prstGeom>
+        </p:spPr>
+      </p:pic>
+      <p:pic>
+        <p:nvPicPr>
+          <p:cNvPr id="6" name="Picture 5"/>
+          <p:cNvPicPr>
+            <a:picLocks noChangeAspect="1"/>
+          </p:cNvPicPr>
+          <p:nvPr/>
+        </p:nvPicPr>
+        <p:blipFill>
+          <a:blip r:embed="rId4"/>
+          <a:stretch>
+            <a:fillRect/>
+          </a:stretch>
+        </p:blipFill>
+        <p:spPr>
+          <a:xfrm>
+            <a:off x="5960206" y="4845492"/>
+            <a:ext cx="1549986" cy="832635"/>
+          </a:xfrm>
+          <a:prstGeom prst="rect">
+            <a:avLst/>
+          </a:prstGeom>
+        </p:spPr>
+      </p:pic>
+      <p:pic>
+        <p:nvPicPr>
+          <p:cNvPr id="7" name="Picture 6"/>
+          <p:cNvPicPr>
+            <a:picLocks noChangeAspect="1"/>
+          </p:cNvPicPr>
+          <p:nvPr/>
+        </p:nvPicPr>
+        <p:blipFill>
+          <a:blip r:embed="rId5"/>
+          <a:stretch>
+            <a:fillRect/>
+          </a:stretch>
+        </p:blipFill>
+        <p:spPr>
+          <a:xfrm>
+            <a:off x="3937267" y="4066682"/>
+            <a:ext cx="1549984" cy="632802"/>
+          </a:xfrm>
+          <a:prstGeom prst="rect">
+            <a:avLst/>
+          </a:prstGeom>
+        </p:spPr>
+      </p:pic>
+      <p:pic>
+        <p:nvPicPr>
+          <p:cNvPr id="8" name="Picture 7"/>
+          <p:cNvPicPr>
+            <a:picLocks noChangeAspect="1"/>
+          </p:cNvPicPr>
+          <p:nvPr/>
+        </p:nvPicPr>
+        <p:blipFill>
+          <a:blip r:embed="rId6"/>
+          <a:stretch>
+            <a:fillRect/>
+          </a:stretch>
+        </p:blipFill>
+        <p:spPr>
+          <a:xfrm>
+            <a:off x="8864539" y="4291494"/>
+            <a:ext cx="1070608" cy="815981"/>
+          </a:xfrm>
+          <a:prstGeom prst="rect">
+            <a:avLst/>
+          </a:prstGeom>
+        </p:spPr>
+      </p:pic>
+      <p:pic>
+        <p:nvPicPr>
+          <p:cNvPr id="9" name="Picture 8"/>
+          <p:cNvPicPr>
+            <a:picLocks noChangeAspect="1"/>
+          </p:cNvPicPr>
+          <p:nvPr/>
+        </p:nvPicPr>
+        <p:blipFill>
+          <a:blip r:embed="rId7"/>
+          <a:stretch>
+            <a:fillRect/>
+          </a:stretch>
+        </p:blipFill>
+        <p:spPr>
+          <a:xfrm>
+            <a:off x="8848165" y="2533235"/>
+            <a:ext cx="1070608" cy="1115729"/>
+          </a:xfrm>
+          <a:prstGeom prst="rect">
+            <a:avLst/>
+          </a:prstGeom>
+        </p:spPr>
+      </p:pic>
+      <p:cxnSp>
+        <p:nvCxnSpPr>
+          <p:cNvPr id="26" name="Straight Connector 25"/>
+          <p:cNvCxnSpPr/>
+          <p:nvPr/>
+        </p:nvCxnSpPr>
+        <p:spPr>
+          <a:xfrm flipH="1">
+            <a:off x="5133464" y="3570322"/>
+            <a:ext cx="1051460" cy="526890"/>
+          </a:xfrm>
+          <a:prstGeom prst="line">
+            <a:avLst/>
+          </a:prstGeom>
+          <a:ln w="12700">
+            <a:solidFill>
+              <a:schemeClr val="accent4"/>
+            </a:solidFill>
+            <a:prstDash val="dash"/>
+            <a:tailEnd type="arrow" w="lg" len="lg"/>
+          </a:ln>
+        </p:spPr>
+        <p:style>
+          <a:lnRef idx="1">
+            <a:schemeClr val="accent1"/>
+          </a:lnRef>
+          <a:fillRef idx="0">
+            <a:schemeClr val="accent1"/>
+          </a:fillRef>
+          <a:effectRef idx="0">
+            <a:schemeClr val="accent1"/>
+          </a:effectRef>
+          <a:fontRef idx="minor">
+            <a:schemeClr val="tx1"/>
+          </a:fontRef>
+        </p:style>
+      </p:cxnSp>
+      <p:sp>
+        <p:nvSpPr>
+          <p:cNvPr id="27" name="TextBox 26"/>
+          <p:cNvSpPr txBox="1"/>
+          <p:nvPr/>
+        </p:nvSpPr>
+        <p:spPr>
+          <a:xfrm>
+            <a:off x="5092974" y="3709821"/>
+            <a:ext cx="983226" cy="246221"/>
+          </a:xfrm>
+          <a:prstGeom prst="rect">
+            <a:avLst/>
+          </a:prstGeom>
+          <a:noFill/>
+        </p:spPr>
+        <p:txBody>
+          <a:bodyPr wrap="square" rtlCol="0">
+            <a:spAutoFit/>
+          </a:bodyPr>
+          <a:lstStyle/>
+          <a:p>
+            <a:pPr algn="ctr"/>
+            <a:r>
+              <a:rPr lang="en-US" sz="1000" dirty="0" smtClean="0">
+                <a:solidFill>
+                  <a:srgbClr val="FFFF00"/>
+                </a:solidFill>
+              </a:rPr>
+              <a:t>&lt;&lt;include&gt;&gt;</a:t>
+            </a:r>
+            <a:endParaRPr lang="en-US" sz="1000" dirty="0">
+              <a:solidFill>
+                <a:srgbClr val="FFFF00"/>
+              </a:solidFill>
+            </a:endParaRPr>
+          </a:p>
+        </p:txBody>
+      </p:sp>
+      <p:cxnSp>
+        <p:nvCxnSpPr>
+          <p:cNvPr id="29" name="Straight Connector 28"/>
+          <p:cNvCxnSpPr>
+            <a:endCxn id="6" idx="0"/>
+          </p:cNvCxnSpPr>
+          <p:nvPr/>
+        </p:nvCxnSpPr>
+        <p:spPr>
+          <a:xfrm>
+            <a:off x="6558116" y="3592003"/>
+            <a:ext cx="177083" cy="1253489"/>
+          </a:xfrm>
+          <a:prstGeom prst="line">
+            <a:avLst/>
+          </a:prstGeom>
+          <a:ln w="12700">
+            <a:solidFill>
+              <a:schemeClr val="accent4"/>
+            </a:solidFill>
+            <a:prstDash val="dash"/>
+            <a:tailEnd type="arrow" w="lg" len="lg"/>
+          </a:ln>
+        </p:spPr>
+        <p:style>
+          <a:lnRef idx="1">
+            <a:schemeClr val="accent1"/>
+          </a:lnRef>
+          <a:fillRef idx="0">
+            <a:schemeClr val="accent1"/>
+          </a:fillRef>
+          <a:effectRef idx="0">
+            <a:schemeClr val="accent1"/>
+          </a:effectRef>
+          <a:fontRef idx="minor">
+            <a:schemeClr val="tx1"/>
+          </a:fontRef>
+        </p:style>
+      </p:cxnSp>
+      <p:sp>
+        <p:nvSpPr>
+          <p:cNvPr id="30" name="TextBox 29"/>
+          <p:cNvSpPr txBox="1"/>
+          <p:nvPr/>
+        </p:nvSpPr>
+        <p:spPr>
+          <a:xfrm>
+            <a:off x="6114197" y="4045816"/>
+            <a:ext cx="983226" cy="246221"/>
+          </a:xfrm>
+          <a:prstGeom prst="rect">
+            <a:avLst/>
+          </a:prstGeom>
+          <a:noFill/>
+        </p:spPr>
+        <p:txBody>
+          <a:bodyPr wrap="square" rtlCol="0">
+            <a:spAutoFit/>
+          </a:bodyPr>
+          <a:lstStyle/>
+          <a:p>
+            <a:pPr algn="ctr"/>
+            <a:r>
+              <a:rPr lang="en-US" sz="1000" dirty="0" smtClean="0">
+                <a:solidFill>
+                  <a:srgbClr val="FFFF00"/>
+                </a:solidFill>
+              </a:rPr>
+              <a:t>&lt;&lt;include&gt;&gt;</a:t>
+            </a:r>
+            <a:endParaRPr lang="en-US" sz="1000" dirty="0">
+              <a:solidFill>
+                <a:srgbClr val="FFFF00"/>
+              </a:solidFill>
+            </a:endParaRPr>
+          </a:p>
+        </p:txBody>
+      </p:sp>
+    </p:spTree>
+    <p:extLst>
+      <p:ext uri="{BB962C8B-B14F-4D97-AF65-F5344CB8AC3E}">
+        <p14:creationId xmlns:p14="http://schemas.microsoft.com/office/powerpoint/2010/main" val="2473677034"/>
+      </p:ext>
+    </p:extLst>
+  </p:cSld>
+  <p:clrMapOvr>
+    <a:masterClrMapping/>
+  </p:clrMapOvr>
+  <p:transition spd="slow">
+    <p:wipe dir="r"/>
+  </p:transition>
+  <p:timing>
+    <p:tnLst>
+      <p:par>
+        <p:cTn id="1" dur="indefinite" restart="never" nodeType="tmRoot">
+          <p:childTnLst>
+            <p:seq concurrent="1" nextAc="seek">
+              <p:cTn id="2" dur="indefinite" nodeType="mainSeq">
+                <p:childTnLst>
+                  <p:par>
+                    <p:cTn id="3" fill="hold">
+                      <p:stCondLst>
+                        <p:cond delay="indefinite"/>
+                      </p:stCondLst>
+                      <p:childTnLst>
+                        <p:par>
+                          <p:cTn id="4" fill="hold">
+                            <p:stCondLst>
+                              <p:cond delay="0"/>
+                            </p:stCondLst>
+                            <p:childTnLst>
+                              <p:par>
+                                <p:cTn id="5" presetID="22" presetClass="entr" presetSubtype="8" fill="hold" nodeType="clickEffect">
+                                  <p:stCondLst>
+                                    <p:cond delay="0"/>
+                                  </p:stCondLst>
+                                  <p:childTnLst>
+                                    <p:set>
+                                      <p:cBhvr>
+                                        <p:cTn id="6" dur="1" fill="hold">
+                                          <p:stCondLst>
+                                            <p:cond delay="0"/>
+                                          </p:stCondLst>
+                                        </p:cTn>
+                                        <p:tgtEl>
+                                          <p:spTgt spid="21"/>
+                                        </p:tgtEl>
+                                        <p:attrNameLst>
+                                          <p:attrName>style.visibility</p:attrName>
+                                        </p:attrNameLst>
+                                      </p:cBhvr>
+                                      <p:to>
+                                        <p:strVal val="visible"/>
+                                      </p:to>
+                                    </p:set>
+                                    <p:animEffect transition="in" filter="wipe(left)">
+                                      <p:cBhvr>
+                                        <p:cTn id="7" dur="500"/>
+                                        <p:tgtEl>
+                                          <p:spTgt spid="21"/>
+                                        </p:tgtEl>
+                                      </p:cBhvr>
+                                    </p:animEffect>
+                                  </p:childTnLst>
+                                </p:cTn>
+                              </p:par>
+                              <p:par>
+                                <p:cTn id="8" presetID="22" presetClass="entr" presetSubtype="8" fill="hold" nodeType="withEffect">
+                                  <p:stCondLst>
+                                    <p:cond delay="0"/>
+                                  </p:stCondLst>
+                                  <p:childTnLst>
+                                    <p:set>
+                                      <p:cBhvr>
+                                        <p:cTn id="9" dur="1" fill="hold">
+                                          <p:stCondLst>
+                                            <p:cond delay="0"/>
+                                          </p:stCondLst>
+                                        </p:cTn>
+                                        <p:tgtEl>
+                                          <p:spTgt spid="7"/>
+                                        </p:tgtEl>
+                                        <p:attrNameLst>
+                                          <p:attrName>style.visibility</p:attrName>
+                                        </p:attrNameLst>
+                                      </p:cBhvr>
+                                      <p:to>
+                                        <p:strVal val="visible"/>
+                                      </p:to>
+                                    </p:set>
+                                    <p:animEffect transition="in" filter="wipe(left)">
+                                      <p:cBhvr>
+                                        <p:cTn id="10" dur="500"/>
+                                        <p:tgtEl>
+                                          <p:spTgt spid="7"/>
+                                        </p:tgtEl>
+                                      </p:cBhvr>
+                                    </p:animEffect>
+                                  </p:childTnLst>
+                                </p:cTn>
+                              </p:par>
+                              <p:par>
+                                <p:cTn id="11" presetID="22" presetClass="entr" presetSubtype="8" fill="hold" grpId="0" nodeType="withEffect">
+                                  <p:stCondLst>
+                                    <p:cond delay="0"/>
+                                  </p:stCondLst>
+                                  <p:childTnLst>
+                                    <p:set>
+                                      <p:cBhvr>
+                                        <p:cTn id="12" dur="1" fill="hold">
+                                          <p:stCondLst>
+                                            <p:cond delay="0"/>
+                                          </p:stCondLst>
+                                        </p:cTn>
+                                        <p:tgtEl>
+                                          <p:spTgt spid="27"/>
+                                        </p:tgtEl>
+                                        <p:attrNameLst>
+                                          <p:attrName>style.visibility</p:attrName>
+                                        </p:attrNameLst>
+                                      </p:cBhvr>
+                                      <p:to>
+                                        <p:strVal val="visible"/>
+                                      </p:to>
+                                    </p:set>
+                                    <p:animEffect transition="in" filter="wipe(left)">
+                                      <p:cBhvr>
+                                        <p:cTn id="13" dur="500"/>
+                                        <p:tgtEl>
+                                          <p:spTgt spid="27"/>
+                                        </p:tgtEl>
+                                      </p:cBhvr>
+                                    </p:animEffect>
+                                  </p:childTnLst>
+                                </p:cTn>
+                              </p:par>
+                              <p:par>
+                                <p:cTn id="14" presetID="22" presetClass="entr" presetSubtype="8" fill="hold" nodeType="withEffect">
+                                  <p:stCondLst>
+                                    <p:cond delay="0"/>
+                                  </p:stCondLst>
+                                  <p:childTnLst>
+                                    <p:set>
+                                      <p:cBhvr>
+                                        <p:cTn id="15" dur="1" fill="hold">
+                                          <p:stCondLst>
+                                            <p:cond delay="0"/>
+                                          </p:stCondLst>
+                                        </p:cTn>
+                                        <p:tgtEl>
+                                          <p:spTgt spid="26"/>
+                                        </p:tgtEl>
+                                        <p:attrNameLst>
+                                          <p:attrName>style.visibility</p:attrName>
+                                        </p:attrNameLst>
+                                      </p:cBhvr>
+                                      <p:to>
+                                        <p:strVal val="visible"/>
+                                      </p:to>
+                                    </p:set>
+                                    <p:animEffect transition="in" filter="wipe(left)">
+                                      <p:cBhvr>
+                                        <p:cTn id="16" dur="500"/>
+                                        <p:tgtEl>
+                                          <p:spTgt spid="26"/>
+                                        </p:tgtEl>
+                                      </p:cBhvr>
+                                    </p:animEffect>
+                                  </p:childTnLst>
+                                </p:cTn>
+                              </p:par>
+                            </p:childTnLst>
+                          </p:cTn>
+                        </p:par>
+                      </p:childTnLst>
+                    </p:cTn>
+                  </p:par>
+                  <p:par>
+                    <p:cTn id="17" fill="hold">
+                      <p:stCondLst>
+                        <p:cond delay="indefinite"/>
+                      </p:stCondLst>
+                      <p:childTnLst>
+                        <p:par>
+                          <p:cTn id="18" fill="hold">
+                            <p:stCondLst>
+                              <p:cond delay="0"/>
+                            </p:stCondLst>
+                            <p:childTnLst>
+                              <p:par>
+                                <p:cTn id="19" presetID="22" presetClass="entr" presetSubtype="8" fill="hold" nodeType="clickEffect">
+                                  <p:stCondLst>
+                                    <p:cond delay="0"/>
+                                  </p:stCondLst>
+                                  <p:childTnLst>
+                                    <p:set>
+                                      <p:cBhvr>
+                                        <p:cTn id="20" dur="1" fill="hold">
+                                          <p:stCondLst>
+                                            <p:cond delay="0"/>
+                                          </p:stCondLst>
+                                        </p:cTn>
+                                        <p:tgtEl>
+                                          <p:spTgt spid="29"/>
+                                        </p:tgtEl>
+                                        <p:attrNameLst>
+                                          <p:attrName>style.visibility</p:attrName>
+                                        </p:attrNameLst>
+                                      </p:cBhvr>
+                                      <p:to>
+                                        <p:strVal val="visible"/>
+                                      </p:to>
+                                    </p:set>
+                                    <p:animEffect transition="in" filter="wipe(left)">
+                                      <p:cBhvr>
+                                        <p:cTn id="21" dur="500"/>
+                                        <p:tgtEl>
+                                          <p:spTgt spid="29"/>
+                                        </p:tgtEl>
+                                      </p:cBhvr>
+                                    </p:animEffect>
+                                  </p:childTnLst>
+                                </p:cTn>
+                              </p:par>
+                              <p:par>
+                                <p:cTn id="22" presetID="22" presetClass="entr" presetSubtype="8" fill="hold" grpId="0" nodeType="withEffect">
+                                  <p:stCondLst>
+                                    <p:cond delay="0"/>
+                                  </p:stCondLst>
+                                  <p:childTnLst>
+                                    <p:set>
+                                      <p:cBhvr>
+                                        <p:cTn id="23" dur="1" fill="hold">
+                                          <p:stCondLst>
+                                            <p:cond delay="0"/>
+                                          </p:stCondLst>
+                                        </p:cTn>
+                                        <p:tgtEl>
+                                          <p:spTgt spid="30"/>
+                                        </p:tgtEl>
+                                        <p:attrNameLst>
+                                          <p:attrName>style.visibility</p:attrName>
+                                        </p:attrNameLst>
+                                      </p:cBhvr>
+                                      <p:to>
+                                        <p:strVal val="visible"/>
+                                      </p:to>
+                                    </p:set>
+                                    <p:animEffect transition="in" filter="wipe(left)">
+                                      <p:cBhvr>
+                                        <p:cTn id="24" dur="500"/>
+                                        <p:tgtEl>
+                                          <p:spTgt spid="30"/>
+                                        </p:tgtEl>
+                                      </p:cBhvr>
+                                    </p:animEffect>
+                                  </p:childTnLst>
+                                </p:cTn>
+                              </p:par>
+                              <p:par>
+                                <p:cTn id="25" presetID="22" presetClass="entr" presetSubtype="8" fill="hold" nodeType="withEffect">
+                                  <p:stCondLst>
+                                    <p:cond delay="0"/>
+                                  </p:stCondLst>
+                                  <p:childTnLst>
+                                    <p:set>
+                                      <p:cBhvr>
+                                        <p:cTn id="26" dur="1" fill="hold">
+                                          <p:stCondLst>
+                                            <p:cond delay="0"/>
+                                          </p:stCondLst>
+                                        </p:cTn>
+                                        <p:tgtEl>
+                                          <p:spTgt spid="6"/>
+                                        </p:tgtEl>
+                                        <p:attrNameLst>
+                                          <p:attrName>style.visibility</p:attrName>
+                                        </p:attrNameLst>
+                                      </p:cBhvr>
+                                      <p:to>
+                                        <p:strVal val="visible"/>
+                                      </p:to>
+                                    </p:set>
+                                    <p:animEffect transition="in" filter="wipe(left)">
+                                      <p:cBhvr>
+                                        <p:cTn id="27" dur="500"/>
+                                        <p:tgtEl>
+                                          <p:spTgt spid="6"/>
+                                        </p:tgtEl>
+                                      </p:cBhvr>
+                                    </p:animEffect>
+                                  </p:childTnLst>
+                                </p:cTn>
+                              </p:par>
+                              <p:par>
+                                <p:cTn id="28" presetID="22" presetClass="entr" presetSubtype="8" fill="hold" nodeType="withEffect">
+                                  <p:stCondLst>
+                                    <p:cond delay="0"/>
+                                  </p:stCondLst>
+                                  <p:childTnLst>
+                                    <p:set>
+                                      <p:cBhvr>
+                                        <p:cTn id="29" dur="1" fill="hold">
+                                          <p:stCondLst>
+                                            <p:cond delay="0"/>
+                                          </p:stCondLst>
+                                        </p:cTn>
+                                        <p:tgtEl>
+                                          <p:spTgt spid="23"/>
+                                        </p:tgtEl>
+                                        <p:attrNameLst>
+                                          <p:attrName>style.visibility</p:attrName>
+                                        </p:attrNameLst>
+                                      </p:cBhvr>
+                                      <p:to>
+                                        <p:strVal val="visible"/>
+                                      </p:to>
+                                    </p:set>
+                                    <p:animEffect transition="in" filter="wipe(left)">
+                                      <p:cBhvr>
+                                        <p:cTn id="30" dur="500"/>
+                                        <p:tgtEl>
+                                          <p:spTgt spid="23"/>
+                                        </p:tgtEl>
+                                      </p:cBhvr>
+                                    </p:animEffect>
+                                  </p:childTnLst>
+                                </p:cTn>
+                              </p:par>
+                            </p:childTnLst>
+                          </p:cTn>
+                        </p:par>
+                      </p:childTnLst>
+                    </p:cTn>
+                  </p:par>
+                  <p:par>
+                    <p:cTn id="31" fill="hold">
+                      <p:stCondLst>
+                        <p:cond delay="indefinite"/>
+                      </p:stCondLst>
+                      <p:childTnLst>
+                        <p:par>
+                          <p:cTn id="32" fill="hold">
+                            <p:stCondLst>
+                              <p:cond delay="0"/>
+                            </p:stCondLst>
+                            <p:childTnLst>
+                              <p:par>
+                                <p:cTn id="33" presetID="22" presetClass="entr" presetSubtype="8" fill="hold" nodeType="clickEffect">
+                                  <p:stCondLst>
+                                    <p:cond delay="0"/>
+                                  </p:stCondLst>
+                                  <p:childTnLst>
+                                    <p:set>
+                                      <p:cBhvr>
+                                        <p:cTn id="34" dur="1" fill="hold">
+                                          <p:stCondLst>
+                                            <p:cond delay="0"/>
+                                          </p:stCondLst>
+                                        </p:cTn>
+                                        <p:tgtEl>
+                                          <p:spTgt spid="16"/>
+                                        </p:tgtEl>
+                                        <p:attrNameLst>
+                                          <p:attrName>style.visibility</p:attrName>
+                                        </p:attrNameLst>
+                                      </p:cBhvr>
+                                      <p:to>
+                                        <p:strVal val="visible"/>
+                                      </p:to>
+                                    </p:set>
+                                    <p:animEffect transition="in" filter="wipe(left)">
+                                      <p:cBhvr>
+                                        <p:cTn id="35" dur="500"/>
+                                        <p:tgtEl>
+                                          <p:spTgt spid="16"/>
+                                        </p:tgtEl>
+                                      </p:cBhvr>
+                                    </p:animEffect>
+                                  </p:childTnLst>
+                                </p:cTn>
+                              </p:par>
+                              <p:par>
+                                <p:cTn id="36" presetID="22" presetClass="entr" presetSubtype="8" fill="hold" nodeType="withEffect">
+                                  <p:stCondLst>
+                                    <p:cond delay="0"/>
+                                  </p:stCondLst>
+                                  <p:childTnLst>
+                                    <p:set>
+                                      <p:cBhvr>
+                                        <p:cTn id="37" dur="1" fill="hold">
+                                          <p:stCondLst>
+                                            <p:cond delay="0"/>
+                                          </p:stCondLst>
+                                        </p:cTn>
+                                        <p:tgtEl>
+                                          <p:spTgt spid="9"/>
+                                        </p:tgtEl>
+                                        <p:attrNameLst>
+                                          <p:attrName>style.visibility</p:attrName>
+                                        </p:attrNameLst>
+                                      </p:cBhvr>
+                                      <p:to>
+                                        <p:strVal val="visible"/>
+                                      </p:to>
+                                    </p:set>
+                                    <p:animEffect transition="in" filter="wipe(left)">
+                                      <p:cBhvr>
+                                        <p:cTn id="38" dur="500"/>
+                                        <p:tgtEl>
+                                          <p:spTgt spid="9"/>
+                                        </p:tgtEl>
+                                      </p:cBhvr>
+                                    </p:animEffect>
+                                  </p:childTnLst>
+                                </p:cTn>
+                              </p:par>
+                            </p:childTnLst>
+                          </p:cTn>
+                        </p:par>
+                      </p:childTnLst>
+                    </p:cTn>
+                  </p:par>
+                </p:childTnLst>
+              </p:cTn>
+              <p:prevCondLst>
+                <p:cond evt="onPrev" delay="0">
+                  <p:tgtEl>
+                    <p:sldTgt/>
+                  </p:tgtEl>
+                </p:cond>
+              </p:prevCondLst>
+              <p:nextCondLst>
+                <p:cond evt="onNext" delay="0">
+                  <p:tgtEl>
+                    <p:sldTgt/>
+                  </p:tgtEl>
+                </p:cond>
+              </p:nextCondLst>
+            </p:seq>
+          </p:childTnLst>
+        </p:cTn>
+      </p:par>
+    </p:tnLst>
+    <p:bldLst>
+      <p:bldP spid="27" grpId="0"/>
+      <p:bldP spid="30" grpId="0"/>
+    </p:bldLst>
+  </p:timing>
+</p:sld>
+</file>
+
+<file path=ppt/slides/slide8.xml><?xml version="1.0" encoding="utf-8"?>
+<p:sld xmlns:a="http://schemas.openxmlformats.org/drawingml/2006/main" xmlns:r="http://schemas.openxmlformats.org/officeDocument/2006/relationships" xmlns:p="http://schemas.openxmlformats.org/presentationml/2006/main">
+  <p:cSld>
+    <p:spTree>
+      <p:nvGrpSpPr>
+        <p:cNvPr id="1" name=""/>
+        <p:cNvGrpSpPr/>
+        <p:nvPr/>
+      </p:nvGrpSpPr>
+      <p:grpSpPr>
+        <a:xfrm>
+          <a:off x="0" y="0"/>
+          <a:ext cx="0" cy="0"/>
+          <a:chOff x="0" y="0"/>
+          <a:chExt cx="0" cy="0"/>
+        </a:xfrm>
+      </p:grpSpPr>
       <p:sp>
         <p:nvSpPr>
           <p:cNvPr id="2" name="Title 1"/>
@@ -15094,7 +14220,7 @@
 </p:sld>
 </file>
 
-<file path=ppt/slides/slide8.xml><?xml version="1.0" encoding="utf-8"?>
+<file path=ppt/slides/slide9.xml><?xml version="1.0" encoding="utf-8"?>
 <p:sld xmlns:a="http://schemas.openxmlformats.org/drawingml/2006/main" xmlns:r="http://schemas.openxmlformats.org/officeDocument/2006/relationships" xmlns:p="http://schemas.openxmlformats.org/presentationml/2006/main">
   <p:cSld>
     <p:spTree>
@@ -17156,135 +16282,6 @@
 </p:sld>
 </file>
 
-<file path=ppt/slides/slide9.xml><?xml version="1.0" encoding="utf-8"?>
-<p:sld xmlns:a="http://schemas.openxmlformats.org/drawingml/2006/main" xmlns:r="http://schemas.openxmlformats.org/officeDocument/2006/relationships" xmlns:p="http://schemas.openxmlformats.org/presentationml/2006/main">
-  <p:cSld>
-    <p:spTree>
-      <p:nvGrpSpPr>
-        <p:cNvPr id="1" name=""/>
-        <p:cNvGrpSpPr/>
-        <p:nvPr/>
-      </p:nvGrpSpPr>
-      <p:grpSpPr>
-        <a:xfrm>
-          <a:off x="0" y="0"/>
-          <a:ext cx="0" cy="0"/>
-          <a:chOff x="0" y="0"/>
-          <a:chExt cx="0" cy="0"/>
-        </a:xfrm>
-      </p:grpSpPr>
-      <p:sp>
-        <p:nvSpPr>
-          <p:cNvPr id="2" name="Title 1"/>
-          <p:cNvSpPr>
-            <a:spLocks noGrp="1"/>
-          </p:cNvSpPr>
-          <p:nvPr>
-            <p:ph type="title"/>
-          </p:nvPr>
-        </p:nvSpPr>
-        <p:spPr/>
-        <p:txBody>
-          <a:bodyPr/>
-          <a:lstStyle/>
-          <a:p>
-            <a:r>
-              <a:rPr lang="en-US" smtClean="0"/>
-              <a:t>RESTful Nirvana?</a:t>
-            </a:r>
-            <a:endParaRPr lang="en-US"/>
-          </a:p>
-        </p:txBody>
-      </p:sp>
-      <p:sp>
-        <p:nvSpPr>
-          <p:cNvPr id="3" name="Content Placeholder 2"/>
-          <p:cNvSpPr>
-            <a:spLocks noGrp="1"/>
-          </p:cNvSpPr>
-          <p:nvPr>
-            <p:ph idx="1"/>
-          </p:nvPr>
-        </p:nvSpPr>
-        <p:spPr>
-          <a:xfrm>
-            <a:off x="680321" y="2336873"/>
-            <a:ext cx="10086002" cy="3599316"/>
-          </a:xfrm>
-        </p:spPr>
-        <p:txBody>
-          <a:bodyPr/>
-          <a:lstStyle/>
-          <a:p>
-            <a:r>
-              <a:rPr lang="en-US" dirty="0" smtClean="0"/>
-              <a:t>All services use plain-old JSON to represent the state being transferred</a:t>
-            </a:r>
-          </a:p>
-          <a:p>
-            <a:r>
-              <a:rPr lang="en-US" dirty="0" smtClean="0"/>
-              <a:t>Everything is fully stateless</a:t>
-            </a:r>
-          </a:p>
-          <a:p>
-            <a:pPr lvl="1"/>
-            <a:r>
-              <a:rPr lang="en-US" dirty="0" smtClean="0"/>
-              <a:t>Only server-side state is authentication session – described by an opaque token</a:t>
-            </a:r>
-          </a:p>
-          <a:p>
-            <a:r>
-              <a:rPr lang="en-US" dirty="0" smtClean="0"/>
-              <a:t>State described as resources and collections of resources</a:t>
-            </a:r>
-          </a:p>
-          <a:p>
-            <a:pPr lvl="1"/>
-            <a:r>
-              <a:rPr lang="en-US" dirty="0" smtClean="0"/>
-              <a:t>Out of band information in HTTP headers</a:t>
-            </a:r>
-          </a:p>
-          <a:p>
-            <a:pPr lvl="1"/>
-            <a:r>
-              <a:rPr lang="en-US" dirty="0" smtClean="0"/>
-              <a:t>Queries to narrow state selection passed in query-strings</a:t>
-            </a:r>
-          </a:p>
-          <a:p>
-            <a:r>
-              <a:rPr lang="en-US" dirty="0" smtClean="0"/>
-              <a:t>Access by standard HTTP verbs: GET, POST, PUT, DELETE</a:t>
-            </a:r>
-          </a:p>
-          <a:p>
-            <a:r>
-              <a:rPr lang="en-US" dirty="0" smtClean="0"/>
-              <a:t>Use of hypermedia links where appropriate</a:t>
-            </a:r>
-            <a:endParaRPr lang="en-US" dirty="0"/>
-          </a:p>
-        </p:txBody>
-      </p:sp>
-    </p:spTree>
-    <p:extLst>
-      <p:ext uri="{BB962C8B-B14F-4D97-AF65-F5344CB8AC3E}">
-        <p14:creationId xmlns:p14="http://schemas.microsoft.com/office/powerpoint/2010/main" val="1040371199"/>
-      </p:ext>
-    </p:extLst>
-  </p:cSld>
-  <p:clrMapOvr>
-    <a:masterClrMapping/>
-  </p:clrMapOvr>
-  <p:transition spd="slow">
-    <p:wipe dir="r"/>
-  </p:transition>
-</p:sld>
-</file>
-
 <file path=ppt/theme/theme1.xml><?xml version="1.0" encoding="utf-8"?>
 <a:theme xmlns:a="http://schemas.openxmlformats.org/drawingml/2006/main" name="Berlin">
   <a:themeElements>
